--- a/Pitch final Minguet.pptx
+++ b/Pitch final Minguet.pptx
@@ -19,8 +19,17 @@
     <p:sldId id="272" r:id="rId13"/>
     <p:sldId id="277" r:id="rId14"/>
     <p:sldId id="276" r:id="rId15"/>
-    <p:sldId id="267" r:id="rId16"/>
-    <p:sldId id="268" r:id="rId17"/>
+    <p:sldId id="283" r:id="rId16"/>
+    <p:sldId id="267" r:id="rId17"/>
+    <p:sldId id="282" r:id="rId18"/>
+    <p:sldId id="278" r:id="rId19"/>
+    <p:sldId id="279" r:id="rId20"/>
+    <p:sldId id="280" r:id="rId21"/>
+    <p:sldId id="284" r:id="rId22"/>
+    <p:sldId id="268" r:id="rId23"/>
+    <p:sldId id="281" r:id="rId24"/>
+    <p:sldId id="285" r:id="rId25"/>
+    <p:sldId id="286" r:id="rId26"/>
   </p:sldIdLst>
   <p:sldSz cx="12192000" cy="6858000"/>
   <p:notesSz cx="6858000" cy="9144000"/>
@@ -2368,6 +2377,1500 @@
 </dgm:colorsDef>
 </file>
 
+<file path=ppt/diagrams/colors4.xml><?xml version="1.0" encoding="utf-8"?>
+<dgm:colorsDef xmlns:dgm="http://schemas.openxmlformats.org/drawingml/2006/diagram" xmlns:a="http://schemas.openxmlformats.org/drawingml/2006/main" uniqueId="urn:microsoft.com/office/officeart/2005/8/colors/accent1_2">
+  <dgm:title val=""/>
+  <dgm:desc val=""/>
+  <dgm:catLst>
+    <dgm:cat type="accent1" pri="11200"/>
+  </dgm:catLst>
+  <dgm:styleLbl name="node0">
+    <dgm:fillClrLst meth="repeat">
+      <a:schemeClr val="accent1"/>
+    </dgm:fillClrLst>
+    <dgm:linClrLst meth="repeat">
+      <a:schemeClr val="lt1"/>
+    </dgm:linClrLst>
+    <dgm:effectClrLst/>
+    <dgm:txLinClrLst/>
+    <dgm:txFillClrLst/>
+    <dgm:txEffectClrLst/>
+  </dgm:styleLbl>
+  <dgm:styleLbl name="alignNode1">
+    <dgm:fillClrLst meth="repeat">
+      <a:schemeClr val="accent1"/>
+    </dgm:fillClrLst>
+    <dgm:linClrLst meth="repeat">
+      <a:schemeClr val="accent1"/>
+    </dgm:linClrLst>
+    <dgm:effectClrLst/>
+    <dgm:txLinClrLst/>
+    <dgm:txFillClrLst/>
+    <dgm:txEffectClrLst/>
+  </dgm:styleLbl>
+  <dgm:styleLbl name="node1">
+    <dgm:fillClrLst meth="repeat">
+      <a:schemeClr val="accent1"/>
+    </dgm:fillClrLst>
+    <dgm:linClrLst meth="repeat">
+      <a:schemeClr val="lt1"/>
+    </dgm:linClrLst>
+    <dgm:effectClrLst/>
+    <dgm:txLinClrLst/>
+    <dgm:txFillClrLst/>
+    <dgm:txEffectClrLst/>
+  </dgm:styleLbl>
+  <dgm:styleLbl name="lnNode1">
+    <dgm:fillClrLst meth="repeat">
+      <a:schemeClr val="accent1"/>
+    </dgm:fillClrLst>
+    <dgm:linClrLst meth="repeat">
+      <a:schemeClr val="lt1"/>
+    </dgm:linClrLst>
+    <dgm:effectClrLst/>
+    <dgm:txLinClrLst/>
+    <dgm:txFillClrLst/>
+    <dgm:txEffectClrLst/>
+  </dgm:styleLbl>
+  <dgm:styleLbl name="vennNode1">
+    <dgm:fillClrLst meth="repeat">
+      <a:schemeClr val="accent1">
+        <a:alpha val="50000"/>
+      </a:schemeClr>
+    </dgm:fillClrLst>
+    <dgm:linClrLst meth="repeat">
+      <a:schemeClr val="lt1"/>
+    </dgm:linClrLst>
+    <dgm:effectClrLst/>
+    <dgm:txLinClrLst/>
+    <dgm:txFillClrLst/>
+    <dgm:txEffectClrLst/>
+  </dgm:styleLbl>
+  <dgm:styleLbl name="node2">
+    <dgm:fillClrLst meth="repeat">
+      <a:schemeClr val="accent1"/>
+    </dgm:fillClrLst>
+    <dgm:linClrLst meth="repeat">
+      <a:schemeClr val="lt1"/>
+    </dgm:linClrLst>
+    <dgm:effectClrLst/>
+    <dgm:txLinClrLst/>
+    <dgm:txFillClrLst/>
+    <dgm:txEffectClrLst/>
+  </dgm:styleLbl>
+  <dgm:styleLbl name="node3">
+    <dgm:fillClrLst meth="repeat">
+      <a:schemeClr val="accent1"/>
+    </dgm:fillClrLst>
+    <dgm:linClrLst meth="repeat">
+      <a:schemeClr val="lt1"/>
+    </dgm:linClrLst>
+    <dgm:effectClrLst/>
+    <dgm:txLinClrLst/>
+    <dgm:txFillClrLst/>
+    <dgm:txEffectClrLst/>
+  </dgm:styleLbl>
+  <dgm:styleLbl name="node4">
+    <dgm:fillClrLst meth="repeat">
+      <a:schemeClr val="accent1"/>
+    </dgm:fillClrLst>
+    <dgm:linClrLst meth="repeat">
+      <a:schemeClr val="lt1"/>
+    </dgm:linClrLst>
+    <dgm:effectClrLst/>
+    <dgm:txLinClrLst/>
+    <dgm:txFillClrLst/>
+    <dgm:txEffectClrLst/>
+  </dgm:styleLbl>
+  <dgm:styleLbl name="fgImgPlace1">
+    <dgm:fillClrLst meth="repeat">
+      <a:schemeClr val="accent1">
+        <a:tint val="50000"/>
+      </a:schemeClr>
+    </dgm:fillClrLst>
+    <dgm:linClrLst meth="repeat">
+      <a:schemeClr val="lt1"/>
+    </dgm:linClrLst>
+    <dgm:effectClrLst/>
+    <dgm:txLinClrLst/>
+    <dgm:txFillClrLst meth="repeat">
+      <a:schemeClr val="lt1"/>
+    </dgm:txFillClrLst>
+    <dgm:txEffectClrLst/>
+  </dgm:styleLbl>
+  <dgm:styleLbl name="alignImgPlace1">
+    <dgm:fillClrLst meth="repeat">
+      <a:schemeClr val="accent1">
+        <a:tint val="50000"/>
+      </a:schemeClr>
+    </dgm:fillClrLst>
+    <dgm:linClrLst meth="repeat">
+      <a:schemeClr val="lt1"/>
+    </dgm:linClrLst>
+    <dgm:effectClrLst/>
+    <dgm:txLinClrLst/>
+    <dgm:txFillClrLst meth="repeat">
+      <a:schemeClr val="lt1"/>
+    </dgm:txFillClrLst>
+    <dgm:txEffectClrLst/>
+  </dgm:styleLbl>
+  <dgm:styleLbl name="bgImgPlace1">
+    <dgm:fillClrLst meth="repeat">
+      <a:schemeClr val="accent1">
+        <a:tint val="50000"/>
+      </a:schemeClr>
+    </dgm:fillClrLst>
+    <dgm:linClrLst meth="repeat">
+      <a:schemeClr val="lt1"/>
+    </dgm:linClrLst>
+    <dgm:effectClrLst/>
+    <dgm:txLinClrLst/>
+    <dgm:txFillClrLst meth="repeat">
+      <a:schemeClr val="lt1"/>
+    </dgm:txFillClrLst>
+    <dgm:txEffectClrLst/>
+  </dgm:styleLbl>
+  <dgm:styleLbl name="sibTrans2D1">
+    <dgm:fillClrLst meth="repeat">
+      <a:schemeClr val="accent1">
+        <a:tint val="60000"/>
+      </a:schemeClr>
+    </dgm:fillClrLst>
+    <dgm:linClrLst meth="repeat">
+      <a:schemeClr val="accent1">
+        <a:tint val="60000"/>
+      </a:schemeClr>
+    </dgm:linClrLst>
+    <dgm:effectClrLst/>
+    <dgm:txLinClrLst/>
+    <dgm:txFillClrLst/>
+    <dgm:txEffectClrLst/>
+  </dgm:styleLbl>
+  <dgm:styleLbl name="fgSibTrans2D1">
+    <dgm:fillClrLst meth="repeat">
+      <a:schemeClr val="accent1">
+        <a:tint val="60000"/>
+      </a:schemeClr>
+    </dgm:fillClrLst>
+    <dgm:linClrLst meth="repeat">
+      <a:schemeClr val="accent1">
+        <a:tint val="60000"/>
+      </a:schemeClr>
+    </dgm:linClrLst>
+    <dgm:effectClrLst/>
+    <dgm:txLinClrLst/>
+    <dgm:txFillClrLst/>
+    <dgm:txEffectClrLst/>
+  </dgm:styleLbl>
+  <dgm:styleLbl name="bgSibTrans2D1">
+    <dgm:fillClrLst meth="repeat">
+      <a:schemeClr val="accent1">
+        <a:tint val="60000"/>
+      </a:schemeClr>
+    </dgm:fillClrLst>
+    <dgm:linClrLst meth="repeat">
+      <a:schemeClr val="accent1">
+        <a:tint val="60000"/>
+      </a:schemeClr>
+    </dgm:linClrLst>
+    <dgm:effectClrLst/>
+    <dgm:txLinClrLst/>
+    <dgm:txFillClrLst/>
+    <dgm:txEffectClrLst/>
+  </dgm:styleLbl>
+  <dgm:styleLbl name="sibTrans1D1">
+    <dgm:fillClrLst meth="repeat">
+      <a:schemeClr val="accent1"/>
+    </dgm:fillClrLst>
+    <dgm:linClrLst meth="repeat">
+      <a:schemeClr val="accent1"/>
+    </dgm:linClrLst>
+    <dgm:effectClrLst/>
+    <dgm:txLinClrLst/>
+    <dgm:txFillClrLst meth="repeat">
+      <a:schemeClr val="tx1"/>
+    </dgm:txFillClrLst>
+    <dgm:txEffectClrLst/>
+  </dgm:styleLbl>
+  <dgm:styleLbl name="callout">
+    <dgm:fillClrLst meth="repeat">
+      <a:schemeClr val="accent1"/>
+    </dgm:fillClrLst>
+    <dgm:linClrLst meth="repeat">
+      <a:schemeClr val="accent1">
+        <a:tint val="50000"/>
+      </a:schemeClr>
+    </dgm:linClrLst>
+    <dgm:effectClrLst/>
+    <dgm:txLinClrLst/>
+    <dgm:txFillClrLst meth="repeat">
+      <a:schemeClr val="tx1"/>
+    </dgm:txFillClrLst>
+    <dgm:txEffectClrLst/>
+  </dgm:styleLbl>
+  <dgm:styleLbl name="asst0">
+    <dgm:fillClrLst meth="repeat">
+      <a:schemeClr val="accent1"/>
+    </dgm:fillClrLst>
+    <dgm:linClrLst meth="repeat">
+      <a:schemeClr val="lt1"/>
+    </dgm:linClrLst>
+    <dgm:effectClrLst/>
+    <dgm:txLinClrLst/>
+    <dgm:txFillClrLst/>
+    <dgm:txEffectClrLst/>
+  </dgm:styleLbl>
+  <dgm:styleLbl name="asst1">
+    <dgm:fillClrLst meth="repeat">
+      <a:schemeClr val="accent1"/>
+    </dgm:fillClrLst>
+    <dgm:linClrLst meth="repeat">
+      <a:schemeClr val="lt1"/>
+    </dgm:linClrLst>
+    <dgm:effectClrLst/>
+    <dgm:txLinClrLst/>
+    <dgm:txFillClrLst/>
+    <dgm:txEffectClrLst/>
+  </dgm:styleLbl>
+  <dgm:styleLbl name="asst2">
+    <dgm:fillClrLst meth="repeat">
+      <a:schemeClr val="accent1"/>
+    </dgm:fillClrLst>
+    <dgm:linClrLst meth="repeat">
+      <a:schemeClr val="lt1"/>
+    </dgm:linClrLst>
+    <dgm:effectClrLst/>
+    <dgm:txLinClrLst/>
+    <dgm:txFillClrLst/>
+    <dgm:txEffectClrLst/>
+  </dgm:styleLbl>
+  <dgm:styleLbl name="asst3">
+    <dgm:fillClrLst meth="repeat">
+      <a:schemeClr val="accent1"/>
+    </dgm:fillClrLst>
+    <dgm:linClrLst meth="repeat">
+      <a:schemeClr val="lt1"/>
+    </dgm:linClrLst>
+    <dgm:effectClrLst/>
+    <dgm:txLinClrLst/>
+    <dgm:txFillClrLst/>
+    <dgm:txEffectClrLst/>
+  </dgm:styleLbl>
+  <dgm:styleLbl name="asst4">
+    <dgm:fillClrLst meth="repeat">
+      <a:schemeClr val="accent1"/>
+    </dgm:fillClrLst>
+    <dgm:linClrLst meth="repeat">
+      <a:schemeClr val="lt1"/>
+    </dgm:linClrLst>
+    <dgm:effectClrLst/>
+    <dgm:txLinClrLst/>
+    <dgm:txFillClrLst/>
+    <dgm:txEffectClrLst/>
+  </dgm:styleLbl>
+  <dgm:styleLbl name="parChTrans2D1">
+    <dgm:fillClrLst meth="repeat">
+      <a:schemeClr val="accent1">
+        <a:tint val="60000"/>
+      </a:schemeClr>
+    </dgm:fillClrLst>
+    <dgm:linClrLst meth="repeat">
+      <a:schemeClr val="accent1">
+        <a:tint val="60000"/>
+      </a:schemeClr>
+    </dgm:linClrLst>
+    <dgm:effectClrLst/>
+    <dgm:txLinClrLst/>
+    <dgm:txFillClrLst meth="repeat">
+      <a:schemeClr val="lt1"/>
+    </dgm:txFillClrLst>
+    <dgm:txEffectClrLst/>
+  </dgm:styleLbl>
+  <dgm:styleLbl name="parChTrans2D2">
+    <dgm:fillClrLst meth="repeat">
+      <a:schemeClr val="accent1"/>
+    </dgm:fillClrLst>
+    <dgm:linClrLst meth="repeat">
+      <a:schemeClr val="accent1"/>
+    </dgm:linClrLst>
+    <dgm:effectClrLst/>
+    <dgm:txLinClrLst/>
+    <dgm:txFillClrLst meth="repeat">
+      <a:schemeClr val="lt1"/>
+    </dgm:txFillClrLst>
+    <dgm:txEffectClrLst/>
+  </dgm:styleLbl>
+  <dgm:styleLbl name="parChTrans2D3">
+    <dgm:fillClrLst meth="repeat">
+      <a:schemeClr val="accent1"/>
+    </dgm:fillClrLst>
+    <dgm:linClrLst meth="repeat">
+      <a:schemeClr val="accent1"/>
+    </dgm:linClrLst>
+    <dgm:effectClrLst/>
+    <dgm:txLinClrLst/>
+    <dgm:txFillClrLst meth="repeat">
+      <a:schemeClr val="lt1"/>
+    </dgm:txFillClrLst>
+    <dgm:txEffectClrLst/>
+  </dgm:styleLbl>
+  <dgm:styleLbl name="parChTrans2D4">
+    <dgm:fillClrLst meth="repeat">
+      <a:schemeClr val="accent1"/>
+    </dgm:fillClrLst>
+    <dgm:linClrLst meth="repeat">
+      <a:schemeClr val="accent1"/>
+    </dgm:linClrLst>
+    <dgm:effectClrLst/>
+    <dgm:txLinClrLst/>
+    <dgm:txFillClrLst meth="repeat">
+      <a:schemeClr val="lt1"/>
+    </dgm:txFillClrLst>
+    <dgm:txEffectClrLst/>
+  </dgm:styleLbl>
+  <dgm:styleLbl name="parChTrans1D1">
+    <dgm:fillClrLst meth="repeat">
+      <a:schemeClr val="accent1"/>
+    </dgm:fillClrLst>
+    <dgm:linClrLst meth="repeat">
+      <a:schemeClr val="accent1">
+        <a:shade val="60000"/>
+      </a:schemeClr>
+    </dgm:linClrLst>
+    <dgm:effectClrLst/>
+    <dgm:txLinClrLst/>
+    <dgm:txFillClrLst meth="repeat">
+      <a:schemeClr val="tx1"/>
+    </dgm:txFillClrLst>
+    <dgm:txEffectClrLst/>
+  </dgm:styleLbl>
+  <dgm:styleLbl name="parChTrans1D2">
+    <dgm:fillClrLst meth="repeat">
+      <a:schemeClr val="accent1"/>
+    </dgm:fillClrLst>
+    <dgm:linClrLst meth="repeat">
+      <a:schemeClr val="accent1">
+        <a:shade val="60000"/>
+      </a:schemeClr>
+    </dgm:linClrLst>
+    <dgm:effectClrLst/>
+    <dgm:txLinClrLst/>
+    <dgm:txFillClrLst meth="repeat">
+      <a:schemeClr val="tx1"/>
+    </dgm:txFillClrLst>
+    <dgm:txEffectClrLst/>
+  </dgm:styleLbl>
+  <dgm:styleLbl name="parChTrans1D3">
+    <dgm:fillClrLst meth="repeat">
+      <a:schemeClr val="accent1"/>
+    </dgm:fillClrLst>
+    <dgm:linClrLst meth="repeat">
+      <a:schemeClr val="accent1">
+        <a:shade val="80000"/>
+      </a:schemeClr>
+    </dgm:linClrLst>
+    <dgm:effectClrLst/>
+    <dgm:txLinClrLst/>
+    <dgm:txFillClrLst meth="repeat">
+      <a:schemeClr val="tx1"/>
+    </dgm:txFillClrLst>
+    <dgm:txEffectClrLst/>
+  </dgm:styleLbl>
+  <dgm:styleLbl name="parChTrans1D4">
+    <dgm:fillClrLst meth="repeat">
+      <a:schemeClr val="accent1"/>
+    </dgm:fillClrLst>
+    <dgm:linClrLst meth="repeat">
+      <a:schemeClr val="accent1">
+        <a:shade val="80000"/>
+      </a:schemeClr>
+    </dgm:linClrLst>
+    <dgm:effectClrLst/>
+    <dgm:txLinClrLst/>
+    <dgm:txFillClrLst meth="repeat">
+      <a:schemeClr val="tx1"/>
+    </dgm:txFillClrLst>
+    <dgm:txEffectClrLst/>
+  </dgm:styleLbl>
+  <dgm:styleLbl name="fgAcc1">
+    <dgm:fillClrLst meth="repeat">
+      <a:schemeClr val="lt1">
+        <a:alpha val="90000"/>
+      </a:schemeClr>
+    </dgm:fillClrLst>
+    <dgm:linClrLst meth="repeat">
+      <a:schemeClr val="accent1"/>
+    </dgm:linClrLst>
+    <dgm:effectClrLst/>
+    <dgm:txLinClrLst/>
+    <dgm:txFillClrLst meth="repeat">
+      <a:schemeClr val="dk1"/>
+    </dgm:txFillClrLst>
+    <dgm:txEffectClrLst/>
+  </dgm:styleLbl>
+  <dgm:styleLbl name="conFgAcc1">
+    <dgm:fillClrLst meth="repeat">
+      <a:schemeClr val="lt1">
+        <a:alpha val="90000"/>
+      </a:schemeClr>
+    </dgm:fillClrLst>
+    <dgm:linClrLst meth="repeat">
+      <a:schemeClr val="accent1"/>
+    </dgm:linClrLst>
+    <dgm:effectClrLst/>
+    <dgm:txLinClrLst/>
+    <dgm:txFillClrLst meth="repeat">
+      <a:schemeClr val="dk1"/>
+    </dgm:txFillClrLst>
+    <dgm:txEffectClrLst/>
+  </dgm:styleLbl>
+  <dgm:styleLbl name="alignAcc1">
+    <dgm:fillClrLst meth="repeat">
+      <a:schemeClr val="lt1">
+        <a:alpha val="90000"/>
+      </a:schemeClr>
+    </dgm:fillClrLst>
+    <dgm:linClrLst meth="repeat">
+      <a:schemeClr val="accent1"/>
+    </dgm:linClrLst>
+    <dgm:effectClrLst/>
+    <dgm:txLinClrLst/>
+    <dgm:txFillClrLst meth="repeat">
+      <a:schemeClr val="dk1"/>
+    </dgm:txFillClrLst>
+    <dgm:txEffectClrLst/>
+  </dgm:styleLbl>
+  <dgm:styleLbl name="trAlignAcc1">
+    <dgm:fillClrLst meth="repeat">
+      <a:schemeClr val="lt1">
+        <a:alpha val="40000"/>
+      </a:schemeClr>
+    </dgm:fillClrLst>
+    <dgm:linClrLst meth="repeat">
+      <a:schemeClr val="accent1"/>
+    </dgm:linClrLst>
+    <dgm:effectClrLst/>
+    <dgm:txLinClrLst/>
+    <dgm:txFillClrLst meth="repeat">
+      <a:schemeClr val="dk1"/>
+    </dgm:txFillClrLst>
+    <dgm:txEffectClrLst/>
+  </dgm:styleLbl>
+  <dgm:styleLbl name="bgAcc1">
+    <dgm:fillClrLst meth="repeat">
+      <a:schemeClr val="lt1">
+        <a:alpha val="90000"/>
+      </a:schemeClr>
+    </dgm:fillClrLst>
+    <dgm:linClrLst meth="repeat">
+      <a:schemeClr val="accent1"/>
+    </dgm:linClrLst>
+    <dgm:effectClrLst/>
+    <dgm:txLinClrLst/>
+    <dgm:txFillClrLst meth="repeat">
+      <a:schemeClr val="dk1"/>
+    </dgm:txFillClrLst>
+    <dgm:txEffectClrLst/>
+  </dgm:styleLbl>
+  <dgm:styleLbl name="solidFgAcc1">
+    <dgm:fillClrLst meth="repeat">
+      <a:schemeClr val="lt1"/>
+    </dgm:fillClrLst>
+    <dgm:linClrLst meth="repeat">
+      <a:schemeClr val="accent1"/>
+    </dgm:linClrLst>
+    <dgm:effectClrLst/>
+    <dgm:txLinClrLst/>
+    <dgm:txFillClrLst meth="repeat">
+      <a:schemeClr val="dk1"/>
+    </dgm:txFillClrLst>
+    <dgm:txEffectClrLst/>
+  </dgm:styleLbl>
+  <dgm:styleLbl name="solidAlignAcc1">
+    <dgm:fillClrLst meth="repeat">
+      <a:schemeClr val="lt1"/>
+    </dgm:fillClrLst>
+    <dgm:linClrLst meth="repeat">
+      <a:schemeClr val="accent1"/>
+    </dgm:linClrLst>
+    <dgm:effectClrLst/>
+    <dgm:txLinClrLst/>
+    <dgm:txFillClrLst meth="repeat">
+      <a:schemeClr val="dk1"/>
+    </dgm:txFillClrLst>
+    <dgm:txEffectClrLst/>
+  </dgm:styleLbl>
+  <dgm:styleLbl name="solidBgAcc1">
+    <dgm:fillClrLst meth="repeat">
+      <a:schemeClr val="lt1"/>
+    </dgm:fillClrLst>
+    <dgm:linClrLst meth="repeat">
+      <a:schemeClr val="accent1"/>
+    </dgm:linClrLst>
+    <dgm:effectClrLst/>
+    <dgm:txLinClrLst/>
+    <dgm:txFillClrLst meth="repeat">
+      <a:schemeClr val="dk1"/>
+    </dgm:txFillClrLst>
+    <dgm:txEffectClrLst/>
+  </dgm:styleLbl>
+  <dgm:styleLbl name="fgAccFollowNode1">
+    <dgm:fillClrLst meth="repeat">
+      <a:schemeClr val="accent1">
+        <a:alpha val="90000"/>
+        <a:tint val="40000"/>
+      </a:schemeClr>
+    </dgm:fillClrLst>
+    <dgm:linClrLst meth="repeat">
+      <a:schemeClr val="accent1">
+        <a:alpha val="90000"/>
+        <a:tint val="40000"/>
+      </a:schemeClr>
+    </dgm:linClrLst>
+    <dgm:effectClrLst/>
+    <dgm:txLinClrLst/>
+    <dgm:txFillClrLst meth="repeat">
+      <a:schemeClr val="dk1"/>
+    </dgm:txFillClrLst>
+    <dgm:txEffectClrLst/>
+  </dgm:styleLbl>
+  <dgm:styleLbl name="alignAccFollowNode1">
+    <dgm:fillClrLst meth="repeat">
+      <a:schemeClr val="accent1">
+        <a:alpha val="90000"/>
+        <a:tint val="40000"/>
+      </a:schemeClr>
+    </dgm:fillClrLst>
+    <dgm:linClrLst meth="repeat">
+      <a:schemeClr val="accent1">
+        <a:alpha val="90000"/>
+        <a:tint val="40000"/>
+      </a:schemeClr>
+    </dgm:linClrLst>
+    <dgm:effectClrLst/>
+    <dgm:txLinClrLst/>
+    <dgm:txFillClrLst meth="repeat">
+      <a:schemeClr val="dk1"/>
+    </dgm:txFillClrLst>
+    <dgm:txEffectClrLst/>
+  </dgm:styleLbl>
+  <dgm:styleLbl name="bgAccFollowNode1">
+    <dgm:fillClrLst meth="repeat">
+      <a:schemeClr val="accent1">
+        <a:alpha val="90000"/>
+        <a:tint val="40000"/>
+      </a:schemeClr>
+    </dgm:fillClrLst>
+    <dgm:linClrLst meth="repeat">
+      <a:schemeClr val="accent1">
+        <a:alpha val="90000"/>
+        <a:tint val="40000"/>
+      </a:schemeClr>
+    </dgm:linClrLst>
+    <dgm:effectClrLst/>
+    <dgm:txLinClrLst/>
+    <dgm:txFillClrLst meth="repeat">
+      <a:schemeClr val="dk1"/>
+    </dgm:txFillClrLst>
+    <dgm:txEffectClrLst/>
+  </dgm:styleLbl>
+  <dgm:styleLbl name="fgAcc0">
+    <dgm:fillClrLst meth="repeat">
+      <a:schemeClr val="lt1">
+        <a:alpha val="90000"/>
+      </a:schemeClr>
+    </dgm:fillClrLst>
+    <dgm:linClrLst meth="repeat">
+      <a:schemeClr val="accent1"/>
+    </dgm:linClrLst>
+    <dgm:effectClrLst/>
+    <dgm:txLinClrLst/>
+    <dgm:txFillClrLst meth="repeat">
+      <a:schemeClr val="dk1"/>
+    </dgm:txFillClrLst>
+    <dgm:txEffectClrLst/>
+  </dgm:styleLbl>
+  <dgm:styleLbl name="fgAcc2">
+    <dgm:fillClrLst meth="repeat">
+      <a:schemeClr val="lt1">
+        <a:alpha val="90000"/>
+      </a:schemeClr>
+    </dgm:fillClrLst>
+    <dgm:linClrLst meth="repeat">
+      <a:schemeClr val="accent1"/>
+    </dgm:linClrLst>
+    <dgm:effectClrLst/>
+    <dgm:txLinClrLst/>
+    <dgm:txFillClrLst meth="repeat">
+      <a:schemeClr val="dk1"/>
+    </dgm:txFillClrLst>
+    <dgm:txEffectClrLst/>
+  </dgm:styleLbl>
+  <dgm:styleLbl name="fgAcc3">
+    <dgm:fillClrLst meth="repeat">
+      <a:schemeClr val="lt1">
+        <a:alpha val="90000"/>
+      </a:schemeClr>
+    </dgm:fillClrLst>
+    <dgm:linClrLst meth="repeat">
+      <a:schemeClr val="accent1"/>
+    </dgm:linClrLst>
+    <dgm:effectClrLst/>
+    <dgm:txLinClrLst/>
+    <dgm:txFillClrLst meth="repeat">
+      <a:schemeClr val="dk1"/>
+    </dgm:txFillClrLst>
+    <dgm:txEffectClrLst/>
+  </dgm:styleLbl>
+  <dgm:styleLbl name="fgAcc4">
+    <dgm:fillClrLst meth="repeat">
+      <a:schemeClr val="lt1">
+        <a:alpha val="90000"/>
+      </a:schemeClr>
+    </dgm:fillClrLst>
+    <dgm:linClrLst meth="repeat">
+      <a:schemeClr val="accent1"/>
+    </dgm:linClrLst>
+    <dgm:effectClrLst/>
+    <dgm:txLinClrLst/>
+    <dgm:txFillClrLst meth="repeat">
+      <a:schemeClr val="dk1"/>
+    </dgm:txFillClrLst>
+    <dgm:txEffectClrLst/>
+  </dgm:styleLbl>
+  <dgm:styleLbl name="bgShp">
+    <dgm:fillClrLst meth="repeat">
+      <a:schemeClr val="accent1">
+        <a:tint val="40000"/>
+      </a:schemeClr>
+    </dgm:fillClrLst>
+    <dgm:linClrLst meth="repeat">
+      <a:schemeClr val="accent1"/>
+    </dgm:linClrLst>
+    <dgm:effectClrLst/>
+    <dgm:txLinClrLst/>
+    <dgm:txFillClrLst meth="repeat">
+      <a:schemeClr val="dk1"/>
+    </dgm:txFillClrLst>
+    <dgm:txEffectClrLst/>
+  </dgm:styleLbl>
+  <dgm:styleLbl name="dkBgShp">
+    <dgm:fillClrLst meth="repeat">
+      <a:schemeClr val="accent1">
+        <a:shade val="80000"/>
+      </a:schemeClr>
+    </dgm:fillClrLst>
+    <dgm:linClrLst meth="repeat">
+      <a:schemeClr val="accent1"/>
+    </dgm:linClrLst>
+    <dgm:effectClrLst/>
+    <dgm:txLinClrLst/>
+    <dgm:txFillClrLst meth="repeat">
+      <a:schemeClr val="lt1"/>
+    </dgm:txFillClrLst>
+    <dgm:txEffectClrLst/>
+  </dgm:styleLbl>
+  <dgm:styleLbl name="trBgShp">
+    <dgm:fillClrLst meth="repeat">
+      <a:schemeClr val="accent1">
+        <a:tint val="50000"/>
+        <a:alpha val="40000"/>
+      </a:schemeClr>
+    </dgm:fillClrLst>
+    <dgm:linClrLst meth="repeat">
+      <a:schemeClr val="accent1"/>
+    </dgm:linClrLst>
+    <dgm:effectClrLst/>
+    <dgm:txLinClrLst/>
+    <dgm:txFillClrLst meth="repeat">
+      <a:schemeClr val="lt1"/>
+    </dgm:txFillClrLst>
+    <dgm:txEffectClrLst/>
+  </dgm:styleLbl>
+  <dgm:styleLbl name="fgShp">
+    <dgm:fillClrLst meth="repeat">
+      <a:schemeClr val="accent1">
+        <a:tint val="60000"/>
+      </a:schemeClr>
+    </dgm:fillClrLst>
+    <dgm:linClrLst meth="repeat">
+      <a:schemeClr val="lt1"/>
+    </dgm:linClrLst>
+    <dgm:effectClrLst/>
+    <dgm:txLinClrLst/>
+    <dgm:txFillClrLst meth="repeat">
+      <a:schemeClr val="dk1"/>
+    </dgm:txFillClrLst>
+    <dgm:txEffectClrLst/>
+  </dgm:styleLbl>
+  <dgm:styleLbl name="revTx">
+    <dgm:fillClrLst meth="repeat">
+      <a:schemeClr val="lt1">
+        <a:alpha val="0"/>
+      </a:schemeClr>
+    </dgm:fillClrLst>
+    <dgm:linClrLst meth="repeat">
+      <a:schemeClr val="dk1">
+        <a:alpha val="0"/>
+      </a:schemeClr>
+    </dgm:linClrLst>
+    <dgm:effectClrLst/>
+    <dgm:txLinClrLst/>
+    <dgm:txFillClrLst meth="repeat">
+      <a:schemeClr val="tx1"/>
+    </dgm:txFillClrLst>
+    <dgm:txEffectClrLst/>
+  </dgm:styleLbl>
+</dgm:colorsDef>
+</file>
+
+<file path=ppt/diagrams/colors5.xml><?xml version="1.0" encoding="utf-8"?>
+<dgm:colorsDef xmlns:dgm="http://schemas.openxmlformats.org/drawingml/2006/diagram" xmlns:a="http://schemas.openxmlformats.org/drawingml/2006/main" uniqueId="urn:microsoft.com/office/officeart/2005/8/colors/accent1_2">
+  <dgm:title val=""/>
+  <dgm:desc val=""/>
+  <dgm:catLst>
+    <dgm:cat type="accent1" pri="11200"/>
+  </dgm:catLst>
+  <dgm:styleLbl name="node0">
+    <dgm:fillClrLst meth="repeat">
+      <a:schemeClr val="accent1"/>
+    </dgm:fillClrLst>
+    <dgm:linClrLst meth="repeat">
+      <a:schemeClr val="lt1"/>
+    </dgm:linClrLst>
+    <dgm:effectClrLst/>
+    <dgm:txLinClrLst/>
+    <dgm:txFillClrLst/>
+    <dgm:txEffectClrLst/>
+  </dgm:styleLbl>
+  <dgm:styleLbl name="alignNode1">
+    <dgm:fillClrLst meth="repeat">
+      <a:schemeClr val="accent1"/>
+    </dgm:fillClrLst>
+    <dgm:linClrLst meth="repeat">
+      <a:schemeClr val="accent1"/>
+    </dgm:linClrLst>
+    <dgm:effectClrLst/>
+    <dgm:txLinClrLst/>
+    <dgm:txFillClrLst/>
+    <dgm:txEffectClrLst/>
+  </dgm:styleLbl>
+  <dgm:styleLbl name="node1">
+    <dgm:fillClrLst meth="repeat">
+      <a:schemeClr val="accent1"/>
+    </dgm:fillClrLst>
+    <dgm:linClrLst meth="repeat">
+      <a:schemeClr val="lt1"/>
+    </dgm:linClrLst>
+    <dgm:effectClrLst/>
+    <dgm:txLinClrLst/>
+    <dgm:txFillClrLst/>
+    <dgm:txEffectClrLst/>
+  </dgm:styleLbl>
+  <dgm:styleLbl name="lnNode1">
+    <dgm:fillClrLst meth="repeat">
+      <a:schemeClr val="accent1"/>
+    </dgm:fillClrLst>
+    <dgm:linClrLst meth="repeat">
+      <a:schemeClr val="lt1"/>
+    </dgm:linClrLst>
+    <dgm:effectClrLst/>
+    <dgm:txLinClrLst/>
+    <dgm:txFillClrLst/>
+    <dgm:txEffectClrLst/>
+  </dgm:styleLbl>
+  <dgm:styleLbl name="vennNode1">
+    <dgm:fillClrLst meth="repeat">
+      <a:schemeClr val="accent1">
+        <a:alpha val="50000"/>
+      </a:schemeClr>
+    </dgm:fillClrLst>
+    <dgm:linClrLst meth="repeat">
+      <a:schemeClr val="lt1"/>
+    </dgm:linClrLst>
+    <dgm:effectClrLst/>
+    <dgm:txLinClrLst/>
+    <dgm:txFillClrLst/>
+    <dgm:txEffectClrLst/>
+  </dgm:styleLbl>
+  <dgm:styleLbl name="node2">
+    <dgm:fillClrLst meth="repeat">
+      <a:schemeClr val="accent1"/>
+    </dgm:fillClrLst>
+    <dgm:linClrLst meth="repeat">
+      <a:schemeClr val="lt1"/>
+    </dgm:linClrLst>
+    <dgm:effectClrLst/>
+    <dgm:txLinClrLst/>
+    <dgm:txFillClrLst/>
+    <dgm:txEffectClrLst/>
+  </dgm:styleLbl>
+  <dgm:styleLbl name="node3">
+    <dgm:fillClrLst meth="repeat">
+      <a:schemeClr val="accent1"/>
+    </dgm:fillClrLst>
+    <dgm:linClrLst meth="repeat">
+      <a:schemeClr val="lt1"/>
+    </dgm:linClrLst>
+    <dgm:effectClrLst/>
+    <dgm:txLinClrLst/>
+    <dgm:txFillClrLst/>
+    <dgm:txEffectClrLst/>
+  </dgm:styleLbl>
+  <dgm:styleLbl name="node4">
+    <dgm:fillClrLst meth="repeat">
+      <a:schemeClr val="accent1"/>
+    </dgm:fillClrLst>
+    <dgm:linClrLst meth="repeat">
+      <a:schemeClr val="lt1"/>
+    </dgm:linClrLst>
+    <dgm:effectClrLst/>
+    <dgm:txLinClrLst/>
+    <dgm:txFillClrLst/>
+    <dgm:txEffectClrLst/>
+  </dgm:styleLbl>
+  <dgm:styleLbl name="fgImgPlace1">
+    <dgm:fillClrLst meth="repeat">
+      <a:schemeClr val="accent1">
+        <a:tint val="50000"/>
+      </a:schemeClr>
+    </dgm:fillClrLst>
+    <dgm:linClrLst meth="repeat">
+      <a:schemeClr val="lt1"/>
+    </dgm:linClrLst>
+    <dgm:effectClrLst/>
+    <dgm:txLinClrLst/>
+    <dgm:txFillClrLst meth="repeat">
+      <a:schemeClr val="lt1"/>
+    </dgm:txFillClrLst>
+    <dgm:txEffectClrLst/>
+  </dgm:styleLbl>
+  <dgm:styleLbl name="alignImgPlace1">
+    <dgm:fillClrLst meth="repeat">
+      <a:schemeClr val="accent1">
+        <a:tint val="50000"/>
+      </a:schemeClr>
+    </dgm:fillClrLst>
+    <dgm:linClrLst meth="repeat">
+      <a:schemeClr val="lt1"/>
+    </dgm:linClrLst>
+    <dgm:effectClrLst/>
+    <dgm:txLinClrLst/>
+    <dgm:txFillClrLst meth="repeat">
+      <a:schemeClr val="lt1"/>
+    </dgm:txFillClrLst>
+    <dgm:txEffectClrLst/>
+  </dgm:styleLbl>
+  <dgm:styleLbl name="bgImgPlace1">
+    <dgm:fillClrLst meth="repeat">
+      <a:schemeClr val="accent1">
+        <a:tint val="50000"/>
+      </a:schemeClr>
+    </dgm:fillClrLst>
+    <dgm:linClrLst meth="repeat">
+      <a:schemeClr val="lt1"/>
+    </dgm:linClrLst>
+    <dgm:effectClrLst/>
+    <dgm:txLinClrLst/>
+    <dgm:txFillClrLst meth="repeat">
+      <a:schemeClr val="lt1"/>
+    </dgm:txFillClrLst>
+    <dgm:txEffectClrLst/>
+  </dgm:styleLbl>
+  <dgm:styleLbl name="sibTrans2D1">
+    <dgm:fillClrLst meth="repeat">
+      <a:schemeClr val="accent1">
+        <a:tint val="60000"/>
+      </a:schemeClr>
+    </dgm:fillClrLst>
+    <dgm:linClrLst meth="repeat">
+      <a:schemeClr val="accent1">
+        <a:tint val="60000"/>
+      </a:schemeClr>
+    </dgm:linClrLst>
+    <dgm:effectClrLst/>
+    <dgm:txLinClrLst/>
+    <dgm:txFillClrLst/>
+    <dgm:txEffectClrLst/>
+  </dgm:styleLbl>
+  <dgm:styleLbl name="fgSibTrans2D1">
+    <dgm:fillClrLst meth="repeat">
+      <a:schemeClr val="accent1">
+        <a:tint val="60000"/>
+      </a:schemeClr>
+    </dgm:fillClrLst>
+    <dgm:linClrLst meth="repeat">
+      <a:schemeClr val="accent1">
+        <a:tint val="60000"/>
+      </a:schemeClr>
+    </dgm:linClrLst>
+    <dgm:effectClrLst/>
+    <dgm:txLinClrLst/>
+    <dgm:txFillClrLst/>
+    <dgm:txEffectClrLst/>
+  </dgm:styleLbl>
+  <dgm:styleLbl name="bgSibTrans2D1">
+    <dgm:fillClrLst meth="repeat">
+      <a:schemeClr val="accent1">
+        <a:tint val="60000"/>
+      </a:schemeClr>
+    </dgm:fillClrLst>
+    <dgm:linClrLst meth="repeat">
+      <a:schemeClr val="accent1">
+        <a:tint val="60000"/>
+      </a:schemeClr>
+    </dgm:linClrLst>
+    <dgm:effectClrLst/>
+    <dgm:txLinClrLst/>
+    <dgm:txFillClrLst/>
+    <dgm:txEffectClrLst/>
+  </dgm:styleLbl>
+  <dgm:styleLbl name="sibTrans1D1">
+    <dgm:fillClrLst meth="repeat">
+      <a:schemeClr val="accent1"/>
+    </dgm:fillClrLst>
+    <dgm:linClrLst meth="repeat">
+      <a:schemeClr val="accent1"/>
+    </dgm:linClrLst>
+    <dgm:effectClrLst/>
+    <dgm:txLinClrLst/>
+    <dgm:txFillClrLst meth="repeat">
+      <a:schemeClr val="tx1"/>
+    </dgm:txFillClrLst>
+    <dgm:txEffectClrLst/>
+  </dgm:styleLbl>
+  <dgm:styleLbl name="callout">
+    <dgm:fillClrLst meth="repeat">
+      <a:schemeClr val="accent1"/>
+    </dgm:fillClrLst>
+    <dgm:linClrLst meth="repeat">
+      <a:schemeClr val="accent1">
+        <a:tint val="50000"/>
+      </a:schemeClr>
+    </dgm:linClrLst>
+    <dgm:effectClrLst/>
+    <dgm:txLinClrLst/>
+    <dgm:txFillClrLst meth="repeat">
+      <a:schemeClr val="tx1"/>
+    </dgm:txFillClrLst>
+    <dgm:txEffectClrLst/>
+  </dgm:styleLbl>
+  <dgm:styleLbl name="asst0">
+    <dgm:fillClrLst meth="repeat">
+      <a:schemeClr val="accent1"/>
+    </dgm:fillClrLst>
+    <dgm:linClrLst meth="repeat">
+      <a:schemeClr val="lt1"/>
+    </dgm:linClrLst>
+    <dgm:effectClrLst/>
+    <dgm:txLinClrLst/>
+    <dgm:txFillClrLst/>
+    <dgm:txEffectClrLst/>
+  </dgm:styleLbl>
+  <dgm:styleLbl name="asst1">
+    <dgm:fillClrLst meth="repeat">
+      <a:schemeClr val="accent1"/>
+    </dgm:fillClrLst>
+    <dgm:linClrLst meth="repeat">
+      <a:schemeClr val="lt1"/>
+    </dgm:linClrLst>
+    <dgm:effectClrLst/>
+    <dgm:txLinClrLst/>
+    <dgm:txFillClrLst/>
+    <dgm:txEffectClrLst/>
+  </dgm:styleLbl>
+  <dgm:styleLbl name="asst2">
+    <dgm:fillClrLst meth="repeat">
+      <a:schemeClr val="accent1"/>
+    </dgm:fillClrLst>
+    <dgm:linClrLst meth="repeat">
+      <a:schemeClr val="lt1"/>
+    </dgm:linClrLst>
+    <dgm:effectClrLst/>
+    <dgm:txLinClrLst/>
+    <dgm:txFillClrLst/>
+    <dgm:txEffectClrLst/>
+  </dgm:styleLbl>
+  <dgm:styleLbl name="asst3">
+    <dgm:fillClrLst meth="repeat">
+      <a:schemeClr val="accent1"/>
+    </dgm:fillClrLst>
+    <dgm:linClrLst meth="repeat">
+      <a:schemeClr val="lt1"/>
+    </dgm:linClrLst>
+    <dgm:effectClrLst/>
+    <dgm:txLinClrLst/>
+    <dgm:txFillClrLst/>
+    <dgm:txEffectClrLst/>
+  </dgm:styleLbl>
+  <dgm:styleLbl name="asst4">
+    <dgm:fillClrLst meth="repeat">
+      <a:schemeClr val="accent1"/>
+    </dgm:fillClrLst>
+    <dgm:linClrLst meth="repeat">
+      <a:schemeClr val="lt1"/>
+    </dgm:linClrLst>
+    <dgm:effectClrLst/>
+    <dgm:txLinClrLst/>
+    <dgm:txFillClrLst/>
+    <dgm:txEffectClrLst/>
+  </dgm:styleLbl>
+  <dgm:styleLbl name="parChTrans2D1">
+    <dgm:fillClrLst meth="repeat">
+      <a:schemeClr val="accent1">
+        <a:tint val="60000"/>
+      </a:schemeClr>
+    </dgm:fillClrLst>
+    <dgm:linClrLst meth="repeat">
+      <a:schemeClr val="accent1">
+        <a:tint val="60000"/>
+      </a:schemeClr>
+    </dgm:linClrLst>
+    <dgm:effectClrLst/>
+    <dgm:txLinClrLst/>
+    <dgm:txFillClrLst meth="repeat">
+      <a:schemeClr val="lt1"/>
+    </dgm:txFillClrLst>
+    <dgm:txEffectClrLst/>
+  </dgm:styleLbl>
+  <dgm:styleLbl name="parChTrans2D2">
+    <dgm:fillClrLst meth="repeat">
+      <a:schemeClr val="accent1"/>
+    </dgm:fillClrLst>
+    <dgm:linClrLst meth="repeat">
+      <a:schemeClr val="accent1"/>
+    </dgm:linClrLst>
+    <dgm:effectClrLst/>
+    <dgm:txLinClrLst/>
+    <dgm:txFillClrLst meth="repeat">
+      <a:schemeClr val="lt1"/>
+    </dgm:txFillClrLst>
+    <dgm:txEffectClrLst/>
+  </dgm:styleLbl>
+  <dgm:styleLbl name="parChTrans2D3">
+    <dgm:fillClrLst meth="repeat">
+      <a:schemeClr val="accent1"/>
+    </dgm:fillClrLst>
+    <dgm:linClrLst meth="repeat">
+      <a:schemeClr val="accent1"/>
+    </dgm:linClrLst>
+    <dgm:effectClrLst/>
+    <dgm:txLinClrLst/>
+    <dgm:txFillClrLst meth="repeat">
+      <a:schemeClr val="lt1"/>
+    </dgm:txFillClrLst>
+    <dgm:txEffectClrLst/>
+  </dgm:styleLbl>
+  <dgm:styleLbl name="parChTrans2D4">
+    <dgm:fillClrLst meth="repeat">
+      <a:schemeClr val="accent1"/>
+    </dgm:fillClrLst>
+    <dgm:linClrLst meth="repeat">
+      <a:schemeClr val="accent1"/>
+    </dgm:linClrLst>
+    <dgm:effectClrLst/>
+    <dgm:txLinClrLst/>
+    <dgm:txFillClrLst meth="repeat">
+      <a:schemeClr val="lt1"/>
+    </dgm:txFillClrLst>
+    <dgm:txEffectClrLst/>
+  </dgm:styleLbl>
+  <dgm:styleLbl name="parChTrans1D1">
+    <dgm:fillClrLst meth="repeat">
+      <a:schemeClr val="accent1"/>
+    </dgm:fillClrLst>
+    <dgm:linClrLst meth="repeat">
+      <a:schemeClr val="accent1">
+        <a:shade val="60000"/>
+      </a:schemeClr>
+    </dgm:linClrLst>
+    <dgm:effectClrLst/>
+    <dgm:txLinClrLst/>
+    <dgm:txFillClrLst meth="repeat">
+      <a:schemeClr val="tx1"/>
+    </dgm:txFillClrLst>
+    <dgm:txEffectClrLst/>
+  </dgm:styleLbl>
+  <dgm:styleLbl name="parChTrans1D2">
+    <dgm:fillClrLst meth="repeat">
+      <a:schemeClr val="accent1"/>
+    </dgm:fillClrLst>
+    <dgm:linClrLst meth="repeat">
+      <a:schemeClr val="accent1">
+        <a:shade val="60000"/>
+      </a:schemeClr>
+    </dgm:linClrLst>
+    <dgm:effectClrLst/>
+    <dgm:txLinClrLst/>
+    <dgm:txFillClrLst meth="repeat">
+      <a:schemeClr val="tx1"/>
+    </dgm:txFillClrLst>
+    <dgm:txEffectClrLst/>
+  </dgm:styleLbl>
+  <dgm:styleLbl name="parChTrans1D3">
+    <dgm:fillClrLst meth="repeat">
+      <a:schemeClr val="accent1"/>
+    </dgm:fillClrLst>
+    <dgm:linClrLst meth="repeat">
+      <a:schemeClr val="accent1">
+        <a:shade val="80000"/>
+      </a:schemeClr>
+    </dgm:linClrLst>
+    <dgm:effectClrLst/>
+    <dgm:txLinClrLst/>
+    <dgm:txFillClrLst meth="repeat">
+      <a:schemeClr val="tx1"/>
+    </dgm:txFillClrLst>
+    <dgm:txEffectClrLst/>
+  </dgm:styleLbl>
+  <dgm:styleLbl name="parChTrans1D4">
+    <dgm:fillClrLst meth="repeat">
+      <a:schemeClr val="accent1"/>
+    </dgm:fillClrLst>
+    <dgm:linClrLst meth="repeat">
+      <a:schemeClr val="accent1">
+        <a:shade val="80000"/>
+      </a:schemeClr>
+    </dgm:linClrLst>
+    <dgm:effectClrLst/>
+    <dgm:txLinClrLst/>
+    <dgm:txFillClrLst meth="repeat">
+      <a:schemeClr val="tx1"/>
+    </dgm:txFillClrLst>
+    <dgm:txEffectClrLst/>
+  </dgm:styleLbl>
+  <dgm:styleLbl name="fgAcc1">
+    <dgm:fillClrLst meth="repeat">
+      <a:schemeClr val="lt1">
+        <a:alpha val="90000"/>
+      </a:schemeClr>
+    </dgm:fillClrLst>
+    <dgm:linClrLst meth="repeat">
+      <a:schemeClr val="accent1"/>
+    </dgm:linClrLst>
+    <dgm:effectClrLst/>
+    <dgm:txLinClrLst/>
+    <dgm:txFillClrLst meth="repeat">
+      <a:schemeClr val="dk1"/>
+    </dgm:txFillClrLst>
+    <dgm:txEffectClrLst/>
+  </dgm:styleLbl>
+  <dgm:styleLbl name="conFgAcc1">
+    <dgm:fillClrLst meth="repeat">
+      <a:schemeClr val="lt1">
+        <a:alpha val="90000"/>
+      </a:schemeClr>
+    </dgm:fillClrLst>
+    <dgm:linClrLst meth="repeat">
+      <a:schemeClr val="accent1"/>
+    </dgm:linClrLst>
+    <dgm:effectClrLst/>
+    <dgm:txLinClrLst/>
+    <dgm:txFillClrLst meth="repeat">
+      <a:schemeClr val="dk1"/>
+    </dgm:txFillClrLst>
+    <dgm:txEffectClrLst/>
+  </dgm:styleLbl>
+  <dgm:styleLbl name="alignAcc1">
+    <dgm:fillClrLst meth="repeat">
+      <a:schemeClr val="lt1">
+        <a:alpha val="90000"/>
+      </a:schemeClr>
+    </dgm:fillClrLst>
+    <dgm:linClrLst meth="repeat">
+      <a:schemeClr val="accent1"/>
+    </dgm:linClrLst>
+    <dgm:effectClrLst/>
+    <dgm:txLinClrLst/>
+    <dgm:txFillClrLst meth="repeat">
+      <a:schemeClr val="dk1"/>
+    </dgm:txFillClrLst>
+    <dgm:txEffectClrLst/>
+  </dgm:styleLbl>
+  <dgm:styleLbl name="trAlignAcc1">
+    <dgm:fillClrLst meth="repeat">
+      <a:schemeClr val="lt1">
+        <a:alpha val="40000"/>
+      </a:schemeClr>
+    </dgm:fillClrLst>
+    <dgm:linClrLst meth="repeat">
+      <a:schemeClr val="accent1"/>
+    </dgm:linClrLst>
+    <dgm:effectClrLst/>
+    <dgm:txLinClrLst/>
+    <dgm:txFillClrLst meth="repeat">
+      <a:schemeClr val="dk1"/>
+    </dgm:txFillClrLst>
+    <dgm:txEffectClrLst/>
+  </dgm:styleLbl>
+  <dgm:styleLbl name="bgAcc1">
+    <dgm:fillClrLst meth="repeat">
+      <a:schemeClr val="lt1">
+        <a:alpha val="90000"/>
+      </a:schemeClr>
+    </dgm:fillClrLst>
+    <dgm:linClrLst meth="repeat">
+      <a:schemeClr val="accent1"/>
+    </dgm:linClrLst>
+    <dgm:effectClrLst/>
+    <dgm:txLinClrLst/>
+    <dgm:txFillClrLst meth="repeat">
+      <a:schemeClr val="dk1"/>
+    </dgm:txFillClrLst>
+    <dgm:txEffectClrLst/>
+  </dgm:styleLbl>
+  <dgm:styleLbl name="solidFgAcc1">
+    <dgm:fillClrLst meth="repeat">
+      <a:schemeClr val="lt1"/>
+    </dgm:fillClrLst>
+    <dgm:linClrLst meth="repeat">
+      <a:schemeClr val="accent1"/>
+    </dgm:linClrLst>
+    <dgm:effectClrLst/>
+    <dgm:txLinClrLst/>
+    <dgm:txFillClrLst meth="repeat">
+      <a:schemeClr val="dk1"/>
+    </dgm:txFillClrLst>
+    <dgm:txEffectClrLst/>
+  </dgm:styleLbl>
+  <dgm:styleLbl name="solidAlignAcc1">
+    <dgm:fillClrLst meth="repeat">
+      <a:schemeClr val="lt1"/>
+    </dgm:fillClrLst>
+    <dgm:linClrLst meth="repeat">
+      <a:schemeClr val="accent1"/>
+    </dgm:linClrLst>
+    <dgm:effectClrLst/>
+    <dgm:txLinClrLst/>
+    <dgm:txFillClrLst meth="repeat">
+      <a:schemeClr val="dk1"/>
+    </dgm:txFillClrLst>
+    <dgm:txEffectClrLst/>
+  </dgm:styleLbl>
+  <dgm:styleLbl name="solidBgAcc1">
+    <dgm:fillClrLst meth="repeat">
+      <a:schemeClr val="lt1"/>
+    </dgm:fillClrLst>
+    <dgm:linClrLst meth="repeat">
+      <a:schemeClr val="accent1"/>
+    </dgm:linClrLst>
+    <dgm:effectClrLst/>
+    <dgm:txLinClrLst/>
+    <dgm:txFillClrLst meth="repeat">
+      <a:schemeClr val="dk1"/>
+    </dgm:txFillClrLst>
+    <dgm:txEffectClrLst/>
+  </dgm:styleLbl>
+  <dgm:styleLbl name="fgAccFollowNode1">
+    <dgm:fillClrLst meth="repeat">
+      <a:schemeClr val="accent1">
+        <a:alpha val="90000"/>
+        <a:tint val="40000"/>
+      </a:schemeClr>
+    </dgm:fillClrLst>
+    <dgm:linClrLst meth="repeat">
+      <a:schemeClr val="accent1">
+        <a:alpha val="90000"/>
+        <a:tint val="40000"/>
+      </a:schemeClr>
+    </dgm:linClrLst>
+    <dgm:effectClrLst/>
+    <dgm:txLinClrLst/>
+    <dgm:txFillClrLst meth="repeat">
+      <a:schemeClr val="dk1"/>
+    </dgm:txFillClrLst>
+    <dgm:txEffectClrLst/>
+  </dgm:styleLbl>
+  <dgm:styleLbl name="alignAccFollowNode1">
+    <dgm:fillClrLst meth="repeat">
+      <a:schemeClr val="accent1">
+        <a:alpha val="90000"/>
+        <a:tint val="40000"/>
+      </a:schemeClr>
+    </dgm:fillClrLst>
+    <dgm:linClrLst meth="repeat">
+      <a:schemeClr val="accent1">
+        <a:alpha val="90000"/>
+        <a:tint val="40000"/>
+      </a:schemeClr>
+    </dgm:linClrLst>
+    <dgm:effectClrLst/>
+    <dgm:txLinClrLst/>
+    <dgm:txFillClrLst meth="repeat">
+      <a:schemeClr val="dk1"/>
+    </dgm:txFillClrLst>
+    <dgm:txEffectClrLst/>
+  </dgm:styleLbl>
+  <dgm:styleLbl name="bgAccFollowNode1">
+    <dgm:fillClrLst meth="repeat">
+      <a:schemeClr val="accent1">
+        <a:alpha val="90000"/>
+        <a:tint val="40000"/>
+      </a:schemeClr>
+    </dgm:fillClrLst>
+    <dgm:linClrLst meth="repeat">
+      <a:schemeClr val="accent1">
+        <a:alpha val="90000"/>
+        <a:tint val="40000"/>
+      </a:schemeClr>
+    </dgm:linClrLst>
+    <dgm:effectClrLst/>
+    <dgm:txLinClrLst/>
+    <dgm:txFillClrLst meth="repeat">
+      <a:schemeClr val="dk1"/>
+    </dgm:txFillClrLst>
+    <dgm:txEffectClrLst/>
+  </dgm:styleLbl>
+  <dgm:styleLbl name="fgAcc0">
+    <dgm:fillClrLst meth="repeat">
+      <a:schemeClr val="lt1">
+        <a:alpha val="90000"/>
+      </a:schemeClr>
+    </dgm:fillClrLst>
+    <dgm:linClrLst meth="repeat">
+      <a:schemeClr val="accent1"/>
+    </dgm:linClrLst>
+    <dgm:effectClrLst/>
+    <dgm:txLinClrLst/>
+    <dgm:txFillClrLst meth="repeat">
+      <a:schemeClr val="dk1"/>
+    </dgm:txFillClrLst>
+    <dgm:txEffectClrLst/>
+  </dgm:styleLbl>
+  <dgm:styleLbl name="fgAcc2">
+    <dgm:fillClrLst meth="repeat">
+      <a:schemeClr val="lt1">
+        <a:alpha val="90000"/>
+      </a:schemeClr>
+    </dgm:fillClrLst>
+    <dgm:linClrLst meth="repeat">
+      <a:schemeClr val="accent1"/>
+    </dgm:linClrLst>
+    <dgm:effectClrLst/>
+    <dgm:txLinClrLst/>
+    <dgm:txFillClrLst meth="repeat">
+      <a:schemeClr val="dk1"/>
+    </dgm:txFillClrLst>
+    <dgm:txEffectClrLst/>
+  </dgm:styleLbl>
+  <dgm:styleLbl name="fgAcc3">
+    <dgm:fillClrLst meth="repeat">
+      <a:schemeClr val="lt1">
+        <a:alpha val="90000"/>
+      </a:schemeClr>
+    </dgm:fillClrLst>
+    <dgm:linClrLst meth="repeat">
+      <a:schemeClr val="accent1"/>
+    </dgm:linClrLst>
+    <dgm:effectClrLst/>
+    <dgm:txLinClrLst/>
+    <dgm:txFillClrLst meth="repeat">
+      <a:schemeClr val="dk1"/>
+    </dgm:txFillClrLst>
+    <dgm:txEffectClrLst/>
+  </dgm:styleLbl>
+  <dgm:styleLbl name="fgAcc4">
+    <dgm:fillClrLst meth="repeat">
+      <a:schemeClr val="lt1">
+        <a:alpha val="90000"/>
+      </a:schemeClr>
+    </dgm:fillClrLst>
+    <dgm:linClrLst meth="repeat">
+      <a:schemeClr val="accent1"/>
+    </dgm:linClrLst>
+    <dgm:effectClrLst/>
+    <dgm:txLinClrLst/>
+    <dgm:txFillClrLst meth="repeat">
+      <a:schemeClr val="dk1"/>
+    </dgm:txFillClrLst>
+    <dgm:txEffectClrLst/>
+  </dgm:styleLbl>
+  <dgm:styleLbl name="bgShp">
+    <dgm:fillClrLst meth="repeat">
+      <a:schemeClr val="accent1">
+        <a:tint val="40000"/>
+      </a:schemeClr>
+    </dgm:fillClrLst>
+    <dgm:linClrLst meth="repeat">
+      <a:schemeClr val="accent1"/>
+    </dgm:linClrLst>
+    <dgm:effectClrLst/>
+    <dgm:txLinClrLst/>
+    <dgm:txFillClrLst meth="repeat">
+      <a:schemeClr val="dk1"/>
+    </dgm:txFillClrLst>
+    <dgm:txEffectClrLst/>
+  </dgm:styleLbl>
+  <dgm:styleLbl name="dkBgShp">
+    <dgm:fillClrLst meth="repeat">
+      <a:schemeClr val="accent1">
+        <a:shade val="80000"/>
+      </a:schemeClr>
+    </dgm:fillClrLst>
+    <dgm:linClrLst meth="repeat">
+      <a:schemeClr val="accent1"/>
+    </dgm:linClrLst>
+    <dgm:effectClrLst/>
+    <dgm:txLinClrLst/>
+    <dgm:txFillClrLst meth="repeat">
+      <a:schemeClr val="lt1"/>
+    </dgm:txFillClrLst>
+    <dgm:txEffectClrLst/>
+  </dgm:styleLbl>
+  <dgm:styleLbl name="trBgShp">
+    <dgm:fillClrLst meth="repeat">
+      <a:schemeClr val="accent1">
+        <a:tint val="50000"/>
+        <a:alpha val="40000"/>
+      </a:schemeClr>
+    </dgm:fillClrLst>
+    <dgm:linClrLst meth="repeat">
+      <a:schemeClr val="accent1"/>
+    </dgm:linClrLst>
+    <dgm:effectClrLst/>
+    <dgm:txLinClrLst/>
+    <dgm:txFillClrLst meth="repeat">
+      <a:schemeClr val="lt1"/>
+    </dgm:txFillClrLst>
+    <dgm:txEffectClrLst/>
+  </dgm:styleLbl>
+  <dgm:styleLbl name="fgShp">
+    <dgm:fillClrLst meth="repeat">
+      <a:schemeClr val="accent1">
+        <a:tint val="60000"/>
+      </a:schemeClr>
+    </dgm:fillClrLst>
+    <dgm:linClrLst meth="repeat">
+      <a:schemeClr val="lt1"/>
+    </dgm:linClrLst>
+    <dgm:effectClrLst/>
+    <dgm:txLinClrLst/>
+    <dgm:txFillClrLst meth="repeat">
+      <a:schemeClr val="dk1"/>
+    </dgm:txFillClrLst>
+    <dgm:txEffectClrLst/>
+  </dgm:styleLbl>
+  <dgm:styleLbl name="revTx">
+    <dgm:fillClrLst meth="repeat">
+      <a:schemeClr val="lt1">
+        <a:alpha val="0"/>
+      </a:schemeClr>
+    </dgm:fillClrLst>
+    <dgm:linClrLst meth="repeat">
+      <a:schemeClr val="dk1">
+        <a:alpha val="0"/>
+      </a:schemeClr>
+    </dgm:linClrLst>
+    <dgm:effectClrLst/>
+    <dgm:txLinClrLst/>
+    <dgm:txFillClrLst meth="repeat">
+      <a:schemeClr val="tx1"/>
+    </dgm:txFillClrLst>
+    <dgm:txEffectClrLst/>
+  </dgm:styleLbl>
+</dgm:colorsDef>
+</file>
+
 <file path=ppt/diagrams/data1.xml><?xml version="1.0" encoding="utf-8"?>
 <dgm:dataModel xmlns:dgm="http://schemas.openxmlformats.org/drawingml/2006/diagram" xmlns:a="http://schemas.openxmlformats.org/drawingml/2006/main">
   <dgm:ptLst>
@@ -2449,7 +3952,7 @@
           </a:r>
           <a:r>
             <a:rPr lang="en-US" sz="1600" dirty="0"/>
-            <a:t>: lectures vs tutorials, </a:t>
+            <a:t>: lectures vs tutorials </a:t>
           </a:r>
         </a:p>
       </dgm:t>
@@ -3916,6 +5419,493 @@
 </dgm:dataModel>
 </file>
 
+<file path=ppt/diagrams/data4.xml><?xml version="1.0" encoding="utf-8"?>
+<dgm:dataModel xmlns:dgm="http://schemas.openxmlformats.org/drawingml/2006/diagram" xmlns:a="http://schemas.openxmlformats.org/drawingml/2006/main">
+  <dgm:ptLst>
+    <dgm:pt modelId="{EBD335CB-8737-436E-A125-5B87DA0AACF4}" type="doc">
+      <dgm:prSet loTypeId="urn:microsoft.com/office/officeart/2005/8/layout/matrix3" loCatId="matrix" qsTypeId="urn:microsoft.com/office/officeart/2005/8/quickstyle/simple1" qsCatId="simple" csTypeId="urn:microsoft.com/office/officeart/2005/8/colors/accent1_2" csCatId="accent1" phldr="1"/>
+      <dgm:spPr/>
+      <dgm:t>
+        <a:bodyPr/>
+        <a:lstStyle/>
+        <a:p>
+          <a:endParaRPr lang="en-US"/>
+        </a:p>
+      </dgm:t>
+    </dgm:pt>
+    <dgm:pt modelId="{7BF126CD-9BB6-4A75-9FB7-430FCFBCB18E}">
+      <dgm:prSet phldrT="[Text]"/>
+      <dgm:spPr/>
+      <dgm:t>
+        <a:bodyPr/>
+        <a:lstStyle/>
+        <a:p>
+          <a:r>
+            <a:rPr lang="fr-FR" dirty="0" err="1">
+              <a:latin typeface="Georgia" panose="02040502050405020303" pitchFamily="18" charset="0"/>
+            </a:rPr>
+            <a:t>Stability</a:t>
+          </a:r>
+          <a:endParaRPr lang="en-US" dirty="0">
+            <a:latin typeface="Georgia" panose="02040502050405020303" pitchFamily="18" charset="0"/>
+          </a:endParaRPr>
+        </a:p>
+      </dgm:t>
+    </dgm:pt>
+    <dgm:pt modelId="{09AE9A2F-C702-4255-AB59-3F7562815B70}" type="parTrans" cxnId="{AA05B090-1599-487A-9CB8-25258AEA59D9}">
+      <dgm:prSet/>
+      <dgm:spPr/>
+      <dgm:t>
+        <a:bodyPr/>
+        <a:lstStyle/>
+        <a:p>
+          <a:endParaRPr lang="en-US">
+            <a:latin typeface="Candara" panose="020E0502030303020204" pitchFamily="34" charset="0"/>
+          </a:endParaRPr>
+        </a:p>
+      </dgm:t>
+    </dgm:pt>
+    <dgm:pt modelId="{361ACD88-01E7-4A31-BC3C-05ECBA0E5E78}" type="sibTrans" cxnId="{AA05B090-1599-487A-9CB8-25258AEA59D9}">
+      <dgm:prSet/>
+      <dgm:spPr/>
+      <dgm:t>
+        <a:bodyPr/>
+        <a:lstStyle/>
+        <a:p>
+          <a:endParaRPr lang="en-US">
+            <a:latin typeface="Candara" panose="020E0502030303020204" pitchFamily="34" charset="0"/>
+          </a:endParaRPr>
+        </a:p>
+      </dgm:t>
+    </dgm:pt>
+    <dgm:pt modelId="{974EFEAC-C1FF-41EF-9BD8-5AE39AF4C266}">
+      <dgm:prSet phldrT="[Text]"/>
+      <dgm:spPr/>
+      <dgm:t>
+        <a:bodyPr/>
+        <a:lstStyle/>
+        <a:p>
+          <a:r>
+            <a:rPr lang="fr-FR" dirty="0">
+              <a:latin typeface="Georgia" panose="02040502050405020303" pitchFamily="18" charset="0"/>
+            </a:rPr>
+            <a:t>Pareto </a:t>
+          </a:r>
+          <a:r>
+            <a:rPr lang="fr-FR" dirty="0" err="1">
+              <a:latin typeface="Georgia" panose="02040502050405020303" pitchFamily="18" charset="0"/>
+            </a:rPr>
+            <a:t>Efficiency</a:t>
+          </a:r>
+          <a:endParaRPr lang="en-US" dirty="0">
+            <a:latin typeface="Georgia" panose="02040502050405020303" pitchFamily="18" charset="0"/>
+          </a:endParaRPr>
+        </a:p>
+      </dgm:t>
+    </dgm:pt>
+    <dgm:pt modelId="{F62B2381-3B95-4381-AFA9-FE47A312B9EA}" type="parTrans" cxnId="{75F4F60F-0E31-4F8A-8580-75896DE62182}">
+      <dgm:prSet/>
+      <dgm:spPr/>
+      <dgm:t>
+        <a:bodyPr/>
+        <a:lstStyle/>
+        <a:p>
+          <a:endParaRPr lang="en-US">
+            <a:latin typeface="Candara" panose="020E0502030303020204" pitchFamily="34" charset="0"/>
+          </a:endParaRPr>
+        </a:p>
+      </dgm:t>
+    </dgm:pt>
+    <dgm:pt modelId="{948FA880-1DFF-4B36-BFB1-3D35669612F6}" type="sibTrans" cxnId="{75F4F60F-0E31-4F8A-8580-75896DE62182}">
+      <dgm:prSet/>
+      <dgm:spPr/>
+      <dgm:t>
+        <a:bodyPr/>
+        <a:lstStyle/>
+        <a:p>
+          <a:endParaRPr lang="en-US">
+            <a:latin typeface="Candara" panose="020E0502030303020204" pitchFamily="34" charset="0"/>
+          </a:endParaRPr>
+        </a:p>
+      </dgm:t>
+    </dgm:pt>
+    <dgm:pt modelId="{64221789-3B9E-4DCC-AF14-2D31F6EC2A88}">
+      <dgm:prSet phldrT="[Text]"/>
+      <dgm:spPr/>
+      <dgm:t>
+        <a:bodyPr/>
+        <a:lstStyle/>
+        <a:p>
+          <a:r>
+            <a:rPr lang="fr-FR" dirty="0">
+              <a:latin typeface="Georgia" panose="02040502050405020303" pitchFamily="18" charset="0"/>
+            </a:rPr>
+            <a:t>Fast and Safe</a:t>
+          </a:r>
+          <a:endParaRPr lang="en-US" dirty="0">
+            <a:latin typeface="Georgia" panose="02040502050405020303" pitchFamily="18" charset="0"/>
+          </a:endParaRPr>
+        </a:p>
+      </dgm:t>
+    </dgm:pt>
+    <dgm:pt modelId="{728258EB-779B-479A-A708-E524CFDDE4AE}" type="parTrans" cxnId="{9032E957-9B46-4296-A098-5E7C65B86D3A}">
+      <dgm:prSet/>
+      <dgm:spPr/>
+      <dgm:t>
+        <a:bodyPr/>
+        <a:lstStyle/>
+        <a:p>
+          <a:endParaRPr lang="en-US">
+            <a:latin typeface="Candara" panose="020E0502030303020204" pitchFamily="34" charset="0"/>
+          </a:endParaRPr>
+        </a:p>
+      </dgm:t>
+    </dgm:pt>
+    <dgm:pt modelId="{14946006-D8B4-4538-957B-5FB60DCA4344}" type="sibTrans" cxnId="{9032E957-9B46-4296-A098-5E7C65B86D3A}">
+      <dgm:prSet/>
+      <dgm:spPr/>
+      <dgm:t>
+        <a:bodyPr/>
+        <a:lstStyle/>
+        <a:p>
+          <a:endParaRPr lang="en-US">
+            <a:latin typeface="Candara" panose="020E0502030303020204" pitchFamily="34" charset="0"/>
+          </a:endParaRPr>
+        </a:p>
+      </dgm:t>
+    </dgm:pt>
+    <dgm:pt modelId="{1ABED506-6AF5-44BF-B6FE-0D9FA75811DE}">
+      <dgm:prSet phldrT="[Text]"/>
+      <dgm:spPr/>
+      <dgm:t>
+        <a:bodyPr/>
+        <a:lstStyle/>
+        <a:p>
+          <a:r>
+            <a:rPr lang="fr-FR" dirty="0" err="1">
+              <a:latin typeface="Georgia" panose="02040502050405020303" pitchFamily="18" charset="0"/>
+            </a:rPr>
+            <a:t>Strategy-proofness</a:t>
+          </a:r>
+          <a:endParaRPr lang="en-US" dirty="0">
+            <a:latin typeface="Georgia" panose="02040502050405020303" pitchFamily="18" charset="0"/>
+          </a:endParaRPr>
+        </a:p>
+      </dgm:t>
+    </dgm:pt>
+    <dgm:pt modelId="{E9931888-FFCB-4409-A00C-DDC2C4B1D239}" type="parTrans" cxnId="{539F8AFA-6A97-442C-A63C-5584F9E47485}">
+      <dgm:prSet/>
+      <dgm:spPr/>
+      <dgm:t>
+        <a:bodyPr/>
+        <a:lstStyle/>
+        <a:p>
+          <a:endParaRPr lang="en-US">
+            <a:latin typeface="Candara" panose="020E0502030303020204" pitchFamily="34" charset="0"/>
+          </a:endParaRPr>
+        </a:p>
+      </dgm:t>
+    </dgm:pt>
+    <dgm:pt modelId="{4BA46C51-3CD0-4E0E-BA4D-0A87ACD87263}" type="sibTrans" cxnId="{539F8AFA-6A97-442C-A63C-5584F9E47485}">
+      <dgm:prSet/>
+      <dgm:spPr/>
+      <dgm:t>
+        <a:bodyPr/>
+        <a:lstStyle/>
+        <a:p>
+          <a:endParaRPr lang="en-US">
+            <a:latin typeface="Candara" panose="020E0502030303020204" pitchFamily="34" charset="0"/>
+          </a:endParaRPr>
+        </a:p>
+      </dgm:t>
+    </dgm:pt>
+    <dgm:pt modelId="{E795B8F9-3EB3-4114-88DD-08718203ED96}" type="pres">
+      <dgm:prSet presAssocID="{EBD335CB-8737-436E-A125-5B87DA0AACF4}" presName="matrix" presStyleCnt="0">
+        <dgm:presLayoutVars>
+          <dgm:chMax val="1"/>
+          <dgm:dir/>
+          <dgm:resizeHandles val="exact"/>
+        </dgm:presLayoutVars>
+      </dgm:prSet>
+      <dgm:spPr/>
+    </dgm:pt>
+    <dgm:pt modelId="{1EBD14DA-A443-46DB-AADF-4294AACE099F}" type="pres">
+      <dgm:prSet presAssocID="{EBD335CB-8737-436E-A125-5B87DA0AACF4}" presName="diamond" presStyleLbl="bgShp" presStyleIdx="0" presStyleCnt="1"/>
+      <dgm:spPr/>
+    </dgm:pt>
+    <dgm:pt modelId="{C7A0002A-96BA-40B8-822B-8F144D92D78B}" type="pres">
+      <dgm:prSet presAssocID="{EBD335CB-8737-436E-A125-5B87DA0AACF4}" presName="quad1" presStyleLbl="node1" presStyleIdx="0" presStyleCnt="4">
+        <dgm:presLayoutVars>
+          <dgm:chMax val="0"/>
+          <dgm:chPref val="0"/>
+          <dgm:bulletEnabled val="1"/>
+        </dgm:presLayoutVars>
+      </dgm:prSet>
+      <dgm:spPr/>
+    </dgm:pt>
+    <dgm:pt modelId="{C251B999-5A1C-4F85-818F-BD730DA5A1BC}" type="pres">
+      <dgm:prSet presAssocID="{EBD335CB-8737-436E-A125-5B87DA0AACF4}" presName="quad2" presStyleLbl="node1" presStyleIdx="1" presStyleCnt="4">
+        <dgm:presLayoutVars>
+          <dgm:chMax val="0"/>
+          <dgm:chPref val="0"/>
+          <dgm:bulletEnabled val="1"/>
+        </dgm:presLayoutVars>
+      </dgm:prSet>
+      <dgm:spPr/>
+    </dgm:pt>
+    <dgm:pt modelId="{1DAA5DBB-944D-4CD9-B922-0997434BBD56}" type="pres">
+      <dgm:prSet presAssocID="{EBD335CB-8737-436E-A125-5B87DA0AACF4}" presName="quad3" presStyleLbl="node1" presStyleIdx="2" presStyleCnt="4">
+        <dgm:presLayoutVars>
+          <dgm:chMax val="0"/>
+          <dgm:chPref val="0"/>
+          <dgm:bulletEnabled val="1"/>
+        </dgm:presLayoutVars>
+      </dgm:prSet>
+      <dgm:spPr/>
+    </dgm:pt>
+    <dgm:pt modelId="{9081928E-CBE4-49DB-BA21-0E8AD8907729}" type="pres">
+      <dgm:prSet presAssocID="{EBD335CB-8737-436E-A125-5B87DA0AACF4}" presName="quad4" presStyleLbl="node1" presStyleIdx="3" presStyleCnt="4">
+        <dgm:presLayoutVars>
+          <dgm:chMax val="0"/>
+          <dgm:chPref val="0"/>
+          <dgm:bulletEnabled val="1"/>
+        </dgm:presLayoutVars>
+      </dgm:prSet>
+      <dgm:spPr/>
+    </dgm:pt>
+  </dgm:ptLst>
+  <dgm:cxnLst>
+    <dgm:cxn modelId="{75F4F60F-0E31-4F8A-8580-75896DE62182}" srcId="{EBD335CB-8737-436E-A125-5B87DA0AACF4}" destId="{974EFEAC-C1FF-41EF-9BD8-5AE39AF4C266}" srcOrd="1" destOrd="0" parTransId="{F62B2381-3B95-4381-AFA9-FE47A312B9EA}" sibTransId="{948FA880-1DFF-4B36-BFB1-3D35669612F6}"/>
+    <dgm:cxn modelId="{3911F354-9A51-4C0C-9979-CD6A47CE158C}" type="presOf" srcId="{974EFEAC-C1FF-41EF-9BD8-5AE39AF4C266}" destId="{C251B999-5A1C-4F85-818F-BD730DA5A1BC}" srcOrd="0" destOrd="0" presId="urn:microsoft.com/office/officeart/2005/8/layout/matrix3"/>
+    <dgm:cxn modelId="{9032E957-9B46-4296-A098-5E7C65B86D3A}" srcId="{EBD335CB-8737-436E-A125-5B87DA0AACF4}" destId="{64221789-3B9E-4DCC-AF14-2D31F6EC2A88}" srcOrd="2" destOrd="0" parTransId="{728258EB-779B-479A-A708-E524CFDDE4AE}" sibTransId="{14946006-D8B4-4538-957B-5FB60DCA4344}"/>
+    <dgm:cxn modelId="{AA05B090-1599-487A-9CB8-25258AEA59D9}" srcId="{EBD335CB-8737-436E-A125-5B87DA0AACF4}" destId="{7BF126CD-9BB6-4A75-9FB7-430FCFBCB18E}" srcOrd="0" destOrd="0" parTransId="{09AE9A2F-C702-4255-AB59-3F7562815B70}" sibTransId="{361ACD88-01E7-4A31-BC3C-05ECBA0E5E78}"/>
+    <dgm:cxn modelId="{FE5F0EAD-5690-4C86-8FD0-310219172D12}" type="presOf" srcId="{64221789-3B9E-4DCC-AF14-2D31F6EC2A88}" destId="{1DAA5DBB-944D-4CD9-B922-0997434BBD56}" srcOrd="0" destOrd="0" presId="urn:microsoft.com/office/officeart/2005/8/layout/matrix3"/>
+    <dgm:cxn modelId="{784E40C3-8B3B-4781-94E6-C584A4CFBE2E}" type="presOf" srcId="{1ABED506-6AF5-44BF-B6FE-0D9FA75811DE}" destId="{9081928E-CBE4-49DB-BA21-0E8AD8907729}" srcOrd="0" destOrd="0" presId="urn:microsoft.com/office/officeart/2005/8/layout/matrix3"/>
+    <dgm:cxn modelId="{5AC3A7D6-9185-4C53-AC21-3C99C607C163}" type="presOf" srcId="{EBD335CB-8737-436E-A125-5B87DA0AACF4}" destId="{E795B8F9-3EB3-4114-88DD-08718203ED96}" srcOrd="0" destOrd="0" presId="urn:microsoft.com/office/officeart/2005/8/layout/matrix3"/>
+    <dgm:cxn modelId="{B23ED9F8-E4C2-4D0B-8774-A3B8FF72E15E}" type="presOf" srcId="{7BF126CD-9BB6-4A75-9FB7-430FCFBCB18E}" destId="{C7A0002A-96BA-40B8-822B-8F144D92D78B}" srcOrd="0" destOrd="0" presId="urn:microsoft.com/office/officeart/2005/8/layout/matrix3"/>
+    <dgm:cxn modelId="{539F8AFA-6A97-442C-A63C-5584F9E47485}" srcId="{EBD335CB-8737-436E-A125-5B87DA0AACF4}" destId="{1ABED506-6AF5-44BF-B6FE-0D9FA75811DE}" srcOrd="3" destOrd="0" parTransId="{E9931888-FFCB-4409-A00C-DDC2C4B1D239}" sibTransId="{4BA46C51-3CD0-4E0E-BA4D-0A87ACD87263}"/>
+    <dgm:cxn modelId="{3CC82C56-F507-4267-A2C4-B33D93A93FC0}" type="presParOf" srcId="{E795B8F9-3EB3-4114-88DD-08718203ED96}" destId="{1EBD14DA-A443-46DB-AADF-4294AACE099F}" srcOrd="0" destOrd="0" presId="urn:microsoft.com/office/officeart/2005/8/layout/matrix3"/>
+    <dgm:cxn modelId="{709F3D57-1377-45FC-ADA7-F0CCA2357D97}" type="presParOf" srcId="{E795B8F9-3EB3-4114-88DD-08718203ED96}" destId="{C7A0002A-96BA-40B8-822B-8F144D92D78B}" srcOrd="1" destOrd="0" presId="urn:microsoft.com/office/officeart/2005/8/layout/matrix3"/>
+    <dgm:cxn modelId="{5074A19B-1109-4E2C-8AC2-B07F445D40EA}" type="presParOf" srcId="{E795B8F9-3EB3-4114-88DD-08718203ED96}" destId="{C251B999-5A1C-4F85-818F-BD730DA5A1BC}" srcOrd="2" destOrd="0" presId="urn:microsoft.com/office/officeart/2005/8/layout/matrix3"/>
+    <dgm:cxn modelId="{05D9D536-B99B-401B-868A-FC4C2E6E3C13}" type="presParOf" srcId="{E795B8F9-3EB3-4114-88DD-08718203ED96}" destId="{1DAA5DBB-944D-4CD9-B922-0997434BBD56}" srcOrd="3" destOrd="0" presId="urn:microsoft.com/office/officeart/2005/8/layout/matrix3"/>
+    <dgm:cxn modelId="{7A8D48F3-BE1D-4FB7-90E1-AD1F7E75755B}" type="presParOf" srcId="{E795B8F9-3EB3-4114-88DD-08718203ED96}" destId="{9081928E-CBE4-49DB-BA21-0E8AD8907729}" srcOrd="4" destOrd="0" presId="urn:microsoft.com/office/officeart/2005/8/layout/matrix3"/>
+  </dgm:cxnLst>
+  <dgm:bg/>
+  <dgm:whole/>
+  <dgm:extLst>
+    <a:ext uri="http://schemas.microsoft.com/office/drawing/2008/diagram">
+      <dsp:dataModelExt xmlns:dsp="http://schemas.microsoft.com/office/drawing/2008/diagram" relId="rId6" minVer="http://schemas.openxmlformats.org/drawingml/2006/diagram"/>
+    </a:ext>
+  </dgm:extLst>
+</dgm:dataModel>
+</file>
+
+<file path=ppt/diagrams/data5.xml><?xml version="1.0" encoding="utf-8"?>
+<dgm:dataModel xmlns:dgm="http://schemas.openxmlformats.org/drawingml/2006/diagram" xmlns:a="http://schemas.openxmlformats.org/drawingml/2006/main">
+  <dgm:ptLst>
+    <dgm:pt modelId="{95AF6D23-6AA4-4EF7-901B-4433351347FD}" type="doc">
+      <dgm:prSet loTypeId="urn:microsoft.com/office/officeart/2005/8/layout/venn1" loCatId="relationship" qsTypeId="urn:microsoft.com/office/officeart/2005/8/quickstyle/simple1" qsCatId="simple" csTypeId="urn:microsoft.com/office/officeart/2005/8/colors/accent1_2" csCatId="accent1"/>
+      <dgm:spPr/>
+      <dgm:t>
+        <a:bodyPr/>
+        <a:lstStyle/>
+        <a:p>
+          <a:endParaRPr lang="en-US"/>
+        </a:p>
+      </dgm:t>
+    </dgm:pt>
+    <dgm:pt modelId="{1137DC79-300C-4E64-BD80-B8E001B58EF2}">
+      <dgm:prSet/>
+      <dgm:spPr/>
+      <dgm:t>
+        <a:bodyPr/>
+        <a:lstStyle/>
+        <a:p>
+          <a:r>
+            <a:rPr lang="fr-FR"/>
+            <a:t>Simple to use and implement</a:t>
+          </a:r>
+          <a:endParaRPr lang="en-US"/>
+        </a:p>
+      </dgm:t>
+    </dgm:pt>
+    <dgm:pt modelId="{7316A600-8D5D-4267-9DC6-F3701BB8C8E6}" type="parTrans" cxnId="{26F73559-285F-4D7C-AC1B-3A587F399A5C}">
+      <dgm:prSet/>
+      <dgm:spPr/>
+      <dgm:t>
+        <a:bodyPr/>
+        <a:lstStyle/>
+        <a:p>
+          <a:endParaRPr lang="en-US"/>
+        </a:p>
+      </dgm:t>
+    </dgm:pt>
+    <dgm:pt modelId="{C8149FFF-1D70-4A96-91D7-C7B2C8656AF0}" type="sibTrans" cxnId="{26F73559-285F-4D7C-AC1B-3A587F399A5C}">
+      <dgm:prSet/>
+      <dgm:spPr/>
+      <dgm:t>
+        <a:bodyPr/>
+        <a:lstStyle/>
+        <a:p>
+          <a:endParaRPr lang="en-US"/>
+        </a:p>
+      </dgm:t>
+    </dgm:pt>
+    <dgm:pt modelId="{906095F3-F08B-497C-AD10-974BA5E032BD}">
+      <dgm:prSet/>
+      <dgm:spPr/>
+      <dgm:t>
+        <a:bodyPr/>
+        <a:lstStyle/>
+        <a:p>
+          <a:r>
+            <a:rPr lang="fr-FR"/>
+            <a:t>Very Good Properties </a:t>
+          </a:r>
+          <a:endParaRPr lang="en-US"/>
+        </a:p>
+      </dgm:t>
+    </dgm:pt>
+    <dgm:pt modelId="{38794463-25CB-479B-8680-D4F2ADCE9E34}" type="parTrans" cxnId="{3225DD77-07A1-4482-8FCB-65C81044F1CD}">
+      <dgm:prSet/>
+      <dgm:spPr/>
+      <dgm:t>
+        <a:bodyPr/>
+        <a:lstStyle/>
+        <a:p>
+          <a:endParaRPr lang="en-US"/>
+        </a:p>
+      </dgm:t>
+    </dgm:pt>
+    <dgm:pt modelId="{BF976AE0-7468-48FB-8C34-B1DB5F1B3453}" type="sibTrans" cxnId="{3225DD77-07A1-4482-8FCB-65C81044F1CD}">
+      <dgm:prSet/>
+      <dgm:spPr/>
+      <dgm:t>
+        <a:bodyPr/>
+        <a:lstStyle/>
+        <a:p>
+          <a:endParaRPr lang="en-US"/>
+        </a:p>
+      </dgm:t>
+    </dgm:pt>
+    <dgm:pt modelId="{F905E113-12D3-4306-8D6A-E7BD084F0C40}">
+      <dgm:prSet/>
+      <dgm:spPr/>
+      <dgm:t>
+        <a:bodyPr/>
+        <a:lstStyle/>
+        <a:p>
+          <a:r>
+            <a:rPr lang="fr-FR"/>
+            <a:t>Much needed </a:t>
+          </a:r>
+          <a:endParaRPr lang="en-US"/>
+        </a:p>
+      </dgm:t>
+    </dgm:pt>
+    <dgm:pt modelId="{A05A52C4-FAB9-436B-989C-64E917F4117E}" type="parTrans" cxnId="{E8290500-F2BC-4121-8F5E-05B3C3AED334}">
+      <dgm:prSet/>
+      <dgm:spPr/>
+      <dgm:t>
+        <a:bodyPr/>
+        <a:lstStyle/>
+        <a:p>
+          <a:endParaRPr lang="en-US"/>
+        </a:p>
+      </dgm:t>
+    </dgm:pt>
+    <dgm:pt modelId="{D9241673-0002-4E8B-8118-5EAD2B7B57AF}" type="sibTrans" cxnId="{E8290500-F2BC-4121-8F5E-05B3C3AED334}">
+      <dgm:prSet/>
+      <dgm:spPr/>
+      <dgm:t>
+        <a:bodyPr/>
+        <a:lstStyle/>
+        <a:p>
+          <a:endParaRPr lang="en-US"/>
+        </a:p>
+      </dgm:t>
+    </dgm:pt>
+    <dgm:pt modelId="{EDCE8204-7F51-4EE8-A925-BD95D4BFCBE2}" type="pres">
+      <dgm:prSet presAssocID="{95AF6D23-6AA4-4EF7-901B-4433351347FD}" presName="compositeShape" presStyleCnt="0">
+        <dgm:presLayoutVars>
+          <dgm:chMax val="7"/>
+          <dgm:dir/>
+          <dgm:resizeHandles val="exact"/>
+        </dgm:presLayoutVars>
+      </dgm:prSet>
+      <dgm:spPr/>
+    </dgm:pt>
+    <dgm:pt modelId="{0B6A79C0-3204-46EF-9B82-0FEF02E9DCAB}" type="pres">
+      <dgm:prSet presAssocID="{1137DC79-300C-4E64-BD80-B8E001B58EF2}" presName="circ1" presStyleLbl="vennNode1" presStyleIdx="0" presStyleCnt="3"/>
+      <dgm:spPr/>
+    </dgm:pt>
+    <dgm:pt modelId="{548B6AA7-614E-4A50-A7E3-AEE2A6B940EB}" type="pres">
+      <dgm:prSet presAssocID="{1137DC79-300C-4E64-BD80-B8E001B58EF2}" presName="circ1Tx" presStyleLbl="revTx" presStyleIdx="0" presStyleCnt="0">
+        <dgm:presLayoutVars>
+          <dgm:chMax val="0"/>
+          <dgm:chPref val="0"/>
+          <dgm:bulletEnabled val="1"/>
+        </dgm:presLayoutVars>
+      </dgm:prSet>
+      <dgm:spPr/>
+    </dgm:pt>
+    <dgm:pt modelId="{D86E9C81-387F-4246-B963-6842F0DD808C}" type="pres">
+      <dgm:prSet presAssocID="{906095F3-F08B-497C-AD10-974BA5E032BD}" presName="circ2" presStyleLbl="vennNode1" presStyleIdx="1" presStyleCnt="3"/>
+      <dgm:spPr/>
+    </dgm:pt>
+    <dgm:pt modelId="{16344873-D8B4-42CE-BDC9-8DD3BE2A3B94}" type="pres">
+      <dgm:prSet presAssocID="{906095F3-F08B-497C-AD10-974BA5E032BD}" presName="circ2Tx" presStyleLbl="revTx" presStyleIdx="0" presStyleCnt="0">
+        <dgm:presLayoutVars>
+          <dgm:chMax val="0"/>
+          <dgm:chPref val="0"/>
+          <dgm:bulletEnabled val="1"/>
+        </dgm:presLayoutVars>
+      </dgm:prSet>
+      <dgm:spPr/>
+    </dgm:pt>
+    <dgm:pt modelId="{C973498B-ACFC-49BD-8F79-0DDA02CA9EAB}" type="pres">
+      <dgm:prSet presAssocID="{F905E113-12D3-4306-8D6A-E7BD084F0C40}" presName="circ3" presStyleLbl="vennNode1" presStyleIdx="2" presStyleCnt="3"/>
+      <dgm:spPr/>
+    </dgm:pt>
+    <dgm:pt modelId="{F9F8B036-E43E-457D-88E8-14D06550FFCC}" type="pres">
+      <dgm:prSet presAssocID="{F905E113-12D3-4306-8D6A-E7BD084F0C40}" presName="circ3Tx" presStyleLbl="revTx" presStyleIdx="0" presStyleCnt="0">
+        <dgm:presLayoutVars>
+          <dgm:chMax val="0"/>
+          <dgm:chPref val="0"/>
+          <dgm:bulletEnabled val="1"/>
+        </dgm:presLayoutVars>
+      </dgm:prSet>
+      <dgm:spPr/>
+    </dgm:pt>
+  </dgm:ptLst>
+  <dgm:cxnLst>
+    <dgm:cxn modelId="{E8290500-F2BC-4121-8F5E-05B3C3AED334}" srcId="{95AF6D23-6AA4-4EF7-901B-4433351347FD}" destId="{F905E113-12D3-4306-8D6A-E7BD084F0C40}" srcOrd="2" destOrd="0" parTransId="{A05A52C4-FAB9-436B-989C-64E917F4117E}" sibTransId="{D9241673-0002-4E8B-8118-5EAD2B7B57AF}"/>
+    <dgm:cxn modelId="{5D0A2A28-4E24-43C7-A974-48DC2A7CC05F}" type="presOf" srcId="{F905E113-12D3-4306-8D6A-E7BD084F0C40}" destId="{C973498B-ACFC-49BD-8F79-0DDA02CA9EAB}" srcOrd="0" destOrd="0" presId="urn:microsoft.com/office/officeart/2005/8/layout/venn1"/>
+    <dgm:cxn modelId="{3225DD77-07A1-4482-8FCB-65C81044F1CD}" srcId="{95AF6D23-6AA4-4EF7-901B-4433351347FD}" destId="{906095F3-F08B-497C-AD10-974BA5E032BD}" srcOrd="1" destOrd="0" parTransId="{38794463-25CB-479B-8680-D4F2ADCE9E34}" sibTransId="{BF976AE0-7468-48FB-8C34-B1DB5F1B3453}"/>
+    <dgm:cxn modelId="{813F5D78-9B5B-4D69-BBC7-2C62216B0FFF}" type="presOf" srcId="{95AF6D23-6AA4-4EF7-901B-4433351347FD}" destId="{EDCE8204-7F51-4EE8-A925-BD95D4BFCBE2}" srcOrd="0" destOrd="0" presId="urn:microsoft.com/office/officeart/2005/8/layout/venn1"/>
+    <dgm:cxn modelId="{26F73559-285F-4D7C-AC1B-3A587F399A5C}" srcId="{95AF6D23-6AA4-4EF7-901B-4433351347FD}" destId="{1137DC79-300C-4E64-BD80-B8E001B58EF2}" srcOrd="0" destOrd="0" parTransId="{7316A600-8D5D-4267-9DC6-F3701BB8C8E6}" sibTransId="{C8149FFF-1D70-4A96-91D7-C7B2C8656AF0}"/>
+    <dgm:cxn modelId="{02A01F82-5634-404B-8B4B-7CC60FE3FCEF}" type="presOf" srcId="{F905E113-12D3-4306-8D6A-E7BD084F0C40}" destId="{F9F8B036-E43E-457D-88E8-14D06550FFCC}" srcOrd="1" destOrd="0" presId="urn:microsoft.com/office/officeart/2005/8/layout/venn1"/>
+    <dgm:cxn modelId="{AADB1487-1DA3-4004-A7C1-C207A85131EE}" type="presOf" srcId="{1137DC79-300C-4E64-BD80-B8E001B58EF2}" destId="{0B6A79C0-3204-46EF-9B82-0FEF02E9DCAB}" srcOrd="0" destOrd="0" presId="urn:microsoft.com/office/officeart/2005/8/layout/venn1"/>
+    <dgm:cxn modelId="{0DC5A2C4-D3BD-42D0-9F46-EAE207BDDC3D}" type="presOf" srcId="{906095F3-F08B-497C-AD10-974BA5E032BD}" destId="{16344873-D8B4-42CE-BDC9-8DD3BE2A3B94}" srcOrd="1" destOrd="0" presId="urn:microsoft.com/office/officeart/2005/8/layout/venn1"/>
+    <dgm:cxn modelId="{8DEFD9DB-3BBB-43DE-A8BB-51FAB3153ADE}" type="presOf" srcId="{906095F3-F08B-497C-AD10-974BA5E032BD}" destId="{D86E9C81-387F-4246-B963-6842F0DD808C}" srcOrd="0" destOrd="0" presId="urn:microsoft.com/office/officeart/2005/8/layout/venn1"/>
+    <dgm:cxn modelId="{B42FA3FA-A0F0-428D-8C83-DA373B887A0C}" type="presOf" srcId="{1137DC79-300C-4E64-BD80-B8E001B58EF2}" destId="{548B6AA7-614E-4A50-A7E3-AEE2A6B940EB}" srcOrd="1" destOrd="0" presId="urn:microsoft.com/office/officeart/2005/8/layout/venn1"/>
+    <dgm:cxn modelId="{B65D2A64-B2C8-48EF-9469-527CC6BB91E9}" type="presParOf" srcId="{EDCE8204-7F51-4EE8-A925-BD95D4BFCBE2}" destId="{0B6A79C0-3204-46EF-9B82-0FEF02E9DCAB}" srcOrd="0" destOrd="0" presId="urn:microsoft.com/office/officeart/2005/8/layout/venn1"/>
+    <dgm:cxn modelId="{D03E37E8-9730-4864-B567-6F56C33DFBF3}" type="presParOf" srcId="{EDCE8204-7F51-4EE8-A925-BD95D4BFCBE2}" destId="{548B6AA7-614E-4A50-A7E3-AEE2A6B940EB}" srcOrd="1" destOrd="0" presId="urn:microsoft.com/office/officeart/2005/8/layout/venn1"/>
+    <dgm:cxn modelId="{69EE0341-A1FC-4A09-BFD4-123C79B0780D}" type="presParOf" srcId="{EDCE8204-7F51-4EE8-A925-BD95D4BFCBE2}" destId="{D86E9C81-387F-4246-B963-6842F0DD808C}" srcOrd="2" destOrd="0" presId="urn:microsoft.com/office/officeart/2005/8/layout/venn1"/>
+    <dgm:cxn modelId="{04BE4FCC-0AC7-49C1-9BD5-CB476232F27A}" type="presParOf" srcId="{EDCE8204-7F51-4EE8-A925-BD95D4BFCBE2}" destId="{16344873-D8B4-42CE-BDC9-8DD3BE2A3B94}" srcOrd="3" destOrd="0" presId="urn:microsoft.com/office/officeart/2005/8/layout/venn1"/>
+    <dgm:cxn modelId="{5731184D-626A-4D99-BF75-908484A3CF91}" type="presParOf" srcId="{EDCE8204-7F51-4EE8-A925-BD95D4BFCBE2}" destId="{C973498B-ACFC-49BD-8F79-0DDA02CA9EAB}" srcOrd="4" destOrd="0" presId="urn:microsoft.com/office/officeart/2005/8/layout/venn1"/>
+    <dgm:cxn modelId="{A291B37C-428E-4324-8F97-2C5F3846D466}" type="presParOf" srcId="{EDCE8204-7F51-4EE8-A925-BD95D4BFCBE2}" destId="{F9F8B036-E43E-457D-88E8-14D06550FFCC}" srcOrd="5" destOrd="0" presId="urn:microsoft.com/office/officeart/2005/8/layout/venn1"/>
+  </dgm:cxnLst>
+  <dgm:bg/>
+  <dgm:whole/>
+  <dgm:extLst>
+    <a:ext uri="http://schemas.microsoft.com/office/drawing/2008/diagram">
+      <dsp:dataModelExt xmlns:dsp="http://schemas.microsoft.com/office/drawing/2008/diagram" relId="rId6" minVer="http://schemas.openxmlformats.org/drawingml/2006/diagram"/>
+    </a:ext>
+  </dgm:extLst>
+</dgm:dataModel>
+</file>
+
 <file path=ppt/diagrams/drawing1.xml><?xml version="1.0" encoding="utf-8"?>
 <dsp:drawing xmlns:dgm="http://schemas.openxmlformats.org/drawingml/2006/diagram" xmlns:dsp="http://schemas.microsoft.com/office/drawing/2008/diagram" xmlns:a="http://schemas.openxmlformats.org/drawingml/2006/main">
   <dsp:spTree>
@@ -4235,7 +6225,7 @@
           </a:r>
           <a:r>
             <a:rPr lang="en-US" sz="1600" kern="1200" dirty="0"/>
-            <a:t>: lectures vs tutorials, </a:t>
+            <a:t>: lectures vs tutorials </a:t>
           </a:r>
         </a:p>
       </dsp:txBody>
@@ -6570,6 +8560,648 @@
 </dsp:drawing>
 </file>
 
+<file path=ppt/diagrams/drawing4.xml><?xml version="1.0" encoding="utf-8"?>
+<dsp:drawing xmlns:dgm="http://schemas.openxmlformats.org/drawingml/2006/diagram" xmlns:dsp="http://schemas.microsoft.com/office/drawing/2008/diagram" xmlns:a="http://schemas.openxmlformats.org/drawingml/2006/main">
+  <dsp:spTree>
+    <dsp:nvGrpSpPr>
+      <dsp:cNvPr id="0" name=""/>
+      <dsp:cNvGrpSpPr/>
+    </dsp:nvGrpSpPr>
+    <dsp:grpSpPr/>
+    <dsp:sp modelId="{1EBD14DA-A443-46DB-AADF-4294AACE099F}">
+      <dsp:nvSpPr>
+        <dsp:cNvPr id="0" name=""/>
+        <dsp:cNvSpPr/>
+      </dsp:nvSpPr>
+      <dsp:spPr>
+        <a:xfrm>
+          <a:off x="937736" y="0"/>
+          <a:ext cx="3923347" cy="3923347"/>
+        </a:xfrm>
+        <a:prstGeom prst="diamond">
+          <a:avLst/>
+        </a:prstGeom>
+        <a:solidFill>
+          <a:schemeClr val="accent1">
+            <a:tint val="40000"/>
+            <a:hueOff val="0"/>
+            <a:satOff val="0"/>
+            <a:lumOff val="0"/>
+            <a:alphaOff val="0"/>
+          </a:schemeClr>
+        </a:solidFill>
+        <a:ln>
+          <a:noFill/>
+        </a:ln>
+        <a:effectLst/>
+      </dsp:spPr>
+      <dsp:style>
+        <a:lnRef idx="0">
+          <a:scrgbClr r="0" g="0" b="0"/>
+        </a:lnRef>
+        <a:fillRef idx="1">
+          <a:scrgbClr r="0" g="0" b="0"/>
+        </a:fillRef>
+        <a:effectRef idx="0">
+          <a:scrgbClr r="0" g="0" b="0"/>
+        </a:effectRef>
+        <a:fontRef idx="minor"/>
+      </dsp:style>
+    </dsp:sp>
+    <dsp:sp modelId="{C7A0002A-96BA-40B8-822B-8F144D92D78B}">
+      <dsp:nvSpPr>
+        <dsp:cNvPr id="0" name=""/>
+        <dsp:cNvSpPr/>
+      </dsp:nvSpPr>
+      <dsp:spPr>
+        <a:xfrm>
+          <a:off x="1310454" y="372717"/>
+          <a:ext cx="1530105" cy="1530105"/>
+        </a:xfrm>
+        <a:prstGeom prst="roundRect">
+          <a:avLst/>
+        </a:prstGeom>
+        <a:solidFill>
+          <a:schemeClr val="accent1">
+            <a:hueOff val="0"/>
+            <a:satOff val="0"/>
+            <a:lumOff val="0"/>
+            <a:alphaOff val="0"/>
+          </a:schemeClr>
+        </a:solidFill>
+        <a:ln w="12700" cap="flat" cmpd="sng" algn="ctr">
+          <a:solidFill>
+            <a:schemeClr val="lt1">
+              <a:hueOff val="0"/>
+              <a:satOff val="0"/>
+              <a:lumOff val="0"/>
+              <a:alphaOff val="0"/>
+            </a:schemeClr>
+          </a:solidFill>
+          <a:prstDash val="solid"/>
+          <a:miter lim="800000"/>
+        </a:ln>
+        <a:effectLst/>
+      </dsp:spPr>
+      <dsp:style>
+        <a:lnRef idx="2">
+          <a:scrgbClr r="0" g="0" b="0"/>
+        </a:lnRef>
+        <a:fillRef idx="1">
+          <a:scrgbClr r="0" g="0" b="0"/>
+        </a:fillRef>
+        <a:effectRef idx="0">
+          <a:scrgbClr r="0" g="0" b="0"/>
+        </a:effectRef>
+        <a:fontRef idx="minor">
+          <a:schemeClr val="lt1"/>
+        </a:fontRef>
+      </dsp:style>
+      <dsp:txBody>
+        <a:bodyPr spcFirstLastPara="0" vert="horz" wrap="square" lIns="80010" tIns="80010" rIns="80010" bIns="80010" numCol="1" spcCol="1270" anchor="ctr" anchorCtr="0">
+          <a:noAutofit/>
+        </a:bodyPr>
+        <a:lstStyle/>
+        <a:p>
+          <a:pPr marL="0" lvl="0" indent="0" algn="ctr" defTabSz="933450">
+            <a:lnSpc>
+              <a:spcPct val="90000"/>
+            </a:lnSpc>
+            <a:spcBef>
+              <a:spcPct val="0"/>
+            </a:spcBef>
+            <a:spcAft>
+              <a:spcPct val="35000"/>
+            </a:spcAft>
+            <a:buNone/>
+          </a:pPr>
+          <a:r>
+            <a:rPr lang="fr-FR" sz="2100" kern="1200" dirty="0" err="1">
+              <a:latin typeface="Georgia" panose="02040502050405020303" pitchFamily="18" charset="0"/>
+            </a:rPr>
+            <a:t>Stability</a:t>
+          </a:r>
+          <a:endParaRPr lang="en-US" sz="2100" kern="1200" dirty="0">
+            <a:latin typeface="Georgia" panose="02040502050405020303" pitchFamily="18" charset="0"/>
+          </a:endParaRPr>
+        </a:p>
+      </dsp:txBody>
+      <dsp:txXfrm>
+        <a:off x="1385148" y="447411"/>
+        <a:ext cx="1380717" cy="1380717"/>
+      </dsp:txXfrm>
+    </dsp:sp>
+    <dsp:sp modelId="{C251B999-5A1C-4F85-818F-BD730DA5A1BC}">
+      <dsp:nvSpPr>
+        <dsp:cNvPr id="0" name=""/>
+        <dsp:cNvSpPr/>
+      </dsp:nvSpPr>
+      <dsp:spPr>
+        <a:xfrm>
+          <a:off x="2958260" y="372717"/>
+          <a:ext cx="1530105" cy="1530105"/>
+        </a:xfrm>
+        <a:prstGeom prst="roundRect">
+          <a:avLst/>
+        </a:prstGeom>
+        <a:solidFill>
+          <a:schemeClr val="accent1">
+            <a:hueOff val="0"/>
+            <a:satOff val="0"/>
+            <a:lumOff val="0"/>
+            <a:alphaOff val="0"/>
+          </a:schemeClr>
+        </a:solidFill>
+        <a:ln w="12700" cap="flat" cmpd="sng" algn="ctr">
+          <a:solidFill>
+            <a:schemeClr val="lt1">
+              <a:hueOff val="0"/>
+              <a:satOff val="0"/>
+              <a:lumOff val="0"/>
+              <a:alphaOff val="0"/>
+            </a:schemeClr>
+          </a:solidFill>
+          <a:prstDash val="solid"/>
+          <a:miter lim="800000"/>
+        </a:ln>
+        <a:effectLst/>
+      </dsp:spPr>
+      <dsp:style>
+        <a:lnRef idx="2">
+          <a:scrgbClr r="0" g="0" b="0"/>
+        </a:lnRef>
+        <a:fillRef idx="1">
+          <a:scrgbClr r="0" g="0" b="0"/>
+        </a:fillRef>
+        <a:effectRef idx="0">
+          <a:scrgbClr r="0" g="0" b="0"/>
+        </a:effectRef>
+        <a:fontRef idx="minor">
+          <a:schemeClr val="lt1"/>
+        </a:fontRef>
+      </dsp:style>
+      <dsp:txBody>
+        <a:bodyPr spcFirstLastPara="0" vert="horz" wrap="square" lIns="80010" tIns="80010" rIns="80010" bIns="80010" numCol="1" spcCol="1270" anchor="ctr" anchorCtr="0">
+          <a:noAutofit/>
+        </a:bodyPr>
+        <a:lstStyle/>
+        <a:p>
+          <a:pPr marL="0" lvl="0" indent="0" algn="ctr" defTabSz="933450">
+            <a:lnSpc>
+              <a:spcPct val="90000"/>
+            </a:lnSpc>
+            <a:spcBef>
+              <a:spcPct val="0"/>
+            </a:spcBef>
+            <a:spcAft>
+              <a:spcPct val="35000"/>
+            </a:spcAft>
+            <a:buNone/>
+          </a:pPr>
+          <a:r>
+            <a:rPr lang="fr-FR" sz="2100" kern="1200" dirty="0">
+              <a:latin typeface="Georgia" panose="02040502050405020303" pitchFamily="18" charset="0"/>
+            </a:rPr>
+            <a:t>Pareto </a:t>
+          </a:r>
+          <a:r>
+            <a:rPr lang="fr-FR" sz="2100" kern="1200" dirty="0" err="1">
+              <a:latin typeface="Georgia" panose="02040502050405020303" pitchFamily="18" charset="0"/>
+            </a:rPr>
+            <a:t>Efficiency</a:t>
+          </a:r>
+          <a:endParaRPr lang="en-US" sz="2100" kern="1200" dirty="0">
+            <a:latin typeface="Georgia" panose="02040502050405020303" pitchFamily="18" charset="0"/>
+          </a:endParaRPr>
+        </a:p>
+      </dsp:txBody>
+      <dsp:txXfrm>
+        <a:off x="3032954" y="447411"/>
+        <a:ext cx="1380717" cy="1380717"/>
+      </dsp:txXfrm>
+    </dsp:sp>
+    <dsp:sp modelId="{1DAA5DBB-944D-4CD9-B922-0997434BBD56}">
+      <dsp:nvSpPr>
+        <dsp:cNvPr id="0" name=""/>
+        <dsp:cNvSpPr/>
+      </dsp:nvSpPr>
+      <dsp:spPr>
+        <a:xfrm>
+          <a:off x="1310454" y="2020523"/>
+          <a:ext cx="1530105" cy="1530105"/>
+        </a:xfrm>
+        <a:prstGeom prst="roundRect">
+          <a:avLst/>
+        </a:prstGeom>
+        <a:solidFill>
+          <a:schemeClr val="accent1">
+            <a:hueOff val="0"/>
+            <a:satOff val="0"/>
+            <a:lumOff val="0"/>
+            <a:alphaOff val="0"/>
+          </a:schemeClr>
+        </a:solidFill>
+        <a:ln w="12700" cap="flat" cmpd="sng" algn="ctr">
+          <a:solidFill>
+            <a:schemeClr val="lt1">
+              <a:hueOff val="0"/>
+              <a:satOff val="0"/>
+              <a:lumOff val="0"/>
+              <a:alphaOff val="0"/>
+            </a:schemeClr>
+          </a:solidFill>
+          <a:prstDash val="solid"/>
+          <a:miter lim="800000"/>
+        </a:ln>
+        <a:effectLst/>
+      </dsp:spPr>
+      <dsp:style>
+        <a:lnRef idx="2">
+          <a:scrgbClr r="0" g="0" b="0"/>
+        </a:lnRef>
+        <a:fillRef idx="1">
+          <a:scrgbClr r="0" g="0" b="0"/>
+        </a:fillRef>
+        <a:effectRef idx="0">
+          <a:scrgbClr r="0" g="0" b="0"/>
+        </a:effectRef>
+        <a:fontRef idx="minor">
+          <a:schemeClr val="lt1"/>
+        </a:fontRef>
+      </dsp:style>
+      <dsp:txBody>
+        <a:bodyPr spcFirstLastPara="0" vert="horz" wrap="square" lIns="80010" tIns="80010" rIns="80010" bIns="80010" numCol="1" spcCol="1270" anchor="ctr" anchorCtr="0">
+          <a:noAutofit/>
+        </a:bodyPr>
+        <a:lstStyle/>
+        <a:p>
+          <a:pPr marL="0" lvl="0" indent="0" algn="ctr" defTabSz="933450">
+            <a:lnSpc>
+              <a:spcPct val="90000"/>
+            </a:lnSpc>
+            <a:spcBef>
+              <a:spcPct val="0"/>
+            </a:spcBef>
+            <a:spcAft>
+              <a:spcPct val="35000"/>
+            </a:spcAft>
+            <a:buNone/>
+          </a:pPr>
+          <a:r>
+            <a:rPr lang="fr-FR" sz="2100" kern="1200" dirty="0">
+              <a:latin typeface="Georgia" panose="02040502050405020303" pitchFamily="18" charset="0"/>
+            </a:rPr>
+            <a:t>Fast and Safe</a:t>
+          </a:r>
+          <a:endParaRPr lang="en-US" sz="2100" kern="1200" dirty="0">
+            <a:latin typeface="Georgia" panose="02040502050405020303" pitchFamily="18" charset="0"/>
+          </a:endParaRPr>
+        </a:p>
+      </dsp:txBody>
+      <dsp:txXfrm>
+        <a:off x="1385148" y="2095217"/>
+        <a:ext cx="1380717" cy="1380717"/>
+      </dsp:txXfrm>
+    </dsp:sp>
+    <dsp:sp modelId="{9081928E-CBE4-49DB-BA21-0E8AD8907729}">
+      <dsp:nvSpPr>
+        <dsp:cNvPr id="0" name=""/>
+        <dsp:cNvSpPr/>
+      </dsp:nvSpPr>
+      <dsp:spPr>
+        <a:xfrm>
+          <a:off x="2958260" y="2020523"/>
+          <a:ext cx="1530105" cy="1530105"/>
+        </a:xfrm>
+        <a:prstGeom prst="roundRect">
+          <a:avLst/>
+        </a:prstGeom>
+        <a:solidFill>
+          <a:schemeClr val="accent1">
+            <a:hueOff val="0"/>
+            <a:satOff val="0"/>
+            <a:lumOff val="0"/>
+            <a:alphaOff val="0"/>
+          </a:schemeClr>
+        </a:solidFill>
+        <a:ln w="12700" cap="flat" cmpd="sng" algn="ctr">
+          <a:solidFill>
+            <a:schemeClr val="lt1">
+              <a:hueOff val="0"/>
+              <a:satOff val="0"/>
+              <a:lumOff val="0"/>
+              <a:alphaOff val="0"/>
+            </a:schemeClr>
+          </a:solidFill>
+          <a:prstDash val="solid"/>
+          <a:miter lim="800000"/>
+        </a:ln>
+        <a:effectLst/>
+      </dsp:spPr>
+      <dsp:style>
+        <a:lnRef idx="2">
+          <a:scrgbClr r="0" g="0" b="0"/>
+        </a:lnRef>
+        <a:fillRef idx="1">
+          <a:scrgbClr r="0" g="0" b="0"/>
+        </a:fillRef>
+        <a:effectRef idx="0">
+          <a:scrgbClr r="0" g="0" b="0"/>
+        </a:effectRef>
+        <a:fontRef idx="minor">
+          <a:schemeClr val="lt1"/>
+        </a:fontRef>
+      </dsp:style>
+      <dsp:txBody>
+        <a:bodyPr spcFirstLastPara="0" vert="horz" wrap="square" lIns="80010" tIns="80010" rIns="80010" bIns="80010" numCol="1" spcCol="1270" anchor="ctr" anchorCtr="0">
+          <a:noAutofit/>
+        </a:bodyPr>
+        <a:lstStyle/>
+        <a:p>
+          <a:pPr marL="0" lvl="0" indent="0" algn="ctr" defTabSz="933450">
+            <a:lnSpc>
+              <a:spcPct val="90000"/>
+            </a:lnSpc>
+            <a:spcBef>
+              <a:spcPct val="0"/>
+            </a:spcBef>
+            <a:spcAft>
+              <a:spcPct val="35000"/>
+            </a:spcAft>
+            <a:buNone/>
+          </a:pPr>
+          <a:r>
+            <a:rPr lang="fr-FR" sz="2100" kern="1200" dirty="0" err="1">
+              <a:latin typeface="Georgia" panose="02040502050405020303" pitchFamily="18" charset="0"/>
+            </a:rPr>
+            <a:t>Strategy-proofness</a:t>
+          </a:r>
+          <a:endParaRPr lang="en-US" sz="2100" kern="1200" dirty="0">
+            <a:latin typeface="Georgia" panose="02040502050405020303" pitchFamily="18" charset="0"/>
+          </a:endParaRPr>
+        </a:p>
+      </dsp:txBody>
+      <dsp:txXfrm>
+        <a:off x="3032954" y="2095217"/>
+        <a:ext cx="1380717" cy="1380717"/>
+      </dsp:txXfrm>
+    </dsp:sp>
+  </dsp:spTree>
+</dsp:drawing>
+</file>
+
+<file path=ppt/diagrams/drawing5.xml><?xml version="1.0" encoding="utf-8"?>
+<dsp:drawing xmlns:dgm="http://schemas.openxmlformats.org/drawingml/2006/diagram" xmlns:dsp="http://schemas.microsoft.com/office/drawing/2008/diagram" xmlns:a="http://schemas.openxmlformats.org/drawingml/2006/main">
+  <dsp:spTree>
+    <dsp:nvGrpSpPr>
+      <dsp:cNvPr id="0" name=""/>
+      <dsp:cNvGrpSpPr/>
+    </dsp:nvGrpSpPr>
+    <dsp:grpSpPr/>
+    <dsp:sp modelId="{0B6A79C0-3204-46EF-9B82-0FEF02E9DCAB}">
+      <dsp:nvSpPr>
+        <dsp:cNvPr id="0" name=""/>
+        <dsp:cNvSpPr/>
+      </dsp:nvSpPr>
+      <dsp:spPr>
+        <a:xfrm>
+          <a:off x="3985546" y="53010"/>
+          <a:ext cx="2544505" cy="2544505"/>
+        </a:xfrm>
+        <a:prstGeom prst="ellipse">
+          <a:avLst/>
+        </a:prstGeom>
+        <a:solidFill>
+          <a:schemeClr val="accent1">
+            <a:alpha val="50000"/>
+            <a:hueOff val="0"/>
+            <a:satOff val="0"/>
+            <a:lumOff val="0"/>
+            <a:alphaOff val="0"/>
+          </a:schemeClr>
+        </a:solidFill>
+        <a:ln w="12700" cap="flat" cmpd="sng" algn="ctr">
+          <a:solidFill>
+            <a:schemeClr val="lt1">
+              <a:hueOff val="0"/>
+              <a:satOff val="0"/>
+              <a:lumOff val="0"/>
+              <a:alphaOff val="0"/>
+            </a:schemeClr>
+          </a:solidFill>
+          <a:prstDash val="solid"/>
+          <a:miter lim="800000"/>
+        </a:ln>
+        <a:effectLst/>
+      </dsp:spPr>
+      <dsp:style>
+        <a:lnRef idx="2">
+          <a:scrgbClr r="0" g="0" b="0"/>
+        </a:lnRef>
+        <a:fillRef idx="1">
+          <a:scrgbClr r="0" g="0" b="0"/>
+        </a:fillRef>
+        <a:effectRef idx="0">
+          <a:scrgbClr r="0" g="0" b="0"/>
+        </a:effectRef>
+        <a:fontRef idx="minor">
+          <a:schemeClr val="tx1"/>
+        </a:fontRef>
+      </dsp:style>
+      <dsp:txBody>
+        <a:bodyPr spcFirstLastPara="0" vert="horz" wrap="square" lIns="0" tIns="0" rIns="0" bIns="0" numCol="1" spcCol="1270" anchor="ctr" anchorCtr="0">
+          <a:noAutofit/>
+        </a:bodyPr>
+        <a:lstStyle/>
+        <a:p>
+          <a:pPr marL="0" lvl="0" indent="0" algn="ctr" defTabSz="1111250">
+            <a:lnSpc>
+              <a:spcPct val="90000"/>
+            </a:lnSpc>
+            <a:spcBef>
+              <a:spcPct val="0"/>
+            </a:spcBef>
+            <a:spcAft>
+              <a:spcPct val="35000"/>
+            </a:spcAft>
+            <a:buNone/>
+          </a:pPr>
+          <a:r>
+            <a:rPr lang="fr-FR" sz="2500" kern="1200"/>
+            <a:t>Simple to use and implement</a:t>
+          </a:r>
+          <a:endParaRPr lang="en-US" sz="2500" kern="1200"/>
+        </a:p>
+      </dsp:txBody>
+      <dsp:txXfrm>
+        <a:off x="4324814" y="498298"/>
+        <a:ext cx="1865970" cy="1145027"/>
+      </dsp:txXfrm>
+    </dsp:sp>
+    <dsp:sp modelId="{D86E9C81-387F-4246-B963-6842F0DD808C}">
+      <dsp:nvSpPr>
+        <dsp:cNvPr id="0" name=""/>
+        <dsp:cNvSpPr/>
+      </dsp:nvSpPr>
+      <dsp:spPr>
+        <a:xfrm>
+          <a:off x="4903689" y="1643326"/>
+          <a:ext cx="2544505" cy="2544505"/>
+        </a:xfrm>
+        <a:prstGeom prst="ellipse">
+          <a:avLst/>
+        </a:prstGeom>
+        <a:solidFill>
+          <a:schemeClr val="accent1">
+            <a:alpha val="50000"/>
+            <a:hueOff val="0"/>
+            <a:satOff val="0"/>
+            <a:lumOff val="0"/>
+            <a:alphaOff val="0"/>
+          </a:schemeClr>
+        </a:solidFill>
+        <a:ln w="12700" cap="flat" cmpd="sng" algn="ctr">
+          <a:solidFill>
+            <a:schemeClr val="lt1">
+              <a:hueOff val="0"/>
+              <a:satOff val="0"/>
+              <a:lumOff val="0"/>
+              <a:alphaOff val="0"/>
+            </a:schemeClr>
+          </a:solidFill>
+          <a:prstDash val="solid"/>
+          <a:miter lim="800000"/>
+        </a:ln>
+        <a:effectLst/>
+      </dsp:spPr>
+      <dsp:style>
+        <a:lnRef idx="2">
+          <a:scrgbClr r="0" g="0" b="0"/>
+        </a:lnRef>
+        <a:fillRef idx="1">
+          <a:scrgbClr r="0" g="0" b="0"/>
+        </a:fillRef>
+        <a:effectRef idx="0">
+          <a:scrgbClr r="0" g="0" b="0"/>
+        </a:effectRef>
+        <a:fontRef idx="minor">
+          <a:schemeClr val="tx1"/>
+        </a:fontRef>
+      </dsp:style>
+      <dsp:txBody>
+        <a:bodyPr spcFirstLastPara="0" vert="horz" wrap="square" lIns="0" tIns="0" rIns="0" bIns="0" numCol="1" spcCol="1270" anchor="ctr" anchorCtr="0">
+          <a:noAutofit/>
+        </a:bodyPr>
+        <a:lstStyle/>
+        <a:p>
+          <a:pPr marL="0" lvl="0" indent="0" algn="ctr" defTabSz="1111250">
+            <a:lnSpc>
+              <a:spcPct val="90000"/>
+            </a:lnSpc>
+            <a:spcBef>
+              <a:spcPct val="0"/>
+            </a:spcBef>
+            <a:spcAft>
+              <a:spcPct val="35000"/>
+            </a:spcAft>
+            <a:buNone/>
+          </a:pPr>
+          <a:r>
+            <a:rPr lang="fr-FR" sz="2500" kern="1200"/>
+            <a:t>Very Good Properties </a:t>
+          </a:r>
+          <a:endParaRPr lang="en-US" sz="2500" kern="1200"/>
+        </a:p>
+      </dsp:txBody>
+      <dsp:txXfrm>
+        <a:off x="5681883" y="2300656"/>
+        <a:ext cx="1526703" cy="1399477"/>
+      </dsp:txXfrm>
+    </dsp:sp>
+    <dsp:sp modelId="{C973498B-ACFC-49BD-8F79-0DDA02CA9EAB}">
+      <dsp:nvSpPr>
+        <dsp:cNvPr id="0" name=""/>
+        <dsp:cNvSpPr/>
+      </dsp:nvSpPr>
+      <dsp:spPr>
+        <a:xfrm>
+          <a:off x="3067404" y="1643326"/>
+          <a:ext cx="2544505" cy="2544505"/>
+        </a:xfrm>
+        <a:prstGeom prst="ellipse">
+          <a:avLst/>
+        </a:prstGeom>
+        <a:solidFill>
+          <a:schemeClr val="accent1">
+            <a:alpha val="50000"/>
+            <a:hueOff val="0"/>
+            <a:satOff val="0"/>
+            <a:lumOff val="0"/>
+            <a:alphaOff val="0"/>
+          </a:schemeClr>
+        </a:solidFill>
+        <a:ln w="12700" cap="flat" cmpd="sng" algn="ctr">
+          <a:solidFill>
+            <a:schemeClr val="lt1">
+              <a:hueOff val="0"/>
+              <a:satOff val="0"/>
+              <a:lumOff val="0"/>
+              <a:alphaOff val="0"/>
+            </a:schemeClr>
+          </a:solidFill>
+          <a:prstDash val="solid"/>
+          <a:miter lim="800000"/>
+        </a:ln>
+        <a:effectLst/>
+      </dsp:spPr>
+      <dsp:style>
+        <a:lnRef idx="2">
+          <a:scrgbClr r="0" g="0" b="0"/>
+        </a:lnRef>
+        <a:fillRef idx="1">
+          <a:scrgbClr r="0" g="0" b="0"/>
+        </a:fillRef>
+        <a:effectRef idx="0">
+          <a:scrgbClr r="0" g="0" b="0"/>
+        </a:effectRef>
+        <a:fontRef idx="minor">
+          <a:schemeClr val="tx1"/>
+        </a:fontRef>
+      </dsp:style>
+      <dsp:txBody>
+        <a:bodyPr spcFirstLastPara="0" vert="horz" wrap="square" lIns="0" tIns="0" rIns="0" bIns="0" numCol="1" spcCol="1270" anchor="ctr" anchorCtr="0">
+          <a:noAutofit/>
+        </a:bodyPr>
+        <a:lstStyle/>
+        <a:p>
+          <a:pPr marL="0" lvl="0" indent="0" algn="ctr" defTabSz="1111250">
+            <a:lnSpc>
+              <a:spcPct val="90000"/>
+            </a:lnSpc>
+            <a:spcBef>
+              <a:spcPct val="0"/>
+            </a:spcBef>
+            <a:spcAft>
+              <a:spcPct val="35000"/>
+            </a:spcAft>
+            <a:buNone/>
+          </a:pPr>
+          <a:r>
+            <a:rPr lang="fr-FR" sz="2500" kern="1200"/>
+            <a:t>Much needed </a:t>
+          </a:r>
+          <a:endParaRPr lang="en-US" sz="2500" kern="1200"/>
+        </a:p>
+      </dsp:txBody>
+      <dsp:txXfrm>
+        <a:off x="3307012" y="2300656"/>
+        <a:ext cx="1526703" cy="1399477"/>
+      </dsp:txXfrm>
+    </dsp:sp>
+  </dsp:spTree>
+</dsp:drawing>
+</file>
+
 <file path=ppt/diagrams/layout1.xml><?xml version="1.0" encoding="utf-8"?>
 <dgm:layoutDef xmlns:dgm="http://schemas.openxmlformats.org/drawingml/2006/diagram" xmlns:a="http://schemas.openxmlformats.org/drawingml/2006/main" uniqueId="urn:microsoft.com/office/officeart/2018/5/layout/IconLeafLabelList">
   <dgm:title val="Icon Leaf Label List"/>
@@ -7389,6 +10021,1100 @@
 </dgm:layoutDef>
 </file>
 
+<file path=ppt/diagrams/layout4.xml><?xml version="1.0" encoding="utf-8"?>
+<dgm:layoutDef xmlns:dgm="http://schemas.openxmlformats.org/drawingml/2006/diagram" xmlns:a="http://schemas.openxmlformats.org/drawingml/2006/main" uniqueId="urn:microsoft.com/office/officeart/2005/8/layout/matrix3">
+  <dgm:title val=""/>
+  <dgm:desc val=""/>
+  <dgm:catLst>
+    <dgm:cat type="matrix" pri="1000"/>
+    <dgm:cat type="convert" pri="18000"/>
+  </dgm:catLst>
+  <dgm:sampData>
+    <dgm:dataModel>
+      <dgm:ptLst>
+        <dgm:pt modelId="0" type="doc"/>
+        <dgm:pt modelId="1">
+          <dgm:prSet phldr="1"/>
+        </dgm:pt>
+        <dgm:pt modelId="2">
+          <dgm:prSet phldr="1"/>
+        </dgm:pt>
+        <dgm:pt modelId="3">
+          <dgm:prSet phldr="1"/>
+        </dgm:pt>
+        <dgm:pt modelId="4">
+          <dgm:prSet phldr="1"/>
+        </dgm:pt>
+      </dgm:ptLst>
+      <dgm:cxnLst>
+        <dgm:cxn modelId="5" srcId="0" destId="1" srcOrd="0" destOrd="0"/>
+        <dgm:cxn modelId="6" srcId="0" destId="2" srcOrd="1" destOrd="0"/>
+        <dgm:cxn modelId="7" srcId="0" destId="3" srcOrd="0" destOrd="0"/>
+        <dgm:cxn modelId="8" srcId="0" destId="4" srcOrd="1" destOrd="0"/>
+      </dgm:cxnLst>
+      <dgm:bg/>
+      <dgm:whole/>
+    </dgm:dataModel>
+  </dgm:sampData>
+  <dgm:styleData useDef="1">
+    <dgm:dataModel>
+      <dgm:ptLst/>
+      <dgm:bg/>
+      <dgm:whole/>
+    </dgm:dataModel>
+  </dgm:styleData>
+  <dgm:clrData useDef="1">
+    <dgm:dataModel>
+      <dgm:ptLst/>
+      <dgm:bg/>
+      <dgm:whole/>
+    </dgm:dataModel>
+  </dgm:clrData>
+  <dgm:layoutNode name="matrix">
+    <dgm:varLst>
+      <dgm:chMax val="1"/>
+      <dgm:dir/>
+      <dgm:resizeHandles val="exact"/>
+    </dgm:varLst>
+    <dgm:alg type="composite">
+      <dgm:param type="ar" val="1"/>
+    </dgm:alg>
+    <dgm:shape xmlns:r="http://schemas.openxmlformats.org/officeDocument/2006/relationships" r:blip="">
+      <dgm:adjLst/>
+    </dgm:shape>
+    <dgm:presOf/>
+    <dgm:choose name="Name0">
+      <dgm:if name="Name1" func="var" arg="dir" op="equ" val="norm">
+        <dgm:constrLst>
+          <dgm:constr type="w" for="ch" forName="diamond" refType="w"/>
+          <dgm:constr type="h" for="ch" forName="diamond" refType="h"/>
+          <dgm:constr type="w" for="ch" forName="quad1" refType="w" fact="0.39"/>
+          <dgm:constr type="h" for="ch" forName="quad1" refType="h" fact="0.39"/>
+          <dgm:constr type="ctrX" for="ch" forName="quad1" refType="w" fact="0.29"/>
+          <dgm:constr type="ctrY" for="ch" forName="quad1" refType="h" fact="0.29"/>
+          <dgm:constr type="w" for="ch" forName="quad2" refType="w" fact="0.39"/>
+          <dgm:constr type="h" for="ch" forName="quad2" refType="h" fact="0.39"/>
+          <dgm:constr type="ctrX" for="ch" forName="quad2" refType="w" fact="0.71"/>
+          <dgm:constr type="ctrY" for="ch" forName="quad2" refType="h" fact="0.29"/>
+          <dgm:constr type="w" for="ch" forName="quad3" refType="w" fact="0.39"/>
+          <dgm:constr type="h" for="ch" forName="quad3" refType="h" fact="0.39"/>
+          <dgm:constr type="ctrX" for="ch" forName="quad3" refType="w" fact="0.29"/>
+          <dgm:constr type="ctrY" for="ch" forName="quad3" refType="h" fact="0.71"/>
+          <dgm:constr type="w" for="ch" forName="quad4" refType="w" fact="0.39"/>
+          <dgm:constr type="h" for="ch" forName="quad4" refType="h" fact="0.39"/>
+          <dgm:constr type="ctrX" for="ch" forName="quad4" refType="w" fact="0.71"/>
+          <dgm:constr type="ctrY" for="ch" forName="quad4" refType="h" fact="0.71"/>
+          <dgm:constr type="primFontSz" for="des" ptType="node" op="equ" val="65"/>
+        </dgm:constrLst>
+      </dgm:if>
+      <dgm:else name="Name2">
+        <dgm:constrLst>
+          <dgm:constr type="w" for="ch" forName="diamond" refType="w"/>
+          <dgm:constr type="h" for="ch" forName="diamond" refType="h"/>
+          <dgm:constr type="w" for="ch" forName="quad1" refType="w" fact="0.39"/>
+          <dgm:constr type="h" for="ch" forName="quad1" refType="h" fact="0.39"/>
+          <dgm:constr type="ctrX" for="ch" forName="quad1" refType="w" fact="0.71"/>
+          <dgm:constr type="ctrY" for="ch" forName="quad1" refType="h" fact="0.29"/>
+          <dgm:constr type="w" for="ch" forName="quad2" refType="w" fact="0.39"/>
+          <dgm:constr type="h" for="ch" forName="quad2" refType="h" fact="0.39"/>
+          <dgm:constr type="ctrX" for="ch" forName="quad2" refType="w" fact="0.29"/>
+          <dgm:constr type="ctrY" for="ch" forName="quad2" refType="h" fact="0.29"/>
+          <dgm:constr type="w" for="ch" forName="quad3" refType="w" fact="0.39"/>
+          <dgm:constr type="h" for="ch" forName="quad3" refType="h" fact="0.39"/>
+          <dgm:constr type="ctrX" for="ch" forName="quad3" refType="w" fact="0.71"/>
+          <dgm:constr type="ctrY" for="ch" forName="quad3" refType="h" fact="0.71"/>
+          <dgm:constr type="w" for="ch" forName="quad4" refType="w" fact="0.39"/>
+          <dgm:constr type="h" for="ch" forName="quad4" refType="h" fact="0.39"/>
+          <dgm:constr type="ctrX" for="ch" forName="quad4" refType="w" fact="0.29"/>
+          <dgm:constr type="ctrY" for="ch" forName="quad4" refType="h" fact="0.71"/>
+          <dgm:constr type="primFontSz" for="des" ptType="node" op="equ" val="65"/>
+        </dgm:constrLst>
+      </dgm:else>
+    </dgm:choose>
+    <dgm:ruleLst/>
+    <dgm:choose name="Name3">
+      <dgm:if name="Name4" axis="ch" ptType="node" func="cnt" op="gte" val="1">
+        <dgm:layoutNode name="diamond" styleLbl="bgShp">
+          <dgm:alg type="sp"/>
+          <dgm:shape xmlns:r="http://schemas.openxmlformats.org/officeDocument/2006/relationships" type="diamond" r:blip="">
+            <dgm:adjLst/>
+          </dgm:shape>
+          <dgm:presOf/>
+          <dgm:constrLst>
+            <dgm:constr type="w" refType="h" op="equ"/>
+          </dgm:constrLst>
+          <dgm:ruleLst/>
+        </dgm:layoutNode>
+        <dgm:layoutNode name="quad1">
+          <dgm:varLst>
+            <dgm:chMax val="0"/>
+            <dgm:chPref val="0"/>
+            <dgm:bulletEnabled val="1"/>
+          </dgm:varLst>
+          <dgm:alg type="tx"/>
+          <dgm:shape xmlns:r="http://schemas.openxmlformats.org/officeDocument/2006/relationships" type="roundRect" r:blip="">
+            <dgm:adjLst/>
+          </dgm:shape>
+          <dgm:presOf axis="ch desOrSelf" ptType="node node" st="1 1" cnt="1 0"/>
+          <dgm:constrLst>
+            <dgm:constr type="w" refType="h" op="equ"/>
+            <dgm:constr type="tMarg" refType="primFontSz" fact="0.3"/>
+            <dgm:constr type="bMarg" refType="primFontSz" fact="0.3"/>
+            <dgm:constr type="lMarg" refType="primFontSz" fact="0.3"/>
+            <dgm:constr type="rMarg" refType="primFontSz" fact="0.3"/>
+          </dgm:constrLst>
+          <dgm:ruleLst>
+            <dgm:rule type="primFontSz" val="5" fact="NaN" max="NaN"/>
+          </dgm:ruleLst>
+        </dgm:layoutNode>
+        <dgm:layoutNode name="quad2">
+          <dgm:varLst>
+            <dgm:chMax val="0"/>
+            <dgm:chPref val="0"/>
+            <dgm:bulletEnabled val="1"/>
+          </dgm:varLst>
+          <dgm:alg type="tx"/>
+          <dgm:shape xmlns:r="http://schemas.openxmlformats.org/officeDocument/2006/relationships" type="roundRect" r:blip="">
+            <dgm:adjLst/>
+          </dgm:shape>
+          <dgm:presOf axis="ch desOrSelf" ptType="node node" st="2 1" cnt="1 0"/>
+          <dgm:constrLst>
+            <dgm:constr type="w" refType="h" op="equ"/>
+            <dgm:constr type="tMarg" refType="primFontSz" fact="0.3"/>
+            <dgm:constr type="bMarg" refType="primFontSz" fact="0.3"/>
+            <dgm:constr type="lMarg" refType="primFontSz" fact="0.3"/>
+            <dgm:constr type="rMarg" refType="primFontSz" fact="0.3"/>
+          </dgm:constrLst>
+          <dgm:ruleLst>
+            <dgm:rule type="primFontSz" val="5" fact="NaN" max="NaN"/>
+          </dgm:ruleLst>
+        </dgm:layoutNode>
+        <dgm:layoutNode name="quad3">
+          <dgm:varLst>
+            <dgm:chMax val="0"/>
+            <dgm:chPref val="0"/>
+            <dgm:bulletEnabled val="1"/>
+          </dgm:varLst>
+          <dgm:alg type="tx"/>
+          <dgm:shape xmlns:r="http://schemas.openxmlformats.org/officeDocument/2006/relationships" type="roundRect" r:blip="">
+            <dgm:adjLst/>
+          </dgm:shape>
+          <dgm:presOf axis="ch desOrSelf" ptType="node node" st="3 1" cnt="1 0"/>
+          <dgm:constrLst>
+            <dgm:constr type="w" refType="h" op="equ"/>
+            <dgm:constr type="tMarg" refType="primFontSz" fact="0.3"/>
+            <dgm:constr type="bMarg" refType="primFontSz" fact="0.3"/>
+            <dgm:constr type="lMarg" refType="primFontSz" fact="0.3"/>
+            <dgm:constr type="rMarg" refType="primFontSz" fact="0.3"/>
+          </dgm:constrLst>
+          <dgm:ruleLst>
+            <dgm:rule type="primFontSz" val="5" fact="NaN" max="NaN"/>
+          </dgm:ruleLst>
+        </dgm:layoutNode>
+        <dgm:layoutNode name="quad4">
+          <dgm:varLst>
+            <dgm:chMax val="0"/>
+            <dgm:chPref val="0"/>
+            <dgm:bulletEnabled val="1"/>
+          </dgm:varLst>
+          <dgm:alg type="tx"/>
+          <dgm:shape xmlns:r="http://schemas.openxmlformats.org/officeDocument/2006/relationships" type="roundRect" r:blip="">
+            <dgm:adjLst/>
+          </dgm:shape>
+          <dgm:presOf axis="ch desOrSelf" ptType="node node" st="4 1" cnt="1 0"/>
+          <dgm:constrLst>
+            <dgm:constr type="w" refType="h" op="equ"/>
+            <dgm:constr type="tMarg" refType="primFontSz" fact="0.3"/>
+            <dgm:constr type="bMarg" refType="primFontSz" fact="0.3"/>
+            <dgm:constr type="lMarg" refType="primFontSz" fact="0.3"/>
+            <dgm:constr type="rMarg" refType="primFontSz" fact="0.3"/>
+          </dgm:constrLst>
+          <dgm:ruleLst>
+            <dgm:rule type="primFontSz" val="5" fact="NaN" max="NaN"/>
+          </dgm:ruleLst>
+        </dgm:layoutNode>
+      </dgm:if>
+      <dgm:else name="Name5"/>
+    </dgm:choose>
+  </dgm:layoutNode>
+</dgm:layoutDef>
+</file>
+
+<file path=ppt/diagrams/layout5.xml><?xml version="1.0" encoding="utf-8"?>
+<dgm:layoutDef xmlns:dgm="http://schemas.openxmlformats.org/drawingml/2006/diagram" xmlns:a="http://schemas.openxmlformats.org/drawingml/2006/main" uniqueId="urn:microsoft.com/office/officeart/2005/8/layout/venn1">
+  <dgm:title val=""/>
+  <dgm:desc val=""/>
+  <dgm:catLst>
+    <dgm:cat type="relationship" pri="28000"/>
+    <dgm:cat type="convert" pri="19000"/>
+  </dgm:catLst>
+  <dgm:sampData useDef="1">
+    <dgm:dataModel>
+      <dgm:ptLst/>
+      <dgm:bg/>
+      <dgm:whole/>
+    </dgm:dataModel>
+  </dgm:sampData>
+  <dgm:styleData useDef="1">
+    <dgm:dataModel>
+      <dgm:ptLst/>
+      <dgm:bg/>
+      <dgm:whole/>
+    </dgm:dataModel>
+  </dgm:styleData>
+  <dgm:clrData>
+    <dgm:dataModel>
+      <dgm:ptLst>
+        <dgm:pt modelId="0" type="doc"/>
+        <dgm:pt modelId="1"/>
+        <dgm:pt modelId="2"/>
+        <dgm:pt modelId="3"/>
+        <dgm:pt modelId="4"/>
+      </dgm:ptLst>
+      <dgm:cxnLst>
+        <dgm:cxn modelId="7" srcId="0" destId="1" srcOrd="0" destOrd="0"/>
+        <dgm:cxn modelId="8" srcId="0" destId="2" srcOrd="1" destOrd="0"/>
+        <dgm:cxn modelId="9" srcId="0" destId="3" srcOrd="2" destOrd="0"/>
+        <dgm:cxn modelId="10" srcId="0" destId="4" srcOrd="3" destOrd="0"/>
+      </dgm:cxnLst>
+      <dgm:bg/>
+      <dgm:whole/>
+    </dgm:dataModel>
+  </dgm:clrData>
+  <dgm:layoutNode name="compositeShape">
+    <dgm:varLst>
+      <dgm:chMax val="7"/>
+      <dgm:dir/>
+      <dgm:resizeHandles val="exact"/>
+    </dgm:varLst>
+    <dgm:choose name="Name0">
+      <dgm:if name="Name1" axis="ch" ptType="node" func="cnt" op="equ" val="1">
+        <dgm:alg type="composite">
+          <dgm:param type="ar" val="1"/>
+        </dgm:alg>
+      </dgm:if>
+      <dgm:if name="Name2" axis="ch" ptType="node" func="cnt" op="equ" val="2">
+        <dgm:alg type="composite">
+          <dgm:param type="ar" val="1.792"/>
+        </dgm:alg>
+      </dgm:if>
+      <dgm:if name="Name3" axis="ch" ptType="node" func="cnt" op="equ" val="3">
+        <dgm:alg type="composite">
+          <dgm:param type="ar" val="1"/>
+        </dgm:alg>
+      </dgm:if>
+      <dgm:if name="Name4" axis="ch" ptType="node" func="cnt" op="equ" val="4">
+        <dgm:alg type="composite">
+          <dgm:param type="ar" val="1"/>
+        </dgm:alg>
+      </dgm:if>
+      <dgm:if name="Name5" axis="ch" ptType="node" func="cnt" op="equ" val="5">
+        <dgm:alg type="composite">
+          <dgm:param type="ar" val="1.4"/>
+        </dgm:alg>
+      </dgm:if>
+      <dgm:if name="Name6" axis="ch" ptType="node" func="cnt" op="equ" val="6">
+        <dgm:alg type="composite">
+          <dgm:param type="ar" val="1.285"/>
+        </dgm:alg>
+      </dgm:if>
+      <dgm:if name="Name7" axis="ch" ptType="node" func="cnt" op="equ" val="7">
+        <dgm:alg type="composite">
+          <dgm:param type="ar" val="1.359"/>
+        </dgm:alg>
+      </dgm:if>
+      <dgm:else name="Name8">
+        <dgm:alg type="composite">
+          <dgm:param type="ar" val="1.359"/>
+        </dgm:alg>
+      </dgm:else>
+    </dgm:choose>
+    <dgm:shape xmlns:r="http://schemas.openxmlformats.org/officeDocument/2006/relationships" r:blip="">
+      <dgm:adjLst/>
+    </dgm:shape>
+    <dgm:presOf/>
+    <dgm:choose name="Name9">
+      <dgm:if name="Name10" axis="ch" ptType="node" func="cnt" op="equ" val="1">
+        <dgm:constrLst>
+          <dgm:constr type="ctrX" for="ch" forName="circ1TxSh" refType="w" fact="0.5"/>
+          <dgm:constr type="ctrY" for="ch" forName="circ1TxSh" refType="h" fact="0.5"/>
+          <dgm:constr type="w" for="ch" forName="circ1TxSh" refType="w"/>
+          <dgm:constr type="h" for="ch" forName="circ1TxSh" refType="h"/>
+          <dgm:constr type="primFontSz" for="ch" ptType="node" op="equ"/>
+        </dgm:constrLst>
+      </dgm:if>
+      <dgm:if name="Name11" axis="ch" ptType="node" func="cnt" op="equ" val="2">
+        <dgm:constrLst>
+          <dgm:constr type="ctrX" for="ch" forName="circ1" refType="w" fact="0.3"/>
+          <dgm:constr type="ctrY" for="ch" forName="circ1" refType="h" fact="0.5"/>
+          <dgm:constr type="w" for="ch" forName="circ1" refType="w" fact="0.555"/>
+          <dgm:constr type="h" for="ch" forName="circ1" refType="h" fact="0.99456"/>
+          <dgm:constr type="l" for="ch" forName="circ1Tx" refType="w" fact="0.1"/>
+          <dgm:constr type="t" for="ch" forName="circ1Tx" refType="h" fact="0.12"/>
+          <dgm:constr type="w" for="ch" forName="circ1Tx" refType="w" fact="0.32"/>
+          <dgm:constr type="h" for="ch" forName="circ1Tx" refType="h" fact="0.76"/>
+          <dgm:constr type="ctrX" for="ch" forName="circ2" refType="w" fact="0.7"/>
+          <dgm:constr type="ctrY" for="ch" forName="circ2" refType="h" fact="0.5"/>
+          <dgm:constr type="w" for="ch" forName="circ2" refType="w" fact="0.555"/>
+          <dgm:constr type="h" for="ch" forName="circ2" refType="h" fact="0.99456"/>
+          <dgm:constr type="l" for="ch" forName="circ2Tx" refType="w" fact="0.58"/>
+          <dgm:constr type="t" for="ch" forName="circ2Tx" refType="h" fact="0.12"/>
+          <dgm:constr type="w" for="ch" forName="circ2Tx" refType="w" fact="0.32"/>
+          <dgm:constr type="h" for="ch" forName="circ2Tx" refType="h" fact="0.76"/>
+          <dgm:constr type="primFontSz" for="ch" ptType="node" op="equ"/>
+        </dgm:constrLst>
+      </dgm:if>
+      <dgm:if name="Name12" axis="ch" ptType="node" func="cnt" op="equ" val="3">
+        <dgm:constrLst>
+          <dgm:constr type="ctrX" for="ch" forName="circ1" refType="w" fact="0.5"/>
+          <dgm:constr type="ctrY" for="ch" forName="circ1" refType="w" fact="0.25"/>
+          <dgm:constr type="w" for="ch" forName="circ1" refType="w" fact="0.6"/>
+          <dgm:constr type="h" for="ch" forName="circ1" refType="h" fact="0.6"/>
+          <dgm:constr type="l" for="ch" forName="circ1Tx" refType="w" fact="0.28"/>
+          <dgm:constr type="t" for="ch" forName="circ1Tx" refType="h" fact="0.055"/>
+          <dgm:constr type="w" for="ch" forName="circ1Tx" refType="w" fact="0.44"/>
+          <dgm:constr type="h" for="ch" forName="circ1Tx" refType="h" fact="0.27"/>
+          <dgm:constr type="ctrX" for="ch" forName="circ2" refType="w" fact="0.7165"/>
+          <dgm:constr type="ctrY" for="ch" forName="circ2" refType="w" fact="0.625"/>
+          <dgm:constr type="w" for="ch" forName="circ2" refType="w" fact="0.6"/>
+          <dgm:constr type="h" for="ch" forName="circ2" refType="h" fact="0.6"/>
+          <dgm:constr type="l" for="ch" forName="circ2Tx" refType="w" fact="0.6"/>
+          <dgm:constr type="t" for="ch" forName="circ2Tx" refType="h" fact="0.48"/>
+          <dgm:constr type="w" for="ch" forName="circ2Tx" refType="w" fact="0.36"/>
+          <dgm:constr type="h" for="ch" forName="circ2Tx" refType="h" fact="0.33"/>
+          <dgm:constr type="ctrX" for="ch" forName="circ3" refType="w" fact="0.2835"/>
+          <dgm:constr type="ctrY" for="ch" forName="circ3" refType="w" fact="0.625"/>
+          <dgm:constr type="w" for="ch" forName="circ3" refType="w" fact="0.6"/>
+          <dgm:constr type="h" for="ch" forName="circ3" refType="h" fact="0.6"/>
+          <dgm:constr type="l" for="ch" forName="circ3Tx" refType="w" fact="0.04"/>
+          <dgm:constr type="t" for="ch" forName="circ3Tx" refType="h" fact="0.48"/>
+          <dgm:constr type="w" for="ch" forName="circ3Tx" refType="w" fact="0.36"/>
+          <dgm:constr type="h" for="ch" forName="circ3Tx" refType="h" fact="0.33"/>
+          <dgm:constr type="primFontSz" for="ch" ptType="node" op="equ"/>
+        </dgm:constrLst>
+      </dgm:if>
+      <dgm:if name="Name13" axis="ch" ptType="node" func="cnt" op="equ" val="4">
+        <dgm:constrLst>
+          <dgm:constr type="ctrX" for="ch" forName="circ1" refType="w" fact="0.5"/>
+          <dgm:constr type="ctrY" for="ch" forName="circ1" refType="w" fact="0.27"/>
+          <dgm:constr type="w" for="ch" forName="circ1" refType="w" fact="0.52"/>
+          <dgm:constr type="h" for="ch" forName="circ1" refType="h" fact="0.52"/>
+          <dgm:constr type="l" for="ch" forName="circ1Tx" refType="w" fact="0.3"/>
+          <dgm:constr type="t" for="ch" forName="circ1Tx" refType="h" fact="0.08"/>
+          <dgm:constr type="w" for="ch" forName="circ1Tx" refType="w" fact="0.4"/>
+          <dgm:constr type="h" for="ch" forName="circ1Tx" refType="h" fact="0.165"/>
+          <dgm:constr type="ctrX" for="ch" forName="circ2" refType="w" fact="0.73"/>
+          <dgm:constr type="ctrY" for="ch" forName="circ2" refType="w" fact="0.5"/>
+          <dgm:constr type="w" for="ch" forName="circ2" refType="w" fact="0.52"/>
+          <dgm:constr type="h" for="ch" forName="circ2" refType="h" fact="0.52"/>
+          <dgm:constr type="r" for="ch" forName="circ2Tx" refType="w" fact="0.95"/>
+          <dgm:constr type="t" for="ch" forName="circ2Tx" refType="h" fact="0.3"/>
+          <dgm:constr type="w" for="ch" forName="circ2Tx" refType="w" fact="0.2"/>
+          <dgm:constr type="h" for="ch" forName="circ2Tx" refType="h" fact="0.4"/>
+          <dgm:constr type="ctrX" for="ch" forName="circ3" refType="w" fact="0.5"/>
+          <dgm:constr type="ctrY" for="ch" forName="circ3" refType="w" fact="0.73"/>
+          <dgm:constr type="w" for="ch" forName="circ3" refType="w" fact="0.52"/>
+          <dgm:constr type="h" for="ch" forName="circ3" refType="h" fact="0.52"/>
+          <dgm:constr type="l" for="ch" forName="circ3Tx" refType="w" fact="0.3"/>
+          <dgm:constr type="b" for="ch" forName="circ3Tx" refType="h" fact="0.92"/>
+          <dgm:constr type="w" for="ch" forName="circ3Tx" refType="w" fact="0.4"/>
+          <dgm:constr type="h" for="ch" forName="circ3Tx" refType="h" fact="0.165"/>
+          <dgm:constr type="ctrX" for="ch" forName="circ4" refType="w" fact="0.27"/>
+          <dgm:constr type="ctrY" for="ch" forName="circ4" refType="h" fact="0.5"/>
+          <dgm:constr type="w" for="ch" forName="circ4" refType="w" fact="0.52"/>
+          <dgm:constr type="h" for="ch" forName="circ4" refType="h" fact="0.52"/>
+          <dgm:constr type="l" for="ch" forName="circ4Tx" refType="w" fact="0.05"/>
+          <dgm:constr type="t" for="ch" forName="circ4Tx" refType="h" fact="0.3"/>
+          <dgm:constr type="w" for="ch" forName="circ4Tx" refType="w" fact="0.2"/>
+          <dgm:constr type="h" for="ch" forName="circ4Tx" refType="h" fact="0.4"/>
+          <dgm:constr type="primFontSz" for="ch" ptType="node" op="equ"/>
+        </dgm:constrLst>
+      </dgm:if>
+      <dgm:if name="Name14" axis="ch" ptType="node" func="cnt" op="equ" val="5">
+        <dgm:constrLst>
+          <dgm:constr type="ctrX" for="ch" forName="circ1" refType="w" fact="0.5"/>
+          <dgm:constr type="ctrY" for="ch" forName="circ1" refType="h" fact="0.46"/>
+          <dgm:constr type="w" for="ch" forName="circ1" refType="w" fact="0.25"/>
+          <dgm:constr type="h" for="ch" forName="circ1" refType="h" fact="0.35"/>
+          <dgm:constr type="l" for="ch" forName="circ1Tx" refType="w" fact="0.355"/>
+          <dgm:constr type="t" for="ch" forName="circ1Tx"/>
+          <dgm:constr type="w" for="ch" forName="circ1Tx" refType="w" fact="0.29"/>
+          <dgm:constr type="h" for="ch" forName="circ1Tx" refType="h" fact="0.235"/>
+          <dgm:constr type="ctrX" for="ch" forName="circ2" refType="w" fact="0.5951"/>
+          <dgm:constr type="ctrY" for="ch" forName="circ2" refType="h" fact="0.5567"/>
+          <dgm:constr type="w" for="ch" forName="circ2" refType="w" fact="0.25"/>
+          <dgm:constr type="h" for="ch" forName="circ2" refType="h" fact="0.35"/>
+          <dgm:constr type="l" for="ch" forName="circ2Tx" refType="w" fact="0.74"/>
+          <dgm:constr type="t" for="ch" forName="circ2Tx" refType="h" fact="0.31"/>
+          <dgm:constr type="w" for="ch" forName="circ2Tx" refType="w" fact="0.26"/>
+          <dgm:constr type="h" for="ch" forName="circ2Tx" refType="h" fact="0.255"/>
+          <dgm:constr type="ctrX" for="ch" forName="circ3" refType="w" fact="0.5588"/>
+          <dgm:constr type="ctrY" for="ch" forName="circ3" refType="h" fact="0.7133"/>
+          <dgm:constr type="w" for="ch" forName="circ3" refType="w" fact="0.25"/>
+          <dgm:constr type="h" for="ch" forName="circ3" refType="h" fact="0.35"/>
+          <dgm:constr type="l" for="ch" forName="circ3Tx" refType="w" fact="0.7"/>
+          <dgm:constr type="t" for="ch" forName="circ3Tx" refType="h" fact="0.745"/>
+          <dgm:constr type="w" for="ch" forName="circ3Tx" refType="w" fact="0.26"/>
+          <dgm:constr type="h" for="ch" forName="circ3Tx" refType="h" fact="0.255"/>
+          <dgm:constr type="ctrX" for="ch" forName="circ4" refType="w" fact="0.4412"/>
+          <dgm:constr type="ctrY" for="ch" forName="circ4" refType="h" fact="0.7133"/>
+          <dgm:constr type="w" for="ch" forName="circ4" refType="w" fact="0.25"/>
+          <dgm:constr type="h" for="ch" forName="circ4" refType="h" fact="0.35"/>
+          <dgm:constr type="l" for="ch" forName="circ4Tx" refType="w" fact="0.04"/>
+          <dgm:constr type="t" for="ch" forName="circ4Tx" refType="h" fact="0.745"/>
+          <dgm:constr type="w" for="ch" forName="circ4Tx" refType="w" fact="0.26"/>
+          <dgm:constr type="h" for="ch" forName="circ4Tx" refType="h" fact="0.255"/>
+          <dgm:constr type="ctrX" for="ch" forName="circ5" refType="w" fact="0.4049"/>
+          <dgm:constr type="ctrY" for="ch" forName="circ5" refType="h" fact="0.5567"/>
+          <dgm:constr type="w" for="ch" forName="circ5" refType="w" fact="0.25"/>
+          <dgm:constr type="h" for="ch" forName="circ5" refType="h" fact="0.35"/>
+          <dgm:constr type="l" for="ch" forName="circ5Tx"/>
+          <dgm:constr type="t" for="ch" forName="circ5Tx" refType="h" fact="0.31"/>
+          <dgm:constr type="w" for="ch" forName="circ5Tx" refType="w" fact="0.26"/>
+          <dgm:constr type="h" for="ch" forName="circ5Tx" refType="h" fact="0.255"/>
+          <dgm:constr type="primFontSz" for="ch" ptType="node" op="equ"/>
+        </dgm:constrLst>
+      </dgm:if>
+      <dgm:if name="Name15" axis="ch" ptType="node" func="cnt" op="equ" val="6">
+        <dgm:constrLst>
+          <dgm:constr type="ctrX" for="ch" forName="circ1" refType="w" fact="0.5"/>
+          <dgm:constr type="ctrY" for="ch" forName="circ1" refType="h" fact="0.3844"/>
+          <dgm:constr type="w" for="ch" forName="circ1" refType="w" fact="0.24"/>
+          <dgm:constr type="h" for="ch" forName="circ1" refType="h" fact="0.3084"/>
+          <dgm:constr type="l" for="ch" forName="circ1Tx" refType="w" fact="0.35"/>
+          <dgm:constr type="t" for="ch" forName="circ1Tx"/>
+          <dgm:constr type="w" for="ch" forName="circ1Tx" refType="w" fact="0.3"/>
+          <dgm:constr type="h" for="ch" forName="circ1Tx" refType="h" fact="0.21"/>
+          <dgm:constr type="ctrX" for="ch" forName="circ2" refType="w" fact="0.5779"/>
+          <dgm:constr type="ctrY" for="ch" forName="circ2" refType="h" fact="0.4422"/>
+          <dgm:constr type="w" for="ch" forName="circ2" refType="w" fact="0.24"/>
+          <dgm:constr type="h" for="ch" forName="circ2" refType="h" fact="0.3084"/>
+          <dgm:constr type="l" for="ch" forName="circ2Tx" refType="w" fact="0.7157"/>
+          <dgm:constr type="t" for="ch" forName="circ2Tx" refType="h" fact="0.2"/>
+          <dgm:constr type="w" for="ch" forName="circ2Tx" refType="w" fact="0.2843"/>
+          <dgm:constr type="h" for="ch" forName="circ2Tx" refType="h" fact="0.23"/>
+          <dgm:constr type="ctrX" for="ch" forName="circ3" refType="w" fact="0.5779"/>
+          <dgm:constr type="ctrY" for="ch" forName="circ3" refType="h" fact="0.5578"/>
+          <dgm:constr type="w" for="ch" forName="circ3" refType="w" fact="0.24"/>
+          <dgm:constr type="h" for="ch" forName="circ3" refType="h" fact="0.3084"/>
+          <dgm:constr type="l" for="ch" forName="circ3Tx" refType="w" fact="0.7157"/>
+          <dgm:constr type="t" for="ch" forName="circ3Tx" refType="h" fact="0.543"/>
+          <dgm:constr type="w" for="ch" forName="circ3Tx" refType="w" fact="0.2843"/>
+          <dgm:constr type="h" for="ch" forName="circ3Tx" refType="h" fact="0.257"/>
+          <dgm:constr type="ctrX" for="ch" forName="circ4" refType="w" fact="0.5"/>
+          <dgm:constr type="ctrY" for="ch" forName="circ4" refType="h" fact="0.6157"/>
+          <dgm:constr type="w" for="ch" forName="circ4" refType="w" fact="0.24"/>
+          <dgm:constr type="h" for="ch" forName="circ4" refType="h" fact="0.3084"/>
+          <dgm:constr type="l" for="ch" forName="circ4Tx" refType="w" fact="0.35"/>
+          <dgm:constr type="t" for="ch" forName="circ4Tx" refType="h" fact="0.79"/>
+          <dgm:constr type="w" for="ch" forName="circ4Tx" refType="w" fact="0.3"/>
+          <dgm:constr type="h" for="ch" forName="circ4Tx" refType="h" fact="0.21"/>
+          <dgm:constr type="ctrX" for="ch" forName="circ5" refType="w" fact="0.4221"/>
+          <dgm:constr type="ctrY" for="ch" forName="circ5" refType="h" fact="0.5578"/>
+          <dgm:constr type="w" for="ch" forName="circ5" refType="w" fact="0.24"/>
+          <dgm:constr type="h" for="ch" forName="circ5" refType="h" fact="0.3084"/>
+          <dgm:constr type="l" for="ch" forName="circ5Tx" refType="w" fact="0"/>
+          <dgm:constr type="t" for="ch" forName="circ5Tx" refType="h" fact="0.543"/>
+          <dgm:constr type="w" for="ch" forName="circ5Tx" refType="w" fact="0.2843"/>
+          <dgm:constr type="h" for="ch" forName="circ5Tx" refType="h" fact="0.257"/>
+          <dgm:constr type="ctrX" for="ch" forName="circ6" refType="w" fact="0.4221"/>
+          <dgm:constr type="ctrY" for="ch" forName="circ6" refType="h" fact="0.4422"/>
+          <dgm:constr type="w" for="ch" forName="circ6" refType="w" fact="0.24"/>
+          <dgm:constr type="h" for="ch" forName="circ6" refType="h" fact="0.3084"/>
+          <dgm:constr type="l" for="ch" forName="circ6Tx" refType="w" fact="0"/>
+          <dgm:constr type="t" for="ch" forName="circ6Tx" refType="h" fact="0.2"/>
+          <dgm:constr type="w" for="ch" forName="circ6Tx" refType="w" fact="0.2843"/>
+          <dgm:constr type="h" for="ch" forName="circ6Tx" refType="h" fact="0.257"/>
+          <dgm:constr type="primFontSz" for="ch" ptType="node" op="equ"/>
+        </dgm:constrLst>
+      </dgm:if>
+      <dgm:else name="Name16">
+        <dgm:constrLst>
+          <dgm:constr type="ctrX" for="ch" forName="circ1" refType="w" fact="0.5"/>
+          <dgm:constr type="ctrY" for="ch" forName="circ1" refType="h" fact="0.4177"/>
+          <dgm:constr type="w" for="ch" forName="circ1" refType="w" fact="0.24"/>
+          <dgm:constr type="h" for="ch" forName="circ1" refType="h" fact="0.3262"/>
+          <dgm:constr type="l" for="ch" forName="circ1Tx" refType="w" fact="0.3625"/>
+          <dgm:constr type="t" for="ch" forName="circ1Tx"/>
+          <dgm:constr type="w" for="ch" forName="circ1Tx" refType="w" fact="0.275"/>
+          <dgm:constr type="h" for="ch" forName="circ1Tx" refType="h" fact="0.2"/>
+          <dgm:constr type="ctrX" for="ch" forName="circ2" refType="w" fact="0.5704"/>
+          <dgm:constr type="ctrY" for="ch" forName="circ2" refType="h" fact="0.4637"/>
+          <dgm:constr type="w" for="ch" forName="circ2" refType="w" fact="0.24"/>
+          <dgm:constr type="h" for="ch" forName="circ2" refType="h" fact="0.3262"/>
+          <dgm:constr type="l" for="ch" forName="circ2Tx" refType="w" fact="0.72"/>
+          <dgm:constr type="t" for="ch" forName="circ2Tx" refType="h" fact="0.19"/>
+          <dgm:constr type="w" for="ch" forName="circ2Tx" refType="w" fact="0.26"/>
+          <dgm:constr type="h" for="ch" forName="circ2Tx" refType="h" fact="0.22"/>
+          <dgm:constr type="ctrX" for="ch" forName="circ3" refType="w" fact="0.5877"/>
+          <dgm:constr type="ctrY" for="ch" forName="circ3" refType="h" fact="0.5672"/>
+          <dgm:constr type="w" for="ch" forName="circ3" refType="w" fact="0.24"/>
+          <dgm:constr type="h" for="ch" forName="circ3" refType="h" fact="0.3262"/>
+          <dgm:constr type="l" for="ch" forName="circ3Tx" refType="w" fact="0.745"/>
+          <dgm:constr type="t" for="ch" forName="circ3Tx" refType="h" fact="0.47"/>
+          <dgm:constr type="w" for="ch" forName="circ3Tx" refType="w" fact="0.255"/>
+          <dgm:constr type="h" for="ch" forName="circ3Tx" refType="h" fact="0.235"/>
+          <dgm:constr type="ctrX" for="ch" forName="circ4" refType="w" fact="0.539"/>
+          <dgm:constr type="ctrY" for="ch" forName="circ4" refType="h" fact="0.6502"/>
+          <dgm:constr type="w" for="ch" forName="circ4" refType="w" fact="0.24"/>
+          <dgm:constr type="h" for="ch" forName="circ4" refType="h" fact="0.3262"/>
+          <dgm:constr type="l" for="ch" forName="circ4Tx" refType="w" fact="0.635"/>
+          <dgm:constr type="t" for="ch" forName="circ4Tx" refType="h" fact="0.785"/>
+          <dgm:constr type="w" for="ch" forName="circ4Tx" refType="w" fact="0.275"/>
+          <dgm:constr type="h" for="ch" forName="circ4Tx" refType="h" fact="0.215"/>
+          <dgm:constr type="ctrX" for="ch" forName="circ5" refType="w" fact="0.461"/>
+          <dgm:constr type="ctrY" for="ch" forName="circ5" refType="h" fact="0.6502"/>
+          <dgm:constr type="w" for="ch" forName="circ5" refType="w" fact="0.24"/>
+          <dgm:constr type="h" for="ch" forName="circ5" refType="h" fact="0.3262"/>
+          <dgm:constr type="l" for="ch" forName="circ5Tx" refType="w" fact="0.09"/>
+          <dgm:constr type="t" for="ch" forName="circ5Tx" refType="h" fact="0.785"/>
+          <dgm:constr type="w" for="ch" forName="circ5Tx" refType="w" fact="0.275"/>
+          <dgm:constr type="h" for="ch" forName="circ5Tx" refType="h" fact="0.215"/>
+          <dgm:constr type="ctrX" for="ch" forName="circ6" refType="w" fact="0.4123"/>
+          <dgm:constr type="ctrY" for="ch" forName="circ6" refType="h" fact="0.5672"/>
+          <dgm:constr type="w" for="ch" forName="circ6" refType="w" fact="0.24"/>
+          <dgm:constr type="h" for="ch" forName="circ6" refType="h" fact="0.3262"/>
+          <dgm:constr type="l" for="ch" forName="circ6Tx"/>
+          <dgm:constr type="t" for="ch" forName="circ6Tx" refType="h" fact="0.47"/>
+          <dgm:constr type="w" for="ch" forName="circ6Tx" refType="w" fact="0.255"/>
+          <dgm:constr type="h" for="ch" forName="circ6Tx" refType="h" fact="0.235"/>
+          <dgm:constr type="ctrX" for="ch" forName="circ7" refType="w" fact="0.4296"/>
+          <dgm:constr type="ctrY" for="ch" forName="circ7" refType="h" fact="0.4637"/>
+          <dgm:constr type="w" for="ch" forName="circ7" refType="w" fact="0.24"/>
+          <dgm:constr type="h" for="ch" forName="circ7" refType="h" fact="0.3262"/>
+          <dgm:constr type="l" for="ch" forName="circ7Tx" refType="w" fact="0.02"/>
+          <dgm:constr type="t" for="ch" forName="circ7Tx" refType="h" fact="0.19"/>
+          <dgm:constr type="w" for="ch" forName="circ7Tx" refType="w" fact="0.26"/>
+          <dgm:constr type="h" for="ch" forName="circ7Tx" refType="h" fact="0.22"/>
+          <dgm:constr type="primFontSz" for="ch" ptType="node" op="equ"/>
+        </dgm:constrLst>
+      </dgm:else>
+    </dgm:choose>
+    <dgm:ruleLst/>
+    <dgm:forEach name="Name17" axis="ch" ptType="node" cnt="1">
+      <dgm:choose name="Name18">
+        <dgm:if name="Name19" axis="root ch" ptType="all node" func="cnt" op="equ" val="1">
+          <dgm:layoutNode name="circ1TxSh" styleLbl="vennNode1">
+            <dgm:alg type="tx">
+              <dgm:param type="txAnchorHorzCh" val="ctr"/>
+              <dgm:param type="txAnchorVertCh" val="mid"/>
+            </dgm:alg>
+            <dgm:shape xmlns:r="http://schemas.openxmlformats.org/officeDocument/2006/relationships" type="ellipse" r:blip="">
+              <dgm:adjLst/>
+            </dgm:shape>
+            <dgm:choose name="Name20">
+              <dgm:if name="Name21" func="var" arg="dir" op="equ" val="norm">
+                <dgm:choose name="Name22">
+                  <dgm:if name="Name23" axis="root ch" ptType="all node" func="cnt" op="lte" val="4">
+                    <dgm:presOf axis="desOrSelf" ptType="node"/>
+                  </dgm:if>
+                  <dgm:else name="Name24">
+                    <dgm:presOf/>
+                  </dgm:else>
+                </dgm:choose>
+              </dgm:if>
+              <dgm:else name="Name25">
+                <dgm:choose name="Name26">
+                  <dgm:if name="Name27" axis="root ch" ptType="all node" func="cnt" op="equ" val="2">
+                    <dgm:presOf axis="root ch desOrSelf" ptType="all node node" st="1 2 1" cnt="1 1 0"/>
+                  </dgm:if>
+                  <dgm:else name="Name28">
+                    <dgm:presOf axis="desOrSelf" ptType="node"/>
+                  </dgm:else>
+                </dgm:choose>
+              </dgm:else>
+            </dgm:choose>
+            <dgm:constrLst>
+              <dgm:constr type="tMarg"/>
+              <dgm:constr type="bMarg"/>
+              <dgm:constr type="lMarg"/>
+              <dgm:constr type="rMarg"/>
+              <dgm:constr type="primFontSz" val="65"/>
+            </dgm:constrLst>
+            <dgm:ruleLst>
+              <dgm:rule type="primFontSz" val="5" fact="NaN" max="NaN"/>
+            </dgm:ruleLst>
+          </dgm:layoutNode>
+        </dgm:if>
+        <dgm:else name="Name29">
+          <dgm:layoutNode name="circ1" styleLbl="vennNode1">
+            <dgm:alg type="sp"/>
+            <dgm:shape xmlns:r="http://schemas.openxmlformats.org/officeDocument/2006/relationships" type="ellipse" r:blip="">
+              <dgm:adjLst/>
+            </dgm:shape>
+            <dgm:choose name="Name30">
+              <dgm:if name="Name31" func="var" arg="dir" op="equ" val="norm">
+                <dgm:choose name="Name32">
+                  <dgm:if name="Name33" axis="root ch" ptType="all node" func="cnt" op="lte" val="4">
+                    <dgm:presOf axis="desOrSelf" ptType="node"/>
+                  </dgm:if>
+                  <dgm:else name="Name34">
+                    <dgm:presOf/>
+                  </dgm:else>
+                </dgm:choose>
+              </dgm:if>
+              <dgm:else name="Name35">
+                <dgm:choose name="Name36">
+                  <dgm:if name="Name37" axis="root ch" ptType="all node" func="cnt" op="equ" val="2">
+                    <dgm:presOf axis="root ch desOrSelf" ptType="all node node" st="1 2 1" cnt="1 1 0"/>
+                  </dgm:if>
+                  <dgm:else name="Name38">
+                    <dgm:choose name="Name39">
+                      <dgm:if name="Name40" axis="root ch" ptType="all node" func="cnt" op="lte" val="4">
+                        <dgm:presOf axis="desOrSelf" ptType="node"/>
+                      </dgm:if>
+                      <dgm:else name="Name41">
+                        <dgm:presOf/>
+                      </dgm:else>
+                    </dgm:choose>
+                  </dgm:else>
+                </dgm:choose>
+              </dgm:else>
+            </dgm:choose>
+            <dgm:constrLst/>
+            <dgm:ruleLst/>
+          </dgm:layoutNode>
+          <dgm:layoutNode name="circ1Tx" styleLbl="revTx">
+            <dgm:varLst>
+              <dgm:chMax val="0"/>
+              <dgm:chPref val="0"/>
+              <dgm:bulletEnabled val="1"/>
+            </dgm:varLst>
+            <dgm:alg type="tx">
+              <dgm:param type="txAnchorHorzCh" val="ctr"/>
+              <dgm:param type="txAnchorVertCh" val="mid"/>
+            </dgm:alg>
+            <dgm:shape xmlns:r="http://schemas.openxmlformats.org/officeDocument/2006/relationships" type="rect" r:blip="" hideGeom="1">
+              <dgm:adjLst/>
+            </dgm:shape>
+            <dgm:choose name="Name42">
+              <dgm:if name="Name43" func="var" arg="dir" op="equ" val="norm">
+                <dgm:presOf axis="desOrSelf" ptType="node"/>
+              </dgm:if>
+              <dgm:else name="Name44">
+                <dgm:choose name="Name45">
+                  <dgm:if name="Name46" axis="root ch" ptType="all node" func="cnt" op="equ" val="2">
+                    <dgm:presOf axis="root ch desOrSelf" ptType="all node node" st="1 2 1" cnt="1 1 0"/>
+                  </dgm:if>
+                  <dgm:else name="Name47">
+                    <dgm:presOf axis="desOrSelf" ptType="node"/>
+                  </dgm:else>
+                </dgm:choose>
+              </dgm:else>
+            </dgm:choose>
+            <dgm:constrLst>
+              <dgm:constr type="tMarg"/>
+              <dgm:constr type="bMarg"/>
+              <dgm:constr type="lMarg"/>
+              <dgm:constr type="rMarg"/>
+              <dgm:constr type="primFontSz" val="65"/>
+            </dgm:constrLst>
+            <dgm:ruleLst>
+              <dgm:rule type="primFontSz" val="5" fact="NaN" max="NaN"/>
+            </dgm:ruleLst>
+          </dgm:layoutNode>
+        </dgm:else>
+      </dgm:choose>
+    </dgm:forEach>
+    <dgm:forEach name="Name48" axis="ch" ptType="node" st="2" cnt="1">
+      <dgm:layoutNode name="circ2" styleLbl="vennNode1">
+        <dgm:alg type="sp"/>
+        <dgm:shape xmlns:r="http://schemas.openxmlformats.org/officeDocument/2006/relationships" type="ellipse" r:blip="">
+          <dgm:adjLst/>
+        </dgm:shape>
+        <dgm:choose name="Name49">
+          <dgm:if name="Name50" func="var" arg="dir" op="equ" val="norm">
+            <dgm:choose name="Name51">
+              <dgm:if name="Name52" axis="root ch" ptType="all node" func="cnt" op="lte" val="4">
+                <dgm:presOf axis="desOrSelf" ptType="node"/>
+              </dgm:if>
+              <dgm:else name="Name53">
+                <dgm:presOf/>
+              </dgm:else>
+            </dgm:choose>
+          </dgm:if>
+          <dgm:else name="Name54">
+            <dgm:choose name="Name55">
+              <dgm:if name="Name56" axis="root ch" ptType="all node" func="cnt" op="equ" val="2">
+                <dgm:presOf axis="root ch desOrSelf" ptType="all node node" st="1 1 1" cnt="1 1 0"/>
+              </dgm:if>
+              <dgm:if name="Name57" axis="root ch" ptType="all node" func="cnt" op="equ" val="3">
+                <dgm:presOf axis="root ch desOrSelf" ptType="all node node" st="1 3 1" cnt="1 1 0"/>
+              </dgm:if>
+              <dgm:if name="Name58" axis="root ch" ptType="all node" func="cnt" op="equ" val="4">
+                <dgm:presOf axis="root ch desOrSelf" ptType="all node node" st="1 4 1" cnt="1 1 0"/>
+              </dgm:if>
+              <dgm:else name="Name59">
+                <dgm:presOf/>
+              </dgm:else>
+            </dgm:choose>
+          </dgm:else>
+        </dgm:choose>
+        <dgm:constrLst/>
+        <dgm:ruleLst/>
+      </dgm:layoutNode>
+      <dgm:layoutNode name="circ2Tx" styleLbl="revTx">
+        <dgm:varLst>
+          <dgm:chMax val="0"/>
+          <dgm:chPref val="0"/>
+          <dgm:bulletEnabled val="1"/>
+        </dgm:varLst>
+        <dgm:alg type="tx">
+          <dgm:param type="txAnchorHorzCh" val="ctr"/>
+          <dgm:param type="txAnchorVertCh" val="mid"/>
+        </dgm:alg>
+        <dgm:shape xmlns:r="http://schemas.openxmlformats.org/officeDocument/2006/relationships" type="rect" r:blip="" hideGeom="1">
+          <dgm:adjLst/>
+        </dgm:shape>
+        <dgm:choose name="Name60">
+          <dgm:if name="Name61" func="var" arg="dir" op="equ" val="norm">
+            <dgm:presOf axis="desOrSelf" ptType="node"/>
+          </dgm:if>
+          <dgm:else name="Name62">
+            <dgm:choose name="Name63">
+              <dgm:if name="Name64" axis="root ch" ptType="all node" func="cnt" op="equ" val="2">
+                <dgm:presOf axis="root ch desOrSelf" ptType="all node node" st="1 1 1" cnt="1 1 0"/>
+              </dgm:if>
+              <dgm:if name="Name65" axis="root ch" ptType="all node" func="cnt" op="equ" val="3">
+                <dgm:presOf axis="root ch desOrSelf" ptType="all node node" st="1 3 1" cnt="1 1 0"/>
+              </dgm:if>
+              <dgm:if name="Name66" axis="root ch" ptType="all node" func="cnt" op="equ" val="4">
+                <dgm:presOf axis="root ch desOrSelf" ptType="all node node" st="1 4 1" cnt="1 1 0"/>
+              </dgm:if>
+              <dgm:if name="Name67" axis="root ch" ptType="all node" func="cnt" op="equ" val="5">
+                <dgm:presOf axis="root ch desOrSelf" ptType="all node node" st="1 5 1" cnt="1 1 0"/>
+              </dgm:if>
+              <dgm:if name="Name68" axis="root ch" ptType="all node" func="cnt" op="equ" val="6">
+                <dgm:presOf axis="root ch desOrSelf" ptType="all node node" st="1 6 1" cnt="1 1 0"/>
+              </dgm:if>
+              <dgm:else name="Name69">
+                <dgm:presOf axis="root ch desOrSelf" ptType="all node node" st="1 7 1" cnt="1 1 0"/>
+              </dgm:else>
+            </dgm:choose>
+          </dgm:else>
+        </dgm:choose>
+        <dgm:constrLst>
+          <dgm:constr type="tMarg"/>
+          <dgm:constr type="bMarg"/>
+          <dgm:constr type="lMarg"/>
+          <dgm:constr type="rMarg"/>
+          <dgm:constr type="primFontSz" val="65"/>
+        </dgm:constrLst>
+        <dgm:ruleLst>
+          <dgm:rule type="primFontSz" val="5" fact="NaN" max="NaN"/>
+        </dgm:ruleLst>
+      </dgm:layoutNode>
+    </dgm:forEach>
+    <dgm:forEach name="Name70" axis="ch" ptType="node" st="3" cnt="1">
+      <dgm:layoutNode name="circ3" styleLbl="vennNode1">
+        <dgm:alg type="sp"/>
+        <dgm:shape xmlns:r="http://schemas.openxmlformats.org/officeDocument/2006/relationships" type="ellipse" r:blip="">
+          <dgm:adjLst/>
+        </dgm:shape>
+        <dgm:choose name="Name71">
+          <dgm:if name="Name72" func="var" arg="dir" op="equ" val="norm">
+            <dgm:choose name="Name73">
+              <dgm:if name="Name74" axis="root ch" ptType="all node" func="cnt" op="lte" val="4">
+                <dgm:presOf axis="desOrSelf" ptType="node"/>
+              </dgm:if>
+              <dgm:else name="Name75">
+                <dgm:presOf/>
+              </dgm:else>
+            </dgm:choose>
+          </dgm:if>
+          <dgm:else name="Name76">
+            <dgm:choose name="Name77">
+              <dgm:if name="Name78" axis="root ch" ptType="all node" func="cnt" op="equ" val="3">
+                <dgm:presOf axis="root ch desOrSelf" ptType="all node node" st="1 2 1" cnt="1 1 0"/>
+              </dgm:if>
+              <dgm:if name="Name79" axis="root ch" ptType="all node" func="cnt" op="equ" val="4">
+                <dgm:presOf axis="root ch desOrSelf" ptType="all node node" st="1 3 1" cnt="1 1 0"/>
+              </dgm:if>
+              <dgm:else name="Name80">
+                <dgm:presOf/>
+              </dgm:else>
+            </dgm:choose>
+          </dgm:else>
+        </dgm:choose>
+        <dgm:constrLst/>
+        <dgm:ruleLst/>
+      </dgm:layoutNode>
+      <dgm:layoutNode name="circ3Tx" styleLbl="revTx">
+        <dgm:varLst>
+          <dgm:chMax val="0"/>
+          <dgm:chPref val="0"/>
+          <dgm:bulletEnabled val="1"/>
+        </dgm:varLst>
+        <dgm:alg type="tx">
+          <dgm:param type="txAnchorHorzCh" val="ctr"/>
+          <dgm:param type="txAnchorVertCh" val="mid"/>
+        </dgm:alg>
+        <dgm:shape xmlns:r="http://schemas.openxmlformats.org/officeDocument/2006/relationships" type="rect" r:blip="" hideGeom="1">
+          <dgm:adjLst/>
+        </dgm:shape>
+        <dgm:choose name="Name81">
+          <dgm:if name="Name82" func="var" arg="dir" op="equ" val="norm">
+            <dgm:presOf axis="desOrSelf" ptType="node"/>
+          </dgm:if>
+          <dgm:else name="Name83">
+            <dgm:choose name="Name84">
+              <dgm:if name="Name85" axis="root ch" ptType="all node" func="cnt" op="equ" val="3">
+                <dgm:presOf axis="root ch desOrSelf" ptType="all node node" st="1 2 1" cnt="1 1 0"/>
+              </dgm:if>
+              <dgm:if name="Name86" axis="root ch" ptType="all node" func="cnt" op="equ" val="4">
+                <dgm:presOf axis="root ch desOrSelf" ptType="all node node" st="1 3 1" cnt="1 1 0"/>
+              </dgm:if>
+              <dgm:if name="Name87" axis="root ch" ptType="all node" func="cnt" op="equ" val="5">
+                <dgm:presOf axis="root ch desOrSelf" ptType="all node node" st="1 4 1" cnt="1 1 0"/>
+              </dgm:if>
+              <dgm:if name="Name88" axis="root ch" ptType="all node" func="cnt" op="equ" val="6">
+                <dgm:presOf axis="root ch desOrSelf" ptType="all node node" st="1 5 1" cnt="1 1 0"/>
+              </dgm:if>
+              <dgm:else name="Name89">
+                <dgm:presOf axis="root ch desOrSelf" ptType="all node node" st="1 6 1" cnt="1 1 0"/>
+              </dgm:else>
+            </dgm:choose>
+          </dgm:else>
+        </dgm:choose>
+        <dgm:constrLst>
+          <dgm:constr type="tMarg"/>
+          <dgm:constr type="bMarg"/>
+          <dgm:constr type="lMarg"/>
+          <dgm:constr type="rMarg"/>
+          <dgm:constr type="primFontSz" val="65"/>
+        </dgm:constrLst>
+        <dgm:ruleLst>
+          <dgm:rule type="primFontSz" val="5" fact="NaN" max="NaN"/>
+        </dgm:ruleLst>
+      </dgm:layoutNode>
+    </dgm:forEach>
+    <dgm:forEach name="Name90" axis="ch" ptType="node" st="4" cnt="1">
+      <dgm:layoutNode name="circ4" styleLbl="vennNode1">
+        <dgm:alg type="sp"/>
+        <dgm:shape xmlns:r="http://schemas.openxmlformats.org/officeDocument/2006/relationships" type="ellipse" r:blip="">
+          <dgm:adjLst/>
+        </dgm:shape>
+        <dgm:choose name="Name91">
+          <dgm:if name="Name92" func="var" arg="dir" op="equ" val="norm">
+            <dgm:choose name="Name93">
+              <dgm:if name="Name94" axis="root ch" ptType="all node" func="cnt" op="lte" val="4">
+                <dgm:presOf axis="desOrSelf" ptType="node"/>
+              </dgm:if>
+              <dgm:else name="Name95">
+                <dgm:presOf/>
+              </dgm:else>
+            </dgm:choose>
+          </dgm:if>
+          <dgm:else name="Name96">
+            <dgm:choose name="Name97">
+              <dgm:if name="Name98" axis="root ch" ptType="all node" func="cnt" op="equ" val="4">
+                <dgm:presOf axis="root ch desOrSelf" ptType="all node node" st="1 2 1" cnt="1 1 0"/>
+              </dgm:if>
+              <dgm:else name="Name99">
+                <dgm:presOf/>
+              </dgm:else>
+            </dgm:choose>
+          </dgm:else>
+        </dgm:choose>
+        <dgm:constrLst/>
+        <dgm:ruleLst/>
+      </dgm:layoutNode>
+      <dgm:layoutNode name="circ4Tx" styleLbl="revTx">
+        <dgm:varLst>
+          <dgm:chMax val="0"/>
+          <dgm:chPref val="0"/>
+          <dgm:bulletEnabled val="1"/>
+        </dgm:varLst>
+        <dgm:alg type="tx">
+          <dgm:param type="txAnchorHorzCh" val="ctr"/>
+          <dgm:param type="txAnchorVertCh" val="mid"/>
+        </dgm:alg>
+        <dgm:shape xmlns:r="http://schemas.openxmlformats.org/officeDocument/2006/relationships" type="rect" r:blip="" hideGeom="1">
+          <dgm:adjLst/>
+        </dgm:shape>
+        <dgm:choose name="Name100">
+          <dgm:if name="Name101" func="var" arg="dir" op="equ" val="norm">
+            <dgm:presOf axis="desOrSelf" ptType="node"/>
+          </dgm:if>
+          <dgm:else name="Name102">
+            <dgm:choose name="Name103">
+              <dgm:if name="Name104" axis="root ch" ptType="all node" func="cnt" op="equ" val="4">
+                <dgm:presOf axis="root ch desOrSelf" ptType="all node node" st="1 2 1" cnt="1 1 0"/>
+              </dgm:if>
+              <dgm:if name="Name105" axis="root ch" ptType="all node" func="cnt" op="equ" val="5">
+                <dgm:presOf axis="root ch desOrSelf" ptType="all node node" st="1 3 1" cnt="1 1 0"/>
+              </dgm:if>
+              <dgm:if name="Name106" axis="root ch" ptType="all node" func="cnt" op="equ" val="6">
+                <dgm:presOf axis="root ch desOrSelf" ptType="all node node" st="1 4 1" cnt="1 1 0"/>
+              </dgm:if>
+              <dgm:else name="Name107">
+                <dgm:presOf axis="root ch desOrSelf" ptType="all node node" st="1 5 1" cnt="1 1 0"/>
+              </dgm:else>
+            </dgm:choose>
+          </dgm:else>
+        </dgm:choose>
+        <dgm:constrLst>
+          <dgm:constr type="tMarg"/>
+          <dgm:constr type="bMarg"/>
+          <dgm:constr type="lMarg"/>
+          <dgm:constr type="rMarg"/>
+          <dgm:constr type="primFontSz" val="65"/>
+        </dgm:constrLst>
+        <dgm:ruleLst>
+          <dgm:rule type="primFontSz" val="5" fact="NaN" max="NaN"/>
+        </dgm:ruleLst>
+      </dgm:layoutNode>
+    </dgm:forEach>
+    <dgm:forEach name="Name108" axis="ch" ptType="node" st="5" cnt="1">
+      <dgm:layoutNode name="circ5" styleLbl="vennNode1">
+        <dgm:alg type="sp"/>
+        <dgm:shape xmlns:r="http://schemas.openxmlformats.org/officeDocument/2006/relationships" type="ellipse" r:blip="">
+          <dgm:adjLst/>
+        </dgm:shape>
+        <dgm:presOf/>
+        <dgm:constrLst/>
+        <dgm:ruleLst/>
+      </dgm:layoutNode>
+      <dgm:layoutNode name="circ5Tx" styleLbl="revTx">
+        <dgm:varLst>
+          <dgm:chMax val="0"/>
+          <dgm:chPref val="0"/>
+          <dgm:bulletEnabled val="1"/>
+        </dgm:varLst>
+        <dgm:alg type="tx">
+          <dgm:param type="txAnchorHorzCh" val="ctr"/>
+          <dgm:param type="txAnchorVertCh" val="mid"/>
+        </dgm:alg>
+        <dgm:shape xmlns:r="http://schemas.openxmlformats.org/officeDocument/2006/relationships" type="rect" r:blip="" hideGeom="1">
+          <dgm:adjLst/>
+        </dgm:shape>
+        <dgm:choose name="Name109">
+          <dgm:if name="Name110" func="var" arg="dir" op="equ" val="norm">
+            <dgm:presOf axis="desOrSelf" ptType="node"/>
+          </dgm:if>
+          <dgm:else name="Name111">
+            <dgm:choose name="Name112">
+              <dgm:if name="Name113" axis="root ch" ptType="all node" func="cnt" op="equ" val="5">
+                <dgm:presOf axis="root ch desOrSelf" ptType="all node node" st="1 2 1" cnt="1 1 0"/>
+              </dgm:if>
+              <dgm:if name="Name114" axis="root ch" ptType="all node" func="cnt" op="equ" val="6">
+                <dgm:presOf axis="root ch desOrSelf" ptType="all node node" st="1 3 1" cnt="1 1 0"/>
+              </dgm:if>
+              <dgm:else name="Name115">
+                <dgm:presOf axis="root ch desOrSelf" ptType="all node node" st="1 4 1" cnt="1 1 0"/>
+              </dgm:else>
+            </dgm:choose>
+          </dgm:else>
+        </dgm:choose>
+        <dgm:constrLst>
+          <dgm:constr type="tMarg"/>
+          <dgm:constr type="bMarg"/>
+          <dgm:constr type="lMarg"/>
+          <dgm:constr type="rMarg"/>
+          <dgm:constr type="primFontSz" val="65"/>
+        </dgm:constrLst>
+        <dgm:ruleLst>
+          <dgm:rule type="primFontSz" val="5" fact="NaN" max="NaN"/>
+        </dgm:ruleLst>
+      </dgm:layoutNode>
+    </dgm:forEach>
+    <dgm:forEach name="Name116" axis="ch" ptType="node" st="6" cnt="1">
+      <dgm:layoutNode name="circ6" styleLbl="vennNode1">
+        <dgm:alg type="sp"/>
+        <dgm:shape xmlns:r="http://schemas.openxmlformats.org/officeDocument/2006/relationships" type="ellipse" r:blip="">
+          <dgm:adjLst/>
+        </dgm:shape>
+        <dgm:presOf/>
+        <dgm:constrLst/>
+        <dgm:ruleLst/>
+      </dgm:layoutNode>
+      <dgm:layoutNode name="circ6Tx" styleLbl="revTx">
+        <dgm:varLst>
+          <dgm:chMax val="0"/>
+          <dgm:chPref val="0"/>
+          <dgm:bulletEnabled val="1"/>
+        </dgm:varLst>
+        <dgm:alg type="tx">
+          <dgm:param type="txAnchorHorzCh" val="ctr"/>
+          <dgm:param type="txAnchorVertCh" val="mid"/>
+        </dgm:alg>
+        <dgm:shape xmlns:r="http://schemas.openxmlformats.org/officeDocument/2006/relationships" type="rect" r:blip="" hideGeom="1">
+          <dgm:adjLst/>
+        </dgm:shape>
+        <dgm:choose name="Name117">
+          <dgm:if name="Name118" func="var" arg="dir" op="equ" val="norm">
+            <dgm:presOf axis="desOrSelf" ptType="node"/>
+          </dgm:if>
+          <dgm:else name="Name119">
+            <dgm:choose name="Name120">
+              <dgm:if name="Name121" axis="root ch" ptType="all node" func="cnt" op="equ" val="6">
+                <dgm:presOf axis="root ch desOrSelf" ptType="all node node" st="1 2 1" cnt="1 1 0"/>
+              </dgm:if>
+              <dgm:else name="Name122">
+                <dgm:presOf axis="root ch desOrSelf" ptType="all node node" st="1 3 1" cnt="1 1 0"/>
+              </dgm:else>
+            </dgm:choose>
+          </dgm:else>
+        </dgm:choose>
+        <dgm:constrLst>
+          <dgm:constr type="tMarg"/>
+          <dgm:constr type="bMarg"/>
+          <dgm:constr type="lMarg"/>
+          <dgm:constr type="rMarg"/>
+          <dgm:constr type="primFontSz" val="65"/>
+        </dgm:constrLst>
+        <dgm:ruleLst>
+          <dgm:rule type="primFontSz" val="5" fact="NaN" max="NaN"/>
+        </dgm:ruleLst>
+      </dgm:layoutNode>
+    </dgm:forEach>
+    <dgm:forEach name="Name123" axis="ch" ptType="node" st="7" cnt="1">
+      <dgm:layoutNode name="circ7" styleLbl="vennNode1">
+        <dgm:alg type="sp"/>
+        <dgm:shape xmlns:r="http://schemas.openxmlformats.org/officeDocument/2006/relationships" type="ellipse" r:blip="">
+          <dgm:adjLst/>
+        </dgm:shape>
+        <dgm:presOf/>
+        <dgm:constrLst/>
+        <dgm:ruleLst/>
+      </dgm:layoutNode>
+      <dgm:layoutNode name="circ7Tx" styleLbl="revTx">
+        <dgm:varLst>
+          <dgm:chMax val="0"/>
+          <dgm:chPref val="0"/>
+          <dgm:bulletEnabled val="1"/>
+        </dgm:varLst>
+        <dgm:alg type="tx">
+          <dgm:param type="txAnchorHorzCh" val="ctr"/>
+          <dgm:param type="txAnchorVertCh" val="mid"/>
+        </dgm:alg>
+        <dgm:shape xmlns:r="http://schemas.openxmlformats.org/officeDocument/2006/relationships" type="rect" r:blip="" hideGeom="1">
+          <dgm:adjLst/>
+        </dgm:shape>
+        <dgm:choose name="Name124">
+          <dgm:if name="Name125" func="var" arg="dir" op="equ" val="norm">
+            <dgm:presOf axis="desOrSelf" ptType="node"/>
+          </dgm:if>
+          <dgm:else name="Name126">
+            <dgm:presOf axis="root ch desOrSelf" ptType="all node node" st="1 2 1" cnt="1 1 0"/>
+          </dgm:else>
+        </dgm:choose>
+        <dgm:constrLst>
+          <dgm:constr type="tMarg"/>
+          <dgm:constr type="bMarg"/>
+          <dgm:constr type="lMarg"/>
+          <dgm:constr type="rMarg"/>
+          <dgm:constr type="primFontSz" val="65"/>
+        </dgm:constrLst>
+        <dgm:ruleLst>
+          <dgm:rule type="primFontSz" val="5" fact="NaN" max="NaN"/>
+        </dgm:ruleLst>
+      </dgm:layoutNode>
+    </dgm:forEach>
+  </dgm:layoutNode>
+</dgm:layoutDef>
+</file>
+
 <file path=ppt/diagrams/quickStyle1.xml><?xml version="1.0" encoding="utf-8"?>
 <dgm:styleDef xmlns:dgm="http://schemas.openxmlformats.org/drawingml/2006/diagram" xmlns:a="http://schemas.openxmlformats.org/drawingml/2006/main" uniqueId="urn:microsoft.com/office/officeart/2005/8/quickstyle/simple1">
   <dgm:title val=""/>
@@ -9458,6 +13184,2074 @@
 </file>
 
 <file path=ppt/diagrams/quickStyle3.xml><?xml version="1.0" encoding="utf-8"?>
+<dgm:styleDef xmlns:dgm="http://schemas.openxmlformats.org/drawingml/2006/diagram" xmlns:a="http://schemas.openxmlformats.org/drawingml/2006/main" uniqueId="urn:microsoft.com/office/officeart/2005/8/quickstyle/simple1">
+  <dgm:title val=""/>
+  <dgm:desc val=""/>
+  <dgm:catLst>
+    <dgm:cat type="simple" pri="10100"/>
+  </dgm:catLst>
+  <dgm:scene3d>
+    <a:camera prst="orthographicFront"/>
+    <a:lightRig rig="threePt" dir="t"/>
+  </dgm:scene3d>
+  <dgm:styleLbl name="node0">
+    <dgm:scene3d>
+      <a:camera prst="orthographicFront"/>
+      <a:lightRig rig="threePt" dir="t"/>
+    </dgm:scene3d>
+    <dgm:sp3d/>
+    <dgm:txPr/>
+    <dgm:style>
+      <a:lnRef idx="2">
+        <a:scrgbClr r="0" g="0" b="0"/>
+      </a:lnRef>
+      <a:fillRef idx="1">
+        <a:scrgbClr r="0" g="0" b="0"/>
+      </a:fillRef>
+      <a:effectRef idx="0">
+        <a:scrgbClr r="0" g="0" b="0"/>
+      </a:effectRef>
+      <a:fontRef idx="minor">
+        <a:schemeClr val="lt1"/>
+      </a:fontRef>
+    </dgm:style>
+  </dgm:styleLbl>
+  <dgm:styleLbl name="lnNode1">
+    <dgm:scene3d>
+      <a:camera prst="orthographicFront"/>
+      <a:lightRig rig="threePt" dir="t"/>
+    </dgm:scene3d>
+    <dgm:sp3d/>
+    <dgm:txPr/>
+    <dgm:style>
+      <a:lnRef idx="2">
+        <a:scrgbClr r="0" g="0" b="0"/>
+      </a:lnRef>
+      <a:fillRef idx="1">
+        <a:scrgbClr r="0" g="0" b="0"/>
+      </a:fillRef>
+      <a:effectRef idx="0">
+        <a:scrgbClr r="0" g="0" b="0"/>
+      </a:effectRef>
+      <a:fontRef idx="minor">
+        <a:schemeClr val="lt1"/>
+      </a:fontRef>
+    </dgm:style>
+  </dgm:styleLbl>
+  <dgm:styleLbl name="vennNode1">
+    <dgm:scene3d>
+      <a:camera prst="orthographicFront"/>
+      <a:lightRig rig="threePt" dir="t"/>
+    </dgm:scene3d>
+    <dgm:sp3d/>
+    <dgm:txPr/>
+    <dgm:style>
+      <a:lnRef idx="2">
+        <a:scrgbClr r="0" g="0" b="0"/>
+      </a:lnRef>
+      <a:fillRef idx="1">
+        <a:scrgbClr r="0" g="0" b="0"/>
+      </a:fillRef>
+      <a:effectRef idx="0">
+        <a:scrgbClr r="0" g="0" b="0"/>
+      </a:effectRef>
+      <a:fontRef idx="minor">
+        <a:schemeClr val="tx1"/>
+      </a:fontRef>
+    </dgm:style>
+  </dgm:styleLbl>
+  <dgm:styleLbl name="alignNode1">
+    <dgm:scene3d>
+      <a:camera prst="orthographicFront"/>
+      <a:lightRig rig="threePt" dir="t"/>
+    </dgm:scene3d>
+    <dgm:sp3d/>
+    <dgm:txPr/>
+    <dgm:style>
+      <a:lnRef idx="2">
+        <a:scrgbClr r="0" g="0" b="0"/>
+      </a:lnRef>
+      <a:fillRef idx="1">
+        <a:scrgbClr r="0" g="0" b="0"/>
+      </a:fillRef>
+      <a:effectRef idx="0">
+        <a:scrgbClr r="0" g="0" b="0"/>
+      </a:effectRef>
+      <a:fontRef idx="minor">
+        <a:schemeClr val="lt1"/>
+      </a:fontRef>
+    </dgm:style>
+  </dgm:styleLbl>
+  <dgm:styleLbl name="node1">
+    <dgm:scene3d>
+      <a:camera prst="orthographicFront"/>
+      <a:lightRig rig="threePt" dir="t"/>
+    </dgm:scene3d>
+    <dgm:sp3d/>
+    <dgm:txPr/>
+    <dgm:style>
+      <a:lnRef idx="2">
+        <a:scrgbClr r="0" g="0" b="0"/>
+      </a:lnRef>
+      <a:fillRef idx="1">
+        <a:scrgbClr r="0" g="0" b="0"/>
+      </a:fillRef>
+      <a:effectRef idx="0">
+        <a:scrgbClr r="0" g="0" b="0"/>
+      </a:effectRef>
+      <a:fontRef idx="minor">
+        <a:schemeClr val="lt1"/>
+      </a:fontRef>
+    </dgm:style>
+  </dgm:styleLbl>
+  <dgm:styleLbl name="node2">
+    <dgm:scene3d>
+      <a:camera prst="orthographicFront"/>
+      <a:lightRig rig="threePt" dir="t"/>
+    </dgm:scene3d>
+    <dgm:sp3d/>
+    <dgm:txPr/>
+    <dgm:style>
+      <a:lnRef idx="2">
+        <a:scrgbClr r="0" g="0" b="0"/>
+      </a:lnRef>
+      <a:fillRef idx="1">
+        <a:scrgbClr r="0" g="0" b="0"/>
+      </a:fillRef>
+      <a:effectRef idx="0">
+        <a:scrgbClr r="0" g="0" b="0"/>
+      </a:effectRef>
+      <a:fontRef idx="minor">
+        <a:schemeClr val="lt1"/>
+      </a:fontRef>
+    </dgm:style>
+  </dgm:styleLbl>
+  <dgm:styleLbl name="node3">
+    <dgm:scene3d>
+      <a:camera prst="orthographicFront"/>
+      <a:lightRig rig="threePt" dir="t"/>
+    </dgm:scene3d>
+    <dgm:sp3d/>
+    <dgm:txPr/>
+    <dgm:style>
+      <a:lnRef idx="2">
+        <a:scrgbClr r="0" g="0" b="0"/>
+      </a:lnRef>
+      <a:fillRef idx="1">
+        <a:scrgbClr r="0" g="0" b="0"/>
+      </a:fillRef>
+      <a:effectRef idx="0">
+        <a:scrgbClr r="0" g="0" b="0"/>
+      </a:effectRef>
+      <a:fontRef idx="minor">
+        <a:schemeClr val="lt1"/>
+      </a:fontRef>
+    </dgm:style>
+  </dgm:styleLbl>
+  <dgm:styleLbl name="node4">
+    <dgm:scene3d>
+      <a:camera prst="orthographicFront"/>
+      <a:lightRig rig="threePt" dir="t"/>
+    </dgm:scene3d>
+    <dgm:sp3d/>
+    <dgm:txPr/>
+    <dgm:style>
+      <a:lnRef idx="2">
+        <a:scrgbClr r="0" g="0" b="0"/>
+      </a:lnRef>
+      <a:fillRef idx="1">
+        <a:scrgbClr r="0" g="0" b="0"/>
+      </a:fillRef>
+      <a:effectRef idx="0">
+        <a:scrgbClr r="0" g="0" b="0"/>
+      </a:effectRef>
+      <a:fontRef idx="minor">
+        <a:schemeClr val="lt1"/>
+      </a:fontRef>
+    </dgm:style>
+  </dgm:styleLbl>
+  <dgm:styleLbl name="fgImgPlace1">
+    <dgm:scene3d>
+      <a:camera prst="orthographicFront"/>
+      <a:lightRig rig="threePt" dir="t"/>
+    </dgm:scene3d>
+    <dgm:sp3d/>
+    <dgm:txPr/>
+    <dgm:style>
+      <a:lnRef idx="2">
+        <a:scrgbClr r="0" g="0" b="0"/>
+      </a:lnRef>
+      <a:fillRef idx="1">
+        <a:scrgbClr r="0" g="0" b="0"/>
+      </a:fillRef>
+      <a:effectRef idx="0">
+        <a:scrgbClr r="0" g="0" b="0"/>
+      </a:effectRef>
+      <a:fontRef idx="minor"/>
+    </dgm:style>
+  </dgm:styleLbl>
+  <dgm:styleLbl name="alignImgPlace1">
+    <dgm:scene3d>
+      <a:camera prst="orthographicFront"/>
+      <a:lightRig rig="threePt" dir="t"/>
+    </dgm:scene3d>
+    <dgm:sp3d/>
+    <dgm:txPr/>
+    <dgm:style>
+      <a:lnRef idx="2">
+        <a:scrgbClr r="0" g="0" b="0"/>
+      </a:lnRef>
+      <a:fillRef idx="1">
+        <a:scrgbClr r="0" g="0" b="0"/>
+      </a:fillRef>
+      <a:effectRef idx="0">
+        <a:scrgbClr r="0" g="0" b="0"/>
+      </a:effectRef>
+      <a:fontRef idx="minor"/>
+    </dgm:style>
+  </dgm:styleLbl>
+  <dgm:styleLbl name="bgImgPlace1">
+    <dgm:scene3d>
+      <a:camera prst="orthographicFront"/>
+      <a:lightRig rig="threePt" dir="t"/>
+    </dgm:scene3d>
+    <dgm:sp3d/>
+    <dgm:txPr/>
+    <dgm:style>
+      <a:lnRef idx="2">
+        <a:scrgbClr r="0" g="0" b="0"/>
+      </a:lnRef>
+      <a:fillRef idx="1">
+        <a:scrgbClr r="0" g="0" b="0"/>
+      </a:fillRef>
+      <a:effectRef idx="0">
+        <a:scrgbClr r="0" g="0" b="0"/>
+      </a:effectRef>
+      <a:fontRef idx="minor"/>
+    </dgm:style>
+  </dgm:styleLbl>
+  <dgm:styleLbl name="sibTrans2D1">
+    <dgm:scene3d>
+      <a:camera prst="orthographicFront"/>
+      <a:lightRig rig="threePt" dir="t"/>
+    </dgm:scene3d>
+    <dgm:sp3d/>
+    <dgm:txPr/>
+    <dgm:style>
+      <a:lnRef idx="0">
+        <a:scrgbClr r="0" g="0" b="0"/>
+      </a:lnRef>
+      <a:fillRef idx="1">
+        <a:scrgbClr r="0" g="0" b="0"/>
+      </a:fillRef>
+      <a:effectRef idx="0">
+        <a:scrgbClr r="0" g="0" b="0"/>
+      </a:effectRef>
+      <a:fontRef idx="minor">
+        <a:schemeClr val="lt1"/>
+      </a:fontRef>
+    </dgm:style>
+  </dgm:styleLbl>
+  <dgm:styleLbl name="fgSibTrans2D1">
+    <dgm:scene3d>
+      <a:camera prst="orthographicFront"/>
+      <a:lightRig rig="threePt" dir="t"/>
+    </dgm:scene3d>
+    <dgm:sp3d/>
+    <dgm:txPr/>
+    <dgm:style>
+      <a:lnRef idx="0">
+        <a:scrgbClr r="0" g="0" b="0"/>
+      </a:lnRef>
+      <a:fillRef idx="1">
+        <a:scrgbClr r="0" g="0" b="0"/>
+      </a:fillRef>
+      <a:effectRef idx="0">
+        <a:scrgbClr r="0" g="0" b="0"/>
+      </a:effectRef>
+      <a:fontRef idx="minor">
+        <a:schemeClr val="lt1"/>
+      </a:fontRef>
+    </dgm:style>
+  </dgm:styleLbl>
+  <dgm:styleLbl name="bgSibTrans2D1">
+    <dgm:scene3d>
+      <a:camera prst="orthographicFront"/>
+      <a:lightRig rig="threePt" dir="t"/>
+    </dgm:scene3d>
+    <dgm:sp3d/>
+    <dgm:txPr/>
+    <dgm:style>
+      <a:lnRef idx="0">
+        <a:scrgbClr r="0" g="0" b="0"/>
+      </a:lnRef>
+      <a:fillRef idx="1">
+        <a:scrgbClr r="0" g="0" b="0"/>
+      </a:fillRef>
+      <a:effectRef idx="0">
+        <a:scrgbClr r="0" g="0" b="0"/>
+      </a:effectRef>
+      <a:fontRef idx="minor">
+        <a:schemeClr val="lt1"/>
+      </a:fontRef>
+    </dgm:style>
+  </dgm:styleLbl>
+  <dgm:styleLbl name="sibTrans1D1">
+    <dgm:scene3d>
+      <a:camera prst="orthographicFront"/>
+      <a:lightRig rig="threePt" dir="t"/>
+    </dgm:scene3d>
+    <dgm:sp3d/>
+    <dgm:txPr/>
+    <dgm:style>
+      <a:lnRef idx="1">
+        <a:scrgbClr r="0" g="0" b="0"/>
+      </a:lnRef>
+      <a:fillRef idx="0">
+        <a:scrgbClr r="0" g="0" b="0"/>
+      </a:fillRef>
+      <a:effectRef idx="0">
+        <a:scrgbClr r="0" g="0" b="0"/>
+      </a:effectRef>
+      <a:fontRef idx="minor"/>
+    </dgm:style>
+  </dgm:styleLbl>
+  <dgm:styleLbl name="callout">
+    <dgm:scene3d>
+      <a:camera prst="orthographicFront"/>
+      <a:lightRig rig="threePt" dir="t"/>
+    </dgm:scene3d>
+    <dgm:sp3d/>
+    <dgm:txPr/>
+    <dgm:style>
+      <a:lnRef idx="2">
+        <a:scrgbClr r="0" g="0" b="0"/>
+      </a:lnRef>
+      <a:fillRef idx="1">
+        <a:scrgbClr r="0" g="0" b="0"/>
+      </a:fillRef>
+      <a:effectRef idx="0">
+        <a:scrgbClr r="0" g="0" b="0"/>
+      </a:effectRef>
+      <a:fontRef idx="minor"/>
+    </dgm:style>
+  </dgm:styleLbl>
+  <dgm:styleLbl name="asst0">
+    <dgm:scene3d>
+      <a:camera prst="orthographicFront"/>
+      <a:lightRig rig="threePt" dir="t"/>
+    </dgm:scene3d>
+    <dgm:sp3d/>
+    <dgm:txPr/>
+    <dgm:style>
+      <a:lnRef idx="2">
+        <a:scrgbClr r="0" g="0" b="0"/>
+      </a:lnRef>
+      <a:fillRef idx="1">
+        <a:scrgbClr r="0" g="0" b="0"/>
+      </a:fillRef>
+      <a:effectRef idx="0">
+        <a:scrgbClr r="0" g="0" b="0"/>
+      </a:effectRef>
+      <a:fontRef idx="minor">
+        <a:schemeClr val="lt1"/>
+      </a:fontRef>
+    </dgm:style>
+  </dgm:styleLbl>
+  <dgm:styleLbl name="asst1">
+    <dgm:scene3d>
+      <a:camera prst="orthographicFront"/>
+      <a:lightRig rig="threePt" dir="t"/>
+    </dgm:scene3d>
+    <dgm:sp3d/>
+    <dgm:txPr/>
+    <dgm:style>
+      <a:lnRef idx="2">
+        <a:scrgbClr r="0" g="0" b="0"/>
+      </a:lnRef>
+      <a:fillRef idx="1">
+        <a:scrgbClr r="0" g="0" b="0"/>
+      </a:fillRef>
+      <a:effectRef idx="0">
+        <a:scrgbClr r="0" g="0" b="0"/>
+      </a:effectRef>
+      <a:fontRef idx="minor">
+        <a:schemeClr val="lt1"/>
+      </a:fontRef>
+    </dgm:style>
+  </dgm:styleLbl>
+  <dgm:styleLbl name="asst2">
+    <dgm:scene3d>
+      <a:camera prst="orthographicFront"/>
+      <a:lightRig rig="threePt" dir="t"/>
+    </dgm:scene3d>
+    <dgm:sp3d/>
+    <dgm:txPr/>
+    <dgm:style>
+      <a:lnRef idx="2">
+        <a:scrgbClr r="0" g="0" b="0"/>
+      </a:lnRef>
+      <a:fillRef idx="1">
+        <a:scrgbClr r="0" g="0" b="0"/>
+      </a:fillRef>
+      <a:effectRef idx="0">
+        <a:scrgbClr r="0" g="0" b="0"/>
+      </a:effectRef>
+      <a:fontRef idx="minor">
+        <a:schemeClr val="lt1"/>
+      </a:fontRef>
+    </dgm:style>
+  </dgm:styleLbl>
+  <dgm:styleLbl name="asst3">
+    <dgm:scene3d>
+      <a:camera prst="orthographicFront"/>
+      <a:lightRig rig="threePt" dir="t"/>
+    </dgm:scene3d>
+    <dgm:sp3d/>
+    <dgm:txPr/>
+    <dgm:style>
+      <a:lnRef idx="2">
+        <a:scrgbClr r="0" g="0" b="0"/>
+      </a:lnRef>
+      <a:fillRef idx="1">
+        <a:scrgbClr r="0" g="0" b="0"/>
+      </a:fillRef>
+      <a:effectRef idx="0">
+        <a:scrgbClr r="0" g="0" b="0"/>
+      </a:effectRef>
+      <a:fontRef idx="minor">
+        <a:schemeClr val="lt1"/>
+      </a:fontRef>
+    </dgm:style>
+  </dgm:styleLbl>
+  <dgm:styleLbl name="asst4">
+    <dgm:scene3d>
+      <a:camera prst="orthographicFront"/>
+      <a:lightRig rig="threePt" dir="t"/>
+    </dgm:scene3d>
+    <dgm:sp3d/>
+    <dgm:txPr/>
+    <dgm:style>
+      <a:lnRef idx="2">
+        <a:scrgbClr r="0" g="0" b="0"/>
+      </a:lnRef>
+      <a:fillRef idx="1">
+        <a:scrgbClr r="0" g="0" b="0"/>
+      </a:fillRef>
+      <a:effectRef idx="0">
+        <a:scrgbClr r="0" g="0" b="0"/>
+      </a:effectRef>
+      <a:fontRef idx="minor">
+        <a:schemeClr val="lt1"/>
+      </a:fontRef>
+    </dgm:style>
+  </dgm:styleLbl>
+  <dgm:styleLbl name="parChTrans2D1">
+    <dgm:scene3d>
+      <a:camera prst="orthographicFront"/>
+      <a:lightRig rig="threePt" dir="t"/>
+    </dgm:scene3d>
+    <dgm:sp3d/>
+    <dgm:txPr/>
+    <dgm:style>
+      <a:lnRef idx="2">
+        <a:scrgbClr r="0" g="0" b="0"/>
+      </a:lnRef>
+      <a:fillRef idx="1">
+        <a:scrgbClr r="0" g="0" b="0"/>
+      </a:fillRef>
+      <a:effectRef idx="0">
+        <a:scrgbClr r="0" g="0" b="0"/>
+      </a:effectRef>
+      <a:fontRef idx="minor">
+        <a:schemeClr val="lt1"/>
+      </a:fontRef>
+    </dgm:style>
+  </dgm:styleLbl>
+  <dgm:styleLbl name="parChTrans2D2">
+    <dgm:scene3d>
+      <a:camera prst="orthographicFront"/>
+      <a:lightRig rig="threePt" dir="t"/>
+    </dgm:scene3d>
+    <dgm:sp3d/>
+    <dgm:txPr/>
+    <dgm:style>
+      <a:lnRef idx="2">
+        <a:scrgbClr r="0" g="0" b="0"/>
+      </a:lnRef>
+      <a:fillRef idx="1">
+        <a:scrgbClr r="0" g="0" b="0"/>
+      </a:fillRef>
+      <a:effectRef idx="0">
+        <a:scrgbClr r="0" g="0" b="0"/>
+      </a:effectRef>
+      <a:fontRef idx="minor">
+        <a:schemeClr val="lt1"/>
+      </a:fontRef>
+    </dgm:style>
+  </dgm:styleLbl>
+  <dgm:styleLbl name="parChTrans2D3">
+    <dgm:scene3d>
+      <a:camera prst="orthographicFront"/>
+      <a:lightRig rig="threePt" dir="t"/>
+    </dgm:scene3d>
+    <dgm:sp3d/>
+    <dgm:txPr/>
+    <dgm:style>
+      <a:lnRef idx="2">
+        <a:scrgbClr r="0" g="0" b="0"/>
+      </a:lnRef>
+      <a:fillRef idx="1">
+        <a:scrgbClr r="0" g="0" b="0"/>
+      </a:fillRef>
+      <a:effectRef idx="0">
+        <a:scrgbClr r="0" g="0" b="0"/>
+      </a:effectRef>
+      <a:fontRef idx="minor">
+        <a:schemeClr val="lt1"/>
+      </a:fontRef>
+    </dgm:style>
+  </dgm:styleLbl>
+  <dgm:styleLbl name="parChTrans2D4">
+    <dgm:scene3d>
+      <a:camera prst="orthographicFront"/>
+      <a:lightRig rig="threePt" dir="t"/>
+    </dgm:scene3d>
+    <dgm:sp3d/>
+    <dgm:txPr/>
+    <dgm:style>
+      <a:lnRef idx="2">
+        <a:scrgbClr r="0" g="0" b="0"/>
+      </a:lnRef>
+      <a:fillRef idx="1">
+        <a:scrgbClr r="0" g="0" b="0"/>
+      </a:fillRef>
+      <a:effectRef idx="0">
+        <a:scrgbClr r="0" g="0" b="0"/>
+      </a:effectRef>
+      <a:fontRef idx="minor">
+        <a:schemeClr val="lt1"/>
+      </a:fontRef>
+    </dgm:style>
+  </dgm:styleLbl>
+  <dgm:styleLbl name="parChTrans1D1">
+    <dgm:scene3d>
+      <a:camera prst="orthographicFront"/>
+      <a:lightRig rig="threePt" dir="t"/>
+    </dgm:scene3d>
+    <dgm:sp3d/>
+    <dgm:txPr/>
+    <dgm:style>
+      <a:lnRef idx="2">
+        <a:scrgbClr r="0" g="0" b="0"/>
+      </a:lnRef>
+      <a:fillRef idx="0">
+        <a:scrgbClr r="0" g="0" b="0"/>
+      </a:fillRef>
+      <a:effectRef idx="0">
+        <a:scrgbClr r="0" g="0" b="0"/>
+      </a:effectRef>
+      <a:fontRef idx="minor"/>
+    </dgm:style>
+  </dgm:styleLbl>
+  <dgm:styleLbl name="parChTrans1D2">
+    <dgm:scene3d>
+      <a:camera prst="orthographicFront"/>
+      <a:lightRig rig="threePt" dir="t"/>
+    </dgm:scene3d>
+    <dgm:sp3d/>
+    <dgm:txPr/>
+    <dgm:style>
+      <a:lnRef idx="2">
+        <a:scrgbClr r="0" g="0" b="0"/>
+      </a:lnRef>
+      <a:fillRef idx="0">
+        <a:scrgbClr r="0" g="0" b="0"/>
+      </a:fillRef>
+      <a:effectRef idx="0">
+        <a:scrgbClr r="0" g="0" b="0"/>
+      </a:effectRef>
+      <a:fontRef idx="minor"/>
+    </dgm:style>
+  </dgm:styleLbl>
+  <dgm:styleLbl name="parChTrans1D3">
+    <dgm:scene3d>
+      <a:camera prst="orthographicFront"/>
+      <a:lightRig rig="threePt" dir="t"/>
+    </dgm:scene3d>
+    <dgm:sp3d/>
+    <dgm:txPr/>
+    <dgm:style>
+      <a:lnRef idx="2">
+        <a:scrgbClr r="0" g="0" b="0"/>
+      </a:lnRef>
+      <a:fillRef idx="0">
+        <a:scrgbClr r="0" g="0" b="0"/>
+      </a:fillRef>
+      <a:effectRef idx="0">
+        <a:scrgbClr r="0" g="0" b="0"/>
+      </a:effectRef>
+      <a:fontRef idx="minor"/>
+    </dgm:style>
+  </dgm:styleLbl>
+  <dgm:styleLbl name="parChTrans1D4">
+    <dgm:scene3d>
+      <a:camera prst="orthographicFront"/>
+      <a:lightRig rig="threePt" dir="t"/>
+    </dgm:scene3d>
+    <dgm:sp3d/>
+    <dgm:txPr/>
+    <dgm:style>
+      <a:lnRef idx="2">
+        <a:scrgbClr r="0" g="0" b="0"/>
+      </a:lnRef>
+      <a:fillRef idx="0">
+        <a:scrgbClr r="0" g="0" b="0"/>
+      </a:fillRef>
+      <a:effectRef idx="0">
+        <a:scrgbClr r="0" g="0" b="0"/>
+      </a:effectRef>
+      <a:fontRef idx="minor"/>
+    </dgm:style>
+  </dgm:styleLbl>
+  <dgm:styleLbl name="fgAcc1">
+    <dgm:scene3d>
+      <a:camera prst="orthographicFront"/>
+      <a:lightRig rig="threePt" dir="t"/>
+    </dgm:scene3d>
+    <dgm:sp3d/>
+    <dgm:txPr/>
+    <dgm:style>
+      <a:lnRef idx="2">
+        <a:scrgbClr r="0" g="0" b="0"/>
+      </a:lnRef>
+      <a:fillRef idx="1">
+        <a:scrgbClr r="0" g="0" b="0"/>
+      </a:fillRef>
+      <a:effectRef idx="0">
+        <a:scrgbClr r="0" g="0" b="0"/>
+      </a:effectRef>
+      <a:fontRef idx="minor"/>
+    </dgm:style>
+  </dgm:styleLbl>
+  <dgm:styleLbl name="conFgAcc1">
+    <dgm:scene3d>
+      <a:camera prst="orthographicFront"/>
+      <a:lightRig rig="threePt" dir="t"/>
+    </dgm:scene3d>
+    <dgm:sp3d/>
+    <dgm:txPr/>
+    <dgm:style>
+      <a:lnRef idx="2">
+        <a:scrgbClr r="0" g="0" b="0"/>
+      </a:lnRef>
+      <a:fillRef idx="1">
+        <a:scrgbClr r="0" g="0" b="0"/>
+      </a:fillRef>
+      <a:effectRef idx="0">
+        <a:scrgbClr r="0" g="0" b="0"/>
+      </a:effectRef>
+      <a:fontRef idx="minor"/>
+    </dgm:style>
+  </dgm:styleLbl>
+  <dgm:styleLbl name="alignAcc1">
+    <dgm:scene3d>
+      <a:camera prst="orthographicFront"/>
+      <a:lightRig rig="threePt" dir="t"/>
+    </dgm:scene3d>
+    <dgm:sp3d/>
+    <dgm:txPr/>
+    <dgm:style>
+      <a:lnRef idx="2">
+        <a:scrgbClr r="0" g="0" b="0"/>
+      </a:lnRef>
+      <a:fillRef idx="1">
+        <a:scrgbClr r="0" g="0" b="0"/>
+      </a:fillRef>
+      <a:effectRef idx="0">
+        <a:scrgbClr r="0" g="0" b="0"/>
+      </a:effectRef>
+      <a:fontRef idx="minor"/>
+    </dgm:style>
+  </dgm:styleLbl>
+  <dgm:styleLbl name="trAlignAcc1">
+    <dgm:scene3d>
+      <a:camera prst="orthographicFront"/>
+      <a:lightRig rig="threePt" dir="t"/>
+    </dgm:scene3d>
+    <dgm:sp3d/>
+    <dgm:txPr/>
+    <dgm:style>
+      <a:lnRef idx="1">
+        <a:scrgbClr r="0" g="0" b="0"/>
+      </a:lnRef>
+      <a:fillRef idx="1">
+        <a:scrgbClr r="0" g="0" b="0"/>
+      </a:fillRef>
+      <a:effectRef idx="0">
+        <a:scrgbClr r="0" g="0" b="0"/>
+      </a:effectRef>
+      <a:fontRef idx="minor"/>
+    </dgm:style>
+  </dgm:styleLbl>
+  <dgm:styleLbl name="bgAcc1">
+    <dgm:scene3d>
+      <a:camera prst="orthographicFront"/>
+      <a:lightRig rig="threePt" dir="t"/>
+    </dgm:scene3d>
+    <dgm:sp3d/>
+    <dgm:txPr/>
+    <dgm:style>
+      <a:lnRef idx="2">
+        <a:scrgbClr r="0" g="0" b="0"/>
+      </a:lnRef>
+      <a:fillRef idx="1">
+        <a:scrgbClr r="0" g="0" b="0"/>
+      </a:fillRef>
+      <a:effectRef idx="0">
+        <a:scrgbClr r="0" g="0" b="0"/>
+      </a:effectRef>
+      <a:fontRef idx="minor"/>
+    </dgm:style>
+  </dgm:styleLbl>
+  <dgm:styleLbl name="solidFgAcc1">
+    <dgm:scene3d>
+      <a:camera prst="orthographicFront"/>
+      <a:lightRig rig="threePt" dir="t"/>
+    </dgm:scene3d>
+    <dgm:sp3d/>
+    <dgm:txPr/>
+    <dgm:style>
+      <a:lnRef idx="2">
+        <a:scrgbClr r="0" g="0" b="0"/>
+      </a:lnRef>
+      <a:fillRef idx="1">
+        <a:scrgbClr r="0" g="0" b="0"/>
+      </a:fillRef>
+      <a:effectRef idx="0">
+        <a:scrgbClr r="0" g="0" b="0"/>
+      </a:effectRef>
+      <a:fontRef idx="minor"/>
+    </dgm:style>
+  </dgm:styleLbl>
+  <dgm:styleLbl name="solidAlignAcc1">
+    <dgm:scene3d>
+      <a:camera prst="orthographicFront"/>
+      <a:lightRig rig="threePt" dir="t"/>
+    </dgm:scene3d>
+    <dgm:sp3d/>
+    <dgm:txPr/>
+    <dgm:style>
+      <a:lnRef idx="2">
+        <a:scrgbClr r="0" g="0" b="0"/>
+      </a:lnRef>
+      <a:fillRef idx="1">
+        <a:scrgbClr r="0" g="0" b="0"/>
+      </a:fillRef>
+      <a:effectRef idx="0">
+        <a:scrgbClr r="0" g="0" b="0"/>
+      </a:effectRef>
+      <a:fontRef idx="minor"/>
+    </dgm:style>
+  </dgm:styleLbl>
+  <dgm:styleLbl name="solidBgAcc1">
+    <dgm:scene3d>
+      <a:camera prst="orthographicFront"/>
+      <a:lightRig rig="threePt" dir="t"/>
+    </dgm:scene3d>
+    <dgm:sp3d/>
+    <dgm:txPr/>
+    <dgm:style>
+      <a:lnRef idx="2">
+        <a:scrgbClr r="0" g="0" b="0"/>
+      </a:lnRef>
+      <a:fillRef idx="1">
+        <a:scrgbClr r="0" g="0" b="0"/>
+      </a:fillRef>
+      <a:effectRef idx="0">
+        <a:scrgbClr r="0" g="0" b="0"/>
+      </a:effectRef>
+      <a:fontRef idx="minor"/>
+    </dgm:style>
+  </dgm:styleLbl>
+  <dgm:styleLbl name="fgAccFollowNode1">
+    <dgm:scene3d>
+      <a:camera prst="orthographicFront"/>
+      <a:lightRig rig="threePt" dir="t"/>
+    </dgm:scene3d>
+    <dgm:sp3d/>
+    <dgm:txPr/>
+    <dgm:style>
+      <a:lnRef idx="2">
+        <a:scrgbClr r="0" g="0" b="0"/>
+      </a:lnRef>
+      <a:fillRef idx="1">
+        <a:scrgbClr r="0" g="0" b="0"/>
+      </a:fillRef>
+      <a:effectRef idx="0">
+        <a:scrgbClr r="0" g="0" b="0"/>
+      </a:effectRef>
+      <a:fontRef idx="minor"/>
+    </dgm:style>
+  </dgm:styleLbl>
+  <dgm:styleLbl name="alignAccFollowNode1">
+    <dgm:scene3d>
+      <a:camera prst="orthographicFront"/>
+      <a:lightRig rig="threePt" dir="t"/>
+    </dgm:scene3d>
+    <dgm:sp3d/>
+    <dgm:txPr/>
+    <dgm:style>
+      <a:lnRef idx="2">
+        <a:scrgbClr r="0" g="0" b="0"/>
+      </a:lnRef>
+      <a:fillRef idx="1">
+        <a:scrgbClr r="0" g="0" b="0"/>
+      </a:fillRef>
+      <a:effectRef idx="0">
+        <a:scrgbClr r="0" g="0" b="0"/>
+      </a:effectRef>
+      <a:fontRef idx="minor"/>
+    </dgm:style>
+  </dgm:styleLbl>
+  <dgm:styleLbl name="bgAccFollowNode1">
+    <dgm:scene3d>
+      <a:camera prst="orthographicFront"/>
+      <a:lightRig rig="threePt" dir="t"/>
+    </dgm:scene3d>
+    <dgm:sp3d/>
+    <dgm:txPr/>
+    <dgm:style>
+      <a:lnRef idx="2">
+        <a:scrgbClr r="0" g="0" b="0"/>
+      </a:lnRef>
+      <a:fillRef idx="1">
+        <a:scrgbClr r="0" g="0" b="0"/>
+      </a:fillRef>
+      <a:effectRef idx="0">
+        <a:scrgbClr r="0" g="0" b="0"/>
+      </a:effectRef>
+      <a:fontRef idx="minor"/>
+    </dgm:style>
+  </dgm:styleLbl>
+  <dgm:styleLbl name="fgAcc0">
+    <dgm:scene3d>
+      <a:camera prst="orthographicFront"/>
+      <a:lightRig rig="threePt" dir="t"/>
+    </dgm:scene3d>
+    <dgm:sp3d/>
+    <dgm:txPr/>
+    <dgm:style>
+      <a:lnRef idx="2">
+        <a:scrgbClr r="0" g="0" b="0"/>
+      </a:lnRef>
+      <a:fillRef idx="1">
+        <a:scrgbClr r="0" g="0" b="0"/>
+      </a:fillRef>
+      <a:effectRef idx="0">
+        <a:scrgbClr r="0" g="0" b="0"/>
+      </a:effectRef>
+      <a:fontRef idx="minor"/>
+    </dgm:style>
+  </dgm:styleLbl>
+  <dgm:styleLbl name="fgAcc2">
+    <dgm:scene3d>
+      <a:camera prst="orthographicFront"/>
+      <a:lightRig rig="threePt" dir="t"/>
+    </dgm:scene3d>
+    <dgm:sp3d/>
+    <dgm:txPr/>
+    <dgm:style>
+      <a:lnRef idx="2">
+        <a:scrgbClr r="0" g="0" b="0"/>
+      </a:lnRef>
+      <a:fillRef idx="1">
+        <a:scrgbClr r="0" g="0" b="0"/>
+      </a:fillRef>
+      <a:effectRef idx="0">
+        <a:scrgbClr r="0" g="0" b="0"/>
+      </a:effectRef>
+      <a:fontRef idx="minor"/>
+    </dgm:style>
+  </dgm:styleLbl>
+  <dgm:styleLbl name="fgAcc3">
+    <dgm:scene3d>
+      <a:camera prst="orthographicFront"/>
+      <a:lightRig rig="threePt" dir="t"/>
+    </dgm:scene3d>
+    <dgm:sp3d/>
+    <dgm:txPr/>
+    <dgm:style>
+      <a:lnRef idx="2">
+        <a:scrgbClr r="0" g="0" b="0"/>
+      </a:lnRef>
+      <a:fillRef idx="1">
+        <a:scrgbClr r="0" g="0" b="0"/>
+      </a:fillRef>
+      <a:effectRef idx="0">
+        <a:scrgbClr r="0" g="0" b="0"/>
+      </a:effectRef>
+      <a:fontRef idx="minor"/>
+    </dgm:style>
+  </dgm:styleLbl>
+  <dgm:styleLbl name="fgAcc4">
+    <dgm:scene3d>
+      <a:camera prst="orthographicFront"/>
+      <a:lightRig rig="threePt" dir="t"/>
+    </dgm:scene3d>
+    <dgm:sp3d/>
+    <dgm:txPr/>
+    <dgm:style>
+      <a:lnRef idx="2">
+        <a:scrgbClr r="0" g="0" b="0"/>
+      </a:lnRef>
+      <a:fillRef idx="1">
+        <a:scrgbClr r="0" g="0" b="0"/>
+      </a:fillRef>
+      <a:effectRef idx="0">
+        <a:scrgbClr r="0" g="0" b="0"/>
+      </a:effectRef>
+      <a:fontRef idx="minor"/>
+    </dgm:style>
+  </dgm:styleLbl>
+  <dgm:styleLbl name="bgShp">
+    <dgm:scene3d>
+      <a:camera prst="orthographicFront"/>
+      <a:lightRig rig="threePt" dir="t"/>
+    </dgm:scene3d>
+    <dgm:sp3d/>
+    <dgm:txPr/>
+    <dgm:style>
+      <a:lnRef idx="0">
+        <a:scrgbClr r="0" g="0" b="0"/>
+      </a:lnRef>
+      <a:fillRef idx="1">
+        <a:scrgbClr r="0" g="0" b="0"/>
+      </a:fillRef>
+      <a:effectRef idx="0">
+        <a:scrgbClr r="0" g="0" b="0"/>
+      </a:effectRef>
+      <a:fontRef idx="minor"/>
+    </dgm:style>
+  </dgm:styleLbl>
+  <dgm:styleLbl name="dkBgShp">
+    <dgm:scene3d>
+      <a:camera prst="orthographicFront"/>
+      <a:lightRig rig="threePt" dir="t"/>
+    </dgm:scene3d>
+    <dgm:sp3d/>
+    <dgm:txPr/>
+    <dgm:style>
+      <a:lnRef idx="0">
+        <a:scrgbClr r="0" g="0" b="0"/>
+      </a:lnRef>
+      <a:fillRef idx="1">
+        <a:scrgbClr r="0" g="0" b="0"/>
+      </a:fillRef>
+      <a:effectRef idx="0">
+        <a:scrgbClr r="0" g="0" b="0"/>
+      </a:effectRef>
+      <a:fontRef idx="minor"/>
+    </dgm:style>
+  </dgm:styleLbl>
+  <dgm:styleLbl name="trBgShp">
+    <dgm:scene3d>
+      <a:camera prst="orthographicFront"/>
+      <a:lightRig rig="threePt" dir="t"/>
+    </dgm:scene3d>
+    <dgm:sp3d/>
+    <dgm:txPr/>
+    <dgm:style>
+      <a:lnRef idx="0">
+        <a:scrgbClr r="0" g="0" b="0"/>
+      </a:lnRef>
+      <a:fillRef idx="1">
+        <a:scrgbClr r="0" g="0" b="0"/>
+      </a:fillRef>
+      <a:effectRef idx="0">
+        <a:scrgbClr r="0" g="0" b="0"/>
+      </a:effectRef>
+      <a:fontRef idx="minor"/>
+    </dgm:style>
+  </dgm:styleLbl>
+  <dgm:styleLbl name="fgShp">
+    <dgm:scene3d>
+      <a:camera prst="orthographicFront"/>
+      <a:lightRig rig="threePt" dir="t"/>
+    </dgm:scene3d>
+    <dgm:sp3d/>
+    <dgm:txPr/>
+    <dgm:style>
+      <a:lnRef idx="2">
+        <a:scrgbClr r="0" g="0" b="0"/>
+      </a:lnRef>
+      <a:fillRef idx="1">
+        <a:scrgbClr r="0" g="0" b="0"/>
+      </a:fillRef>
+      <a:effectRef idx="0">
+        <a:scrgbClr r="0" g="0" b="0"/>
+      </a:effectRef>
+      <a:fontRef idx="minor"/>
+    </dgm:style>
+  </dgm:styleLbl>
+  <dgm:styleLbl name="revTx">
+    <dgm:scene3d>
+      <a:camera prst="orthographicFront"/>
+      <a:lightRig rig="threePt" dir="t"/>
+    </dgm:scene3d>
+    <dgm:sp3d/>
+    <dgm:txPr/>
+    <dgm:style>
+      <a:lnRef idx="0">
+        <a:scrgbClr r="0" g="0" b="0"/>
+      </a:lnRef>
+      <a:fillRef idx="0">
+        <a:scrgbClr r="0" g="0" b="0"/>
+      </a:fillRef>
+      <a:effectRef idx="0">
+        <a:scrgbClr r="0" g="0" b="0"/>
+      </a:effectRef>
+      <a:fontRef idx="minor"/>
+    </dgm:style>
+  </dgm:styleLbl>
+</dgm:styleDef>
+</file>
+
+<file path=ppt/diagrams/quickStyle4.xml><?xml version="1.0" encoding="utf-8"?>
+<dgm:styleDef xmlns:dgm="http://schemas.openxmlformats.org/drawingml/2006/diagram" xmlns:a="http://schemas.openxmlformats.org/drawingml/2006/main" uniqueId="urn:microsoft.com/office/officeart/2005/8/quickstyle/simple1">
+  <dgm:title val=""/>
+  <dgm:desc val=""/>
+  <dgm:catLst>
+    <dgm:cat type="simple" pri="10100"/>
+  </dgm:catLst>
+  <dgm:scene3d>
+    <a:camera prst="orthographicFront"/>
+    <a:lightRig rig="threePt" dir="t"/>
+  </dgm:scene3d>
+  <dgm:styleLbl name="node0">
+    <dgm:scene3d>
+      <a:camera prst="orthographicFront"/>
+      <a:lightRig rig="threePt" dir="t"/>
+    </dgm:scene3d>
+    <dgm:sp3d/>
+    <dgm:txPr/>
+    <dgm:style>
+      <a:lnRef idx="2">
+        <a:scrgbClr r="0" g="0" b="0"/>
+      </a:lnRef>
+      <a:fillRef idx="1">
+        <a:scrgbClr r="0" g="0" b="0"/>
+      </a:fillRef>
+      <a:effectRef idx="0">
+        <a:scrgbClr r="0" g="0" b="0"/>
+      </a:effectRef>
+      <a:fontRef idx="minor">
+        <a:schemeClr val="lt1"/>
+      </a:fontRef>
+    </dgm:style>
+  </dgm:styleLbl>
+  <dgm:styleLbl name="lnNode1">
+    <dgm:scene3d>
+      <a:camera prst="orthographicFront"/>
+      <a:lightRig rig="threePt" dir="t"/>
+    </dgm:scene3d>
+    <dgm:sp3d/>
+    <dgm:txPr/>
+    <dgm:style>
+      <a:lnRef idx="2">
+        <a:scrgbClr r="0" g="0" b="0"/>
+      </a:lnRef>
+      <a:fillRef idx="1">
+        <a:scrgbClr r="0" g="0" b="0"/>
+      </a:fillRef>
+      <a:effectRef idx="0">
+        <a:scrgbClr r="0" g="0" b="0"/>
+      </a:effectRef>
+      <a:fontRef idx="minor">
+        <a:schemeClr val="lt1"/>
+      </a:fontRef>
+    </dgm:style>
+  </dgm:styleLbl>
+  <dgm:styleLbl name="vennNode1">
+    <dgm:scene3d>
+      <a:camera prst="orthographicFront"/>
+      <a:lightRig rig="threePt" dir="t"/>
+    </dgm:scene3d>
+    <dgm:sp3d/>
+    <dgm:txPr/>
+    <dgm:style>
+      <a:lnRef idx="2">
+        <a:scrgbClr r="0" g="0" b="0"/>
+      </a:lnRef>
+      <a:fillRef idx="1">
+        <a:scrgbClr r="0" g="0" b="0"/>
+      </a:fillRef>
+      <a:effectRef idx="0">
+        <a:scrgbClr r="0" g="0" b="0"/>
+      </a:effectRef>
+      <a:fontRef idx="minor">
+        <a:schemeClr val="tx1"/>
+      </a:fontRef>
+    </dgm:style>
+  </dgm:styleLbl>
+  <dgm:styleLbl name="alignNode1">
+    <dgm:scene3d>
+      <a:camera prst="orthographicFront"/>
+      <a:lightRig rig="threePt" dir="t"/>
+    </dgm:scene3d>
+    <dgm:sp3d/>
+    <dgm:txPr/>
+    <dgm:style>
+      <a:lnRef idx="2">
+        <a:scrgbClr r="0" g="0" b="0"/>
+      </a:lnRef>
+      <a:fillRef idx="1">
+        <a:scrgbClr r="0" g="0" b="0"/>
+      </a:fillRef>
+      <a:effectRef idx="0">
+        <a:scrgbClr r="0" g="0" b="0"/>
+      </a:effectRef>
+      <a:fontRef idx="minor">
+        <a:schemeClr val="lt1"/>
+      </a:fontRef>
+    </dgm:style>
+  </dgm:styleLbl>
+  <dgm:styleLbl name="node1">
+    <dgm:scene3d>
+      <a:camera prst="orthographicFront"/>
+      <a:lightRig rig="threePt" dir="t"/>
+    </dgm:scene3d>
+    <dgm:sp3d/>
+    <dgm:txPr/>
+    <dgm:style>
+      <a:lnRef idx="2">
+        <a:scrgbClr r="0" g="0" b="0"/>
+      </a:lnRef>
+      <a:fillRef idx="1">
+        <a:scrgbClr r="0" g="0" b="0"/>
+      </a:fillRef>
+      <a:effectRef idx="0">
+        <a:scrgbClr r="0" g="0" b="0"/>
+      </a:effectRef>
+      <a:fontRef idx="minor">
+        <a:schemeClr val="lt1"/>
+      </a:fontRef>
+    </dgm:style>
+  </dgm:styleLbl>
+  <dgm:styleLbl name="node2">
+    <dgm:scene3d>
+      <a:camera prst="orthographicFront"/>
+      <a:lightRig rig="threePt" dir="t"/>
+    </dgm:scene3d>
+    <dgm:sp3d/>
+    <dgm:txPr/>
+    <dgm:style>
+      <a:lnRef idx="2">
+        <a:scrgbClr r="0" g="0" b="0"/>
+      </a:lnRef>
+      <a:fillRef idx="1">
+        <a:scrgbClr r="0" g="0" b="0"/>
+      </a:fillRef>
+      <a:effectRef idx="0">
+        <a:scrgbClr r="0" g="0" b="0"/>
+      </a:effectRef>
+      <a:fontRef idx="minor">
+        <a:schemeClr val="lt1"/>
+      </a:fontRef>
+    </dgm:style>
+  </dgm:styleLbl>
+  <dgm:styleLbl name="node3">
+    <dgm:scene3d>
+      <a:camera prst="orthographicFront"/>
+      <a:lightRig rig="threePt" dir="t"/>
+    </dgm:scene3d>
+    <dgm:sp3d/>
+    <dgm:txPr/>
+    <dgm:style>
+      <a:lnRef idx="2">
+        <a:scrgbClr r="0" g="0" b="0"/>
+      </a:lnRef>
+      <a:fillRef idx="1">
+        <a:scrgbClr r="0" g="0" b="0"/>
+      </a:fillRef>
+      <a:effectRef idx="0">
+        <a:scrgbClr r="0" g="0" b="0"/>
+      </a:effectRef>
+      <a:fontRef idx="minor">
+        <a:schemeClr val="lt1"/>
+      </a:fontRef>
+    </dgm:style>
+  </dgm:styleLbl>
+  <dgm:styleLbl name="node4">
+    <dgm:scene3d>
+      <a:camera prst="orthographicFront"/>
+      <a:lightRig rig="threePt" dir="t"/>
+    </dgm:scene3d>
+    <dgm:sp3d/>
+    <dgm:txPr/>
+    <dgm:style>
+      <a:lnRef idx="2">
+        <a:scrgbClr r="0" g="0" b="0"/>
+      </a:lnRef>
+      <a:fillRef idx="1">
+        <a:scrgbClr r="0" g="0" b="0"/>
+      </a:fillRef>
+      <a:effectRef idx="0">
+        <a:scrgbClr r="0" g="0" b="0"/>
+      </a:effectRef>
+      <a:fontRef idx="minor">
+        <a:schemeClr val="lt1"/>
+      </a:fontRef>
+    </dgm:style>
+  </dgm:styleLbl>
+  <dgm:styleLbl name="fgImgPlace1">
+    <dgm:scene3d>
+      <a:camera prst="orthographicFront"/>
+      <a:lightRig rig="threePt" dir="t"/>
+    </dgm:scene3d>
+    <dgm:sp3d/>
+    <dgm:txPr/>
+    <dgm:style>
+      <a:lnRef idx="2">
+        <a:scrgbClr r="0" g="0" b="0"/>
+      </a:lnRef>
+      <a:fillRef idx="1">
+        <a:scrgbClr r="0" g="0" b="0"/>
+      </a:fillRef>
+      <a:effectRef idx="0">
+        <a:scrgbClr r="0" g="0" b="0"/>
+      </a:effectRef>
+      <a:fontRef idx="minor"/>
+    </dgm:style>
+  </dgm:styleLbl>
+  <dgm:styleLbl name="alignImgPlace1">
+    <dgm:scene3d>
+      <a:camera prst="orthographicFront"/>
+      <a:lightRig rig="threePt" dir="t"/>
+    </dgm:scene3d>
+    <dgm:sp3d/>
+    <dgm:txPr/>
+    <dgm:style>
+      <a:lnRef idx="2">
+        <a:scrgbClr r="0" g="0" b="0"/>
+      </a:lnRef>
+      <a:fillRef idx="1">
+        <a:scrgbClr r="0" g="0" b="0"/>
+      </a:fillRef>
+      <a:effectRef idx="0">
+        <a:scrgbClr r="0" g="0" b="0"/>
+      </a:effectRef>
+      <a:fontRef idx="minor"/>
+    </dgm:style>
+  </dgm:styleLbl>
+  <dgm:styleLbl name="bgImgPlace1">
+    <dgm:scene3d>
+      <a:camera prst="orthographicFront"/>
+      <a:lightRig rig="threePt" dir="t"/>
+    </dgm:scene3d>
+    <dgm:sp3d/>
+    <dgm:txPr/>
+    <dgm:style>
+      <a:lnRef idx="2">
+        <a:scrgbClr r="0" g="0" b="0"/>
+      </a:lnRef>
+      <a:fillRef idx="1">
+        <a:scrgbClr r="0" g="0" b="0"/>
+      </a:fillRef>
+      <a:effectRef idx="0">
+        <a:scrgbClr r="0" g="0" b="0"/>
+      </a:effectRef>
+      <a:fontRef idx="minor"/>
+    </dgm:style>
+  </dgm:styleLbl>
+  <dgm:styleLbl name="sibTrans2D1">
+    <dgm:scene3d>
+      <a:camera prst="orthographicFront"/>
+      <a:lightRig rig="threePt" dir="t"/>
+    </dgm:scene3d>
+    <dgm:sp3d/>
+    <dgm:txPr/>
+    <dgm:style>
+      <a:lnRef idx="0">
+        <a:scrgbClr r="0" g="0" b="0"/>
+      </a:lnRef>
+      <a:fillRef idx="1">
+        <a:scrgbClr r="0" g="0" b="0"/>
+      </a:fillRef>
+      <a:effectRef idx="0">
+        <a:scrgbClr r="0" g="0" b="0"/>
+      </a:effectRef>
+      <a:fontRef idx="minor">
+        <a:schemeClr val="lt1"/>
+      </a:fontRef>
+    </dgm:style>
+  </dgm:styleLbl>
+  <dgm:styleLbl name="fgSibTrans2D1">
+    <dgm:scene3d>
+      <a:camera prst="orthographicFront"/>
+      <a:lightRig rig="threePt" dir="t"/>
+    </dgm:scene3d>
+    <dgm:sp3d/>
+    <dgm:txPr/>
+    <dgm:style>
+      <a:lnRef idx="0">
+        <a:scrgbClr r="0" g="0" b="0"/>
+      </a:lnRef>
+      <a:fillRef idx="1">
+        <a:scrgbClr r="0" g="0" b="0"/>
+      </a:fillRef>
+      <a:effectRef idx="0">
+        <a:scrgbClr r="0" g="0" b="0"/>
+      </a:effectRef>
+      <a:fontRef idx="minor">
+        <a:schemeClr val="lt1"/>
+      </a:fontRef>
+    </dgm:style>
+  </dgm:styleLbl>
+  <dgm:styleLbl name="bgSibTrans2D1">
+    <dgm:scene3d>
+      <a:camera prst="orthographicFront"/>
+      <a:lightRig rig="threePt" dir="t"/>
+    </dgm:scene3d>
+    <dgm:sp3d/>
+    <dgm:txPr/>
+    <dgm:style>
+      <a:lnRef idx="0">
+        <a:scrgbClr r="0" g="0" b="0"/>
+      </a:lnRef>
+      <a:fillRef idx="1">
+        <a:scrgbClr r="0" g="0" b="0"/>
+      </a:fillRef>
+      <a:effectRef idx="0">
+        <a:scrgbClr r="0" g="0" b="0"/>
+      </a:effectRef>
+      <a:fontRef idx="minor">
+        <a:schemeClr val="lt1"/>
+      </a:fontRef>
+    </dgm:style>
+  </dgm:styleLbl>
+  <dgm:styleLbl name="sibTrans1D1">
+    <dgm:scene3d>
+      <a:camera prst="orthographicFront"/>
+      <a:lightRig rig="threePt" dir="t"/>
+    </dgm:scene3d>
+    <dgm:sp3d/>
+    <dgm:txPr/>
+    <dgm:style>
+      <a:lnRef idx="1">
+        <a:scrgbClr r="0" g="0" b="0"/>
+      </a:lnRef>
+      <a:fillRef idx="0">
+        <a:scrgbClr r="0" g="0" b="0"/>
+      </a:fillRef>
+      <a:effectRef idx="0">
+        <a:scrgbClr r="0" g="0" b="0"/>
+      </a:effectRef>
+      <a:fontRef idx="minor"/>
+    </dgm:style>
+  </dgm:styleLbl>
+  <dgm:styleLbl name="callout">
+    <dgm:scene3d>
+      <a:camera prst="orthographicFront"/>
+      <a:lightRig rig="threePt" dir="t"/>
+    </dgm:scene3d>
+    <dgm:sp3d/>
+    <dgm:txPr/>
+    <dgm:style>
+      <a:lnRef idx="2">
+        <a:scrgbClr r="0" g="0" b="0"/>
+      </a:lnRef>
+      <a:fillRef idx="1">
+        <a:scrgbClr r="0" g="0" b="0"/>
+      </a:fillRef>
+      <a:effectRef idx="0">
+        <a:scrgbClr r="0" g="0" b="0"/>
+      </a:effectRef>
+      <a:fontRef idx="minor"/>
+    </dgm:style>
+  </dgm:styleLbl>
+  <dgm:styleLbl name="asst0">
+    <dgm:scene3d>
+      <a:camera prst="orthographicFront"/>
+      <a:lightRig rig="threePt" dir="t"/>
+    </dgm:scene3d>
+    <dgm:sp3d/>
+    <dgm:txPr/>
+    <dgm:style>
+      <a:lnRef idx="2">
+        <a:scrgbClr r="0" g="0" b="0"/>
+      </a:lnRef>
+      <a:fillRef idx="1">
+        <a:scrgbClr r="0" g="0" b="0"/>
+      </a:fillRef>
+      <a:effectRef idx="0">
+        <a:scrgbClr r="0" g="0" b="0"/>
+      </a:effectRef>
+      <a:fontRef idx="minor">
+        <a:schemeClr val="lt1"/>
+      </a:fontRef>
+    </dgm:style>
+  </dgm:styleLbl>
+  <dgm:styleLbl name="asst1">
+    <dgm:scene3d>
+      <a:camera prst="orthographicFront"/>
+      <a:lightRig rig="threePt" dir="t"/>
+    </dgm:scene3d>
+    <dgm:sp3d/>
+    <dgm:txPr/>
+    <dgm:style>
+      <a:lnRef idx="2">
+        <a:scrgbClr r="0" g="0" b="0"/>
+      </a:lnRef>
+      <a:fillRef idx="1">
+        <a:scrgbClr r="0" g="0" b="0"/>
+      </a:fillRef>
+      <a:effectRef idx="0">
+        <a:scrgbClr r="0" g="0" b="0"/>
+      </a:effectRef>
+      <a:fontRef idx="minor">
+        <a:schemeClr val="lt1"/>
+      </a:fontRef>
+    </dgm:style>
+  </dgm:styleLbl>
+  <dgm:styleLbl name="asst2">
+    <dgm:scene3d>
+      <a:camera prst="orthographicFront"/>
+      <a:lightRig rig="threePt" dir="t"/>
+    </dgm:scene3d>
+    <dgm:sp3d/>
+    <dgm:txPr/>
+    <dgm:style>
+      <a:lnRef idx="2">
+        <a:scrgbClr r="0" g="0" b="0"/>
+      </a:lnRef>
+      <a:fillRef idx="1">
+        <a:scrgbClr r="0" g="0" b="0"/>
+      </a:fillRef>
+      <a:effectRef idx="0">
+        <a:scrgbClr r="0" g="0" b="0"/>
+      </a:effectRef>
+      <a:fontRef idx="minor">
+        <a:schemeClr val="lt1"/>
+      </a:fontRef>
+    </dgm:style>
+  </dgm:styleLbl>
+  <dgm:styleLbl name="asst3">
+    <dgm:scene3d>
+      <a:camera prst="orthographicFront"/>
+      <a:lightRig rig="threePt" dir="t"/>
+    </dgm:scene3d>
+    <dgm:sp3d/>
+    <dgm:txPr/>
+    <dgm:style>
+      <a:lnRef idx="2">
+        <a:scrgbClr r="0" g="0" b="0"/>
+      </a:lnRef>
+      <a:fillRef idx="1">
+        <a:scrgbClr r="0" g="0" b="0"/>
+      </a:fillRef>
+      <a:effectRef idx="0">
+        <a:scrgbClr r="0" g="0" b="0"/>
+      </a:effectRef>
+      <a:fontRef idx="minor">
+        <a:schemeClr val="lt1"/>
+      </a:fontRef>
+    </dgm:style>
+  </dgm:styleLbl>
+  <dgm:styleLbl name="asst4">
+    <dgm:scene3d>
+      <a:camera prst="orthographicFront"/>
+      <a:lightRig rig="threePt" dir="t"/>
+    </dgm:scene3d>
+    <dgm:sp3d/>
+    <dgm:txPr/>
+    <dgm:style>
+      <a:lnRef idx="2">
+        <a:scrgbClr r="0" g="0" b="0"/>
+      </a:lnRef>
+      <a:fillRef idx="1">
+        <a:scrgbClr r="0" g="0" b="0"/>
+      </a:fillRef>
+      <a:effectRef idx="0">
+        <a:scrgbClr r="0" g="0" b="0"/>
+      </a:effectRef>
+      <a:fontRef idx="minor">
+        <a:schemeClr val="lt1"/>
+      </a:fontRef>
+    </dgm:style>
+  </dgm:styleLbl>
+  <dgm:styleLbl name="parChTrans2D1">
+    <dgm:scene3d>
+      <a:camera prst="orthographicFront"/>
+      <a:lightRig rig="threePt" dir="t"/>
+    </dgm:scene3d>
+    <dgm:sp3d/>
+    <dgm:txPr/>
+    <dgm:style>
+      <a:lnRef idx="2">
+        <a:scrgbClr r="0" g="0" b="0"/>
+      </a:lnRef>
+      <a:fillRef idx="1">
+        <a:scrgbClr r="0" g="0" b="0"/>
+      </a:fillRef>
+      <a:effectRef idx="0">
+        <a:scrgbClr r="0" g="0" b="0"/>
+      </a:effectRef>
+      <a:fontRef idx="minor">
+        <a:schemeClr val="lt1"/>
+      </a:fontRef>
+    </dgm:style>
+  </dgm:styleLbl>
+  <dgm:styleLbl name="parChTrans2D2">
+    <dgm:scene3d>
+      <a:camera prst="orthographicFront"/>
+      <a:lightRig rig="threePt" dir="t"/>
+    </dgm:scene3d>
+    <dgm:sp3d/>
+    <dgm:txPr/>
+    <dgm:style>
+      <a:lnRef idx="2">
+        <a:scrgbClr r="0" g="0" b="0"/>
+      </a:lnRef>
+      <a:fillRef idx="1">
+        <a:scrgbClr r="0" g="0" b="0"/>
+      </a:fillRef>
+      <a:effectRef idx="0">
+        <a:scrgbClr r="0" g="0" b="0"/>
+      </a:effectRef>
+      <a:fontRef idx="minor">
+        <a:schemeClr val="lt1"/>
+      </a:fontRef>
+    </dgm:style>
+  </dgm:styleLbl>
+  <dgm:styleLbl name="parChTrans2D3">
+    <dgm:scene3d>
+      <a:camera prst="orthographicFront"/>
+      <a:lightRig rig="threePt" dir="t"/>
+    </dgm:scene3d>
+    <dgm:sp3d/>
+    <dgm:txPr/>
+    <dgm:style>
+      <a:lnRef idx="2">
+        <a:scrgbClr r="0" g="0" b="0"/>
+      </a:lnRef>
+      <a:fillRef idx="1">
+        <a:scrgbClr r="0" g="0" b="0"/>
+      </a:fillRef>
+      <a:effectRef idx="0">
+        <a:scrgbClr r="0" g="0" b="0"/>
+      </a:effectRef>
+      <a:fontRef idx="minor">
+        <a:schemeClr val="lt1"/>
+      </a:fontRef>
+    </dgm:style>
+  </dgm:styleLbl>
+  <dgm:styleLbl name="parChTrans2D4">
+    <dgm:scene3d>
+      <a:camera prst="orthographicFront"/>
+      <a:lightRig rig="threePt" dir="t"/>
+    </dgm:scene3d>
+    <dgm:sp3d/>
+    <dgm:txPr/>
+    <dgm:style>
+      <a:lnRef idx="2">
+        <a:scrgbClr r="0" g="0" b="0"/>
+      </a:lnRef>
+      <a:fillRef idx="1">
+        <a:scrgbClr r="0" g="0" b="0"/>
+      </a:fillRef>
+      <a:effectRef idx="0">
+        <a:scrgbClr r="0" g="0" b="0"/>
+      </a:effectRef>
+      <a:fontRef idx="minor">
+        <a:schemeClr val="lt1"/>
+      </a:fontRef>
+    </dgm:style>
+  </dgm:styleLbl>
+  <dgm:styleLbl name="parChTrans1D1">
+    <dgm:scene3d>
+      <a:camera prst="orthographicFront"/>
+      <a:lightRig rig="threePt" dir="t"/>
+    </dgm:scene3d>
+    <dgm:sp3d/>
+    <dgm:txPr/>
+    <dgm:style>
+      <a:lnRef idx="2">
+        <a:scrgbClr r="0" g="0" b="0"/>
+      </a:lnRef>
+      <a:fillRef idx="0">
+        <a:scrgbClr r="0" g="0" b="0"/>
+      </a:fillRef>
+      <a:effectRef idx="0">
+        <a:scrgbClr r="0" g="0" b="0"/>
+      </a:effectRef>
+      <a:fontRef idx="minor"/>
+    </dgm:style>
+  </dgm:styleLbl>
+  <dgm:styleLbl name="parChTrans1D2">
+    <dgm:scene3d>
+      <a:camera prst="orthographicFront"/>
+      <a:lightRig rig="threePt" dir="t"/>
+    </dgm:scene3d>
+    <dgm:sp3d/>
+    <dgm:txPr/>
+    <dgm:style>
+      <a:lnRef idx="2">
+        <a:scrgbClr r="0" g="0" b="0"/>
+      </a:lnRef>
+      <a:fillRef idx="0">
+        <a:scrgbClr r="0" g="0" b="0"/>
+      </a:fillRef>
+      <a:effectRef idx="0">
+        <a:scrgbClr r="0" g="0" b="0"/>
+      </a:effectRef>
+      <a:fontRef idx="minor"/>
+    </dgm:style>
+  </dgm:styleLbl>
+  <dgm:styleLbl name="parChTrans1D3">
+    <dgm:scene3d>
+      <a:camera prst="orthographicFront"/>
+      <a:lightRig rig="threePt" dir="t"/>
+    </dgm:scene3d>
+    <dgm:sp3d/>
+    <dgm:txPr/>
+    <dgm:style>
+      <a:lnRef idx="2">
+        <a:scrgbClr r="0" g="0" b="0"/>
+      </a:lnRef>
+      <a:fillRef idx="0">
+        <a:scrgbClr r="0" g="0" b="0"/>
+      </a:fillRef>
+      <a:effectRef idx="0">
+        <a:scrgbClr r="0" g="0" b="0"/>
+      </a:effectRef>
+      <a:fontRef idx="minor"/>
+    </dgm:style>
+  </dgm:styleLbl>
+  <dgm:styleLbl name="parChTrans1D4">
+    <dgm:scene3d>
+      <a:camera prst="orthographicFront"/>
+      <a:lightRig rig="threePt" dir="t"/>
+    </dgm:scene3d>
+    <dgm:sp3d/>
+    <dgm:txPr/>
+    <dgm:style>
+      <a:lnRef idx="2">
+        <a:scrgbClr r="0" g="0" b="0"/>
+      </a:lnRef>
+      <a:fillRef idx="0">
+        <a:scrgbClr r="0" g="0" b="0"/>
+      </a:fillRef>
+      <a:effectRef idx="0">
+        <a:scrgbClr r="0" g="0" b="0"/>
+      </a:effectRef>
+      <a:fontRef idx="minor"/>
+    </dgm:style>
+  </dgm:styleLbl>
+  <dgm:styleLbl name="fgAcc1">
+    <dgm:scene3d>
+      <a:camera prst="orthographicFront"/>
+      <a:lightRig rig="threePt" dir="t"/>
+    </dgm:scene3d>
+    <dgm:sp3d/>
+    <dgm:txPr/>
+    <dgm:style>
+      <a:lnRef idx="2">
+        <a:scrgbClr r="0" g="0" b="0"/>
+      </a:lnRef>
+      <a:fillRef idx="1">
+        <a:scrgbClr r="0" g="0" b="0"/>
+      </a:fillRef>
+      <a:effectRef idx="0">
+        <a:scrgbClr r="0" g="0" b="0"/>
+      </a:effectRef>
+      <a:fontRef idx="minor"/>
+    </dgm:style>
+  </dgm:styleLbl>
+  <dgm:styleLbl name="conFgAcc1">
+    <dgm:scene3d>
+      <a:camera prst="orthographicFront"/>
+      <a:lightRig rig="threePt" dir="t"/>
+    </dgm:scene3d>
+    <dgm:sp3d/>
+    <dgm:txPr/>
+    <dgm:style>
+      <a:lnRef idx="2">
+        <a:scrgbClr r="0" g="0" b="0"/>
+      </a:lnRef>
+      <a:fillRef idx="1">
+        <a:scrgbClr r="0" g="0" b="0"/>
+      </a:fillRef>
+      <a:effectRef idx="0">
+        <a:scrgbClr r="0" g="0" b="0"/>
+      </a:effectRef>
+      <a:fontRef idx="minor"/>
+    </dgm:style>
+  </dgm:styleLbl>
+  <dgm:styleLbl name="alignAcc1">
+    <dgm:scene3d>
+      <a:camera prst="orthographicFront"/>
+      <a:lightRig rig="threePt" dir="t"/>
+    </dgm:scene3d>
+    <dgm:sp3d/>
+    <dgm:txPr/>
+    <dgm:style>
+      <a:lnRef idx="2">
+        <a:scrgbClr r="0" g="0" b="0"/>
+      </a:lnRef>
+      <a:fillRef idx="1">
+        <a:scrgbClr r="0" g="0" b="0"/>
+      </a:fillRef>
+      <a:effectRef idx="0">
+        <a:scrgbClr r="0" g="0" b="0"/>
+      </a:effectRef>
+      <a:fontRef idx="minor"/>
+    </dgm:style>
+  </dgm:styleLbl>
+  <dgm:styleLbl name="trAlignAcc1">
+    <dgm:scene3d>
+      <a:camera prst="orthographicFront"/>
+      <a:lightRig rig="threePt" dir="t"/>
+    </dgm:scene3d>
+    <dgm:sp3d/>
+    <dgm:txPr/>
+    <dgm:style>
+      <a:lnRef idx="1">
+        <a:scrgbClr r="0" g="0" b="0"/>
+      </a:lnRef>
+      <a:fillRef idx="1">
+        <a:scrgbClr r="0" g="0" b="0"/>
+      </a:fillRef>
+      <a:effectRef idx="0">
+        <a:scrgbClr r="0" g="0" b="0"/>
+      </a:effectRef>
+      <a:fontRef idx="minor"/>
+    </dgm:style>
+  </dgm:styleLbl>
+  <dgm:styleLbl name="bgAcc1">
+    <dgm:scene3d>
+      <a:camera prst="orthographicFront"/>
+      <a:lightRig rig="threePt" dir="t"/>
+    </dgm:scene3d>
+    <dgm:sp3d/>
+    <dgm:txPr/>
+    <dgm:style>
+      <a:lnRef idx="2">
+        <a:scrgbClr r="0" g="0" b="0"/>
+      </a:lnRef>
+      <a:fillRef idx="1">
+        <a:scrgbClr r="0" g="0" b="0"/>
+      </a:fillRef>
+      <a:effectRef idx="0">
+        <a:scrgbClr r="0" g="0" b="0"/>
+      </a:effectRef>
+      <a:fontRef idx="minor"/>
+    </dgm:style>
+  </dgm:styleLbl>
+  <dgm:styleLbl name="solidFgAcc1">
+    <dgm:scene3d>
+      <a:camera prst="orthographicFront"/>
+      <a:lightRig rig="threePt" dir="t"/>
+    </dgm:scene3d>
+    <dgm:sp3d/>
+    <dgm:txPr/>
+    <dgm:style>
+      <a:lnRef idx="2">
+        <a:scrgbClr r="0" g="0" b="0"/>
+      </a:lnRef>
+      <a:fillRef idx="1">
+        <a:scrgbClr r="0" g="0" b="0"/>
+      </a:fillRef>
+      <a:effectRef idx="0">
+        <a:scrgbClr r="0" g="0" b="0"/>
+      </a:effectRef>
+      <a:fontRef idx="minor"/>
+    </dgm:style>
+  </dgm:styleLbl>
+  <dgm:styleLbl name="solidAlignAcc1">
+    <dgm:scene3d>
+      <a:camera prst="orthographicFront"/>
+      <a:lightRig rig="threePt" dir="t"/>
+    </dgm:scene3d>
+    <dgm:sp3d/>
+    <dgm:txPr/>
+    <dgm:style>
+      <a:lnRef idx="2">
+        <a:scrgbClr r="0" g="0" b="0"/>
+      </a:lnRef>
+      <a:fillRef idx="1">
+        <a:scrgbClr r="0" g="0" b="0"/>
+      </a:fillRef>
+      <a:effectRef idx="0">
+        <a:scrgbClr r="0" g="0" b="0"/>
+      </a:effectRef>
+      <a:fontRef idx="minor"/>
+    </dgm:style>
+  </dgm:styleLbl>
+  <dgm:styleLbl name="solidBgAcc1">
+    <dgm:scene3d>
+      <a:camera prst="orthographicFront"/>
+      <a:lightRig rig="threePt" dir="t"/>
+    </dgm:scene3d>
+    <dgm:sp3d/>
+    <dgm:txPr/>
+    <dgm:style>
+      <a:lnRef idx="2">
+        <a:scrgbClr r="0" g="0" b="0"/>
+      </a:lnRef>
+      <a:fillRef idx="1">
+        <a:scrgbClr r="0" g="0" b="0"/>
+      </a:fillRef>
+      <a:effectRef idx="0">
+        <a:scrgbClr r="0" g="0" b="0"/>
+      </a:effectRef>
+      <a:fontRef idx="minor"/>
+    </dgm:style>
+  </dgm:styleLbl>
+  <dgm:styleLbl name="fgAccFollowNode1">
+    <dgm:scene3d>
+      <a:camera prst="orthographicFront"/>
+      <a:lightRig rig="threePt" dir="t"/>
+    </dgm:scene3d>
+    <dgm:sp3d/>
+    <dgm:txPr/>
+    <dgm:style>
+      <a:lnRef idx="2">
+        <a:scrgbClr r="0" g="0" b="0"/>
+      </a:lnRef>
+      <a:fillRef idx="1">
+        <a:scrgbClr r="0" g="0" b="0"/>
+      </a:fillRef>
+      <a:effectRef idx="0">
+        <a:scrgbClr r="0" g="0" b="0"/>
+      </a:effectRef>
+      <a:fontRef idx="minor"/>
+    </dgm:style>
+  </dgm:styleLbl>
+  <dgm:styleLbl name="alignAccFollowNode1">
+    <dgm:scene3d>
+      <a:camera prst="orthographicFront"/>
+      <a:lightRig rig="threePt" dir="t"/>
+    </dgm:scene3d>
+    <dgm:sp3d/>
+    <dgm:txPr/>
+    <dgm:style>
+      <a:lnRef idx="2">
+        <a:scrgbClr r="0" g="0" b="0"/>
+      </a:lnRef>
+      <a:fillRef idx="1">
+        <a:scrgbClr r="0" g="0" b="0"/>
+      </a:fillRef>
+      <a:effectRef idx="0">
+        <a:scrgbClr r="0" g="0" b="0"/>
+      </a:effectRef>
+      <a:fontRef idx="minor"/>
+    </dgm:style>
+  </dgm:styleLbl>
+  <dgm:styleLbl name="bgAccFollowNode1">
+    <dgm:scene3d>
+      <a:camera prst="orthographicFront"/>
+      <a:lightRig rig="threePt" dir="t"/>
+    </dgm:scene3d>
+    <dgm:sp3d/>
+    <dgm:txPr/>
+    <dgm:style>
+      <a:lnRef idx="2">
+        <a:scrgbClr r="0" g="0" b="0"/>
+      </a:lnRef>
+      <a:fillRef idx="1">
+        <a:scrgbClr r="0" g="0" b="0"/>
+      </a:fillRef>
+      <a:effectRef idx="0">
+        <a:scrgbClr r="0" g="0" b="0"/>
+      </a:effectRef>
+      <a:fontRef idx="minor"/>
+    </dgm:style>
+  </dgm:styleLbl>
+  <dgm:styleLbl name="fgAcc0">
+    <dgm:scene3d>
+      <a:camera prst="orthographicFront"/>
+      <a:lightRig rig="threePt" dir="t"/>
+    </dgm:scene3d>
+    <dgm:sp3d/>
+    <dgm:txPr/>
+    <dgm:style>
+      <a:lnRef idx="2">
+        <a:scrgbClr r="0" g="0" b="0"/>
+      </a:lnRef>
+      <a:fillRef idx="1">
+        <a:scrgbClr r="0" g="0" b="0"/>
+      </a:fillRef>
+      <a:effectRef idx="0">
+        <a:scrgbClr r="0" g="0" b="0"/>
+      </a:effectRef>
+      <a:fontRef idx="minor"/>
+    </dgm:style>
+  </dgm:styleLbl>
+  <dgm:styleLbl name="fgAcc2">
+    <dgm:scene3d>
+      <a:camera prst="orthographicFront"/>
+      <a:lightRig rig="threePt" dir="t"/>
+    </dgm:scene3d>
+    <dgm:sp3d/>
+    <dgm:txPr/>
+    <dgm:style>
+      <a:lnRef idx="2">
+        <a:scrgbClr r="0" g="0" b="0"/>
+      </a:lnRef>
+      <a:fillRef idx="1">
+        <a:scrgbClr r="0" g="0" b="0"/>
+      </a:fillRef>
+      <a:effectRef idx="0">
+        <a:scrgbClr r="0" g="0" b="0"/>
+      </a:effectRef>
+      <a:fontRef idx="minor"/>
+    </dgm:style>
+  </dgm:styleLbl>
+  <dgm:styleLbl name="fgAcc3">
+    <dgm:scene3d>
+      <a:camera prst="orthographicFront"/>
+      <a:lightRig rig="threePt" dir="t"/>
+    </dgm:scene3d>
+    <dgm:sp3d/>
+    <dgm:txPr/>
+    <dgm:style>
+      <a:lnRef idx="2">
+        <a:scrgbClr r="0" g="0" b="0"/>
+      </a:lnRef>
+      <a:fillRef idx="1">
+        <a:scrgbClr r="0" g="0" b="0"/>
+      </a:fillRef>
+      <a:effectRef idx="0">
+        <a:scrgbClr r="0" g="0" b="0"/>
+      </a:effectRef>
+      <a:fontRef idx="minor"/>
+    </dgm:style>
+  </dgm:styleLbl>
+  <dgm:styleLbl name="fgAcc4">
+    <dgm:scene3d>
+      <a:camera prst="orthographicFront"/>
+      <a:lightRig rig="threePt" dir="t"/>
+    </dgm:scene3d>
+    <dgm:sp3d/>
+    <dgm:txPr/>
+    <dgm:style>
+      <a:lnRef idx="2">
+        <a:scrgbClr r="0" g="0" b="0"/>
+      </a:lnRef>
+      <a:fillRef idx="1">
+        <a:scrgbClr r="0" g="0" b="0"/>
+      </a:fillRef>
+      <a:effectRef idx="0">
+        <a:scrgbClr r="0" g="0" b="0"/>
+      </a:effectRef>
+      <a:fontRef idx="minor"/>
+    </dgm:style>
+  </dgm:styleLbl>
+  <dgm:styleLbl name="bgShp">
+    <dgm:scene3d>
+      <a:camera prst="orthographicFront"/>
+      <a:lightRig rig="threePt" dir="t"/>
+    </dgm:scene3d>
+    <dgm:sp3d/>
+    <dgm:txPr/>
+    <dgm:style>
+      <a:lnRef idx="0">
+        <a:scrgbClr r="0" g="0" b="0"/>
+      </a:lnRef>
+      <a:fillRef idx="1">
+        <a:scrgbClr r="0" g="0" b="0"/>
+      </a:fillRef>
+      <a:effectRef idx="0">
+        <a:scrgbClr r="0" g="0" b="0"/>
+      </a:effectRef>
+      <a:fontRef idx="minor"/>
+    </dgm:style>
+  </dgm:styleLbl>
+  <dgm:styleLbl name="dkBgShp">
+    <dgm:scene3d>
+      <a:camera prst="orthographicFront"/>
+      <a:lightRig rig="threePt" dir="t"/>
+    </dgm:scene3d>
+    <dgm:sp3d/>
+    <dgm:txPr/>
+    <dgm:style>
+      <a:lnRef idx="0">
+        <a:scrgbClr r="0" g="0" b="0"/>
+      </a:lnRef>
+      <a:fillRef idx="1">
+        <a:scrgbClr r="0" g="0" b="0"/>
+      </a:fillRef>
+      <a:effectRef idx="0">
+        <a:scrgbClr r="0" g="0" b="0"/>
+      </a:effectRef>
+      <a:fontRef idx="minor"/>
+    </dgm:style>
+  </dgm:styleLbl>
+  <dgm:styleLbl name="trBgShp">
+    <dgm:scene3d>
+      <a:camera prst="orthographicFront"/>
+      <a:lightRig rig="threePt" dir="t"/>
+    </dgm:scene3d>
+    <dgm:sp3d/>
+    <dgm:txPr/>
+    <dgm:style>
+      <a:lnRef idx="0">
+        <a:scrgbClr r="0" g="0" b="0"/>
+      </a:lnRef>
+      <a:fillRef idx="1">
+        <a:scrgbClr r="0" g="0" b="0"/>
+      </a:fillRef>
+      <a:effectRef idx="0">
+        <a:scrgbClr r="0" g="0" b="0"/>
+      </a:effectRef>
+      <a:fontRef idx="minor"/>
+    </dgm:style>
+  </dgm:styleLbl>
+  <dgm:styleLbl name="fgShp">
+    <dgm:scene3d>
+      <a:camera prst="orthographicFront"/>
+      <a:lightRig rig="threePt" dir="t"/>
+    </dgm:scene3d>
+    <dgm:sp3d/>
+    <dgm:txPr/>
+    <dgm:style>
+      <a:lnRef idx="2">
+        <a:scrgbClr r="0" g="0" b="0"/>
+      </a:lnRef>
+      <a:fillRef idx="1">
+        <a:scrgbClr r="0" g="0" b="0"/>
+      </a:fillRef>
+      <a:effectRef idx="0">
+        <a:scrgbClr r="0" g="0" b="0"/>
+      </a:effectRef>
+      <a:fontRef idx="minor"/>
+    </dgm:style>
+  </dgm:styleLbl>
+  <dgm:styleLbl name="revTx">
+    <dgm:scene3d>
+      <a:camera prst="orthographicFront"/>
+      <a:lightRig rig="threePt" dir="t"/>
+    </dgm:scene3d>
+    <dgm:sp3d/>
+    <dgm:txPr/>
+    <dgm:style>
+      <a:lnRef idx="0">
+        <a:scrgbClr r="0" g="0" b="0"/>
+      </a:lnRef>
+      <a:fillRef idx="0">
+        <a:scrgbClr r="0" g="0" b="0"/>
+      </a:fillRef>
+      <a:effectRef idx="0">
+        <a:scrgbClr r="0" g="0" b="0"/>
+      </a:effectRef>
+      <a:fontRef idx="minor"/>
+    </dgm:style>
+  </dgm:styleLbl>
+</dgm:styleDef>
+</file>
+
+<file path=ppt/diagrams/quickStyle5.xml><?xml version="1.0" encoding="utf-8"?>
 <dgm:styleDef xmlns:dgm="http://schemas.openxmlformats.org/drawingml/2006/diagram" xmlns:a="http://schemas.openxmlformats.org/drawingml/2006/main" uniqueId="urn:microsoft.com/office/officeart/2005/8/quickstyle/simple1">
   <dgm:title val=""/>
   <dgm:desc val=""/>
@@ -10833,7 +16627,7 @@
           <a:p>
             <a:fld id="{C139B7E4-65CE-45E0-B612-BB2CFA1ABD80}" type="datetimeFigureOut">
               <a:rPr lang="en-US" smtClean="0"/>
-              <a:t>11/21/2024</a:t>
+              <a:t>11/22/2024</a:t>
             </a:fld>
             <a:endParaRPr lang="en-US"/>
           </a:p>
@@ -11009,7 +16803,7 @@
           <a:p>
             <a:fld id="{C139B7E4-65CE-45E0-B612-BB2CFA1ABD80}" type="datetimeFigureOut">
               <a:rPr lang="en-US" smtClean="0"/>
-              <a:t>11/21/2024</a:t>
+              <a:t>11/22/2024</a:t>
             </a:fld>
             <a:endParaRPr lang="en-US"/>
           </a:p>
@@ -12880,7 +18674,7 @@
           <a:p>
             <a:fld id="{C139B7E4-65CE-45E0-B612-BB2CFA1ABD80}" type="datetimeFigureOut">
               <a:rPr lang="en-US" smtClean="0"/>
-              <a:t>11/21/2024</a:t>
+              <a:t>11/22/2024</a:t>
             </a:fld>
             <a:endParaRPr lang="en-US"/>
           </a:p>
@@ -13042,7 +18836,7 @@
           <a:p>
             <a:fld id="{C139B7E4-65CE-45E0-B612-BB2CFA1ABD80}" type="datetimeFigureOut">
               <a:rPr lang="en-US" smtClean="0"/>
-              <a:t>11/21/2024</a:t>
+              <a:t>11/22/2024</a:t>
             </a:fld>
             <a:endParaRPr lang="en-US"/>
           </a:p>
@@ -13270,7 +19064,7 @@
           <a:p>
             <a:fld id="{C139B7E4-65CE-45E0-B612-BB2CFA1ABD80}" type="datetimeFigureOut">
               <a:rPr lang="en-US" smtClean="0"/>
-              <a:t>11/21/2024</a:t>
+              <a:t>11/22/2024</a:t>
             </a:fld>
             <a:endParaRPr lang="en-US"/>
           </a:p>
@@ -13498,7 +19292,7 @@
           <a:p>
             <a:fld id="{C139B7E4-65CE-45E0-B612-BB2CFA1ABD80}" type="datetimeFigureOut">
               <a:rPr lang="en-US" smtClean="0"/>
-              <a:t>11/21/2024</a:t>
+              <a:t>11/22/2024</a:t>
             </a:fld>
             <a:endParaRPr lang="en-US"/>
           </a:p>
@@ -13694,7 +19488,7 @@
           <a:p>
             <a:fld id="{C139B7E4-65CE-45E0-B612-BB2CFA1ABD80}" type="datetimeFigureOut">
               <a:rPr lang="en-US" smtClean="0"/>
-              <a:t>11/21/2024</a:t>
+              <a:t>11/22/2024</a:t>
             </a:fld>
             <a:endParaRPr lang="en-US"/>
           </a:p>
@@ -13940,7 +19734,7 @@
           <a:p>
             <a:fld id="{C139B7E4-65CE-45E0-B612-BB2CFA1ABD80}" type="datetimeFigureOut">
               <a:rPr lang="en-US" smtClean="0"/>
-              <a:t>11/21/2024</a:t>
+              <a:t>11/22/2024</a:t>
             </a:fld>
             <a:endParaRPr lang="en-US"/>
           </a:p>
@@ -14116,7 +19910,7 @@
           <a:p>
             <a:fld id="{C139B7E4-65CE-45E0-B612-BB2CFA1ABD80}" type="datetimeFigureOut">
               <a:rPr lang="en-US" smtClean="0"/>
-              <a:t>11/21/2024</a:t>
+              <a:t>11/22/2024</a:t>
             </a:fld>
             <a:endParaRPr lang="en-US"/>
           </a:p>
@@ -14404,7 +20198,7 @@
           <a:p>
             <a:fld id="{C139B7E4-65CE-45E0-B612-BB2CFA1ABD80}" type="datetimeFigureOut">
               <a:rPr lang="en-US" smtClean="0"/>
-              <a:t>11/21/2024</a:t>
+              <a:t>11/22/2024</a:t>
             </a:fld>
             <a:endParaRPr lang="en-US"/>
           </a:p>
@@ -15761,7 +21555,7 @@
           <a:p>
             <a:fld id="{C139B7E4-65CE-45E0-B612-BB2CFA1ABD80}" type="datetimeFigureOut">
               <a:rPr lang="en-US" smtClean="0"/>
-              <a:t>11/21/2024</a:t>
+              <a:t>11/22/2024</a:t>
             </a:fld>
             <a:endParaRPr lang="en-US"/>
           </a:p>
@@ -17825,7 +23619,7 @@
           <a:p>
             <a:fld id="{C139B7E4-65CE-45E0-B612-BB2CFA1ABD80}" type="datetimeFigureOut">
               <a:rPr lang="en-US" smtClean="0"/>
-              <a:t>11/21/2024</a:t>
+              <a:t>11/22/2024</a:t>
             </a:fld>
             <a:endParaRPr lang="en-US"/>
           </a:p>
@@ -18923,7 +24717,7 @@
           <a:p>
             <a:fld id="{C139B7E4-65CE-45E0-B612-BB2CFA1ABD80}" type="datetimeFigureOut">
               <a:rPr lang="en-US" smtClean="0"/>
-              <a:t>11/21/2024</a:t>
+              <a:t>11/22/2024</a:t>
             </a:fld>
             <a:endParaRPr lang="en-US"/>
           </a:p>
@@ -20030,7 +25824,7 @@
           <a:p>
             <a:fld id="{C139B7E4-65CE-45E0-B612-BB2CFA1ABD80}" type="datetimeFigureOut">
               <a:rPr lang="en-US" smtClean="0"/>
-              <a:t>11/21/2024</a:t>
+              <a:t>11/22/2024</a:t>
             </a:fld>
             <a:endParaRPr lang="en-US"/>
           </a:p>
@@ -21628,7 +27422,7 @@
           <a:p>
             <a:fld id="{C139B7E4-65CE-45E0-B612-BB2CFA1ABD80}" type="datetimeFigureOut">
               <a:rPr lang="en-US" smtClean="0"/>
-              <a:t>11/21/2024</a:t>
+              <a:t>11/22/2024</a:t>
             </a:fld>
             <a:endParaRPr lang="en-US"/>
           </a:p>
@@ -22138,7 +27932,7 @@
           <a:p>
             <a:fld id="{C139B7E4-65CE-45E0-B612-BB2CFA1ABD80}" type="datetimeFigureOut">
               <a:rPr lang="en-US" smtClean="0"/>
-              <a:t>11/21/2024</a:t>
+              <a:t>11/22/2024</a:t>
             </a:fld>
             <a:endParaRPr lang="en-US"/>
           </a:p>
@@ -22735,7 +28529,7 @@
           <a:p>
             <a:fld id="{C139B7E4-65CE-45E0-B612-BB2CFA1ABD80}" type="datetimeFigureOut">
               <a:rPr lang="en-US" smtClean="0"/>
-              <a:t>11/21/2024</a:t>
+              <a:t>11/22/2024</a:t>
             </a:fld>
             <a:endParaRPr lang="en-US"/>
           </a:p>
@@ -23458,7 +29252,7 @@
           <a:p>
             <a:fld id="{C139B7E4-65CE-45E0-B612-BB2CFA1ABD80}" type="datetimeFigureOut">
               <a:rPr lang="en-US" smtClean="0"/>
-              <a:t>11/21/2024</a:t>
+              <a:t>11/22/2024</a:t>
             </a:fld>
             <a:endParaRPr lang="en-US"/>
           </a:p>
@@ -24094,7 +29888,7 @@
           <a:p>
             <a:fld id="{C139B7E4-65CE-45E0-B612-BB2CFA1ABD80}" type="datetimeFigureOut">
               <a:rPr lang="en-US" smtClean="0"/>
-              <a:t>11/21/2024</a:t>
+              <a:t>11/22/2024</a:t>
             </a:fld>
             <a:endParaRPr lang="en-US"/>
           </a:p>
@@ -24741,7 +30535,7 @@
           <a:p>
             <a:fld id="{C139B7E4-65CE-45E0-B612-BB2CFA1ABD80}" type="datetimeFigureOut">
               <a:rPr lang="en-US" smtClean="0"/>
-              <a:t>11/21/2024</a:t>
+              <a:t>11/22/2024</a:t>
             </a:fld>
             <a:endParaRPr lang="en-US"/>
           </a:p>
@@ -25881,7 +31675,7 @@
           <a:p>
             <a:fld id="{C139B7E4-65CE-45E0-B612-BB2CFA1ABD80}" type="datetimeFigureOut">
               <a:rPr lang="en-US" smtClean="0"/>
-              <a:t>11/21/2024</a:t>
+              <a:t>11/22/2024</a:t>
             </a:fld>
             <a:endParaRPr lang="en-US"/>
           </a:p>
@@ -27508,7 +33302,7 @@
           <a:p>
             <a:fld id="{C139B7E4-65CE-45E0-B612-BB2CFA1ABD80}" type="datetimeFigureOut">
               <a:rPr lang="en-US" smtClean="0"/>
-              <a:t>11/21/2024</a:t>
+              <a:t>11/22/2024</a:t>
             </a:fld>
             <a:endParaRPr lang="en-US"/>
           </a:p>
@@ -28599,7 +34393,7 @@
           <a:p>
             <a:fld id="{C139B7E4-65CE-45E0-B612-BB2CFA1ABD80}" type="datetimeFigureOut">
               <a:rPr lang="en-US" smtClean="0"/>
-              <a:t>11/21/2024</a:t>
+              <a:t>11/22/2024</a:t>
             </a:fld>
             <a:endParaRPr lang="en-US"/>
           </a:p>
@@ -29720,7 +35514,7 @@
           <a:p>
             <a:fld id="{C139B7E4-65CE-45E0-B612-BB2CFA1ABD80}" type="datetimeFigureOut">
               <a:rPr lang="en-US" smtClean="0"/>
-              <a:t>11/21/2024</a:t>
+              <a:t>11/22/2024</a:t>
             </a:fld>
             <a:endParaRPr lang="en-US"/>
           </a:p>
@@ -37684,7 +43478,7 @@
           <a:p>
             <a:fld id="{C139B7E4-65CE-45E0-B612-BB2CFA1ABD80}" type="datetimeFigureOut">
               <a:rPr lang="en-US" smtClean="0"/>
-              <a:t>11/21/2024</a:t>
+              <a:t>11/22/2024</a:t>
             </a:fld>
             <a:endParaRPr lang="en-US"/>
           </a:p>
@@ -38723,7 +44517,7 @@
           <a:p>
             <a:fld id="{C139B7E4-65CE-45E0-B612-BB2CFA1ABD80}" type="datetimeFigureOut">
               <a:rPr lang="en-US" smtClean="0"/>
-              <a:t>11/21/2024</a:t>
+              <a:t>11/22/2024</a:t>
             </a:fld>
             <a:endParaRPr lang="en-US"/>
           </a:p>
@@ -39595,7 +45389,7 @@
           <a:p>
             <a:fld id="{C139B7E4-65CE-45E0-B612-BB2CFA1ABD80}" type="datetimeFigureOut">
               <a:rPr lang="en-US" smtClean="0"/>
-              <a:t>11/21/2024</a:t>
+              <a:t>11/22/2024</a:t>
             </a:fld>
             <a:endParaRPr lang="en-US"/>
           </a:p>
@@ -40700,7 +46494,7 @@
           <a:p>
             <a:fld id="{C139B7E4-65CE-45E0-B612-BB2CFA1ABD80}" type="datetimeFigureOut">
               <a:rPr lang="en-US" smtClean="0"/>
-              <a:t>11/21/2024</a:t>
+              <a:t>11/22/2024</a:t>
             </a:fld>
             <a:endParaRPr lang="en-US"/>
           </a:p>
@@ -42038,7 +47832,7 @@
           <a:p>
             <a:fld id="{C139B7E4-65CE-45E0-B612-BB2CFA1ABD80}" type="datetimeFigureOut">
               <a:rPr lang="en-US" smtClean="0"/>
-              <a:t>11/21/2024</a:t>
+              <a:t>11/22/2024</a:t>
             </a:fld>
             <a:endParaRPr lang="en-US"/>
           </a:p>
@@ -43806,7 +49600,7 @@
           <a:p>
             <a:fld id="{C139B7E4-65CE-45E0-B612-BB2CFA1ABD80}" type="datetimeFigureOut">
               <a:rPr lang="en-US" smtClean="0"/>
-              <a:t>11/21/2024</a:t>
+              <a:t>11/22/2024</a:t>
             </a:fld>
             <a:endParaRPr lang="en-US"/>
           </a:p>
@@ -44779,7 +50573,7 @@
           <a:p>
             <a:r>
               <a:rPr lang="en-US" sz="3600" dirty="0">
-                <a:latin typeface="Candara" panose="020E0502030303020204" pitchFamily="34" charset="0"/>
+                <a:latin typeface="+mn-lt"/>
               </a:rPr>
               <a:t>Why use CASTLE ? </a:t>
             </a:r>
@@ -44809,18 +50603,18 @@
           <a:p>
             <a:r>
               <a:rPr lang="fr-FR" b="0" u="sng" dirty="0">
-                <a:latin typeface="Candara" panose="020E0502030303020204" pitchFamily="34" charset="0"/>
+                <a:latin typeface="+mj-lt"/>
               </a:rPr>
               <a:t>Professor </a:t>
             </a:r>
             <a:r>
               <a:rPr lang="fr-FR" b="0" u="sng" dirty="0" err="1">
-                <a:latin typeface="Candara" panose="020E0502030303020204" pitchFamily="34" charset="0"/>
+                <a:latin typeface="+mj-lt"/>
               </a:rPr>
               <a:t>Side</a:t>
             </a:r>
             <a:endParaRPr lang="en-US" b="0" u="sng" dirty="0">
-              <a:latin typeface="Candara" panose="020E0502030303020204" pitchFamily="34" charset="0"/>
+              <a:latin typeface="+mj-lt"/>
             </a:endParaRPr>
           </a:p>
         </p:txBody>
@@ -44857,43 +50651,43 @@
             </a:pPr>
             <a:r>
               <a:rPr lang="fr-FR" sz="2400" dirty="0">
-                <a:latin typeface="Candara" panose="020E0502030303020204" pitchFamily="34" charset="0"/>
+                <a:latin typeface="+mj-lt"/>
               </a:rPr>
               <a:t>Profs </a:t>
             </a:r>
             <a:r>
               <a:rPr lang="fr-FR" sz="2400" b="1" dirty="0">
-                <a:latin typeface="Candara" panose="020E0502030303020204" pitchFamily="34" charset="0"/>
+                <a:latin typeface="+mj-lt"/>
               </a:rPr>
               <a:t>have a </a:t>
             </a:r>
             <a:r>
               <a:rPr lang="fr-FR" sz="2400" b="1" dirty="0" err="1">
-                <a:latin typeface="Candara" panose="020E0502030303020204" pitchFamily="34" charset="0"/>
+                <a:latin typeface="+mj-lt"/>
               </a:rPr>
               <a:t>say</a:t>
             </a:r>
             <a:r>
               <a:rPr lang="fr-FR" sz="2400" b="1" dirty="0">
-                <a:latin typeface="Candara" panose="020E0502030303020204" pitchFamily="34" charset="0"/>
+                <a:latin typeface="+mj-lt"/>
               </a:rPr>
               <a:t> </a:t>
             </a:r>
             <a:r>
               <a:rPr lang="fr-FR" sz="2400" dirty="0">
-                <a:latin typeface="Candara" panose="020E0502030303020204" pitchFamily="34" charset="0"/>
+                <a:latin typeface="+mj-lt"/>
               </a:rPr>
               <a:t>in the </a:t>
             </a:r>
             <a:r>
               <a:rPr lang="fr-FR" sz="2400" dirty="0" err="1">
-                <a:latin typeface="Candara" panose="020E0502030303020204" pitchFamily="34" charset="0"/>
+                <a:latin typeface="+mj-lt"/>
               </a:rPr>
               <a:t>classroom</a:t>
             </a:r>
             <a:r>
               <a:rPr lang="fr-FR" sz="2400" dirty="0">
-                <a:latin typeface="Candara" panose="020E0502030303020204" pitchFamily="34" charset="0"/>
+                <a:latin typeface="+mj-lt"/>
               </a:rPr>
               <a:t> allocation</a:t>
             </a:r>
@@ -44905,54 +50699,54 @@
             </a:pPr>
             <a:r>
               <a:rPr lang="fr-FR" sz="2400" b="1" dirty="0" err="1">
-                <a:latin typeface="Candara" panose="020E0502030303020204" pitchFamily="34" charset="0"/>
+                <a:latin typeface="+mj-lt"/>
               </a:rPr>
               <a:t>Prioritize</a:t>
             </a:r>
             <a:r>
               <a:rPr lang="fr-FR" sz="2400" b="1" dirty="0">
-                <a:latin typeface="Candara" panose="020E0502030303020204" pitchFamily="34" charset="0"/>
+                <a:latin typeface="+mj-lt"/>
               </a:rPr>
               <a:t> </a:t>
             </a:r>
             <a:r>
               <a:rPr lang="fr-FR" sz="2400" dirty="0">
-                <a:latin typeface="Candara" panose="020E0502030303020204" pitchFamily="34" charset="0"/>
+                <a:latin typeface="+mj-lt"/>
               </a:rPr>
               <a:t>and </a:t>
             </a:r>
             <a:r>
               <a:rPr lang="fr-FR" sz="2400" b="1" dirty="0">
-                <a:latin typeface="Candara" panose="020E0502030303020204" pitchFamily="34" charset="0"/>
+                <a:latin typeface="+mj-lt"/>
               </a:rPr>
               <a:t>signal</a:t>
             </a:r>
             <a:r>
               <a:rPr lang="fr-FR" sz="2400" dirty="0">
-                <a:latin typeface="Candara" panose="020E0502030303020204" pitchFamily="34" charset="0"/>
+                <a:latin typeface="+mj-lt"/>
               </a:rPr>
               <a:t> </a:t>
             </a:r>
             <a:r>
               <a:rPr lang="fr-FR" sz="2400" dirty="0" err="1">
-                <a:latin typeface="Candara" panose="020E0502030303020204" pitchFamily="34" charset="0"/>
+                <a:latin typeface="+mj-lt"/>
               </a:rPr>
               <a:t>their</a:t>
             </a:r>
             <a:r>
               <a:rPr lang="fr-FR" sz="2400" dirty="0">
-                <a:latin typeface="Candara" panose="020E0502030303020204" pitchFamily="34" charset="0"/>
+                <a:latin typeface="+mj-lt"/>
               </a:rPr>
               <a:t> room </a:t>
             </a:r>
             <a:r>
               <a:rPr lang="fr-FR" sz="2400" dirty="0" err="1">
-                <a:latin typeface="Candara" panose="020E0502030303020204" pitchFamily="34" charset="0"/>
+                <a:latin typeface="+mj-lt"/>
               </a:rPr>
               <a:t>preferences</a:t>
             </a:r>
             <a:endParaRPr lang="fr-FR" sz="2400" dirty="0">
-              <a:latin typeface="Candara" panose="020E0502030303020204" pitchFamily="34" charset="0"/>
+              <a:latin typeface="+mj-lt"/>
             </a:endParaRPr>
           </a:p>
           <a:p>
@@ -44962,41 +50756,41 @@
             </a:pPr>
             <a:r>
               <a:rPr lang="fr-FR" dirty="0" err="1">
-                <a:latin typeface="Candara" panose="020E0502030303020204" pitchFamily="34" charset="0"/>
+                <a:latin typeface="+mj-lt"/>
               </a:rPr>
               <a:t>Improve</a:t>
             </a:r>
             <a:r>
               <a:rPr lang="fr-FR" dirty="0">
-                <a:latin typeface="Candara" panose="020E0502030303020204" pitchFamily="34" charset="0"/>
+                <a:latin typeface="+mj-lt"/>
               </a:rPr>
               <a:t> </a:t>
             </a:r>
             <a:r>
               <a:rPr lang="fr-FR" dirty="0" err="1">
-                <a:latin typeface="Candara" panose="020E0502030303020204" pitchFamily="34" charset="0"/>
+                <a:latin typeface="+mj-lt"/>
               </a:rPr>
               <a:t>learning</a:t>
             </a:r>
             <a:r>
               <a:rPr lang="fr-FR" dirty="0">
-                <a:latin typeface="Candara" panose="020E0502030303020204" pitchFamily="34" charset="0"/>
+                <a:latin typeface="+mj-lt"/>
               </a:rPr>
               <a:t> and </a:t>
             </a:r>
             <a:r>
               <a:rPr lang="fr-FR" b="1" dirty="0" err="1">
-                <a:latin typeface="Candara" panose="020E0502030303020204" pitchFamily="34" charset="0"/>
+                <a:latin typeface="+mj-lt"/>
               </a:rPr>
               <a:t>QoL</a:t>
             </a:r>
             <a:endParaRPr lang="fr-FR" sz="2400" b="1" dirty="0">
-              <a:latin typeface="Candara" panose="020E0502030303020204" pitchFamily="34" charset="0"/>
+              <a:latin typeface="+mj-lt"/>
             </a:endParaRPr>
           </a:p>
           <a:p>
             <a:endParaRPr lang="fr-FR" dirty="0">
-              <a:latin typeface="Candara" panose="020E0502030303020204" pitchFamily="34" charset="0"/>
+              <a:latin typeface="+mj-lt"/>
             </a:endParaRPr>
           </a:p>
         </p:txBody>
@@ -45024,18 +50818,18 @@
           <a:p>
             <a:r>
               <a:rPr lang="fr-FR" b="0" u="sng" dirty="0">
-                <a:latin typeface="Candara" panose="020E0502030303020204" pitchFamily="34" charset="0"/>
+                <a:latin typeface="+mj-lt"/>
               </a:rPr>
               <a:t>Administration </a:t>
             </a:r>
             <a:r>
               <a:rPr lang="fr-FR" b="0" u="sng" dirty="0" err="1">
-                <a:latin typeface="Candara" panose="020E0502030303020204" pitchFamily="34" charset="0"/>
+                <a:latin typeface="+mj-lt"/>
               </a:rPr>
               <a:t>Side</a:t>
             </a:r>
             <a:endParaRPr lang="en-US" b="0" u="sng" dirty="0">
-              <a:latin typeface="Candara" panose="020E0502030303020204" pitchFamily="34" charset="0"/>
+              <a:latin typeface="+mj-lt"/>
             </a:endParaRPr>
           </a:p>
         </p:txBody>
@@ -45072,43 +50866,43 @@
             </a:pPr>
             <a:r>
               <a:rPr lang="fr-FR" sz="2400" b="1" dirty="0" err="1">
-                <a:latin typeface="Candara" panose="020E0502030303020204" pitchFamily="34" charset="0"/>
+                <a:latin typeface="+mj-lt"/>
               </a:rPr>
               <a:t>Ease</a:t>
             </a:r>
             <a:r>
               <a:rPr lang="fr-FR" sz="2400" b="1" dirty="0">
-                <a:latin typeface="Candara" panose="020E0502030303020204" pitchFamily="34" charset="0"/>
+                <a:latin typeface="+mj-lt"/>
               </a:rPr>
               <a:t> the </a:t>
             </a:r>
             <a:r>
               <a:rPr lang="fr-FR" sz="2400" b="1" dirty="0" err="1">
-                <a:latin typeface="Candara" panose="020E0502030303020204" pitchFamily="34" charset="0"/>
+                <a:latin typeface="+mj-lt"/>
               </a:rPr>
               <a:t>load</a:t>
             </a:r>
             <a:r>
               <a:rPr lang="fr-FR" sz="2400" b="1" dirty="0">
-                <a:latin typeface="Candara" panose="020E0502030303020204" pitchFamily="34" charset="0"/>
+                <a:latin typeface="+mj-lt"/>
               </a:rPr>
               <a:t> </a:t>
             </a:r>
             <a:r>
               <a:rPr lang="fr-FR" sz="2400" dirty="0">
-                <a:latin typeface="Candara" panose="020E0502030303020204" pitchFamily="34" charset="0"/>
+                <a:latin typeface="+mj-lt"/>
               </a:rPr>
               <a:t>on the </a:t>
             </a:r>
             <a:r>
               <a:rPr lang="fr-FR" sz="2400" dirty="0" err="1">
-                <a:latin typeface="Candara" panose="020E0502030303020204" pitchFamily="34" charset="0"/>
+                <a:latin typeface="+mj-lt"/>
               </a:rPr>
               <a:t>Registrar’s</a:t>
             </a:r>
             <a:r>
               <a:rPr lang="fr-FR" sz="2400" dirty="0">
-                <a:latin typeface="Candara" panose="020E0502030303020204" pitchFamily="34" charset="0"/>
+                <a:latin typeface="+mj-lt"/>
               </a:rPr>
               <a:t> office</a:t>
             </a:r>
@@ -45120,25 +50914,25 @@
             </a:pPr>
             <a:r>
               <a:rPr lang="fr-FR" sz="2400" b="1" dirty="0">
-                <a:latin typeface="Candara" panose="020E0502030303020204" pitchFamily="34" charset="0"/>
+                <a:latin typeface="+mj-lt"/>
               </a:rPr>
               <a:t>Efficient</a:t>
             </a:r>
             <a:r>
               <a:rPr lang="fr-FR" sz="2400" dirty="0">
-                <a:latin typeface="Candara" panose="020E0502030303020204" pitchFamily="34" charset="0"/>
+                <a:latin typeface="+mj-lt"/>
               </a:rPr>
               <a:t> allocation of the  </a:t>
             </a:r>
             <a:r>
               <a:rPr lang="fr-FR" sz="2400" dirty="0" err="1">
-                <a:latin typeface="Candara" panose="020E0502030303020204" pitchFamily="34" charset="0"/>
+                <a:latin typeface="+mj-lt"/>
               </a:rPr>
               <a:t>school’s</a:t>
             </a:r>
             <a:r>
               <a:rPr lang="fr-FR" sz="2400" dirty="0">
-                <a:latin typeface="Candara" panose="020E0502030303020204" pitchFamily="34" charset="0"/>
+                <a:latin typeface="+mj-lt"/>
               </a:rPr>
               <a:t> ressources</a:t>
             </a:r>
@@ -45150,22 +50944,24 @@
             </a:pPr>
             <a:r>
               <a:rPr lang="fr-FR" sz="2400" dirty="0" err="1">
-                <a:latin typeface="Candara" panose="020E0502030303020204" pitchFamily="34" charset="0"/>
+                <a:latin typeface="+mj-lt"/>
               </a:rPr>
               <a:t>Allow</a:t>
             </a:r>
             <a:r>
               <a:rPr lang="fr-FR" sz="2400" dirty="0">
-                <a:latin typeface="Candara" panose="020E0502030303020204" pitchFamily="34" charset="0"/>
+                <a:latin typeface="+mj-lt"/>
               </a:rPr>
               <a:t> quick changes</a:t>
             </a:r>
             <a:endParaRPr lang="en-US" sz="2400" dirty="0">
-              <a:latin typeface="Candara" panose="020E0502030303020204" pitchFamily="34" charset="0"/>
+              <a:latin typeface="+mj-lt"/>
             </a:endParaRPr>
           </a:p>
           <a:p>
-            <a:endParaRPr lang="en-US" dirty="0"/>
+            <a:endParaRPr lang="en-US" dirty="0">
+              <a:latin typeface="+mj-lt"/>
+            </a:endParaRPr>
           </a:p>
         </p:txBody>
       </p:sp>
@@ -45228,7 +51024,7 @@
         <p:spPr>
           <a:xfrm>
             <a:off x="836611" y="5405119"/>
-            <a:ext cx="10258109" cy="523220"/>
+            <a:ext cx="10258109" cy="461665"/>
           </a:xfrm>
           <a:prstGeom prst="rect">
             <a:avLst/>
@@ -45243,75 +51039,51 @@
           <a:p>
             <a:pPr algn="ctr"/>
             <a:r>
-              <a:rPr lang="fr-FR" sz="2800" b="1" dirty="0" err="1">
-                <a:latin typeface="Candara" panose="020E0502030303020204" pitchFamily="34" charset="0"/>
-              </a:rPr>
+              <a:rPr lang="fr-FR" sz="2400" b="1" dirty="0" err="1"/>
               <a:t>Considers</a:t>
             </a:r>
             <a:r>
-              <a:rPr lang="fr-FR" sz="2800" b="1" dirty="0">
-                <a:latin typeface="Candara" panose="020E0502030303020204" pitchFamily="34" charset="0"/>
-              </a:rPr>
+              <a:rPr lang="fr-FR" sz="2400" b="1" dirty="0"/>
               <a:t> </a:t>
             </a:r>
             <a:r>
-              <a:rPr lang="fr-FR" sz="2800" b="1" dirty="0" err="1">
-                <a:latin typeface="Candara" panose="020E0502030303020204" pitchFamily="34" charset="0"/>
-              </a:rPr>
+              <a:rPr lang="fr-FR" sz="2400" b="1" dirty="0" err="1"/>
               <a:t>Professors</a:t>
             </a:r>
             <a:r>
-              <a:rPr lang="fr-FR" sz="2800" b="1" dirty="0">
-                <a:latin typeface="Candara" panose="020E0502030303020204" pitchFamily="34" charset="0"/>
-              </a:rPr>
+              <a:rPr lang="fr-FR" sz="2400" b="1" dirty="0"/>
               <a:t>’ </a:t>
             </a:r>
             <a:r>
-              <a:rPr lang="fr-FR" sz="2800" b="1" dirty="0" err="1">
-                <a:latin typeface="Candara" panose="020E0502030303020204" pitchFamily="34" charset="0"/>
-              </a:rPr>
+              <a:rPr lang="fr-FR" sz="2400" b="1" dirty="0" err="1"/>
               <a:t>preferences</a:t>
             </a:r>
             <a:r>
-              <a:rPr lang="fr-FR" sz="2800" b="1" dirty="0">
-                <a:latin typeface="Candara" panose="020E0502030303020204" pitchFamily="34" charset="0"/>
-              </a:rPr>
+              <a:rPr lang="fr-FR" sz="2400" b="1" dirty="0"/>
               <a:t>…</a:t>
             </a:r>
             <a:r>
-              <a:rPr lang="fr-FR" sz="2800" b="1" dirty="0" err="1">
-                <a:latin typeface="Candara" panose="020E0502030303020204" pitchFamily="34" charset="0"/>
-              </a:rPr>
+              <a:rPr lang="fr-FR" sz="2400" b="1" dirty="0" err="1"/>
               <a:t>while</a:t>
             </a:r>
             <a:r>
-              <a:rPr lang="fr-FR" sz="2800" b="1" dirty="0">
-                <a:latin typeface="Candara" panose="020E0502030303020204" pitchFamily="34" charset="0"/>
-              </a:rPr>
+              <a:rPr lang="fr-FR" sz="2400" b="1" dirty="0"/>
               <a:t> </a:t>
             </a:r>
             <a:r>
-              <a:rPr lang="fr-FR" sz="2800" b="1" dirty="0" err="1">
-                <a:latin typeface="Candara" panose="020E0502030303020204" pitchFamily="34" charset="0"/>
-              </a:rPr>
+              <a:rPr lang="fr-FR" sz="2400" b="1" dirty="0" err="1"/>
               <a:t>being</a:t>
             </a:r>
             <a:r>
-              <a:rPr lang="fr-FR" sz="2800" b="1" dirty="0">
-                <a:latin typeface="Candara" panose="020E0502030303020204" pitchFamily="34" charset="0"/>
-              </a:rPr>
+              <a:rPr lang="fr-FR" sz="2400" b="1" dirty="0"/>
               <a:t> </a:t>
             </a:r>
             <a:r>
-              <a:rPr lang="fr-FR" sz="2800" b="1" dirty="0" err="1">
-                <a:latin typeface="Candara" panose="020E0502030303020204" pitchFamily="34" charset="0"/>
-              </a:rPr>
+              <a:rPr lang="fr-FR" sz="2400" b="1" dirty="0" err="1"/>
               <a:t>easier</a:t>
             </a:r>
             <a:r>
-              <a:rPr lang="fr-FR" sz="2800" b="1" dirty="0">
-                <a:latin typeface="Candara" panose="020E0502030303020204" pitchFamily="34" charset="0"/>
-              </a:rPr>
+              <a:rPr lang="fr-FR" sz="2400" b="1" dirty="0"/>
               <a:t> to plan out</a:t>
             </a:r>
           </a:p>
@@ -45568,11 +51340,15 @@
         </p:nvSpPr>
         <p:spPr/>
         <p:txBody>
-          <a:bodyPr/>
+          <a:bodyPr>
+            <a:normAutofit/>
+          </a:bodyPr>
           <a:lstStyle/>
           <a:p>
             <a:r>
-              <a:rPr lang="en-GB" dirty="0"/>
+              <a:rPr lang="en-GB" sz="3200" dirty="0">
+                <a:latin typeface="+mn-lt"/>
+              </a:rPr>
               <a:t>Inputs and core principles</a:t>
             </a:r>
           </a:p>
@@ -45690,11 +51466,15 @@
         </p:nvSpPr>
         <p:spPr/>
         <p:txBody>
-          <a:bodyPr/>
+          <a:bodyPr>
+            <a:normAutofit/>
+          </a:bodyPr>
           <a:lstStyle/>
           <a:p>
             <a:r>
-              <a:rPr lang="en-US" dirty="0"/>
+              <a:rPr lang="en-US" sz="3200" dirty="0">
+                <a:latin typeface="+mn-lt"/>
+              </a:rPr>
               <a:t>Calculating the Rooms’ preferences</a:t>
             </a:r>
           </a:p>
@@ -45718,9 +51498,14 @@
                 <p:ph type="body" sz="quarter" idx="10"/>
               </p:nvPr>
             </p:nvSpPr>
-            <p:spPr/>
+            <p:spPr>
+              <a:xfrm>
+                <a:off x="838199" y="1769434"/>
+                <a:ext cx="10515599" cy="3969214"/>
+              </a:xfrm>
+            </p:spPr>
             <p:txBody>
-              <a:bodyPr/>
+              <a:bodyPr anchor="ctr"/>
               <a:lstStyle/>
               <a:p>
                 <a:pPr marL="342900" indent="-342900">
@@ -45858,16 +51643,9 @@
                     </m:func>
                   </m:oMath>
                 </a14:m>
-                <a:r>
-                  <a:rPr lang="en-US" dirty="0"/>
-                  <a:t> then dynamic compensation based on past results</a:t>
-                </a:r>
+                <a:endParaRPr lang="fr-FR" b="0" dirty="0"/>
               </a:p>
               <a:p>
-                <a:pPr marL="342900" indent="-342900">
-                  <a:buFont typeface="Arial" panose="020B0604020202020204" pitchFamily="34" charset="0"/>
-                  <a:buChar char="•"/>
-                </a:pPr>
                 <a:endParaRPr lang="en-US" dirty="0"/>
               </a:p>
               <a:p>
@@ -45875,34 +51653,164 @@
                   <a:buFont typeface="Arial" panose="020B0604020202020204" pitchFamily="34" charset="0"/>
                   <a:buChar char="•"/>
                 </a:pPr>
-                <a:endParaRPr lang="en-US" dirty="0"/>
-              </a:p>
-              <a:p>
-                <a:pPr marL="342900" indent="-342900">
-                  <a:buFont typeface="Arial" panose="020B0604020202020204" pitchFamily="34" charset="0"/>
-                  <a:buChar char="•"/>
-                </a:pPr>
-                <a:endParaRPr lang="en-US" dirty="0"/>
-              </a:p>
-              <a:p>
-                <a:pPr marL="342900" indent="-342900">
-                  <a:buFont typeface="Arial" panose="020B0604020202020204" pitchFamily="34" charset="0"/>
-                  <a:buChar char="•"/>
-                </a:pPr>
-                <a:endParaRPr lang="en-US" dirty="0"/>
-              </a:p>
-              <a:p>
-                <a:pPr marL="342900" indent="-342900">
-                  <a:buFont typeface="Arial" panose="020B0604020202020204" pitchFamily="34" charset="0"/>
-                  <a:buChar char="•"/>
-                </a:pPr>
-                <a:endParaRPr lang="en-US" dirty="0"/>
-              </a:p>
-              <a:p>
-                <a:endParaRPr lang="en-US" dirty="0"/>
-              </a:p>
-              <a:p>
-                <a:endParaRPr lang="en-US" dirty="0"/>
+                <a:r>
+                  <a:rPr lang="en-US" dirty="0"/>
+                  <a:t>Complexity of whole system: </a:t>
+                </a:r>
+                <a14:m>
+                  <m:oMath xmlns:m="http://schemas.openxmlformats.org/officeDocument/2006/math">
+                    <m:r>
+                      <a:rPr lang="fr-FR" b="0" i="1" smtClean="0">
+                        <a:latin typeface="Cambria Math" panose="02040503050406030204" pitchFamily="18" charset="0"/>
+                      </a:rPr>
+                      <m:t>𝑂</m:t>
+                    </m:r>
+                    <m:r>
+                      <a:rPr lang="fr-FR" b="0" i="1" smtClean="0">
+                        <a:latin typeface="Cambria Math" panose="02040503050406030204" pitchFamily="18" charset="0"/>
+                      </a:rPr>
+                      <m:t>(</m:t>
+                    </m:r>
+                    <m:sSubSup>
+                      <m:sSubSupPr>
+                        <m:ctrlPr>
+                          <a:rPr lang="fr-FR" b="0" i="1" smtClean="0">
+                            <a:latin typeface="Cambria Math" panose="02040503050406030204" pitchFamily="18" charset="0"/>
+                          </a:rPr>
+                        </m:ctrlPr>
+                      </m:sSubSupPr>
+                      <m:e>
+                        <m:r>
+                          <a:rPr lang="fr-FR" b="0" i="1" smtClean="0">
+                            <a:latin typeface="Cambria Math" panose="02040503050406030204" pitchFamily="18" charset="0"/>
+                          </a:rPr>
+                          <m:t>𝑛</m:t>
+                        </m:r>
+                      </m:e>
+                      <m:sub>
+                        <m:r>
+                          <a:rPr lang="fr-FR" b="0" i="1" smtClean="0">
+                            <a:latin typeface="Cambria Math" panose="02040503050406030204" pitchFamily="18" charset="0"/>
+                          </a:rPr>
+                          <m:t>𝑐𝑜𝑢𝑟𝑠𝑒</m:t>
+                        </m:r>
+                      </m:sub>
+                      <m:sup>
+                        <m:r>
+                          <a:rPr lang="fr-FR" b="0" i="1" smtClean="0">
+                            <a:latin typeface="Cambria Math" panose="02040503050406030204" pitchFamily="18" charset="0"/>
+                          </a:rPr>
+                          <m:t>2</m:t>
+                        </m:r>
+                      </m:sup>
+                    </m:sSubSup>
+                    <m:r>
+                      <a:rPr lang="fr-FR" b="0" i="1" smtClean="0">
+                        <a:latin typeface="Cambria Math" panose="02040503050406030204" pitchFamily="18" charset="0"/>
+                      </a:rPr>
+                      <m:t>∗</m:t>
+                    </m:r>
+                    <m:func>
+                      <m:funcPr>
+                        <m:ctrlPr>
+                          <a:rPr lang="fr-FR" b="0" i="1" smtClean="0">
+                            <a:latin typeface="Cambria Math" panose="02040503050406030204" pitchFamily="18" charset="0"/>
+                          </a:rPr>
+                        </m:ctrlPr>
+                      </m:funcPr>
+                      <m:fName>
+                        <m:r>
+                          <m:rPr>
+                            <m:sty m:val="p"/>
+                          </m:rPr>
+                          <a:rPr lang="fr-FR" b="0" i="0" smtClean="0">
+                            <a:latin typeface="Cambria Math" panose="02040503050406030204" pitchFamily="18" charset="0"/>
+                          </a:rPr>
+                          <m:t>max</m:t>
+                        </m:r>
+                      </m:fName>
+                      <m:e>
+                        <m:d>
+                          <m:dPr>
+                            <m:ctrlPr>
+                              <a:rPr lang="fr-FR" b="0" i="1" smtClean="0">
+                                <a:latin typeface="Cambria Math" panose="02040503050406030204" pitchFamily="18" charset="0"/>
+                              </a:rPr>
+                            </m:ctrlPr>
+                          </m:dPr>
+                          <m:e>
+                            <m:sSub>
+                              <m:sSubPr>
+                                <m:ctrlPr>
+                                  <a:rPr lang="fr-FR" b="0" i="1" smtClean="0">
+                                    <a:latin typeface="Cambria Math" panose="02040503050406030204" pitchFamily="18" charset="0"/>
+                                  </a:rPr>
+                                </m:ctrlPr>
+                              </m:sSubPr>
+                              <m:e>
+                                <m:r>
+                                  <a:rPr lang="fr-FR" b="0" i="1" smtClean="0">
+                                    <a:latin typeface="Cambria Math" panose="02040503050406030204" pitchFamily="18" charset="0"/>
+                                  </a:rPr>
+                                  <m:t>𝑛</m:t>
+                                </m:r>
+                              </m:e>
+                              <m:sub>
+                                <m:r>
+                                  <a:rPr lang="fr-FR" b="0" i="1" smtClean="0">
+                                    <a:latin typeface="Cambria Math" panose="02040503050406030204" pitchFamily="18" charset="0"/>
+                                  </a:rPr>
+                                  <m:t>𝑝𝑟𝑒𝑓𝑒𝑟𝑒𝑛𝑐𝑒</m:t>
+                                </m:r>
+                              </m:sub>
+                            </m:sSub>
+                          </m:e>
+                        </m:d>
+                      </m:e>
+                    </m:func>
+                    <m:r>
+                      <a:rPr lang="fr-FR" b="0" i="1" smtClean="0">
+                        <a:latin typeface="Cambria Math" panose="02040503050406030204" pitchFamily="18" charset="0"/>
+                      </a:rPr>
+                      <m:t>∗</m:t>
+                    </m:r>
+                    <m:sSub>
+                      <m:sSubPr>
+                        <m:ctrlPr>
+                          <a:rPr lang="fr-FR" b="0" i="1" smtClean="0">
+                            <a:latin typeface="Cambria Math" panose="02040503050406030204" pitchFamily="18" charset="0"/>
+                          </a:rPr>
+                        </m:ctrlPr>
+                      </m:sSubPr>
+                      <m:e>
+                        <m:r>
+                          <a:rPr lang="fr-FR" b="0" i="1" smtClean="0">
+                            <a:latin typeface="Cambria Math" panose="02040503050406030204" pitchFamily="18" charset="0"/>
+                          </a:rPr>
+                          <m:t>𝑛</m:t>
+                        </m:r>
+                      </m:e>
+                      <m:sub>
+                        <m:r>
+                          <a:rPr lang="fr-FR" b="0" i="1" smtClean="0">
+                            <a:latin typeface="Cambria Math" panose="02040503050406030204" pitchFamily="18" charset="0"/>
+                          </a:rPr>
+                          <m:t>𝑟𝑜𝑜𝑚𝑠</m:t>
+                        </m:r>
+                      </m:sub>
+                    </m:sSub>
+                    <m:r>
+                      <a:rPr lang="fr-FR" b="0" i="1" smtClean="0">
+                        <a:latin typeface="Cambria Math" panose="02040503050406030204" pitchFamily="18" charset="0"/>
+                      </a:rPr>
+                      <m:t>)</m:t>
+                    </m:r>
+                  </m:oMath>
+                </a14:m>
+                <a:r>
+                  <a:rPr lang="en-US" dirty="0"/>
+                  <a:t> </a:t>
+                </a:r>
               </a:p>
             </p:txBody>
           </p:sp>
@@ -45925,10 +51833,14 @@
               </p:nvPr>
             </p:nvSpPr>
             <p:spPr>
+              <a:xfrm>
+                <a:off x="838199" y="1769434"/>
+                <a:ext cx="10515599" cy="3969214"/>
+              </a:xfrm>
               <a:blipFill>
                 <a:blip r:embed="rId2"/>
                 <a:stretch>
-                  <a:fillRect l="-1623" t="-3017"/>
+                  <a:fillRect l="-1623"/>
                 </a:stretch>
               </a:blipFill>
             </p:spPr>
@@ -45947,6 +51859,42 @@
           </p:sp>
         </mc:Fallback>
       </mc:AlternateContent>
+      <p:sp>
+        <p:nvSpPr>
+          <p:cNvPr id="4" name="TextBox 3">
+            <a:extLst>
+              <a:ext uri="{FF2B5EF4-FFF2-40B4-BE49-F238E27FC236}">
+                <a16:creationId xmlns:a16="http://schemas.microsoft.com/office/drawing/2014/main" id="{236A7239-24DE-5448-DE87-99AA9C05D8A7}"/>
+              </a:ext>
+            </a:extLst>
+          </p:cNvPr>
+          <p:cNvSpPr txBox="1"/>
+          <p:nvPr/>
+        </p:nvSpPr>
+        <p:spPr>
+          <a:xfrm>
+            <a:off x="2804158" y="5815334"/>
+            <a:ext cx="6583680" cy="830997"/>
+          </a:xfrm>
+          <a:prstGeom prst="rect">
+            <a:avLst/>
+          </a:prstGeom>
+          <a:noFill/>
+        </p:spPr>
+        <p:txBody>
+          <a:bodyPr wrap="square" rtlCol="0">
+            <a:spAutoFit/>
+          </a:bodyPr>
+          <a:lstStyle/>
+          <a:p>
+            <a:pPr algn="ctr"/>
+            <a:r>
+              <a:rPr lang="en-US" sz="2400" b="1" dirty="0"/>
+              <a:t>Room preferences to consider schools’ priorities</a:t>
+            </a:r>
+          </a:p>
+        </p:txBody>
+      </p:sp>
     </p:spTree>
     <p:extLst>
       <p:ext uri="{BB962C8B-B14F-4D97-AF65-F5344CB8AC3E}">
@@ -45995,11 +51943,15 @@
         </p:nvSpPr>
         <p:spPr/>
         <p:txBody>
-          <a:bodyPr/>
+          <a:bodyPr>
+            <a:normAutofit/>
+          </a:bodyPr>
           <a:lstStyle/>
           <a:p>
             <a:r>
-              <a:rPr lang="en-US" dirty="0"/>
+              <a:rPr lang="en-US" sz="3200" dirty="0">
+                <a:latin typeface="+mn-lt"/>
+              </a:rPr>
               <a:t>Detailed Algorithm Pipeline</a:t>
             </a:r>
           </a:p>
@@ -46051,7 +52003,7 @@
         <p:spPr>
           <a:xfrm>
             <a:off x="3769009" y="5852160"/>
-            <a:ext cx="4653981" cy="646331"/>
+            <a:ext cx="4653981" cy="830997"/>
           </a:xfrm>
           <a:prstGeom prst="rect">
             <a:avLst/>
@@ -46066,8 +52018,8 @@
           <a:p>
             <a:pPr algn="ctr"/>
             <a:r>
-              <a:rPr lang="en-US" dirty="0"/>
-              <a:t>An efficient and automated process in Java</a:t>
+              <a:rPr lang="en-US" sz="2400" b="1" dirty="0"/>
+              <a:t>An efficient and automated process coded in Java</a:t>
             </a:r>
           </a:p>
         </p:txBody>
@@ -46086,6 +52038,454 @@
 </file>
 
 <file path=ppt/slides/slide15.xml><?xml version="1.0" encoding="utf-8"?>
+<p:sld xmlns:a="http://schemas.openxmlformats.org/drawingml/2006/main" xmlns:r="http://schemas.openxmlformats.org/officeDocument/2006/relationships" xmlns:p="http://schemas.openxmlformats.org/presentationml/2006/main">
+  <p:cSld>
+    <p:spTree>
+      <p:nvGrpSpPr>
+        <p:cNvPr id="1" name=""/>
+        <p:cNvGrpSpPr/>
+        <p:nvPr/>
+      </p:nvGrpSpPr>
+      <p:grpSpPr>
+        <a:xfrm>
+          <a:off x="0" y="0"/>
+          <a:ext cx="0" cy="0"/>
+          <a:chOff x="0" y="0"/>
+          <a:chExt cx="0" cy="0"/>
+        </a:xfrm>
+      </p:grpSpPr>
+      <p:sp>
+        <p:nvSpPr>
+          <p:cNvPr id="2" name="Title 1">
+            <a:extLst>
+              <a:ext uri="{FF2B5EF4-FFF2-40B4-BE49-F238E27FC236}">
+                <a16:creationId xmlns:a16="http://schemas.microsoft.com/office/drawing/2014/main" id="{08ED9F9B-9F3E-B88D-CE67-4407710620A0}"/>
+              </a:ext>
+            </a:extLst>
+          </p:cNvPr>
+          <p:cNvSpPr>
+            <a:spLocks noGrp="1"/>
+          </p:cNvSpPr>
+          <p:nvPr>
+            <p:ph type="title"/>
+          </p:nvPr>
+        </p:nvSpPr>
+        <p:spPr/>
+        <p:txBody>
+          <a:bodyPr>
+            <a:normAutofit/>
+          </a:bodyPr>
+          <a:lstStyle/>
+          <a:p>
+            <a:r>
+              <a:rPr lang="fr-FR" sz="3200" dirty="0">
+                <a:latin typeface="+mn-lt"/>
+              </a:rPr>
+              <a:t>CASTLE </a:t>
+            </a:r>
+            <a:r>
+              <a:rPr lang="fr-FR" sz="3200" dirty="0" err="1">
+                <a:latin typeface="+mn-lt"/>
+              </a:rPr>
+              <a:t>Properties</a:t>
+            </a:r>
+            <a:endParaRPr lang="en-US" sz="3200" dirty="0">
+              <a:latin typeface="+mn-lt"/>
+            </a:endParaRPr>
+          </a:p>
+        </p:txBody>
+      </p:sp>
+      <p:graphicFrame>
+        <p:nvGraphicFramePr>
+          <p:cNvPr id="4" name="Content Placeholder 3">
+            <a:extLst>
+              <a:ext uri="{FF2B5EF4-FFF2-40B4-BE49-F238E27FC236}">
+                <a16:creationId xmlns:a16="http://schemas.microsoft.com/office/drawing/2014/main" id="{5D8F7802-D5C6-D0B5-5CAD-45A8B4824B82}"/>
+              </a:ext>
+            </a:extLst>
+          </p:cNvPr>
+          <p:cNvGraphicFramePr>
+            <a:graphicFrameLocks noGrp="1"/>
+          </p:cNvGraphicFramePr>
+          <p:nvPr>
+            <p:ph idx="1"/>
+          </p:nvPr>
+        </p:nvGraphicFramePr>
+        <p:xfrm>
+          <a:off x="3196590" y="1467326"/>
+          <a:ext cx="5798820" cy="3923347"/>
+        </p:xfrm>
+        <a:graphic>
+          <a:graphicData uri="http://schemas.openxmlformats.org/drawingml/2006/diagram">
+            <dgm:relIds xmlns:dgm="http://schemas.openxmlformats.org/drawingml/2006/diagram" xmlns:r="http://schemas.openxmlformats.org/officeDocument/2006/relationships" r:dm="rId2" r:lo="rId3" r:qs="rId4" r:cs="rId5"/>
+          </a:graphicData>
+        </a:graphic>
+      </p:graphicFrame>
+      <p:sp>
+        <p:nvSpPr>
+          <p:cNvPr id="5" name="TextBox 4">
+            <a:extLst>
+              <a:ext uri="{FF2B5EF4-FFF2-40B4-BE49-F238E27FC236}">
+                <a16:creationId xmlns:a16="http://schemas.microsoft.com/office/drawing/2014/main" id="{EF0FBE8D-AB27-AA4E-7DAF-610BC10EFD1E}"/>
+              </a:ext>
+            </a:extLst>
+          </p:cNvPr>
+          <p:cNvSpPr txBox="1"/>
+          <p:nvPr/>
+        </p:nvSpPr>
+        <p:spPr>
+          <a:xfrm>
+            <a:off x="7894320" y="2147583"/>
+            <a:ext cx="3362960" cy="707886"/>
+          </a:xfrm>
+          <a:prstGeom prst="rect">
+            <a:avLst/>
+          </a:prstGeom>
+          <a:noFill/>
+        </p:spPr>
+        <p:txBody>
+          <a:bodyPr wrap="square" rtlCol="0">
+            <a:spAutoFit/>
+          </a:bodyPr>
+          <a:lstStyle/>
+          <a:p>
+            <a:pPr marL="285750" indent="-285750">
+              <a:buFontTx/>
+              <a:buChar char="-"/>
+            </a:pPr>
+            <a:r>
+              <a:rPr lang="en-US" sz="2000" dirty="0">
+                <a:effectLst/>
+                <a:latin typeface="+mj-lt"/>
+                <a:ea typeface="Aptos" panose="020B0004020202020204" pitchFamily="34" charset="0"/>
+                <a:cs typeface="Times New Roman" panose="02020603050405020304" pitchFamily="18" charset="0"/>
+              </a:rPr>
+              <a:t>Professor proposing DA makes it optimal</a:t>
+            </a:r>
+            <a:endParaRPr lang="en-US" sz="2000" dirty="0">
+              <a:latin typeface="+mj-lt"/>
+            </a:endParaRPr>
+          </a:p>
+        </p:txBody>
+      </p:sp>
+      <p:sp>
+        <p:nvSpPr>
+          <p:cNvPr id="6" name="TextBox 5">
+            <a:extLst>
+              <a:ext uri="{FF2B5EF4-FFF2-40B4-BE49-F238E27FC236}">
+                <a16:creationId xmlns:a16="http://schemas.microsoft.com/office/drawing/2014/main" id="{9FBDF5EF-FE02-A954-2BAC-B9B1E6409528}"/>
+              </a:ext>
+            </a:extLst>
+          </p:cNvPr>
+          <p:cNvSpPr txBox="1"/>
+          <p:nvPr/>
+        </p:nvSpPr>
+        <p:spPr>
+          <a:xfrm>
+            <a:off x="1142538" y="2147583"/>
+            <a:ext cx="3362960" cy="707886"/>
+          </a:xfrm>
+          <a:prstGeom prst="rect">
+            <a:avLst/>
+          </a:prstGeom>
+          <a:noFill/>
+        </p:spPr>
+        <p:txBody>
+          <a:bodyPr wrap="square" rtlCol="0">
+            <a:spAutoFit/>
+          </a:bodyPr>
+          <a:lstStyle/>
+          <a:p>
+            <a:pPr marL="285750" indent="-285750">
+              <a:buFontTx/>
+              <a:buChar char="-"/>
+            </a:pPr>
+            <a:r>
+              <a:rPr lang="fr-FR" sz="2000" dirty="0">
+                <a:latin typeface="+mj-lt"/>
+              </a:rPr>
+              <a:t>Strict </a:t>
+            </a:r>
+            <a:r>
+              <a:rPr lang="fr-FR" sz="2000" dirty="0" err="1">
+                <a:latin typeface="+mj-lt"/>
+              </a:rPr>
+              <a:t>preferences</a:t>
+            </a:r>
+            <a:r>
+              <a:rPr lang="fr-FR" sz="2000" dirty="0">
+                <a:latin typeface="+mj-lt"/>
+              </a:rPr>
+              <a:t> of </a:t>
+            </a:r>
+            <a:r>
+              <a:rPr lang="fr-FR" sz="2000" dirty="0" err="1">
+                <a:latin typeface="+mj-lt"/>
+              </a:rPr>
+              <a:t>Rooms</a:t>
+            </a:r>
+            <a:r>
+              <a:rPr lang="fr-FR" sz="2000" dirty="0">
+                <a:latin typeface="+mj-lt"/>
+              </a:rPr>
+              <a:t> and </a:t>
+            </a:r>
+            <a:r>
+              <a:rPr lang="fr-FR" sz="2000" dirty="0" err="1">
+                <a:latin typeface="+mj-lt"/>
+              </a:rPr>
+              <a:t>Professors</a:t>
+            </a:r>
+            <a:endParaRPr lang="en-US" sz="2000" dirty="0">
+              <a:latin typeface="+mj-lt"/>
+            </a:endParaRPr>
+          </a:p>
+        </p:txBody>
+      </p:sp>
+      <p:sp>
+        <p:nvSpPr>
+          <p:cNvPr id="7" name="TextBox 6">
+            <a:extLst>
+              <a:ext uri="{FF2B5EF4-FFF2-40B4-BE49-F238E27FC236}">
+                <a16:creationId xmlns:a16="http://schemas.microsoft.com/office/drawing/2014/main" id="{6E59BCDA-0AD2-815D-3E17-ADB3F069E74A}"/>
+              </a:ext>
+            </a:extLst>
+          </p:cNvPr>
+          <p:cNvSpPr txBox="1"/>
+          <p:nvPr/>
+        </p:nvSpPr>
+        <p:spPr>
+          <a:xfrm>
+            <a:off x="1142538" y="4000623"/>
+            <a:ext cx="3362960" cy="707886"/>
+          </a:xfrm>
+          <a:prstGeom prst="rect">
+            <a:avLst/>
+          </a:prstGeom>
+          <a:noFill/>
+        </p:spPr>
+        <p:txBody>
+          <a:bodyPr wrap="square" rtlCol="0">
+            <a:spAutoFit/>
+          </a:bodyPr>
+          <a:lstStyle/>
+          <a:p>
+            <a:pPr marL="285750" indent="-285750">
+              <a:buFontTx/>
+              <a:buChar char="-"/>
+            </a:pPr>
+            <a:r>
+              <a:rPr lang="fr-FR" sz="2000" dirty="0">
+                <a:latin typeface="+mj-lt"/>
+              </a:rPr>
+              <a:t>Single, </a:t>
+            </a:r>
+            <a:r>
+              <a:rPr lang="fr-FR" sz="2000" dirty="0" err="1">
+                <a:latin typeface="+mj-lt"/>
+              </a:rPr>
+              <a:t>confidential</a:t>
+            </a:r>
+            <a:r>
+              <a:rPr lang="fr-FR" sz="2000" dirty="0">
+                <a:latin typeface="+mj-lt"/>
+              </a:rPr>
+              <a:t> and Central </a:t>
+            </a:r>
+            <a:r>
+              <a:rPr lang="fr-FR" sz="2000" dirty="0" err="1">
+                <a:latin typeface="+mj-lt"/>
+              </a:rPr>
+              <a:t>Clearinghouse</a:t>
+            </a:r>
+            <a:endParaRPr lang="en-US" sz="2000" dirty="0">
+              <a:latin typeface="+mj-lt"/>
+            </a:endParaRPr>
+          </a:p>
+        </p:txBody>
+      </p:sp>
+      <p:sp>
+        <p:nvSpPr>
+          <p:cNvPr id="8" name="TextBox 7">
+            <a:extLst>
+              <a:ext uri="{FF2B5EF4-FFF2-40B4-BE49-F238E27FC236}">
+                <a16:creationId xmlns:a16="http://schemas.microsoft.com/office/drawing/2014/main" id="{1DAFCE42-9D4D-AFCA-5A7D-1A73485F43B3}"/>
+              </a:ext>
+            </a:extLst>
+          </p:cNvPr>
+          <p:cNvSpPr txBox="1"/>
+          <p:nvPr/>
+        </p:nvSpPr>
+        <p:spPr>
+          <a:xfrm>
+            <a:off x="7894320" y="4003290"/>
+            <a:ext cx="3362960" cy="707886"/>
+          </a:xfrm>
+          <a:prstGeom prst="rect">
+            <a:avLst/>
+          </a:prstGeom>
+          <a:noFill/>
+        </p:spPr>
+        <p:txBody>
+          <a:bodyPr wrap="square" rtlCol="0">
+            <a:spAutoFit/>
+          </a:bodyPr>
+          <a:lstStyle/>
+          <a:p>
+            <a:pPr marL="285750" indent="-285750">
+              <a:buFontTx/>
+              <a:buChar char="-"/>
+            </a:pPr>
+            <a:r>
+              <a:rPr lang="fr-FR" sz="2000" dirty="0">
+                <a:latin typeface="+mj-lt"/>
+              </a:rPr>
+              <a:t>Professor </a:t>
+            </a:r>
+            <a:r>
+              <a:rPr lang="fr-FR" sz="2000" dirty="0" err="1">
+                <a:latin typeface="+mj-lt"/>
+              </a:rPr>
+              <a:t>proposing</a:t>
+            </a:r>
+            <a:r>
+              <a:rPr lang="fr-FR" sz="2000" dirty="0">
+                <a:latin typeface="+mj-lt"/>
+              </a:rPr>
+              <a:t> and </a:t>
+            </a:r>
+            <a:r>
+              <a:rPr lang="fr-FR" sz="2000" dirty="0" err="1">
+                <a:latin typeface="+mj-lt"/>
+              </a:rPr>
+              <a:t>fixed</a:t>
+            </a:r>
+            <a:r>
+              <a:rPr lang="fr-FR" sz="2000" dirty="0">
+                <a:latin typeface="+mj-lt"/>
+              </a:rPr>
+              <a:t> </a:t>
+            </a:r>
+            <a:r>
+              <a:rPr lang="fr-FR" sz="2000" dirty="0" err="1">
+                <a:latin typeface="+mj-lt"/>
+              </a:rPr>
+              <a:t>cohort</a:t>
+            </a:r>
+            <a:r>
+              <a:rPr lang="fr-FR" sz="2000" dirty="0">
+                <a:latin typeface="+mj-lt"/>
+              </a:rPr>
+              <a:t> size</a:t>
+            </a:r>
+            <a:endParaRPr lang="en-US" sz="2000" dirty="0">
+              <a:latin typeface="+mj-lt"/>
+            </a:endParaRPr>
+          </a:p>
+        </p:txBody>
+      </p:sp>
+      <p:sp>
+        <p:nvSpPr>
+          <p:cNvPr id="9" name="TextBox 8">
+            <a:extLst>
+              <a:ext uri="{FF2B5EF4-FFF2-40B4-BE49-F238E27FC236}">
+                <a16:creationId xmlns:a16="http://schemas.microsoft.com/office/drawing/2014/main" id="{9606F1ED-02C4-C5F7-1022-0C23D3E345FC}"/>
+              </a:ext>
+            </a:extLst>
+          </p:cNvPr>
+          <p:cNvSpPr txBox="1"/>
+          <p:nvPr/>
+        </p:nvSpPr>
+        <p:spPr>
+          <a:xfrm>
+            <a:off x="2194560" y="5655431"/>
+            <a:ext cx="7802880" cy="830997"/>
+          </a:xfrm>
+          <a:prstGeom prst="rect">
+            <a:avLst/>
+          </a:prstGeom>
+          <a:noFill/>
+        </p:spPr>
+        <p:txBody>
+          <a:bodyPr wrap="square" rtlCol="0">
+            <a:spAutoFit/>
+          </a:bodyPr>
+          <a:lstStyle/>
+          <a:p>
+            <a:pPr algn="ctr"/>
+            <a:r>
+              <a:rPr lang="fr-FR" sz="2400" b="1" dirty="0"/>
+              <a:t>A system </a:t>
+            </a:r>
+            <a:r>
+              <a:rPr lang="fr-FR" sz="2400" b="1" dirty="0" err="1"/>
+              <a:t>with</a:t>
+            </a:r>
+            <a:r>
+              <a:rPr lang="fr-FR" sz="2400" b="1" dirty="0"/>
+              <a:t> </a:t>
+            </a:r>
+            <a:r>
+              <a:rPr lang="fr-FR" sz="2400" b="1" dirty="0" err="1"/>
+              <a:t>very</a:t>
+            </a:r>
+            <a:r>
+              <a:rPr lang="fr-FR" sz="2400" b="1" dirty="0"/>
+              <a:t> good </a:t>
+            </a:r>
+            <a:r>
+              <a:rPr lang="fr-FR" sz="2400" b="1" dirty="0" err="1"/>
+              <a:t>properties</a:t>
+            </a:r>
+            <a:r>
+              <a:rPr lang="fr-FR" sz="2400" b="1" dirty="0"/>
+              <a:t>,</a:t>
+            </a:r>
+            <a:br>
+              <a:rPr lang="fr-FR" sz="2400" b="1" dirty="0"/>
+            </a:br>
+            <a:r>
+              <a:rPr lang="fr-FR" sz="2400" b="1" dirty="0" err="1"/>
+              <a:t>while</a:t>
+            </a:r>
+            <a:r>
+              <a:rPr lang="fr-FR" sz="2400" b="1" dirty="0"/>
+              <a:t> </a:t>
+            </a:r>
+            <a:r>
+              <a:rPr lang="fr-FR" sz="2400" b="1" dirty="0" err="1"/>
+              <a:t>being</a:t>
+            </a:r>
+            <a:r>
+              <a:rPr lang="fr-FR" sz="2400" b="1" dirty="0"/>
+              <a:t> fast and </a:t>
+            </a:r>
+            <a:r>
+              <a:rPr lang="fr-FR" sz="2400" b="1" dirty="0" err="1"/>
+              <a:t>with</a:t>
+            </a:r>
+            <a:r>
+              <a:rPr lang="fr-FR" sz="2400" b="1" dirty="0"/>
+              <a:t> no congestion  </a:t>
+            </a:r>
+            <a:endParaRPr lang="en-US" sz="2400" b="1" dirty="0"/>
+          </a:p>
+        </p:txBody>
+      </p:sp>
+    </p:spTree>
+    <p:extLst>
+      <p:ext uri="{BB962C8B-B14F-4D97-AF65-F5344CB8AC3E}">
+        <p14:creationId xmlns:p14="http://schemas.microsoft.com/office/powerpoint/2010/main" val="3797878874"/>
+      </p:ext>
+    </p:extLst>
+  </p:cSld>
+  <p:clrMapOvr>
+    <a:masterClrMapping/>
+  </p:clrMapOvr>
+</p:sld>
+</file>
+
+<file path=ppt/slides/slide16.xml><?xml version="1.0" encoding="utf-8"?>
 <p:sld xmlns:a="http://schemas.openxmlformats.org/drawingml/2006/main" xmlns:r="http://schemas.openxmlformats.org/officeDocument/2006/relationships" xmlns:p="http://schemas.openxmlformats.org/presentationml/2006/main">
   <p:cSld>
     <p:spTree>
@@ -46244,18 +52644,12 @@
 </p:sld>
 </file>
 
-<file path=ppt/slides/slide16.xml><?xml version="1.0" encoding="utf-8"?>
+<file path=ppt/slides/slide17.xml><?xml version="1.0" encoding="utf-8"?>
 <p:sld xmlns:a="http://schemas.openxmlformats.org/drawingml/2006/main" xmlns:r="http://schemas.openxmlformats.org/officeDocument/2006/relationships" xmlns:p="http://schemas.openxmlformats.org/presentationml/2006/main">
   <p:cSld>
     <p:spTree>
       <p:nvGrpSpPr>
-        <p:cNvPr id="1" name="">
-          <a:extLst>
-            <a:ext uri="{FF2B5EF4-FFF2-40B4-BE49-F238E27FC236}">
-              <a16:creationId xmlns:a16="http://schemas.microsoft.com/office/drawing/2014/main" id="{B852B46A-7A9D-F91B-51ED-B6412583EF7D}"/>
-            </a:ext>
-          </a:extLst>
-        </p:cNvPr>
+        <p:cNvPr id="1" name=""/>
         <p:cNvGrpSpPr/>
         <p:nvPr/>
       </p:nvGrpSpPr>
@@ -46269,10 +52663,42 @@
       </p:grpSpPr>
       <p:sp>
         <p:nvSpPr>
-          <p:cNvPr id="2" name="Text Placeholder 1">
-            <a:extLst>
-              <a:ext uri="{FF2B5EF4-FFF2-40B4-BE49-F238E27FC236}">
-                <a16:creationId xmlns:a16="http://schemas.microsoft.com/office/drawing/2014/main" id="{0F3FBDF4-0C3C-F807-903A-E57C8AAD153E}"/>
+          <p:cNvPr id="2" name="Title 1">
+            <a:extLst>
+              <a:ext uri="{FF2B5EF4-FFF2-40B4-BE49-F238E27FC236}">
+                <a16:creationId xmlns:a16="http://schemas.microsoft.com/office/drawing/2014/main" id="{5CA8F95A-0567-7EE4-8481-C800A7B5F3FC}"/>
+              </a:ext>
+            </a:extLst>
+          </p:cNvPr>
+          <p:cNvSpPr>
+            <a:spLocks noGrp="1"/>
+          </p:cNvSpPr>
+          <p:nvPr>
+            <p:ph type="title"/>
+          </p:nvPr>
+        </p:nvSpPr>
+        <p:spPr/>
+        <p:txBody>
+          <a:bodyPr>
+            <a:normAutofit/>
+          </a:bodyPr>
+          <a:lstStyle/>
+          <a:p>
+            <a:r>
+              <a:rPr lang="en-US" sz="3200" dirty="0">
+                <a:latin typeface="+mn-lt"/>
+              </a:rPr>
+              <a:t>Different scenarios to test the system</a:t>
+            </a:r>
+          </a:p>
+        </p:txBody>
+      </p:sp>
+      <p:sp>
+        <p:nvSpPr>
+          <p:cNvPr id="3" name="Text Placeholder 2">
+            <a:extLst>
+              <a:ext uri="{FF2B5EF4-FFF2-40B4-BE49-F238E27FC236}">
+                <a16:creationId xmlns:a16="http://schemas.microsoft.com/office/drawing/2014/main" id="{81F90707-3669-780F-31B2-1F658CA96756}"/>
               </a:ext>
             </a:extLst>
           </p:cNvPr>
@@ -46285,28 +52711,312 @@
         </p:nvSpPr>
         <p:spPr>
           <a:xfrm>
-            <a:off x="2629285" y="703260"/>
-            <a:ext cx="6933429" cy="5451475"/>
-          </a:xfrm>
-        </p:spPr>
-        <p:txBody>
-          <a:bodyPr anchor="ctr"/>
+            <a:off x="1943327" y="1695701"/>
+            <a:ext cx="8305345" cy="3584536"/>
+          </a:xfrm>
+        </p:spPr>
+        <p:txBody>
+          <a:bodyPr anchor="ctr">
+            <a:normAutofit fontScale="92500" lnSpcReduction="10000"/>
+          </a:bodyPr>
           <a:lstStyle/>
           <a:p>
             <a:r>
-              <a:rPr lang="fr-FR" dirty="0"/>
-              <a:t>V</a:t>
-            </a:r>
-            <a:endParaRPr lang="en-GB" dirty="0"/>
-          </a:p>
-        </p:txBody>
-      </p:sp>
-      <p:sp>
-        <p:nvSpPr>
-          <p:cNvPr id="3" name="Text Placeholder 2">
-            <a:extLst>
-              <a:ext uri="{FF2B5EF4-FFF2-40B4-BE49-F238E27FC236}">
-                <a16:creationId xmlns:a16="http://schemas.microsoft.com/office/drawing/2014/main" id="{EEF6D4F0-813D-ACF8-C05B-B694358209A8}"/>
+              <a:rPr lang="en-US" sz="2400" dirty="0"/>
+              <a:t>Pure randomness</a:t>
+            </a:r>
+          </a:p>
+          <a:p>
+            <a:endParaRPr lang="en-US" sz="2400" dirty="0"/>
+          </a:p>
+          <a:p>
+            <a:r>
+              <a:rPr lang="en-US" sz="2400" dirty="0"/>
+              <a:t>Randomness among rooms that fit the cohort </a:t>
+            </a:r>
+          </a:p>
+          <a:p>
+            <a:endParaRPr lang="en-US" sz="2400" dirty="0"/>
+          </a:p>
+          <a:p>
+            <a:r>
+              <a:rPr lang="en-US" sz="2400" dirty="0"/>
+              <a:t>Fixed preferences: everyone wants the same thing</a:t>
+            </a:r>
+          </a:p>
+          <a:p>
+            <a:endParaRPr lang="en-US" sz="2400" dirty="0"/>
+          </a:p>
+          <a:p>
+            <a:r>
+              <a:rPr lang="en-US" sz="2400" dirty="0"/>
+              <a:t>Size-based: want the room that fits your cohort size the best</a:t>
+            </a:r>
+          </a:p>
+          <a:p>
+            <a:endParaRPr lang="en-US" sz="2400" dirty="0"/>
+          </a:p>
+          <a:p>
+            <a:r>
+              <a:rPr lang="en-US" dirty="0"/>
+              <a:t>Satisfaction: based on real-life polling</a:t>
+            </a:r>
+            <a:endParaRPr lang="en-US" sz="2400" dirty="0"/>
+          </a:p>
+        </p:txBody>
+      </p:sp>
+      <p:pic>
+        <p:nvPicPr>
+          <p:cNvPr id="5" name="Graphic 4" descr="Group brainstorm with solid fill">
+            <a:extLst>
+              <a:ext uri="{FF2B5EF4-FFF2-40B4-BE49-F238E27FC236}">
+                <a16:creationId xmlns:a16="http://schemas.microsoft.com/office/drawing/2014/main" id="{3AD313B6-6890-8169-D9C7-66D1EE9D058D}"/>
+              </a:ext>
+            </a:extLst>
+          </p:cNvPr>
+          <p:cNvPicPr>
+            <a:picLocks noChangeAspect="1"/>
+          </p:cNvPicPr>
+          <p:nvPr/>
+        </p:nvPicPr>
+        <p:blipFill>
+          <a:blip r:embed="rId2">
+            <a:extLst>
+              <a:ext uri="{96DAC541-7B7A-43D3-8B79-37D633B846F1}">
+                <asvg:svgBlip xmlns:asvg="http://schemas.microsoft.com/office/drawing/2016/SVG/main" r:embed="rId3"/>
+              </a:ext>
+            </a:extLst>
+          </a:blip>
+          <a:stretch>
+            <a:fillRect/>
+          </a:stretch>
+        </p:blipFill>
+        <p:spPr>
+          <a:xfrm>
+            <a:off x="1204279" y="2327924"/>
+            <a:ext cx="580310" cy="580310"/>
+          </a:xfrm>
+          <a:prstGeom prst="rect">
+            <a:avLst/>
+          </a:prstGeom>
+        </p:spPr>
+      </p:pic>
+      <p:pic>
+        <p:nvPicPr>
+          <p:cNvPr id="7" name="Graphic 6" descr="Alterations &amp; Tailoring with solid fill">
+            <a:extLst>
+              <a:ext uri="{FF2B5EF4-FFF2-40B4-BE49-F238E27FC236}">
+                <a16:creationId xmlns:a16="http://schemas.microsoft.com/office/drawing/2014/main" id="{FED3C145-431C-FC2E-CF5B-12F1B6078C88}"/>
+              </a:ext>
+            </a:extLst>
+          </p:cNvPr>
+          <p:cNvPicPr>
+            <a:picLocks noChangeAspect="1"/>
+          </p:cNvPicPr>
+          <p:nvPr/>
+        </p:nvPicPr>
+        <p:blipFill>
+          <a:blip r:embed="rId4">
+            <a:extLst>
+              <a:ext uri="{96DAC541-7B7A-43D3-8B79-37D633B846F1}">
+                <asvg:svgBlip xmlns:asvg="http://schemas.microsoft.com/office/drawing/2016/SVG/main" r:embed="rId5"/>
+              </a:ext>
+            </a:extLst>
+          </a:blip>
+          <a:stretch>
+            <a:fillRect/>
+          </a:stretch>
+        </p:blipFill>
+        <p:spPr>
+          <a:xfrm>
+            <a:off x="1204278" y="3949767"/>
+            <a:ext cx="580311" cy="580311"/>
+          </a:xfrm>
+          <a:prstGeom prst="rect">
+            <a:avLst/>
+          </a:prstGeom>
+        </p:spPr>
+      </p:pic>
+      <p:pic>
+        <p:nvPicPr>
+          <p:cNvPr id="9" name="Graphic 8" descr="Normal Distribution with solid fill">
+            <a:extLst>
+              <a:ext uri="{FF2B5EF4-FFF2-40B4-BE49-F238E27FC236}">
+                <a16:creationId xmlns:a16="http://schemas.microsoft.com/office/drawing/2014/main" id="{0B74FA24-B113-0201-7043-3404BADFAE39}"/>
+              </a:ext>
+            </a:extLst>
+          </p:cNvPr>
+          <p:cNvPicPr>
+            <a:picLocks noChangeAspect="1"/>
+          </p:cNvPicPr>
+          <p:nvPr/>
+        </p:nvPicPr>
+        <p:blipFill>
+          <a:blip r:embed="rId6">
+            <a:extLst>
+              <a:ext uri="{96DAC541-7B7A-43D3-8B79-37D633B846F1}">
+                <asvg:svgBlip xmlns:asvg="http://schemas.microsoft.com/office/drawing/2016/SVG/main" r:embed="rId7"/>
+              </a:ext>
+            </a:extLst>
+          </a:blip>
+          <a:stretch>
+            <a:fillRect/>
+          </a:stretch>
+        </p:blipFill>
+        <p:spPr>
+          <a:xfrm>
+            <a:off x="1204278" y="4699925"/>
+            <a:ext cx="580312" cy="580312"/>
+          </a:xfrm>
+          <a:prstGeom prst="rect">
+            <a:avLst/>
+          </a:prstGeom>
+        </p:spPr>
+      </p:pic>
+      <p:pic>
+        <p:nvPicPr>
+          <p:cNvPr id="18" name="Graphic 17" descr="Shuffle with solid fill">
+            <a:extLst>
+              <a:ext uri="{FF2B5EF4-FFF2-40B4-BE49-F238E27FC236}">
+                <a16:creationId xmlns:a16="http://schemas.microsoft.com/office/drawing/2014/main" id="{12F43A10-76C5-85DB-88F7-19D5E67B1959}"/>
+              </a:ext>
+            </a:extLst>
+          </p:cNvPr>
+          <p:cNvPicPr>
+            <a:picLocks noChangeAspect="1"/>
+          </p:cNvPicPr>
+          <p:nvPr/>
+        </p:nvPicPr>
+        <p:blipFill>
+          <a:blip r:embed="rId8">
+            <a:extLst>
+              <a:ext uri="{96DAC541-7B7A-43D3-8B79-37D633B846F1}">
+                <asvg:svgBlip xmlns:asvg="http://schemas.microsoft.com/office/drawing/2016/SVG/main" r:embed="rId9"/>
+              </a:ext>
+            </a:extLst>
+          </a:blip>
+          <a:stretch>
+            <a:fillRect/>
+          </a:stretch>
+        </p:blipFill>
+        <p:spPr>
+          <a:xfrm>
+            <a:off x="1204278" y="1560265"/>
+            <a:ext cx="580313" cy="580313"/>
+          </a:xfrm>
+          <a:prstGeom prst="rect">
+            <a:avLst/>
+          </a:prstGeom>
+        </p:spPr>
+      </p:pic>
+      <p:pic>
+        <p:nvPicPr>
+          <p:cNvPr id="20" name="Graphic 19" descr="Blockchain outline">
+            <a:extLst>
+              <a:ext uri="{FF2B5EF4-FFF2-40B4-BE49-F238E27FC236}">
+                <a16:creationId xmlns:a16="http://schemas.microsoft.com/office/drawing/2014/main" id="{9BE787BA-0486-D53C-CC10-D1E58F180416}"/>
+              </a:ext>
+            </a:extLst>
+          </p:cNvPr>
+          <p:cNvPicPr>
+            <a:picLocks noChangeAspect="1"/>
+          </p:cNvPicPr>
+          <p:nvPr/>
+        </p:nvPicPr>
+        <p:blipFill>
+          <a:blip r:embed="rId10">
+            <a:extLst>
+              <a:ext uri="{96DAC541-7B7A-43D3-8B79-37D633B846F1}">
+                <asvg:svgBlip xmlns:asvg="http://schemas.microsoft.com/office/drawing/2016/SVG/main" r:embed="rId11"/>
+              </a:ext>
+            </a:extLst>
+          </a:blip>
+          <a:stretch>
+            <a:fillRect/>
+          </a:stretch>
+        </p:blipFill>
+        <p:spPr>
+          <a:xfrm>
+            <a:off x="1204278" y="3138843"/>
+            <a:ext cx="580314" cy="580314"/>
+          </a:xfrm>
+          <a:prstGeom prst="rect">
+            <a:avLst/>
+          </a:prstGeom>
+        </p:spPr>
+      </p:pic>
+      <p:sp>
+        <p:nvSpPr>
+          <p:cNvPr id="22" name="TextBox 21">
+            <a:extLst>
+              <a:ext uri="{FF2B5EF4-FFF2-40B4-BE49-F238E27FC236}">
+                <a16:creationId xmlns:a16="http://schemas.microsoft.com/office/drawing/2014/main" id="{615840B0-6146-6B55-E239-24B78E8A444B}"/>
+              </a:ext>
+            </a:extLst>
+          </p:cNvPr>
+          <p:cNvSpPr txBox="1"/>
+          <p:nvPr/>
+        </p:nvSpPr>
+        <p:spPr>
+          <a:xfrm>
+            <a:off x="2307019" y="5815334"/>
+            <a:ext cx="7577960" cy="830997"/>
+          </a:xfrm>
+          <a:prstGeom prst="rect">
+            <a:avLst/>
+          </a:prstGeom>
+          <a:noFill/>
+        </p:spPr>
+        <p:txBody>
+          <a:bodyPr wrap="square" rtlCol="0">
+            <a:spAutoFit/>
+          </a:bodyPr>
+          <a:lstStyle/>
+          <a:p>
+            <a:pPr algn="ctr"/>
+            <a:r>
+              <a:rPr lang="en-US" sz="2400" b="1" dirty="0"/>
+              <a:t>A variety of scenarios to test the system on different aspects</a:t>
+            </a:r>
+          </a:p>
+        </p:txBody>
+      </p:sp>
+    </p:spTree>
+    <p:extLst>
+      <p:ext uri="{BB962C8B-B14F-4D97-AF65-F5344CB8AC3E}">
+        <p14:creationId xmlns:p14="http://schemas.microsoft.com/office/powerpoint/2010/main" val="2260323499"/>
+      </p:ext>
+    </p:extLst>
+  </p:cSld>
+  <p:clrMapOvr>
+    <a:masterClrMapping/>
+  </p:clrMapOvr>
+</p:sld>
+</file>
+
+<file path=ppt/slides/slide18.xml><?xml version="1.0" encoding="utf-8"?>
+<p:sld xmlns:a="http://schemas.openxmlformats.org/drawingml/2006/main" xmlns:r="http://schemas.openxmlformats.org/officeDocument/2006/relationships" xmlns:p="http://schemas.openxmlformats.org/presentationml/2006/main">
+  <p:cSld>
+    <p:spTree>
+      <p:nvGrpSpPr>
+        <p:cNvPr id="1" name=""/>
+        <p:cNvGrpSpPr/>
+        <p:nvPr/>
+      </p:nvGrpSpPr>
+      <p:grpSpPr>
+        <a:xfrm>
+          <a:off x="0" y="0"/>
+          <a:ext cx="0" cy="0"/>
+          <a:chOff x="0" y="0"/>
+          <a:chExt cx="0" cy="0"/>
+        </a:xfrm>
+      </p:grpSpPr>
+      <p:sp>
+        <p:nvSpPr>
+          <p:cNvPr id="2" name="Title 1">
+            <a:extLst>
+              <a:ext uri="{FF2B5EF4-FFF2-40B4-BE49-F238E27FC236}">
+                <a16:creationId xmlns:a16="http://schemas.microsoft.com/office/drawing/2014/main" id="{1E7D6C26-6DA4-6113-21B2-214AAA975124}"/>
               </a:ext>
             </a:extLst>
           </p:cNvPr>
@@ -46314,28 +53024,203 @@
             <a:spLocks noGrp="1"/>
           </p:cNvSpPr>
           <p:nvPr>
-            <p:ph type="body" sz="quarter" idx="12"/>
+            <p:ph type="title"/>
           </p:nvPr>
         </p:nvSpPr>
         <p:spPr/>
         <p:txBody>
-          <a:bodyPr/>
+          <a:bodyPr>
+            <a:normAutofit/>
+          </a:bodyPr>
           <a:lstStyle/>
           <a:p>
             <a:r>
-              <a:rPr lang="fr-FR" sz="1000" dirty="0"/>
-              <a:t>C.A.S.T.L.E</a:t>
-            </a:r>
-            <a:endParaRPr lang="en-GB" sz="1000" dirty="0"/>
-          </a:p>
-        </p:txBody>
-      </p:sp>
-      <p:sp>
-        <p:nvSpPr>
-          <p:cNvPr id="4" name="Text Placeholder 3">
-            <a:extLst>
-              <a:ext uri="{FF2B5EF4-FFF2-40B4-BE49-F238E27FC236}">
-                <a16:creationId xmlns:a16="http://schemas.microsoft.com/office/drawing/2014/main" id="{01829FC1-A425-D814-58AA-2B3361462863}"/>
+              <a:rPr lang="en-US" sz="3200" dirty="0">
+                <a:latin typeface="+mn-lt"/>
+              </a:rPr>
+              <a:t>Different simulation representing scenarios</a:t>
+            </a:r>
+          </a:p>
+        </p:txBody>
+      </p:sp>
+      <p:sp>
+        <p:nvSpPr>
+          <p:cNvPr id="7" name="TextBox 6">
+            <a:extLst>
+              <a:ext uri="{FF2B5EF4-FFF2-40B4-BE49-F238E27FC236}">
+                <a16:creationId xmlns:a16="http://schemas.microsoft.com/office/drawing/2014/main" id="{ADA98CD6-B22C-062E-BCFB-1AD4EA049D43}"/>
+              </a:ext>
+            </a:extLst>
+          </p:cNvPr>
+          <p:cNvSpPr txBox="1"/>
+          <p:nvPr/>
+        </p:nvSpPr>
+        <p:spPr>
+          <a:xfrm>
+            <a:off x="1925494" y="5736962"/>
+            <a:ext cx="7577960" cy="830997"/>
+          </a:xfrm>
+          <a:prstGeom prst="rect">
+            <a:avLst/>
+          </a:prstGeom>
+          <a:noFill/>
+        </p:spPr>
+        <p:txBody>
+          <a:bodyPr wrap="square" rtlCol="0">
+            <a:spAutoFit/>
+          </a:bodyPr>
+          <a:lstStyle/>
+          <a:p>
+            <a:pPr algn="ctr"/>
+            <a:r>
+              <a:rPr lang="en-US" sz="2400" b="1" dirty="0"/>
+              <a:t>Very good allocation rate even at low preference numbers for spread out targeting </a:t>
+            </a:r>
+          </a:p>
+        </p:txBody>
+      </p:sp>
+      <p:sp>
+        <p:nvSpPr>
+          <p:cNvPr id="8" name="TextBox 7">
+            <a:extLst>
+              <a:ext uri="{FF2B5EF4-FFF2-40B4-BE49-F238E27FC236}">
+                <a16:creationId xmlns:a16="http://schemas.microsoft.com/office/drawing/2014/main" id="{D1C63268-4070-49A0-7316-2E41832F2EE3}"/>
+              </a:ext>
+            </a:extLst>
+          </p:cNvPr>
+          <p:cNvSpPr txBox="1"/>
+          <p:nvPr/>
+        </p:nvSpPr>
+        <p:spPr>
+          <a:xfrm>
+            <a:off x="838198" y="1852558"/>
+            <a:ext cx="8753543" cy="369332"/>
+          </a:xfrm>
+          <a:prstGeom prst="rect">
+            <a:avLst/>
+          </a:prstGeom>
+          <a:noFill/>
+        </p:spPr>
+        <p:txBody>
+          <a:bodyPr wrap="square" rtlCol="0">
+            <a:spAutoFit/>
+          </a:bodyPr>
+          <a:lstStyle/>
+          <a:p>
+            <a:r>
+              <a:rPr lang="en-US" dirty="0"/>
+              <a:t>76 rooms, 65 classes, 90% under 35 pax max 200, 20 run averages </a:t>
+            </a:r>
+          </a:p>
+        </p:txBody>
+      </p:sp>
+      <p:pic>
+        <p:nvPicPr>
+          <p:cNvPr id="5" name="Picture 4" descr="A close-up of a graph&#10;&#10;Description automatically generated">
+            <a:extLst>
+              <a:ext uri="{FF2B5EF4-FFF2-40B4-BE49-F238E27FC236}">
+                <a16:creationId xmlns:a16="http://schemas.microsoft.com/office/drawing/2014/main" id="{85327E1C-EC44-47A5-DAC8-B588651693F9}"/>
+              </a:ext>
+            </a:extLst>
+          </p:cNvPr>
+          <p:cNvPicPr>
+            <a:picLocks noChangeAspect="1"/>
+          </p:cNvPicPr>
+          <p:nvPr/>
+        </p:nvPicPr>
+        <p:blipFill>
+          <a:blip r:embed="rId2">
+            <a:extLst>
+              <a:ext uri="{28A0092B-C50C-407E-A947-70E740481C1C}">
+                <a14:useLocalDpi xmlns:a14="http://schemas.microsoft.com/office/drawing/2010/main" val="0"/>
+              </a:ext>
+            </a:extLst>
+          </a:blip>
+          <a:srcRect r="50000"/>
+          <a:stretch/>
+        </p:blipFill>
+        <p:spPr>
+          <a:xfrm>
+            <a:off x="1021078" y="2221890"/>
+            <a:ext cx="4110332" cy="3288266"/>
+          </a:xfrm>
+          <a:prstGeom prst="rect">
+            <a:avLst/>
+          </a:prstGeom>
+        </p:spPr>
+      </p:pic>
+      <p:pic>
+        <p:nvPicPr>
+          <p:cNvPr id="10" name="Picture 9" descr="A graph with green squares and red lines&#10;&#10;Description automatically generated">
+            <a:extLst>
+              <a:ext uri="{FF2B5EF4-FFF2-40B4-BE49-F238E27FC236}">
+                <a16:creationId xmlns:a16="http://schemas.microsoft.com/office/drawing/2014/main" id="{BE425A9B-8EEF-75F0-7F63-09E3E4550EE8}"/>
+              </a:ext>
+            </a:extLst>
+          </p:cNvPr>
+          <p:cNvPicPr>
+            <a:picLocks noChangeAspect="1"/>
+          </p:cNvPicPr>
+          <p:nvPr/>
+        </p:nvPicPr>
+        <p:blipFill>
+          <a:blip r:embed="rId3">
+            <a:extLst>
+              <a:ext uri="{28A0092B-C50C-407E-A947-70E740481C1C}">
+                <a14:useLocalDpi xmlns:a14="http://schemas.microsoft.com/office/drawing/2010/main" val="0"/>
+              </a:ext>
+            </a:extLst>
+          </a:blip>
+          <a:stretch>
+            <a:fillRect/>
+          </a:stretch>
+        </p:blipFill>
+        <p:spPr>
+          <a:xfrm>
+            <a:off x="5593605" y="2300561"/>
+            <a:ext cx="6015594" cy="3130923"/>
+          </a:xfrm>
+          <a:prstGeom prst="rect">
+            <a:avLst/>
+          </a:prstGeom>
+        </p:spPr>
+      </p:pic>
+    </p:spTree>
+    <p:extLst>
+      <p:ext uri="{BB962C8B-B14F-4D97-AF65-F5344CB8AC3E}">
+        <p14:creationId xmlns:p14="http://schemas.microsoft.com/office/powerpoint/2010/main" val="2678400203"/>
+      </p:ext>
+    </p:extLst>
+  </p:cSld>
+  <p:clrMapOvr>
+    <a:masterClrMapping/>
+  </p:clrMapOvr>
+</p:sld>
+</file>
+
+<file path=ppt/slides/slide19.xml><?xml version="1.0" encoding="utf-8"?>
+<p:sld xmlns:a="http://schemas.openxmlformats.org/drawingml/2006/main" xmlns:r="http://schemas.openxmlformats.org/officeDocument/2006/relationships" xmlns:p="http://schemas.openxmlformats.org/presentationml/2006/main">
+  <p:cSld>
+    <p:spTree>
+      <p:nvGrpSpPr>
+        <p:cNvPr id="1" name=""/>
+        <p:cNvGrpSpPr/>
+        <p:nvPr/>
+      </p:nvGrpSpPr>
+      <p:grpSpPr>
+        <a:xfrm>
+          <a:off x="0" y="0"/>
+          <a:ext cx="0" cy="0"/>
+          <a:chOff x="0" y="0"/>
+          <a:chExt cx="0" cy="0"/>
+        </a:xfrm>
+      </p:grpSpPr>
+      <p:sp>
+        <p:nvSpPr>
+          <p:cNvPr id="2" name="Title 1">
+            <a:extLst>
+              <a:ext uri="{FF2B5EF4-FFF2-40B4-BE49-F238E27FC236}">
+                <a16:creationId xmlns:a16="http://schemas.microsoft.com/office/drawing/2014/main" id="{8281B4C2-EDEC-96B4-AE15-86B48FC727A7}"/>
               </a:ext>
             </a:extLst>
           </p:cNvPr>
@@ -46343,38 +53228,13 @@
             <a:spLocks noGrp="1"/>
           </p:cNvSpPr>
           <p:nvPr>
-            <p:ph type="body" sz="quarter" idx="13"/>
+            <p:ph type="title"/>
           </p:nvPr>
         </p:nvSpPr>
-        <p:spPr/>
-        <p:txBody>
-          <a:bodyPr/>
-          <a:lstStyle/>
-          <a:p>
-            <a:endParaRPr lang="en-GB"/>
-          </a:p>
-        </p:txBody>
-      </p:sp>
-      <p:sp>
-        <p:nvSpPr>
-          <p:cNvPr id="5" name="Text Placeholder 4">
-            <a:extLst>
-              <a:ext uri="{FF2B5EF4-FFF2-40B4-BE49-F238E27FC236}">
-                <a16:creationId xmlns:a16="http://schemas.microsoft.com/office/drawing/2014/main" id="{1D18CE7F-B4DE-AAC9-48ED-B69A62501F07}"/>
-              </a:ext>
-            </a:extLst>
-          </p:cNvPr>
-          <p:cNvSpPr>
-            <a:spLocks noGrp="1"/>
-          </p:cNvSpPr>
-          <p:nvPr>
-            <p:ph type="body" sz="quarter" idx="11"/>
-          </p:nvPr>
-        </p:nvSpPr>
-        <p:spPr>
-          <a:xfrm>
-            <a:off x="1833619" y="2376005"/>
-            <a:ext cx="8524762" cy="2105986"/>
+        <p:spPr>
+          <a:xfrm>
+            <a:off x="799313" y="200703"/>
+            <a:ext cx="10515600" cy="1161250"/>
           </a:xfrm>
         </p:spPr>
         <p:txBody>
@@ -46384,16 +53244,125 @@
           <a:lstStyle/>
           <a:p>
             <a:r>
+              <a:rPr lang="en-US" sz="3200" dirty="0">
+                <a:latin typeface="+mn-lt"/>
+              </a:rPr>
+              <a:t>Effect of signaling maximum utilization of resources</a:t>
+            </a:r>
+          </a:p>
+        </p:txBody>
+      </p:sp>
+      <p:sp>
+        <p:nvSpPr>
+          <p:cNvPr id="17" name="TextBox 16">
+            <a:extLst>
+              <a:ext uri="{FF2B5EF4-FFF2-40B4-BE49-F238E27FC236}">
+                <a16:creationId xmlns:a16="http://schemas.microsoft.com/office/drawing/2014/main" id="{1AA060A6-C735-732C-7344-0AC93688E8AC}"/>
+              </a:ext>
+            </a:extLst>
+          </p:cNvPr>
+          <p:cNvSpPr txBox="1"/>
+          <p:nvPr/>
+        </p:nvSpPr>
+        <p:spPr>
+          <a:xfrm>
+            <a:off x="457200" y="1432956"/>
+            <a:ext cx="6975764" cy="369332"/>
+          </a:xfrm>
+          <a:prstGeom prst="rect">
+            <a:avLst/>
+          </a:prstGeom>
+          <a:noFill/>
+        </p:spPr>
+        <p:txBody>
+          <a:bodyPr wrap="square" rtlCol="0">
+            <a:spAutoFit/>
+          </a:bodyPr>
+          <a:lstStyle/>
+          <a:p>
+            <a:r>
               <a:rPr lang="en-US" dirty="0"/>
-              <a:t>Modularity</a:t>
-            </a:r>
-          </a:p>
-        </p:txBody>
-      </p:sp>
+              <a:t>Real-life preferences based on pooling ranking</a:t>
+            </a:r>
+          </a:p>
+        </p:txBody>
+      </p:sp>
+      <p:sp>
+        <p:nvSpPr>
+          <p:cNvPr id="18" name="TextBox 17">
+            <a:extLst>
+              <a:ext uri="{FF2B5EF4-FFF2-40B4-BE49-F238E27FC236}">
+                <a16:creationId xmlns:a16="http://schemas.microsoft.com/office/drawing/2014/main" id="{67577311-A554-DD2B-8E24-B4D365E3D317}"/>
+              </a:ext>
+            </a:extLst>
+          </p:cNvPr>
+          <p:cNvSpPr txBox="1"/>
+          <p:nvPr/>
+        </p:nvSpPr>
+        <p:spPr>
+          <a:xfrm>
+            <a:off x="201800" y="6217895"/>
+            <a:ext cx="11710626" cy="400110"/>
+          </a:xfrm>
+          <a:prstGeom prst="rect">
+            <a:avLst/>
+          </a:prstGeom>
+          <a:noFill/>
+        </p:spPr>
+        <p:txBody>
+          <a:bodyPr wrap="square" rtlCol="0">
+            <a:spAutoFit/>
+          </a:bodyPr>
+          <a:lstStyle/>
+          <a:p>
+            <a:pPr algn="ctr"/>
+            <a:r>
+              <a:rPr lang="en-US" sz="2000" b="1" dirty="0"/>
+              <a:t>In case where preferences for certain types are shared across the board, maximal utility</a:t>
+            </a:r>
+          </a:p>
+        </p:txBody>
+      </p:sp>
+      <p:pic>
+        <p:nvPicPr>
+          <p:cNvPr id="4" name="Picture 3">
+            <a:extLst>
+              <a:ext uri="{FF2B5EF4-FFF2-40B4-BE49-F238E27FC236}">
+                <a16:creationId xmlns:a16="http://schemas.microsoft.com/office/drawing/2014/main" id="{CBACEE40-C09C-624A-633A-8E2344CCE1E8}"/>
+              </a:ext>
+            </a:extLst>
+          </p:cNvPr>
+          <p:cNvPicPr>
+            <a:picLocks noChangeAspect="1"/>
+          </p:cNvPicPr>
+          <p:nvPr/>
+        </p:nvPicPr>
+        <p:blipFill>
+          <a:blip r:embed="rId2">
+            <a:extLst>
+              <a:ext uri="{28A0092B-C50C-407E-A947-70E740481C1C}">
+                <a14:useLocalDpi xmlns:a14="http://schemas.microsoft.com/office/drawing/2010/main" val="0"/>
+              </a:ext>
+            </a:extLst>
+          </a:blip>
+          <a:stretch>
+            <a:fillRect/>
+          </a:stretch>
+        </p:blipFill>
+        <p:spPr>
+          <a:xfrm>
+            <a:off x="753997" y="1873290"/>
+            <a:ext cx="10684005" cy="4273602"/>
+          </a:xfrm>
+          <a:prstGeom prst="rect">
+            <a:avLst/>
+          </a:prstGeom>
+        </p:spPr>
+      </p:pic>
     </p:spTree>
     <p:extLst>
       <p:ext uri="{BB962C8B-B14F-4D97-AF65-F5344CB8AC3E}">
-        <p14:creationId xmlns:p14="http://schemas.microsoft.com/office/powerpoint/2010/main" val="200753041"/>
+        <p14:creationId xmlns:p14="http://schemas.microsoft.com/office/powerpoint/2010/main" val="826582422"/>
       </p:ext>
     </p:extLst>
   </p:cSld>
@@ -46581,7 +53550,10 @@
           <a:bodyPr/>
           <a:lstStyle/>
           <a:p>
-            <a:endParaRPr lang="en-US" dirty="0"/>
+            <a:r>
+              <a:rPr lang="en-US" dirty="0"/>
+              <a:t>11</a:t>
+            </a:r>
           </a:p>
         </p:txBody>
       </p:sp>
@@ -46606,7 +53578,10 @@
           <a:bodyPr/>
           <a:lstStyle/>
           <a:p>
-            <a:endParaRPr lang="en-US" dirty="0"/>
+            <a:r>
+              <a:rPr lang="en-US" dirty="0"/>
+              <a:t>7</a:t>
+            </a:r>
           </a:p>
         </p:txBody>
       </p:sp>
@@ -46631,7 +53606,10 @@
           <a:bodyPr/>
           <a:lstStyle/>
           <a:p>
-            <a:endParaRPr lang="en-US" dirty="0"/>
+            <a:r>
+              <a:rPr lang="en-US" dirty="0"/>
+              <a:t>3</a:t>
+            </a:r>
           </a:p>
         </p:txBody>
       </p:sp>
@@ -46656,7 +53634,10 @@
           <a:bodyPr/>
           <a:lstStyle/>
           <a:p>
-            <a:endParaRPr lang="en-US" dirty="0"/>
+            <a:r>
+              <a:rPr lang="en-US" dirty="0"/>
+              <a:t>22</a:t>
+            </a:r>
           </a:p>
         </p:txBody>
       </p:sp>
@@ -46681,7 +53662,10 @@
           <a:bodyPr/>
           <a:lstStyle/>
           <a:p>
-            <a:endParaRPr lang="en-US" dirty="0"/>
+            <a:r>
+              <a:rPr lang="en-US" dirty="0"/>
+              <a:t>16</a:t>
+            </a:r>
           </a:p>
         </p:txBody>
       </p:sp>
@@ -46825,10 +53809,1522 @@
           </a:p>
         </p:txBody>
       </p:sp>
+      <p:sp>
+        <p:nvSpPr>
+          <p:cNvPr id="17" name="Rectangle 16">
+            <a:extLst>
+              <a:ext uri="{FF2B5EF4-FFF2-40B4-BE49-F238E27FC236}">
+                <a16:creationId xmlns:a16="http://schemas.microsoft.com/office/drawing/2014/main" id="{25BE3881-5B5D-A378-3BEF-D0674A805A31}"/>
+              </a:ext>
+            </a:extLst>
+          </p:cNvPr>
+          <p:cNvSpPr/>
+          <p:nvPr/>
+        </p:nvSpPr>
+        <p:spPr>
+          <a:xfrm>
+            <a:off x="5151120" y="518160"/>
+            <a:ext cx="2057400" cy="673310"/>
+          </a:xfrm>
+          <a:prstGeom prst="rect">
+            <a:avLst/>
+          </a:prstGeom>
+          <a:solidFill>
+            <a:schemeClr val="bg1"/>
+          </a:solidFill>
+          <a:ln>
+            <a:noFill/>
+          </a:ln>
+        </p:spPr>
+        <p:style>
+          <a:lnRef idx="2">
+            <a:schemeClr val="accent1">
+              <a:shade val="15000"/>
+            </a:schemeClr>
+          </a:lnRef>
+          <a:fillRef idx="1">
+            <a:schemeClr val="accent1"/>
+          </a:fillRef>
+          <a:effectRef idx="0">
+            <a:schemeClr val="accent1"/>
+          </a:effectRef>
+          <a:fontRef idx="minor">
+            <a:schemeClr val="lt1"/>
+          </a:fontRef>
+        </p:style>
+        <p:txBody>
+          <a:bodyPr rtlCol="0" anchor="ctr"/>
+          <a:lstStyle/>
+          <a:p>
+            <a:pPr algn="ctr"/>
+            <a:endParaRPr lang="en-US"/>
+          </a:p>
+        </p:txBody>
+      </p:sp>
+      <p:sp>
+        <p:nvSpPr>
+          <p:cNvPr id="19" name="Title 1">
+            <a:extLst>
+              <a:ext uri="{FF2B5EF4-FFF2-40B4-BE49-F238E27FC236}">
+                <a16:creationId xmlns:a16="http://schemas.microsoft.com/office/drawing/2014/main" id="{D931013B-A393-1CE8-8CEB-00B648E76136}"/>
+              </a:ext>
+            </a:extLst>
+          </p:cNvPr>
+          <p:cNvSpPr txBox="1">
+            <a:spLocks/>
+          </p:cNvSpPr>
+          <p:nvPr/>
+        </p:nvSpPr>
+        <p:spPr>
+          <a:xfrm>
+            <a:off x="3677958" y="732145"/>
+            <a:ext cx="4602480" cy="604774"/>
+          </a:xfrm>
+          <a:prstGeom prst="rect">
+            <a:avLst/>
+          </a:prstGeom>
+        </p:spPr>
+        <p:txBody>
+          <a:bodyPr>
+            <a:normAutofit/>
+          </a:bodyPr>
+          <a:lstStyle>
+            <a:lvl1pPr algn="ctr" defTabSz="914400" rtl="0" eaLnBrk="1" latinLnBrk="0" hangingPunct="1">
+              <a:lnSpc>
+                <a:spcPct val="90000"/>
+              </a:lnSpc>
+              <a:spcBef>
+                <a:spcPct val="0"/>
+              </a:spcBef>
+              <a:buNone/>
+              <a:defRPr sz="2400" kern="1200">
+                <a:solidFill>
+                  <a:schemeClr val="accent1"/>
+                </a:solidFill>
+                <a:latin typeface="Georgia" panose="02040502050405020303" pitchFamily="18" charset="0"/>
+                <a:ea typeface="+mj-ea"/>
+                <a:cs typeface="+mj-cs"/>
+              </a:defRPr>
+            </a:lvl1pPr>
+          </a:lstStyle>
+          <a:p>
+            <a:r>
+              <a:rPr lang="fr-FR" sz="3200" dirty="0">
+                <a:latin typeface="+mn-lt"/>
+              </a:rPr>
+              <a:t>Table of contents</a:t>
+            </a:r>
+            <a:endParaRPr lang="en-US" sz="3200" dirty="0">
+              <a:latin typeface="+mn-lt"/>
+            </a:endParaRPr>
+          </a:p>
+        </p:txBody>
+      </p:sp>
     </p:spTree>
     <p:extLst>
       <p:ext uri="{BB962C8B-B14F-4D97-AF65-F5344CB8AC3E}">
         <p14:creationId xmlns:p14="http://schemas.microsoft.com/office/powerpoint/2010/main" val="3955634505"/>
+      </p:ext>
+    </p:extLst>
+  </p:cSld>
+  <p:clrMapOvr>
+    <a:masterClrMapping/>
+  </p:clrMapOvr>
+</p:sld>
+</file>
+
+<file path=ppt/slides/slide20.xml><?xml version="1.0" encoding="utf-8"?>
+<p:sld xmlns:a="http://schemas.openxmlformats.org/drawingml/2006/main" xmlns:r="http://schemas.openxmlformats.org/officeDocument/2006/relationships" xmlns:p="http://schemas.openxmlformats.org/presentationml/2006/main">
+  <p:cSld>
+    <p:spTree>
+      <p:nvGrpSpPr>
+        <p:cNvPr id="1" name=""/>
+        <p:cNvGrpSpPr/>
+        <p:nvPr/>
+      </p:nvGrpSpPr>
+      <p:grpSpPr>
+        <a:xfrm>
+          <a:off x="0" y="0"/>
+          <a:ext cx="0" cy="0"/>
+          <a:chOff x="0" y="0"/>
+          <a:chExt cx="0" cy="0"/>
+        </a:xfrm>
+      </p:grpSpPr>
+      <p:sp>
+        <p:nvSpPr>
+          <p:cNvPr id="2" name="Title 1">
+            <a:extLst>
+              <a:ext uri="{FF2B5EF4-FFF2-40B4-BE49-F238E27FC236}">
+                <a16:creationId xmlns:a16="http://schemas.microsoft.com/office/drawing/2014/main" id="{0414AD25-EBB4-D6AD-A9C3-C23131344301}"/>
+              </a:ext>
+            </a:extLst>
+          </p:cNvPr>
+          <p:cNvSpPr>
+            <a:spLocks noGrp="1"/>
+          </p:cNvSpPr>
+          <p:nvPr>
+            <p:ph type="title"/>
+          </p:nvPr>
+        </p:nvSpPr>
+        <p:spPr>
+          <a:xfrm>
+            <a:off x="870209" y="218934"/>
+            <a:ext cx="6383037" cy="1161250"/>
+          </a:xfrm>
+        </p:spPr>
+        <p:txBody>
+          <a:bodyPr>
+            <a:normAutofit/>
+          </a:bodyPr>
+          <a:lstStyle/>
+          <a:p>
+            <a:r>
+              <a:rPr lang="en-US" sz="3200" dirty="0">
+                <a:latin typeface="+mn-lt"/>
+              </a:rPr>
+              <a:t>Visual representation </a:t>
+            </a:r>
+          </a:p>
+        </p:txBody>
+      </p:sp>
+      <p:sp>
+        <p:nvSpPr>
+          <p:cNvPr id="3" name="Text Placeholder 2">
+            <a:extLst>
+              <a:ext uri="{FF2B5EF4-FFF2-40B4-BE49-F238E27FC236}">
+                <a16:creationId xmlns:a16="http://schemas.microsoft.com/office/drawing/2014/main" id="{5533466B-A995-5045-B692-894561F6B2BA}"/>
+              </a:ext>
+            </a:extLst>
+          </p:cNvPr>
+          <p:cNvSpPr>
+            <a:spLocks noGrp="1"/>
+          </p:cNvSpPr>
+          <p:nvPr>
+            <p:ph type="body" sz="quarter" idx="10"/>
+          </p:nvPr>
+        </p:nvSpPr>
+        <p:spPr>
+          <a:xfrm>
+            <a:off x="838200" y="1769434"/>
+            <a:ext cx="6447056" cy="3862009"/>
+          </a:xfrm>
+        </p:spPr>
+        <p:txBody>
+          <a:bodyPr anchor="ctr"/>
+          <a:lstStyle/>
+          <a:p>
+            <a:pPr marL="342900" indent="-342900">
+              <a:buFont typeface="Arial" panose="020B0604020202020204" pitchFamily="34" charset="0"/>
+              <a:buChar char="•"/>
+            </a:pPr>
+            <a:r>
+              <a:rPr lang="en-US" dirty="0"/>
+              <a:t>Polling inspired distribution of preferences</a:t>
+            </a:r>
+          </a:p>
+          <a:p>
+            <a:pPr marL="342900" indent="-342900">
+              <a:buFont typeface="Arial" panose="020B0604020202020204" pitchFamily="34" charset="0"/>
+              <a:buChar char="•"/>
+            </a:pPr>
+            <a:endParaRPr lang="en-US" dirty="0"/>
+          </a:p>
+          <a:p>
+            <a:pPr marL="342900" indent="-342900">
+              <a:buFont typeface="Arial" panose="020B0604020202020204" pitchFamily="34" charset="0"/>
+              <a:buChar char="•"/>
+            </a:pPr>
+            <a:r>
+              <a:rPr lang="en-US" dirty="0"/>
+              <a:t>40 1</a:t>
+            </a:r>
+            <a:r>
+              <a:rPr lang="en-US" baseline="30000" dirty="0"/>
+              <a:t>st</a:t>
+            </a:r>
+            <a:r>
+              <a:rPr lang="en-US" dirty="0"/>
+              <a:t> choice, 19 2</a:t>
+            </a:r>
+            <a:r>
+              <a:rPr lang="en-US" baseline="30000" dirty="0"/>
+              <a:t>nd</a:t>
+            </a:r>
+            <a:r>
+              <a:rPr lang="en-US" dirty="0"/>
+              <a:t>, 10 3</a:t>
+            </a:r>
+            <a:r>
+              <a:rPr lang="en-US" baseline="30000" dirty="0"/>
+              <a:t>rd</a:t>
+            </a:r>
+            <a:r>
+              <a:rPr lang="en-US" dirty="0"/>
+              <a:t> , 1 4</a:t>
+            </a:r>
+            <a:r>
+              <a:rPr lang="en-US" baseline="30000" dirty="0"/>
+              <a:t>th</a:t>
+            </a:r>
+            <a:r>
+              <a:rPr lang="en-US" dirty="0"/>
+              <a:t> </a:t>
+            </a:r>
+            <a:endParaRPr lang="en-US" baseline="30000" dirty="0"/>
+          </a:p>
+          <a:p>
+            <a:pPr marL="342900" indent="-342900">
+              <a:buFont typeface="Arial" panose="020B0604020202020204" pitchFamily="34" charset="0"/>
+              <a:buChar char="•"/>
+            </a:pPr>
+            <a:endParaRPr lang="en-US" dirty="0"/>
+          </a:p>
+          <a:p>
+            <a:pPr marL="342900" indent="-342900">
+              <a:buFont typeface="Arial" panose="020B0604020202020204" pitchFamily="34" charset="0"/>
+              <a:buChar char="•"/>
+            </a:pPr>
+            <a:r>
+              <a:rPr lang="en-US" dirty="0"/>
+              <a:t>All courses allocated</a:t>
+            </a:r>
+          </a:p>
+        </p:txBody>
+      </p:sp>
+      <p:pic>
+        <p:nvPicPr>
+          <p:cNvPr id="9" name="Picture 8">
+            <a:extLst>
+              <a:ext uri="{FF2B5EF4-FFF2-40B4-BE49-F238E27FC236}">
+                <a16:creationId xmlns:a16="http://schemas.microsoft.com/office/drawing/2014/main" id="{4BD2E5DE-E3C5-ACAB-01C7-3D79525B570E}"/>
+              </a:ext>
+            </a:extLst>
+          </p:cNvPr>
+          <p:cNvPicPr>
+            <a:picLocks noChangeAspect="1"/>
+          </p:cNvPicPr>
+          <p:nvPr/>
+        </p:nvPicPr>
+        <p:blipFill>
+          <a:blip r:embed="rId2"/>
+          <a:stretch>
+            <a:fillRect/>
+          </a:stretch>
+        </p:blipFill>
+        <p:spPr>
+          <a:xfrm>
+            <a:off x="7221237" y="218934"/>
+            <a:ext cx="4735331" cy="6420132"/>
+          </a:xfrm>
+          <a:prstGeom prst="rect">
+            <a:avLst/>
+          </a:prstGeom>
+        </p:spPr>
+      </p:pic>
+      <p:sp>
+        <p:nvSpPr>
+          <p:cNvPr id="10" name="Oval 9">
+            <a:extLst>
+              <a:ext uri="{FF2B5EF4-FFF2-40B4-BE49-F238E27FC236}">
+                <a16:creationId xmlns:a16="http://schemas.microsoft.com/office/drawing/2014/main" id="{F57383D0-1F58-BA2A-0A5B-A6E4C0DA0319}"/>
+              </a:ext>
+            </a:extLst>
+          </p:cNvPr>
+          <p:cNvSpPr/>
+          <p:nvPr/>
+        </p:nvSpPr>
+        <p:spPr>
+          <a:xfrm>
+            <a:off x="4817942" y="1305385"/>
+            <a:ext cx="2435304" cy="126124"/>
+          </a:xfrm>
+          <a:prstGeom prst="ellipse">
+            <a:avLst/>
+          </a:prstGeom>
+          <a:solidFill>
+            <a:schemeClr val="bg1"/>
+          </a:solidFill>
+          <a:ln>
+            <a:noFill/>
+          </a:ln>
+        </p:spPr>
+        <p:style>
+          <a:lnRef idx="2">
+            <a:schemeClr val="accent1">
+              <a:shade val="15000"/>
+            </a:schemeClr>
+          </a:lnRef>
+          <a:fillRef idx="1">
+            <a:schemeClr val="accent1"/>
+          </a:fillRef>
+          <a:effectRef idx="0">
+            <a:schemeClr val="accent1"/>
+          </a:effectRef>
+          <a:fontRef idx="minor">
+            <a:schemeClr val="lt1"/>
+          </a:fontRef>
+        </p:style>
+        <p:txBody>
+          <a:bodyPr rtlCol="0" anchor="ctr"/>
+          <a:lstStyle/>
+          <a:p>
+            <a:pPr algn="ctr"/>
+            <a:endParaRPr lang="en-US"/>
+          </a:p>
+        </p:txBody>
+      </p:sp>
+      <p:sp>
+        <p:nvSpPr>
+          <p:cNvPr id="12" name="TextBox 11">
+            <a:extLst>
+              <a:ext uri="{FF2B5EF4-FFF2-40B4-BE49-F238E27FC236}">
+                <a16:creationId xmlns:a16="http://schemas.microsoft.com/office/drawing/2014/main" id="{D6B6F1C8-DEA5-682B-CDC0-D611BE34EA9F}"/>
+              </a:ext>
+            </a:extLst>
+          </p:cNvPr>
+          <p:cNvSpPr txBox="1"/>
+          <p:nvPr/>
+        </p:nvSpPr>
+        <p:spPr>
+          <a:xfrm>
+            <a:off x="870209" y="5808069"/>
+            <a:ext cx="6259962" cy="830997"/>
+          </a:xfrm>
+          <a:prstGeom prst="rect">
+            <a:avLst/>
+          </a:prstGeom>
+          <a:noFill/>
+        </p:spPr>
+        <p:txBody>
+          <a:bodyPr wrap="square" rtlCol="0">
+            <a:spAutoFit/>
+          </a:bodyPr>
+          <a:lstStyle/>
+          <a:p>
+            <a:pPr algn="ctr"/>
+            <a:r>
+              <a:rPr lang="en-US" sz="2400" b="1" dirty="0"/>
+              <a:t>A system that would work when confronted to reality</a:t>
+            </a:r>
+          </a:p>
+        </p:txBody>
+      </p:sp>
+    </p:spTree>
+    <p:extLst>
+      <p:ext uri="{BB962C8B-B14F-4D97-AF65-F5344CB8AC3E}">
+        <p14:creationId xmlns:p14="http://schemas.microsoft.com/office/powerpoint/2010/main" val="2593200328"/>
+      </p:ext>
+    </p:extLst>
+  </p:cSld>
+  <p:clrMapOvr>
+    <a:masterClrMapping/>
+  </p:clrMapOvr>
+</p:sld>
+</file>
+
+<file path=ppt/slides/slide21.xml><?xml version="1.0" encoding="utf-8"?>
+<p:sld xmlns:a="http://schemas.openxmlformats.org/drawingml/2006/main" xmlns:r="http://schemas.openxmlformats.org/officeDocument/2006/relationships" xmlns:p="http://schemas.openxmlformats.org/presentationml/2006/main">
+  <p:cSld>
+    <p:spTree>
+      <p:nvGrpSpPr>
+        <p:cNvPr id="1" name=""/>
+        <p:cNvGrpSpPr/>
+        <p:nvPr/>
+      </p:nvGrpSpPr>
+      <p:grpSpPr>
+        <a:xfrm>
+          <a:off x="0" y="0"/>
+          <a:ext cx="0" cy="0"/>
+          <a:chOff x="0" y="0"/>
+          <a:chExt cx="0" cy="0"/>
+        </a:xfrm>
+      </p:grpSpPr>
+      <p:sp>
+        <p:nvSpPr>
+          <p:cNvPr id="2" name="Title 1">
+            <a:extLst>
+              <a:ext uri="{FF2B5EF4-FFF2-40B4-BE49-F238E27FC236}">
+                <a16:creationId xmlns:a16="http://schemas.microsoft.com/office/drawing/2014/main" id="{2EB9F684-5949-E715-94FB-D55D336E4AA9}"/>
+              </a:ext>
+            </a:extLst>
+          </p:cNvPr>
+          <p:cNvSpPr>
+            <a:spLocks noGrp="1"/>
+          </p:cNvSpPr>
+          <p:nvPr>
+            <p:ph type="title"/>
+          </p:nvPr>
+        </p:nvSpPr>
+        <p:spPr/>
+        <p:txBody>
+          <a:bodyPr>
+            <a:normAutofit/>
+          </a:bodyPr>
+          <a:lstStyle/>
+          <a:p>
+            <a:r>
+              <a:rPr lang="en-US" sz="3200" dirty="0">
+                <a:latin typeface="+mn-lt"/>
+              </a:rPr>
+              <a:t>Fallback</a:t>
+            </a:r>
+          </a:p>
+        </p:txBody>
+      </p:sp>
+      <p:sp>
+        <p:nvSpPr>
+          <p:cNvPr id="3" name="Text Placeholder 2">
+            <a:extLst>
+              <a:ext uri="{FF2B5EF4-FFF2-40B4-BE49-F238E27FC236}">
+                <a16:creationId xmlns:a16="http://schemas.microsoft.com/office/drawing/2014/main" id="{E85EA46D-6464-7822-78DB-EBD61B0963B4}"/>
+              </a:ext>
+            </a:extLst>
+          </p:cNvPr>
+          <p:cNvSpPr>
+            <a:spLocks noGrp="1"/>
+          </p:cNvSpPr>
+          <p:nvPr>
+            <p:ph type="body" sz="quarter" idx="10"/>
+          </p:nvPr>
+        </p:nvSpPr>
+        <p:spPr>
+          <a:xfrm>
+            <a:off x="838199" y="1769434"/>
+            <a:ext cx="10515599" cy="3814244"/>
+          </a:xfrm>
+        </p:spPr>
+        <p:txBody>
+          <a:bodyPr/>
+          <a:lstStyle/>
+          <a:p>
+            <a:pPr marL="342900" indent="-342900">
+              <a:buFont typeface="Arial" panose="020B0604020202020204" pitchFamily="34" charset="0"/>
+              <a:buChar char="•"/>
+            </a:pPr>
+            <a:r>
+              <a:rPr lang="en-US" dirty="0"/>
+              <a:t>Adding a course is easy : stability, increasing room size priority</a:t>
+            </a:r>
+          </a:p>
+          <a:p>
+            <a:pPr marL="342900" indent="-342900">
+              <a:buFont typeface="Arial" panose="020B0604020202020204" pitchFamily="34" charset="0"/>
+              <a:buChar char="•"/>
+            </a:pPr>
+            <a:endParaRPr lang="en-US" dirty="0"/>
+          </a:p>
+          <a:p>
+            <a:pPr marL="342900" indent="-342900">
+              <a:buFont typeface="Arial" panose="020B0604020202020204" pitchFamily="34" charset="0"/>
+              <a:buChar char="•"/>
+            </a:pPr>
+            <a:r>
+              <a:rPr lang="en-US" dirty="0"/>
+              <a:t>Remaining unallocated classes : manually added by registrar’s office, or extension of their preferences</a:t>
+            </a:r>
+          </a:p>
+          <a:p>
+            <a:pPr marL="342900" indent="-342900">
+              <a:buFont typeface="Arial" panose="020B0604020202020204" pitchFamily="34" charset="0"/>
+              <a:buChar char="•"/>
+            </a:pPr>
+            <a:endParaRPr lang="en-US" dirty="0"/>
+          </a:p>
+          <a:p>
+            <a:pPr marL="342900" indent="-342900">
+              <a:buFont typeface="Arial" panose="020B0604020202020204" pitchFamily="34" charset="0"/>
+              <a:buChar char="•"/>
+            </a:pPr>
+            <a:r>
+              <a:rPr lang="en-US" dirty="0"/>
+              <a:t>Very few problematic courses: 5 preferences </a:t>
+            </a:r>
+            <a:r>
+              <a:rPr lang="en-US" dirty="0">
+                <a:sym typeface="Wingdings" panose="05000000000000000000" pitchFamily="2" charset="2"/>
+              </a:rPr>
+              <a:t> 95+% allocated</a:t>
+            </a:r>
+            <a:endParaRPr lang="en-US" dirty="0"/>
+          </a:p>
+        </p:txBody>
+      </p:sp>
+      <p:sp>
+        <p:nvSpPr>
+          <p:cNvPr id="5" name="TextBox 4">
+            <a:extLst>
+              <a:ext uri="{FF2B5EF4-FFF2-40B4-BE49-F238E27FC236}">
+                <a16:creationId xmlns:a16="http://schemas.microsoft.com/office/drawing/2014/main" id="{5975D50C-9AA0-4599-168B-4C7A0E27536B}"/>
+              </a:ext>
+            </a:extLst>
+          </p:cNvPr>
+          <p:cNvSpPr txBox="1"/>
+          <p:nvPr/>
+        </p:nvSpPr>
+        <p:spPr>
+          <a:xfrm>
+            <a:off x="2253940" y="5858273"/>
+            <a:ext cx="7684115" cy="400110"/>
+          </a:xfrm>
+          <a:prstGeom prst="rect">
+            <a:avLst/>
+          </a:prstGeom>
+          <a:noFill/>
+        </p:spPr>
+        <p:txBody>
+          <a:bodyPr wrap="square" rtlCol="0">
+            <a:spAutoFit/>
+          </a:bodyPr>
+          <a:lstStyle/>
+          <a:p>
+            <a:pPr algn="ctr"/>
+            <a:r>
+              <a:rPr lang="en-US" sz="2000" b="1" dirty="0"/>
+              <a:t>Fringe cases if any are limited and can be resolved</a:t>
+            </a:r>
+          </a:p>
+        </p:txBody>
+      </p:sp>
+    </p:spTree>
+    <p:extLst>
+      <p:ext uri="{BB962C8B-B14F-4D97-AF65-F5344CB8AC3E}">
+        <p14:creationId xmlns:p14="http://schemas.microsoft.com/office/powerpoint/2010/main" val="125895719"/>
+      </p:ext>
+    </p:extLst>
+  </p:cSld>
+  <p:clrMapOvr>
+    <a:masterClrMapping/>
+  </p:clrMapOvr>
+</p:sld>
+</file>
+
+<file path=ppt/slides/slide22.xml><?xml version="1.0" encoding="utf-8"?>
+<p:sld xmlns:a="http://schemas.openxmlformats.org/drawingml/2006/main" xmlns:r="http://schemas.openxmlformats.org/officeDocument/2006/relationships" xmlns:p="http://schemas.openxmlformats.org/presentationml/2006/main">
+  <p:cSld>
+    <p:spTree>
+      <p:nvGrpSpPr>
+        <p:cNvPr id="1" name="">
+          <a:extLst>
+            <a:ext uri="{FF2B5EF4-FFF2-40B4-BE49-F238E27FC236}">
+              <a16:creationId xmlns:a16="http://schemas.microsoft.com/office/drawing/2014/main" id="{B852B46A-7A9D-F91B-51ED-B6412583EF7D}"/>
+            </a:ext>
+          </a:extLst>
+        </p:cNvPr>
+        <p:cNvGrpSpPr/>
+        <p:nvPr/>
+      </p:nvGrpSpPr>
+      <p:grpSpPr>
+        <a:xfrm>
+          <a:off x="0" y="0"/>
+          <a:ext cx="0" cy="0"/>
+          <a:chOff x="0" y="0"/>
+          <a:chExt cx="0" cy="0"/>
+        </a:xfrm>
+      </p:grpSpPr>
+      <p:sp>
+        <p:nvSpPr>
+          <p:cNvPr id="2" name="Text Placeholder 1">
+            <a:extLst>
+              <a:ext uri="{FF2B5EF4-FFF2-40B4-BE49-F238E27FC236}">
+                <a16:creationId xmlns:a16="http://schemas.microsoft.com/office/drawing/2014/main" id="{0F3FBDF4-0C3C-F807-903A-E57C8AAD153E}"/>
+              </a:ext>
+            </a:extLst>
+          </p:cNvPr>
+          <p:cNvSpPr>
+            <a:spLocks noGrp="1"/>
+          </p:cNvSpPr>
+          <p:nvPr>
+            <p:ph type="body" sz="quarter" idx="10"/>
+          </p:nvPr>
+        </p:nvSpPr>
+        <p:spPr>
+          <a:xfrm>
+            <a:off x="2629285" y="703260"/>
+            <a:ext cx="6933429" cy="5451475"/>
+          </a:xfrm>
+        </p:spPr>
+        <p:txBody>
+          <a:bodyPr anchor="ctr"/>
+          <a:lstStyle/>
+          <a:p>
+            <a:r>
+              <a:rPr lang="fr-FR" dirty="0"/>
+              <a:t>V</a:t>
+            </a:r>
+            <a:endParaRPr lang="en-GB" dirty="0"/>
+          </a:p>
+        </p:txBody>
+      </p:sp>
+      <p:sp>
+        <p:nvSpPr>
+          <p:cNvPr id="3" name="Text Placeholder 2">
+            <a:extLst>
+              <a:ext uri="{FF2B5EF4-FFF2-40B4-BE49-F238E27FC236}">
+                <a16:creationId xmlns:a16="http://schemas.microsoft.com/office/drawing/2014/main" id="{EEF6D4F0-813D-ACF8-C05B-B694358209A8}"/>
+              </a:ext>
+            </a:extLst>
+          </p:cNvPr>
+          <p:cNvSpPr>
+            <a:spLocks noGrp="1"/>
+          </p:cNvSpPr>
+          <p:nvPr>
+            <p:ph type="body" sz="quarter" idx="12"/>
+          </p:nvPr>
+        </p:nvSpPr>
+        <p:spPr/>
+        <p:txBody>
+          <a:bodyPr/>
+          <a:lstStyle/>
+          <a:p>
+            <a:r>
+              <a:rPr lang="fr-FR" sz="1000" dirty="0"/>
+              <a:t>C.A.S.T.L.E</a:t>
+            </a:r>
+            <a:endParaRPr lang="en-GB" sz="1000" dirty="0"/>
+          </a:p>
+        </p:txBody>
+      </p:sp>
+      <p:sp>
+        <p:nvSpPr>
+          <p:cNvPr id="4" name="Text Placeholder 3">
+            <a:extLst>
+              <a:ext uri="{FF2B5EF4-FFF2-40B4-BE49-F238E27FC236}">
+                <a16:creationId xmlns:a16="http://schemas.microsoft.com/office/drawing/2014/main" id="{01829FC1-A425-D814-58AA-2B3361462863}"/>
+              </a:ext>
+            </a:extLst>
+          </p:cNvPr>
+          <p:cNvSpPr>
+            <a:spLocks noGrp="1"/>
+          </p:cNvSpPr>
+          <p:nvPr>
+            <p:ph type="body" sz="quarter" idx="13"/>
+          </p:nvPr>
+        </p:nvSpPr>
+        <p:spPr/>
+        <p:txBody>
+          <a:bodyPr/>
+          <a:lstStyle/>
+          <a:p>
+            <a:endParaRPr lang="en-GB"/>
+          </a:p>
+        </p:txBody>
+      </p:sp>
+      <p:sp>
+        <p:nvSpPr>
+          <p:cNvPr id="5" name="Text Placeholder 4">
+            <a:extLst>
+              <a:ext uri="{FF2B5EF4-FFF2-40B4-BE49-F238E27FC236}">
+                <a16:creationId xmlns:a16="http://schemas.microsoft.com/office/drawing/2014/main" id="{1D18CE7F-B4DE-AAC9-48ED-B69A62501F07}"/>
+              </a:ext>
+            </a:extLst>
+          </p:cNvPr>
+          <p:cNvSpPr>
+            <a:spLocks noGrp="1"/>
+          </p:cNvSpPr>
+          <p:nvPr>
+            <p:ph type="body" sz="quarter" idx="11"/>
+          </p:nvPr>
+        </p:nvSpPr>
+        <p:spPr>
+          <a:xfrm>
+            <a:off x="1833619" y="2376005"/>
+            <a:ext cx="8524762" cy="2105986"/>
+          </a:xfrm>
+        </p:spPr>
+        <p:txBody>
+          <a:bodyPr>
+            <a:normAutofit/>
+          </a:bodyPr>
+          <a:lstStyle/>
+          <a:p>
+            <a:r>
+              <a:rPr lang="en-US" dirty="0"/>
+              <a:t>Modularity &amp; Conclusions</a:t>
+            </a:r>
+          </a:p>
+        </p:txBody>
+      </p:sp>
+    </p:spTree>
+    <p:extLst>
+      <p:ext uri="{BB962C8B-B14F-4D97-AF65-F5344CB8AC3E}">
+        <p14:creationId xmlns:p14="http://schemas.microsoft.com/office/powerpoint/2010/main" val="200753041"/>
+      </p:ext>
+    </p:extLst>
+  </p:cSld>
+  <p:clrMapOvr>
+    <a:masterClrMapping/>
+  </p:clrMapOvr>
+</p:sld>
+</file>
+
+<file path=ppt/slides/slide23.xml><?xml version="1.0" encoding="utf-8"?>
+<p:sld xmlns:a="http://schemas.openxmlformats.org/drawingml/2006/main" xmlns:r="http://schemas.openxmlformats.org/officeDocument/2006/relationships" xmlns:p="http://schemas.openxmlformats.org/presentationml/2006/main">
+  <p:cSld>
+    <p:spTree>
+      <p:nvGrpSpPr>
+        <p:cNvPr id="1" name=""/>
+        <p:cNvGrpSpPr/>
+        <p:nvPr/>
+      </p:nvGrpSpPr>
+      <p:grpSpPr>
+        <a:xfrm>
+          <a:off x="0" y="0"/>
+          <a:ext cx="0" cy="0"/>
+          <a:chOff x="0" y="0"/>
+          <a:chExt cx="0" cy="0"/>
+        </a:xfrm>
+      </p:grpSpPr>
+      <p:sp>
+        <p:nvSpPr>
+          <p:cNvPr id="2" name="Title 1">
+            <a:extLst>
+              <a:ext uri="{FF2B5EF4-FFF2-40B4-BE49-F238E27FC236}">
+                <a16:creationId xmlns:a16="http://schemas.microsoft.com/office/drawing/2014/main" id="{CCD8C1BE-1835-4197-D93B-0314B44CEF86}"/>
+              </a:ext>
+            </a:extLst>
+          </p:cNvPr>
+          <p:cNvSpPr>
+            <a:spLocks noGrp="1"/>
+          </p:cNvSpPr>
+          <p:nvPr>
+            <p:ph type="title"/>
+          </p:nvPr>
+        </p:nvSpPr>
+        <p:spPr/>
+        <p:txBody>
+          <a:bodyPr>
+            <a:normAutofit/>
+          </a:bodyPr>
+          <a:lstStyle/>
+          <a:p>
+            <a:r>
+              <a:rPr lang="en-US" sz="3200" dirty="0">
+                <a:latin typeface="+mn-lt"/>
+              </a:rPr>
+              <a:t>Other possible fit calculation parameters </a:t>
+            </a:r>
+          </a:p>
+        </p:txBody>
+      </p:sp>
+      <p:sp>
+        <p:nvSpPr>
+          <p:cNvPr id="3" name="Content Placeholder 2">
+            <a:extLst>
+              <a:ext uri="{FF2B5EF4-FFF2-40B4-BE49-F238E27FC236}">
+                <a16:creationId xmlns:a16="http://schemas.microsoft.com/office/drawing/2014/main" id="{DC8B2311-A707-180F-13E9-DC3071D0FC8F}"/>
+              </a:ext>
+            </a:extLst>
+          </p:cNvPr>
+          <p:cNvSpPr>
+            <a:spLocks noGrp="1"/>
+          </p:cNvSpPr>
+          <p:nvPr>
+            <p:ph idx="1"/>
+          </p:nvPr>
+        </p:nvSpPr>
+        <p:spPr>
+          <a:xfrm>
+            <a:off x="685800" y="1902877"/>
+            <a:ext cx="10820400" cy="3443823"/>
+          </a:xfrm>
+        </p:spPr>
+        <p:txBody>
+          <a:bodyPr>
+            <a:normAutofit fontScale="92500"/>
+          </a:bodyPr>
+          <a:lstStyle/>
+          <a:p>
+            <a:pPr marL="342900" indent="-342900">
+              <a:lnSpc>
+                <a:spcPct val="200000"/>
+              </a:lnSpc>
+              <a:buFont typeface="Arial" panose="020B0604020202020204" pitchFamily="34" charset="0"/>
+              <a:buChar char="•"/>
+            </a:pPr>
+            <a:r>
+              <a:rPr lang="en-US" dirty="0">
+                <a:latin typeface="+mj-lt"/>
+              </a:rPr>
+              <a:t>Improve </a:t>
+            </a:r>
+            <a:r>
+              <a:rPr lang="en-US" b="1" dirty="0">
+                <a:latin typeface="+mj-lt"/>
+              </a:rPr>
+              <a:t>fairness</a:t>
+            </a:r>
+            <a:r>
+              <a:rPr lang="en-US" dirty="0">
+                <a:latin typeface="+mj-lt"/>
+              </a:rPr>
+              <a:t> : low rank </a:t>
+            </a:r>
+            <a:r>
+              <a:rPr lang="en-US" dirty="0">
+                <a:latin typeface="+mj-lt"/>
+                <a:sym typeface="Wingdings" panose="05000000000000000000" pitchFamily="2" charset="2"/>
+              </a:rPr>
+              <a:t> boost next time  (loose strategy proofness)</a:t>
+            </a:r>
+          </a:p>
+          <a:p>
+            <a:pPr marL="342900" indent="-342900">
+              <a:lnSpc>
+                <a:spcPct val="200000"/>
+              </a:lnSpc>
+              <a:buFont typeface="Arial" panose="020B0604020202020204" pitchFamily="34" charset="0"/>
+              <a:buChar char="•"/>
+            </a:pPr>
+            <a:r>
+              <a:rPr lang="en-US" b="1" dirty="0">
+                <a:latin typeface="+mj-lt"/>
+                <a:sym typeface="Wingdings" panose="05000000000000000000" pitchFamily="2" charset="2"/>
+              </a:rPr>
+              <a:t>Equipment</a:t>
+            </a:r>
+            <a:r>
+              <a:rPr lang="en-US" dirty="0">
+                <a:latin typeface="+mj-lt"/>
+                <a:sym typeface="Wingdings" panose="05000000000000000000" pitchFamily="2" charset="2"/>
+              </a:rPr>
+              <a:t> matching (loose strategy-proofness, and more unmatched courses)</a:t>
+            </a:r>
+          </a:p>
+          <a:p>
+            <a:pPr marL="342900" indent="-342900">
+              <a:lnSpc>
+                <a:spcPct val="200000"/>
+              </a:lnSpc>
+              <a:buFont typeface="Arial" panose="020B0604020202020204" pitchFamily="34" charset="0"/>
+              <a:buChar char="•"/>
+            </a:pPr>
+            <a:r>
+              <a:rPr lang="en-US" b="1" dirty="0">
+                <a:latin typeface="+mj-lt"/>
+                <a:sym typeface="Wingdings" panose="05000000000000000000" pitchFamily="2" charset="2"/>
+              </a:rPr>
+              <a:t>Proximity</a:t>
+            </a:r>
+            <a:r>
+              <a:rPr lang="en-US" dirty="0">
+                <a:latin typeface="+mj-lt"/>
+                <a:sym typeface="Wingdings" panose="05000000000000000000" pitchFamily="2" charset="2"/>
+              </a:rPr>
+              <a:t> to labs/dorms (makes stability harder, improves practical usability)</a:t>
+            </a:r>
+          </a:p>
+          <a:p>
+            <a:pPr marL="342900" indent="-342900">
+              <a:lnSpc>
+                <a:spcPct val="200000"/>
+              </a:lnSpc>
+              <a:buFont typeface="Arial" panose="020B0604020202020204" pitchFamily="34" charset="0"/>
+              <a:buChar char="•"/>
+            </a:pPr>
+            <a:r>
+              <a:rPr lang="en-US" b="1" dirty="0">
+                <a:latin typeface="+mj-lt"/>
+                <a:sym typeface="Wingdings" panose="05000000000000000000" pitchFamily="2" charset="2"/>
+              </a:rPr>
+              <a:t>Include</a:t>
+            </a:r>
+            <a:r>
+              <a:rPr lang="en-US" dirty="0">
+                <a:latin typeface="+mj-lt"/>
+                <a:sym typeface="Wingdings" panose="05000000000000000000" pitchFamily="2" charset="2"/>
+              </a:rPr>
+              <a:t> timetable management (makes it much more complex)</a:t>
+            </a:r>
+          </a:p>
+          <a:p>
+            <a:pPr marL="342900" indent="-342900">
+              <a:buFont typeface="Arial" panose="020B0604020202020204" pitchFamily="34" charset="0"/>
+              <a:buChar char="•"/>
+            </a:pPr>
+            <a:endParaRPr lang="en-US" dirty="0">
+              <a:latin typeface="+mj-lt"/>
+              <a:sym typeface="Wingdings" panose="05000000000000000000" pitchFamily="2" charset="2"/>
+            </a:endParaRPr>
+          </a:p>
+          <a:p>
+            <a:pPr marL="342900" indent="-342900">
+              <a:buFont typeface="Arial" panose="020B0604020202020204" pitchFamily="34" charset="0"/>
+              <a:buChar char="•"/>
+            </a:pPr>
+            <a:endParaRPr lang="en-US" dirty="0">
+              <a:latin typeface="+mj-lt"/>
+              <a:sym typeface="Wingdings" panose="05000000000000000000" pitchFamily="2" charset="2"/>
+            </a:endParaRPr>
+          </a:p>
+          <a:p>
+            <a:pPr marL="342900" indent="-342900">
+              <a:buFont typeface="Arial" panose="020B0604020202020204" pitchFamily="34" charset="0"/>
+              <a:buChar char="•"/>
+            </a:pPr>
+            <a:endParaRPr lang="en-US" dirty="0">
+              <a:latin typeface="+mj-lt"/>
+              <a:sym typeface="Wingdings" panose="05000000000000000000" pitchFamily="2" charset="2"/>
+            </a:endParaRPr>
+          </a:p>
+          <a:p>
+            <a:pPr marL="342900" indent="-342900">
+              <a:buFont typeface="Arial" panose="020B0604020202020204" pitchFamily="34" charset="0"/>
+              <a:buChar char="•"/>
+            </a:pPr>
+            <a:endParaRPr lang="en-US" dirty="0">
+              <a:latin typeface="+mj-lt"/>
+            </a:endParaRPr>
+          </a:p>
+        </p:txBody>
+      </p:sp>
+      <p:sp>
+        <p:nvSpPr>
+          <p:cNvPr id="4" name="TextBox 3">
+            <a:extLst>
+              <a:ext uri="{FF2B5EF4-FFF2-40B4-BE49-F238E27FC236}">
+                <a16:creationId xmlns:a16="http://schemas.microsoft.com/office/drawing/2014/main" id="{B82C1A50-81DB-E5A9-BFF5-97B1039D748D}"/>
+              </a:ext>
+            </a:extLst>
+          </p:cNvPr>
+          <p:cNvSpPr txBox="1"/>
+          <p:nvPr/>
+        </p:nvSpPr>
+        <p:spPr>
+          <a:xfrm>
+            <a:off x="1450975" y="6111324"/>
+            <a:ext cx="9290050" cy="461665"/>
+          </a:xfrm>
+          <a:prstGeom prst="rect">
+            <a:avLst/>
+          </a:prstGeom>
+          <a:noFill/>
+        </p:spPr>
+        <p:txBody>
+          <a:bodyPr wrap="square" rtlCol="0">
+            <a:spAutoFit/>
+          </a:bodyPr>
+          <a:lstStyle/>
+          <a:p>
+            <a:pPr algn="ctr"/>
+            <a:r>
+              <a:rPr lang="en-US" sz="2400" b="1" dirty="0"/>
+              <a:t>The System can be tailored to the administration’s needs </a:t>
+            </a:r>
+          </a:p>
+        </p:txBody>
+      </p:sp>
+    </p:spTree>
+    <p:extLst>
+      <p:ext uri="{BB962C8B-B14F-4D97-AF65-F5344CB8AC3E}">
+        <p14:creationId xmlns:p14="http://schemas.microsoft.com/office/powerpoint/2010/main" val="296081390"/>
+      </p:ext>
+    </p:extLst>
+  </p:cSld>
+  <p:clrMapOvr>
+    <a:masterClrMapping/>
+  </p:clrMapOvr>
+</p:sld>
+</file>
+
+<file path=ppt/slides/slide24.xml><?xml version="1.0" encoding="utf-8"?>
+<p:sld xmlns:a="http://schemas.openxmlformats.org/drawingml/2006/main" xmlns:r="http://schemas.openxmlformats.org/officeDocument/2006/relationships" xmlns:p="http://schemas.openxmlformats.org/presentationml/2006/main">
+  <p:cSld>
+    <p:spTree>
+      <p:nvGrpSpPr>
+        <p:cNvPr id="1" name=""/>
+        <p:cNvGrpSpPr/>
+        <p:nvPr/>
+      </p:nvGrpSpPr>
+      <p:grpSpPr>
+        <a:xfrm>
+          <a:off x="0" y="0"/>
+          <a:ext cx="0" cy="0"/>
+          <a:chOff x="0" y="0"/>
+          <a:chExt cx="0" cy="0"/>
+        </a:xfrm>
+      </p:grpSpPr>
+      <p:pic>
+        <p:nvPicPr>
+          <p:cNvPr id="23" name="Picture Placeholder 22" descr="Clipboard Partially Ticked outline">
+            <a:extLst>
+              <a:ext uri="{FF2B5EF4-FFF2-40B4-BE49-F238E27FC236}">
+                <a16:creationId xmlns:a16="http://schemas.microsoft.com/office/drawing/2014/main" id="{CC5E924E-10F8-A4CF-BFCB-C4C353CAC71C}"/>
+              </a:ext>
+            </a:extLst>
+          </p:cNvPr>
+          <p:cNvPicPr>
+            <a:picLocks noGrp="1" noChangeAspect="1"/>
+          </p:cNvPicPr>
+          <p:nvPr>
+            <p:ph type="pic" sz="quarter" idx="11"/>
+          </p:nvPr>
+        </p:nvPicPr>
+        <p:blipFill>
+          <a:blip r:embed="rId2">
+            <a:extLst>
+              <a:ext uri="{96DAC541-7B7A-43D3-8B79-37D633B846F1}">
+                <asvg:svgBlip xmlns:asvg="http://schemas.microsoft.com/office/drawing/2016/SVG/main" r:embed="rId3"/>
+              </a:ext>
+            </a:extLst>
+          </a:blip>
+          <a:srcRect t="80" b="80"/>
+          <a:stretch>
+            <a:fillRect/>
+          </a:stretch>
+        </p:blipFill>
+        <p:spPr>
+          <a:xfrm>
+            <a:off x="5677339" y="3312135"/>
+            <a:ext cx="837322" cy="835711"/>
+          </a:xfrm>
+        </p:spPr>
+      </p:pic>
+      <p:pic>
+        <p:nvPicPr>
+          <p:cNvPr id="27" name="Picture Placeholder 26" descr="Continuous Improvement outline">
+            <a:extLst>
+              <a:ext uri="{FF2B5EF4-FFF2-40B4-BE49-F238E27FC236}">
+                <a16:creationId xmlns:a16="http://schemas.microsoft.com/office/drawing/2014/main" id="{2788557B-18DE-2075-4D58-74E807950A8A}"/>
+              </a:ext>
+            </a:extLst>
+          </p:cNvPr>
+          <p:cNvPicPr>
+            <a:picLocks noGrp="1" noChangeAspect="1"/>
+          </p:cNvPicPr>
+          <p:nvPr>
+            <p:ph type="pic" sz="quarter" idx="12"/>
+          </p:nvPr>
+        </p:nvPicPr>
+        <p:blipFill>
+          <a:blip r:embed="rId4">
+            <a:extLst>
+              <a:ext uri="{96DAC541-7B7A-43D3-8B79-37D633B846F1}">
+                <asvg:svgBlip xmlns:asvg="http://schemas.microsoft.com/office/drawing/2016/SVG/main" r:embed="rId5"/>
+              </a:ext>
+            </a:extLst>
+          </a:blip>
+          <a:srcRect t="80" b="80"/>
+          <a:stretch>
+            <a:fillRect/>
+          </a:stretch>
+        </p:blipFill>
+        <p:spPr>
+          <a:xfrm>
+            <a:off x="10306939" y="3312134"/>
+            <a:ext cx="837322" cy="835711"/>
+          </a:xfrm>
+        </p:spPr>
+      </p:pic>
+      <p:pic>
+        <p:nvPicPr>
+          <p:cNvPr id="19" name="Picture Placeholder 18" descr="Artificial Intelligence outline">
+            <a:extLst>
+              <a:ext uri="{FF2B5EF4-FFF2-40B4-BE49-F238E27FC236}">
+                <a16:creationId xmlns:a16="http://schemas.microsoft.com/office/drawing/2014/main" id="{03A647A0-4D43-9F09-7634-CC484D78AFB8}"/>
+              </a:ext>
+            </a:extLst>
+          </p:cNvPr>
+          <p:cNvPicPr>
+            <a:picLocks noGrp="1" noChangeAspect="1"/>
+          </p:cNvPicPr>
+          <p:nvPr>
+            <p:ph type="pic" sz="quarter" idx="14"/>
+          </p:nvPr>
+        </p:nvPicPr>
+        <p:blipFill>
+          <a:blip r:embed="rId6">
+            <a:extLst>
+              <a:ext uri="{96DAC541-7B7A-43D3-8B79-37D633B846F1}">
+                <asvg:svgBlip xmlns:asvg="http://schemas.microsoft.com/office/drawing/2016/SVG/main" r:embed="rId7"/>
+              </a:ext>
+            </a:extLst>
+          </a:blip>
+          <a:srcRect t="96" b="96"/>
+          <a:stretch/>
+        </p:blipFill>
+        <p:spPr>
+          <a:xfrm>
+            <a:off x="3362539" y="4011718"/>
+            <a:ext cx="837322" cy="835711"/>
+          </a:xfrm>
+        </p:spPr>
+      </p:pic>
+      <p:pic>
+        <p:nvPicPr>
+          <p:cNvPr id="25" name="Picture Placeholder 24" descr="Bar graph with upward trend outline">
+            <a:extLst>
+              <a:ext uri="{FF2B5EF4-FFF2-40B4-BE49-F238E27FC236}">
+                <a16:creationId xmlns:a16="http://schemas.microsoft.com/office/drawing/2014/main" id="{98CE0A58-8B10-1CA9-140E-25107916D23E}"/>
+              </a:ext>
+            </a:extLst>
+          </p:cNvPr>
+          <p:cNvPicPr>
+            <a:picLocks noGrp="1" noChangeAspect="1"/>
+          </p:cNvPicPr>
+          <p:nvPr>
+            <p:ph type="pic" sz="quarter" idx="15"/>
+          </p:nvPr>
+        </p:nvPicPr>
+        <p:blipFill>
+          <a:blip r:embed="rId8">
+            <a:extLst>
+              <a:ext uri="{96DAC541-7B7A-43D3-8B79-37D633B846F1}">
+                <asvg:svgBlip xmlns:asvg="http://schemas.microsoft.com/office/drawing/2016/SVG/main" r:embed="rId9"/>
+              </a:ext>
+            </a:extLst>
+          </a:blip>
+          <a:srcRect t="80" b="80"/>
+          <a:stretch>
+            <a:fillRect/>
+          </a:stretch>
+        </p:blipFill>
+        <p:spPr>
+          <a:xfrm>
+            <a:off x="7992139" y="4011717"/>
+            <a:ext cx="837322" cy="835711"/>
+          </a:xfrm>
+        </p:spPr>
+      </p:pic>
+      <p:sp>
+        <p:nvSpPr>
+          <p:cNvPr id="8" name="Text Placeholder 7">
+            <a:extLst>
+              <a:ext uri="{FF2B5EF4-FFF2-40B4-BE49-F238E27FC236}">
+                <a16:creationId xmlns:a16="http://schemas.microsoft.com/office/drawing/2014/main" id="{CC3427C9-3450-B8B3-AE0A-44ADAE2AD438}"/>
+              </a:ext>
+            </a:extLst>
+          </p:cNvPr>
+          <p:cNvSpPr>
+            <a:spLocks noGrp="1"/>
+          </p:cNvSpPr>
+          <p:nvPr>
+            <p:ph type="body" sz="quarter" idx="19"/>
+          </p:nvPr>
+        </p:nvSpPr>
+        <p:spPr>
+          <a:xfrm>
+            <a:off x="653956" y="2192844"/>
+            <a:ext cx="1559705" cy="1064310"/>
+          </a:xfrm>
+        </p:spPr>
+        <p:txBody>
+          <a:bodyPr>
+            <a:normAutofit/>
+          </a:bodyPr>
+          <a:lstStyle/>
+          <a:p>
+            <a:pPr algn="ctr"/>
+            <a:r>
+              <a:rPr lang="en-US" sz="1600" dirty="0"/>
+              <a:t>Differences in Room appreciation and utility</a:t>
+            </a:r>
+          </a:p>
+        </p:txBody>
+      </p:sp>
+      <p:sp>
+        <p:nvSpPr>
+          <p:cNvPr id="10" name="Text Placeholder 9">
+            <a:extLst>
+              <a:ext uri="{FF2B5EF4-FFF2-40B4-BE49-F238E27FC236}">
+                <a16:creationId xmlns:a16="http://schemas.microsoft.com/office/drawing/2014/main" id="{C9D2019B-4E94-1CD0-163C-13DF7CC09D44}"/>
+              </a:ext>
+            </a:extLst>
+          </p:cNvPr>
+          <p:cNvSpPr>
+            <a:spLocks noGrp="1"/>
+          </p:cNvSpPr>
+          <p:nvPr>
+            <p:ph type="body" sz="quarter" idx="21"/>
+          </p:nvPr>
+        </p:nvSpPr>
+        <p:spPr>
+          <a:xfrm>
+            <a:off x="5316147" y="2144746"/>
+            <a:ext cx="1559705" cy="1161250"/>
+          </a:xfrm>
+        </p:spPr>
+        <p:txBody>
+          <a:bodyPr>
+            <a:noAutofit/>
+          </a:bodyPr>
+          <a:lstStyle/>
+          <a:p>
+            <a:pPr algn="ctr"/>
+            <a:r>
+              <a:rPr lang="en-US" sz="1600" dirty="0"/>
+              <a:t>Lightweight algorithm and has required properties</a:t>
+            </a:r>
+          </a:p>
+        </p:txBody>
+      </p:sp>
+      <p:sp>
+        <p:nvSpPr>
+          <p:cNvPr id="12" name="Text Placeholder 11">
+            <a:extLst>
+              <a:ext uri="{FF2B5EF4-FFF2-40B4-BE49-F238E27FC236}">
+                <a16:creationId xmlns:a16="http://schemas.microsoft.com/office/drawing/2014/main" id="{ABA25F78-AD7B-8B58-EF10-0BD8091C01DD}"/>
+              </a:ext>
+            </a:extLst>
+          </p:cNvPr>
+          <p:cNvSpPr>
+            <a:spLocks noGrp="1"/>
+          </p:cNvSpPr>
+          <p:nvPr>
+            <p:ph type="body" sz="quarter" idx="23"/>
+          </p:nvPr>
+        </p:nvSpPr>
+        <p:spPr>
+          <a:xfrm>
+            <a:off x="9945747" y="2144374"/>
+            <a:ext cx="1559705" cy="1161250"/>
+          </a:xfrm>
+        </p:spPr>
+        <p:txBody>
+          <a:bodyPr>
+            <a:normAutofit/>
+          </a:bodyPr>
+          <a:lstStyle/>
+          <a:p>
+            <a:pPr algn="ctr"/>
+            <a:r>
+              <a:rPr lang="en-US" sz="1600" dirty="0"/>
+              <a:t>Easy fallbacks and strong modularity</a:t>
+            </a:r>
+          </a:p>
+        </p:txBody>
+      </p:sp>
+      <p:sp>
+        <p:nvSpPr>
+          <p:cNvPr id="14" name="Text Placeholder 13">
+            <a:extLst>
+              <a:ext uri="{FF2B5EF4-FFF2-40B4-BE49-F238E27FC236}">
+                <a16:creationId xmlns:a16="http://schemas.microsoft.com/office/drawing/2014/main" id="{0F67B93D-92B6-C47E-84C3-656D23736061}"/>
+              </a:ext>
+            </a:extLst>
+          </p:cNvPr>
+          <p:cNvSpPr>
+            <a:spLocks noGrp="1"/>
+          </p:cNvSpPr>
+          <p:nvPr>
+            <p:ph type="body" sz="quarter" idx="27"/>
+          </p:nvPr>
+        </p:nvSpPr>
+        <p:spPr>
+          <a:xfrm>
+            <a:off x="3001347" y="2839299"/>
+            <a:ext cx="1559706" cy="1064310"/>
+          </a:xfrm>
+        </p:spPr>
+        <p:txBody>
+          <a:bodyPr>
+            <a:noAutofit/>
+          </a:bodyPr>
+          <a:lstStyle/>
+          <a:p>
+            <a:pPr algn="ctr"/>
+            <a:r>
+              <a:rPr lang="en-US" sz="1600" dirty="0"/>
+              <a:t>One to Many Matching: </a:t>
+            </a:r>
+          </a:p>
+          <a:p>
+            <a:pPr algn="ctr"/>
+            <a:r>
+              <a:rPr lang="en-US" sz="1600" dirty="0"/>
+              <a:t>Deferred Acceptance</a:t>
+            </a:r>
+          </a:p>
+        </p:txBody>
+      </p:sp>
+      <p:sp>
+        <p:nvSpPr>
+          <p:cNvPr id="16" name="Text Placeholder 15">
+            <a:extLst>
+              <a:ext uri="{FF2B5EF4-FFF2-40B4-BE49-F238E27FC236}">
+                <a16:creationId xmlns:a16="http://schemas.microsoft.com/office/drawing/2014/main" id="{9E093502-20A0-A473-4FDA-CDB3B83136F7}"/>
+              </a:ext>
+            </a:extLst>
+          </p:cNvPr>
+          <p:cNvSpPr>
+            <a:spLocks noGrp="1"/>
+          </p:cNvSpPr>
+          <p:nvPr>
+            <p:ph type="body" sz="quarter" idx="29"/>
+          </p:nvPr>
+        </p:nvSpPr>
+        <p:spPr>
+          <a:xfrm>
+            <a:off x="7630949" y="2855126"/>
+            <a:ext cx="1559704" cy="1161250"/>
+          </a:xfrm>
+        </p:spPr>
+        <p:txBody>
+          <a:bodyPr>
+            <a:noAutofit/>
+          </a:bodyPr>
+          <a:lstStyle/>
+          <a:p>
+            <a:pPr algn="ctr"/>
+            <a:r>
+              <a:rPr lang="en-US" sz="1600" dirty="0"/>
+              <a:t>Good Results for both simulated and real-life based scenarios </a:t>
+            </a:r>
+          </a:p>
+        </p:txBody>
+      </p:sp>
+      <p:sp>
+        <p:nvSpPr>
+          <p:cNvPr id="17" name="Title 16">
+            <a:extLst>
+              <a:ext uri="{FF2B5EF4-FFF2-40B4-BE49-F238E27FC236}">
+                <a16:creationId xmlns:a16="http://schemas.microsoft.com/office/drawing/2014/main" id="{F4A4D87A-8410-FFB6-B0E5-F8E61CA5D236}"/>
+              </a:ext>
+            </a:extLst>
+          </p:cNvPr>
+          <p:cNvSpPr>
+            <a:spLocks noGrp="1"/>
+          </p:cNvSpPr>
+          <p:nvPr>
+            <p:ph type="title"/>
+          </p:nvPr>
+        </p:nvSpPr>
+        <p:spPr/>
+        <p:txBody>
+          <a:bodyPr>
+            <a:normAutofit/>
+          </a:bodyPr>
+          <a:lstStyle/>
+          <a:p>
+            <a:r>
+              <a:rPr lang="en-US" sz="3200" dirty="0">
+                <a:latin typeface="+mn-lt"/>
+              </a:rPr>
+              <a:t>Results of this study</a:t>
+            </a:r>
+          </a:p>
+        </p:txBody>
+      </p:sp>
+      <p:pic>
+        <p:nvPicPr>
+          <p:cNvPr id="29" name="Picture Placeholder 28" descr="Schoolhouse outline">
+            <a:extLst>
+              <a:ext uri="{FF2B5EF4-FFF2-40B4-BE49-F238E27FC236}">
+                <a16:creationId xmlns:a16="http://schemas.microsoft.com/office/drawing/2014/main" id="{C3FF2DB8-29AF-E53E-190B-CAAC5A630ECD}"/>
+              </a:ext>
+            </a:extLst>
+          </p:cNvPr>
+          <p:cNvPicPr>
+            <a:picLocks noGrp="1" noChangeAspect="1"/>
+          </p:cNvPicPr>
+          <p:nvPr>
+            <p:ph type="pic" sz="quarter" idx="10"/>
+          </p:nvPr>
+        </p:nvPicPr>
+        <p:blipFill>
+          <a:blip r:embed="rId10">
+            <a:extLst>
+              <a:ext uri="{96DAC541-7B7A-43D3-8B79-37D633B846F1}">
+                <asvg:svgBlip xmlns:asvg="http://schemas.microsoft.com/office/drawing/2016/SVG/main" r:embed="rId11"/>
+              </a:ext>
+            </a:extLst>
+          </a:blip>
+          <a:srcRect t="96" b="96"/>
+          <a:stretch/>
+        </p:blipFill>
+        <p:spPr>
+          <a:xfrm>
+            <a:off x="1015148" y="3305996"/>
+            <a:ext cx="837322" cy="835711"/>
+          </a:xfrm>
+        </p:spPr>
+      </p:pic>
+    </p:spTree>
+    <p:extLst>
+      <p:ext uri="{BB962C8B-B14F-4D97-AF65-F5344CB8AC3E}">
+        <p14:creationId xmlns:p14="http://schemas.microsoft.com/office/powerpoint/2010/main" val="497515823"/>
+      </p:ext>
+    </p:extLst>
+  </p:cSld>
+  <p:clrMapOvr>
+    <a:masterClrMapping/>
+  </p:clrMapOvr>
+</p:sld>
+</file>
+
+<file path=ppt/slides/slide25.xml><?xml version="1.0" encoding="utf-8"?>
+<p:sld xmlns:a="http://schemas.openxmlformats.org/drawingml/2006/main" xmlns:r="http://schemas.openxmlformats.org/officeDocument/2006/relationships" xmlns:p="http://schemas.openxmlformats.org/presentationml/2006/main">
+  <p:cSld>
+    <p:spTree>
+      <p:nvGrpSpPr>
+        <p:cNvPr id="1" name=""/>
+        <p:cNvGrpSpPr/>
+        <p:nvPr/>
+      </p:nvGrpSpPr>
+      <p:grpSpPr>
+        <a:xfrm>
+          <a:off x="0" y="0"/>
+          <a:ext cx="0" cy="0"/>
+          <a:chOff x="0" y="0"/>
+          <a:chExt cx="0" cy="0"/>
+        </a:xfrm>
+      </p:grpSpPr>
+      <p:sp>
+        <p:nvSpPr>
+          <p:cNvPr id="2" name="Title 1">
+            <a:extLst>
+              <a:ext uri="{FF2B5EF4-FFF2-40B4-BE49-F238E27FC236}">
+                <a16:creationId xmlns:a16="http://schemas.microsoft.com/office/drawing/2014/main" id="{0106FBB4-BBC0-5958-3F1E-0A5C7803AEF8}"/>
+              </a:ext>
+            </a:extLst>
+          </p:cNvPr>
+          <p:cNvSpPr>
+            <a:spLocks noGrp="1"/>
+          </p:cNvSpPr>
+          <p:nvPr>
+            <p:ph type="title"/>
+          </p:nvPr>
+        </p:nvSpPr>
+        <p:spPr/>
+        <p:txBody>
+          <a:bodyPr>
+            <a:normAutofit/>
+          </a:bodyPr>
+          <a:lstStyle/>
+          <a:p>
+            <a:r>
+              <a:rPr lang="fr-FR" sz="3600" dirty="0"/>
+              <a:t>CASTLE : Conclusion</a:t>
+            </a:r>
+            <a:endParaRPr lang="en-US" sz="3600" dirty="0"/>
+          </a:p>
+        </p:txBody>
+      </p:sp>
+      <p:graphicFrame>
+        <p:nvGraphicFramePr>
+          <p:cNvPr id="4" name="Diagram 3">
+            <a:extLst>
+              <a:ext uri="{FF2B5EF4-FFF2-40B4-BE49-F238E27FC236}">
+                <a16:creationId xmlns:a16="http://schemas.microsoft.com/office/drawing/2014/main" id="{DABB6FB0-837F-A696-BA0E-A559734D4B98}"/>
+              </a:ext>
+            </a:extLst>
+          </p:cNvPr>
+          <p:cNvGraphicFramePr/>
+          <p:nvPr/>
+        </p:nvGraphicFramePr>
+        <p:xfrm>
+          <a:off x="838199" y="1769434"/>
+          <a:ext cx="10515599" cy="4240842"/>
+        </p:xfrm>
+        <a:graphic>
+          <a:graphicData uri="http://schemas.openxmlformats.org/drawingml/2006/diagram">
+            <dgm:relIds xmlns:dgm="http://schemas.openxmlformats.org/drawingml/2006/diagram" xmlns:r="http://schemas.openxmlformats.org/officeDocument/2006/relationships" r:dm="rId2" r:lo="rId3" r:qs="rId4" r:cs="rId5"/>
+          </a:graphicData>
+        </a:graphic>
+      </p:graphicFrame>
+    </p:spTree>
+    <p:extLst>
+      <p:ext uri="{BB962C8B-B14F-4D97-AF65-F5344CB8AC3E}">
+        <p14:creationId xmlns:p14="http://schemas.microsoft.com/office/powerpoint/2010/main" val="4292728374"/>
       </p:ext>
     </p:extLst>
   </p:cSld>
@@ -47032,19 +55528,19 @@
           <a:lstStyle/>
           <a:p>
             <a:r>
-              <a:rPr lang="fr-FR" sz="3600" dirty="0" err="1">
-                <a:latin typeface="Candara" panose="020E0502030303020204" pitchFamily="34" charset="0"/>
+              <a:rPr lang="fr-FR" sz="3200" dirty="0" err="1">
+                <a:latin typeface="+mn-lt"/>
               </a:rPr>
               <a:t>Current</a:t>
             </a:r>
             <a:r>
-              <a:rPr lang="fr-FR" sz="3600" dirty="0">
-                <a:latin typeface="Candara" panose="020E0502030303020204" pitchFamily="34" charset="0"/>
+              <a:rPr lang="fr-FR" sz="3200" dirty="0">
+                <a:latin typeface="+mn-lt"/>
               </a:rPr>
               <a:t> Room Allocation System at X</a:t>
             </a:r>
-            <a:endParaRPr lang="en-US" sz="3600" dirty="0">
-              <a:latin typeface="Candara" panose="020E0502030303020204" pitchFamily="34" charset="0"/>
+            <a:endParaRPr lang="en-US" sz="3200" dirty="0">
+              <a:latin typeface="+mn-lt"/>
             </a:endParaRPr>
           </a:p>
         </p:txBody>
@@ -47395,9 +55891,21 @@
           <a:p>
             <a:r>
               <a:rPr lang="en-US" sz="3600" dirty="0">
-                <a:latin typeface="Candara" panose="020E0502030303020204" pitchFamily="34" charset="0"/>
+                <a:latin typeface="+mn-lt"/>
               </a:rPr>
-              <a:t>Room Allocation System at Clermont SB</a:t>
+              <a:t>Room </a:t>
+            </a:r>
+            <a:r>
+              <a:rPr lang="en-US" sz="3200" dirty="0">
+                <a:latin typeface="+mn-lt"/>
+              </a:rPr>
+              <a:t>Allocation</a:t>
+            </a:r>
+            <a:r>
+              <a:rPr lang="en-US" sz="3600" dirty="0">
+                <a:latin typeface="+mn-lt"/>
+              </a:rPr>
+              <a:t> System at Clermont SB</a:t>
             </a:r>
           </a:p>
         </p:txBody>
@@ -47830,43 +56338,43 @@
           <a:lstStyle/>
           <a:p>
             <a:r>
-              <a:rPr lang="fr-FR" sz="3600" dirty="0">
-                <a:latin typeface="Candara" panose="020E0502030303020204" pitchFamily="34" charset="0"/>
+              <a:rPr lang="fr-FR" sz="3200" dirty="0">
+                <a:latin typeface="+mn-lt"/>
               </a:rPr>
               <a:t>Global </a:t>
             </a:r>
             <a:r>
-              <a:rPr lang="fr-FR" sz="3600" dirty="0" err="1">
-                <a:latin typeface="Candara" panose="020E0502030303020204" pitchFamily="34" charset="0"/>
+              <a:rPr lang="fr-FR" sz="3200" dirty="0" err="1">
+                <a:latin typeface="+mn-lt"/>
               </a:rPr>
               <a:t>Market</a:t>
             </a:r>
             <a:r>
-              <a:rPr lang="fr-FR" sz="3600" dirty="0">
-                <a:latin typeface="Candara" panose="020E0502030303020204" pitchFamily="34" charset="0"/>
+              <a:rPr lang="fr-FR" sz="3200" dirty="0">
+                <a:latin typeface="+mn-lt"/>
               </a:rPr>
               <a:t> Impact and </a:t>
             </a:r>
             <a:r>
-              <a:rPr lang="fr-FR" sz="3600" dirty="0" err="1">
-                <a:latin typeface="Candara" panose="020E0502030303020204" pitchFamily="34" charset="0"/>
+              <a:rPr lang="fr-FR" sz="3200" dirty="0" err="1">
+                <a:latin typeface="+mn-lt"/>
               </a:rPr>
               <a:t>Existing</a:t>
             </a:r>
             <a:r>
-              <a:rPr lang="fr-FR" sz="3600" dirty="0">
-                <a:latin typeface="Candara" panose="020E0502030303020204" pitchFamily="34" charset="0"/>
+              <a:rPr lang="fr-FR" sz="3200" dirty="0">
+                <a:latin typeface="+mn-lt"/>
               </a:rPr>
               <a:t> </a:t>
             </a:r>
             <a:r>
-              <a:rPr lang="fr-FR" sz="3600" dirty="0" err="1">
-                <a:latin typeface="Candara" panose="020E0502030303020204" pitchFamily="34" charset="0"/>
+              <a:rPr lang="fr-FR" sz="3200" dirty="0" err="1">
+                <a:latin typeface="+mn-lt"/>
               </a:rPr>
               <a:t>systems</a:t>
             </a:r>
-            <a:endParaRPr lang="en-US" sz="3600" dirty="0">
-              <a:latin typeface="Candara" panose="020E0502030303020204" pitchFamily="34" charset="0"/>
+            <a:endParaRPr lang="en-US" sz="3200" dirty="0">
+              <a:latin typeface="+mn-lt"/>
             </a:endParaRPr>
           </a:p>
         </p:txBody>
@@ -48291,11 +56799,15 @@
         </p:nvSpPr>
         <p:spPr/>
         <p:txBody>
-          <a:bodyPr/>
+          <a:bodyPr>
+            <a:normAutofit/>
+          </a:bodyPr>
           <a:lstStyle/>
           <a:p>
             <a:r>
-              <a:rPr lang="en-GB" dirty="0"/>
+              <a:rPr lang="en-GB" sz="3600" dirty="0">
+                <a:latin typeface="+mn-lt"/>
+              </a:rPr>
               <a:t>Differences in Room Appreciation</a:t>
             </a:r>
           </a:p>
@@ -48482,14 +56994,14 @@
           <a:p>
             <a:r>
               <a:rPr lang="en-US" dirty="0">
-                <a:latin typeface="Candara" panose="020E0502030303020204" pitchFamily="34" charset="0"/>
+                <a:latin typeface="Georgia" panose="02040502050405020303" pitchFamily="18" charset="0"/>
               </a:rPr>
               <a:t>Ranking of the room types</a:t>
             </a:r>
           </a:p>
           <a:p>
             <a:endParaRPr lang="en-US" dirty="0">
-              <a:latin typeface="Candara" panose="020E0502030303020204" pitchFamily="34" charset="0"/>
+              <a:latin typeface="Georgia" panose="02040502050405020303" pitchFamily="18" charset="0"/>
             </a:endParaRPr>
           </a:p>
         </p:txBody>
@@ -48573,7 +57085,7 @@
           <p:nvPr>
             <p:extLst>
               <p:ext uri="{D42A27DB-BD31-4B8C-83A1-F6EECF244321}">
-                <p14:modId xmlns:p14="http://schemas.microsoft.com/office/powerpoint/2010/main" val="2599850107"/>
+                <p14:modId xmlns:p14="http://schemas.microsoft.com/office/powerpoint/2010/main" val="225934844"/>
               </p:ext>
             </p:extLst>
           </p:nvPr>
@@ -48617,14 +57129,11 @@
           <a:lstStyle/>
           <a:p>
             <a:r>
-              <a:rPr lang="en-US" dirty="0"/>
-              <a:t>Drivers of </a:t>
-            </a:r>
-            <a:r>
-              <a:rPr lang="en-US" dirty="0" err="1"/>
-              <a:t>differenciation</a:t>
-            </a:r>
-            <a:endParaRPr lang="en-US" dirty="0"/>
+              <a:rPr lang="en-US" sz="3600" dirty="0">
+                <a:latin typeface="+mn-lt"/>
+              </a:rPr>
+              <a:t>Drivers of differentiation</a:t>
+            </a:r>
           </a:p>
         </p:txBody>
       </p:sp>

--- a/Pitch final Minguet.pptx
+++ b/Pitch final Minguet.pptx
@@ -16627,7 +16627,7 @@
           <a:p>
             <a:fld id="{C139B7E4-65CE-45E0-B612-BB2CFA1ABD80}" type="datetimeFigureOut">
               <a:rPr lang="en-US" smtClean="0"/>
-              <a:t>11/22/2024</a:t>
+              <a:t>11/24/2024</a:t>
             </a:fld>
             <a:endParaRPr lang="en-US"/>
           </a:p>
@@ -16803,7 +16803,7 @@
           <a:p>
             <a:fld id="{C139B7E4-65CE-45E0-B612-BB2CFA1ABD80}" type="datetimeFigureOut">
               <a:rPr lang="en-US" smtClean="0"/>
-              <a:t>11/22/2024</a:t>
+              <a:t>11/24/2024</a:t>
             </a:fld>
             <a:endParaRPr lang="en-US"/>
           </a:p>
@@ -18674,7 +18674,7 @@
           <a:p>
             <a:fld id="{C139B7E4-65CE-45E0-B612-BB2CFA1ABD80}" type="datetimeFigureOut">
               <a:rPr lang="en-US" smtClean="0"/>
-              <a:t>11/22/2024</a:t>
+              <a:t>11/24/2024</a:t>
             </a:fld>
             <a:endParaRPr lang="en-US"/>
           </a:p>
@@ -18836,7 +18836,7 @@
           <a:p>
             <a:fld id="{C139B7E4-65CE-45E0-B612-BB2CFA1ABD80}" type="datetimeFigureOut">
               <a:rPr lang="en-US" smtClean="0"/>
-              <a:t>11/22/2024</a:t>
+              <a:t>11/24/2024</a:t>
             </a:fld>
             <a:endParaRPr lang="en-US"/>
           </a:p>
@@ -19064,7 +19064,7 @@
           <a:p>
             <a:fld id="{C139B7E4-65CE-45E0-B612-BB2CFA1ABD80}" type="datetimeFigureOut">
               <a:rPr lang="en-US" smtClean="0"/>
-              <a:t>11/22/2024</a:t>
+              <a:t>11/24/2024</a:t>
             </a:fld>
             <a:endParaRPr lang="en-US"/>
           </a:p>
@@ -19292,7 +19292,7 @@
           <a:p>
             <a:fld id="{C139B7E4-65CE-45E0-B612-BB2CFA1ABD80}" type="datetimeFigureOut">
               <a:rPr lang="en-US" smtClean="0"/>
-              <a:t>11/22/2024</a:t>
+              <a:t>11/24/2024</a:t>
             </a:fld>
             <a:endParaRPr lang="en-US"/>
           </a:p>
@@ -19488,7 +19488,7 @@
           <a:p>
             <a:fld id="{C139B7E4-65CE-45E0-B612-BB2CFA1ABD80}" type="datetimeFigureOut">
               <a:rPr lang="en-US" smtClean="0"/>
-              <a:t>11/22/2024</a:t>
+              <a:t>11/24/2024</a:t>
             </a:fld>
             <a:endParaRPr lang="en-US"/>
           </a:p>
@@ -19734,7 +19734,7 @@
           <a:p>
             <a:fld id="{C139B7E4-65CE-45E0-B612-BB2CFA1ABD80}" type="datetimeFigureOut">
               <a:rPr lang="en-US" smtClean="0"/>
-              <a:t>11/22/2024</a:t>
+              <a:t>11/24/2024</a:t>
             </a:fld>
             <a:endParaRPr lang="en-US"/>
           </a:p>
@@ -19910,7 +19910,7 @@
           <a:p>
             <a:fld id="{C139B7E4-65CE-45E0-B612-BB2CFA1ABD80}" type="datetimeFigureOut">
               <a:rPr lang="en-US" smtClean="0"/>
-              <a:t>11/22/2024</a:t>
+              <a:t>11/24/2024</a:t>
             </a:fld>
             <a:endParaRPr lang="en-US"/>
           </a:p>
@@ -20198,7 +20198,7 @@
           <a:p>
             <a:fld id="{C139B7E4-65CE-45E0-B612-BB2CFA1ABD80}" type="datetimeFigureOut">
               <a:rPr lang="en-US" smtClean="0"/>
-              <a:t>11/22/2024</a:t>
+              <a:t>11/24/2024</a:t>
             </a:fld>
             <a:endParaRPr lang="en-US"/>
           </a:p>
@@ -21555,7 +21555,7 @@
           <a:p>
             <a:fld id="{C139B7E4-65CE-45E0-B612-BB2CFA1ABD80}" type="datetimeFigureOut">
               <a:rPr lang="en-US" smtClean="0"/>
-              <a:t>11/22/2024</a:t>
+              <a:t>11/24/2024</a:t>
             </a:fld>
             <a:endParaRPr lang="en-US"/>
           </a:p>
@@ -23619,7 +23619,7 @@
           <a:p>
             <a:fld id="{C139B7E4-65CE-45E0-B612-BB2CFA1ABD80}" type="datetimeFigureOut">
               <a:rPr lang="en-US" smtClean="0"/>
-              <a:t>11/22/2024</a:t>
+              <a:t>11/24/2024</a:t>
             </a:fld>
             <a:endParaRPr lang="en-US"/>
           </a:p>
@@ -24717,7 +24717,7 @@
           <a:p>
             <a:fld id="{C139B7E4-65CE-45E0-B612-BB2CFA1ABD80}" type="datetimeFigureOut">
               <a:rPr lang="en-US" smtClean="0"/>
-              <a:t>11/22/2024</a:t>
+              <a:t>11/24/2024</a:t>
             </a:fld>
             <a:endParaRPr lang="en-US"/>
           </a:p>
@@ -25824,7 +25824,7 @@
           <a:p>
             <a:fld id="{C139B7E4-65CE-45E0-B612-BB2CFA1ABD80}" type="datetimeFigureOut">
               <a:rPr lang="en-US" smtClean="0"/>
-              <a:t>11/22/2024</a:t>
+              <a:t>11/24/2024</a:t>
             </a:fld>
             <a:endParaRPr lang="en-US"/>
           </a:p>
@@ -27422,7 +27422,7 @@
           <a:p>
             <a:fld id="{C139B7E4-65CE-45E0-B612-BB2CFA1ABD80}" type="datetimeFigureOut">
               <a:rPr lang="en-US" smtClean="0"/>
-              <a:t>11/22/2024</a:t>
+              <a:t>11/24/2024</a:t>
             </a:fld>
             <a:endParaRPr lang="en-US"/>
           </a:p>
@@ -27932,7 +27932,7 @@
           <a:p>
             <a:fld id="{C139B7E4-65CE-45E0-B612-BB2CFA1ABD80}" type="datetimeFigureOut">
               <a:rPr lang="en-US" smtClean="0"/>
-              <a:t>11/22/2024</a:t>
+              <a:t>11/24/2024</a:t>
             </a:fld>
             <a:endParaRPr lang="en-US"/>
           </a:p>
@@ -28529,7 +28529,7 @@
           <a:p>
             <a:fld id="{C139B7E4-65CE-45E0-B612-BB2CFA1ABD80}" type="datetimeFigureOut">
               <a:rPr lang="en-US" smtClean="0"/>
-              <a:t>11/22/2024</a:t>
+              <a:t>11/24/2024</a:t>
             </a:fld>
             <a:endParaRPr lang="en-US"/>
           </a:p>
@@ -29252,7 +29252,7 @@
           <a:p>
             <a:fld id="{C139B7E4-65CE-45E0-B612-BB2CFA1ABD80}" type="datetimeFigureOut">
               <a:rPr lang="en-US" smtClean="0"/>
-              <a:t>11/22/2024</a:t>
+              <a:t>11/24/2024</a:t>
             </a:fld>
             <a:endParaRPr lang="en-US"/>
           </a:p>
@@ -29888,7 +29888,7 @@
           <a:p>
             <a:fld id="{C139B7E4-65CE-45E0-B612-BB2CFA1ABD80}" type="datetimeFigureOut">
               <a:rPr lang="en-US" smtClean="0"/>
-              <a:t>11/22/2024</a:t>
+              <a:t>11/24/2024</a:t>
             </a:fld>
             <a:endParaRPr lang="en-US"/>
           </a:p>
@@ -30535,7 +30535,7 @@
           <a:p>
             <a:fld id="{C139B7E4-65CE-45E0-B612-BB2CFA1ABD80}" type="datetimeFigureOut">
               <a:rPr lang="en-US" smtClean="0"/>
-              <a:t>11/22/2024</a:t>
+              <a:t>11/24/2024</a:t>
             </a:fld>
             <a:endParaRPr lang="en-US"/>
           </a:p>
@@ -31675,7 +31675,7 @@
           <a:p>
             <a:fld id="{C139B7E4-65CE-45E0-B612-BB2CFA1ABD80}" type="datetimeFigureOut">
               <a:rPr lang="en-US" smtClean="0"/>
-              <a:t>11/22/2024</a:t>
+              <a:t>11/24/2024</a:t>
             </a:fld>
             <a:endParaRPr lang="en-US"/>
           </a:p>
@@ -33302,7 +33302,7 @@
           <a:p>
             <a:fld id="{C139B7E4-65CE-45E0-B612-BB2CFA1ABD80}" type="datetimeFigureOut">
               <a:rPr lang="en-US" smtClean="0"/>
-              <a:t>11/22/2024</a:t>
+              <a:t>11/24/2024</a:t>
             </a:fld>
             <a:endParaRPr lang="en-US"/>
           </a:p>
@@ -34393,7 +34393,7 @@
           <a:p>
             <a:fld id="{C139B7E4-65CE-45E0-B612-BB2CFA1ABD80}" type="datetimeFigureOut">
               <a:rPr lang="en-US" smtClean="0"/>
-              <a:t>11/22/2024</a:t>
+              <a:t>11/24/2024</a:t>
             </a:fld>
             <a:endParaRPr lang="en-US"/>
           </a:p>
@@ -35514,7 +35514,7 @@
           <a:p>
             <a:fld id="{C139B7E4-65CE-45E0-B612-BB2CFA1ABD80}" type="datetimeFigureOut">
               <a:rPr lang="en-US" smtClean="0"/>
-              <a:t>11/22/2024</a:t>
+              <a:t>11/24/2024</a:t>
             </a:fld>
             <a:endParaRPr lang="en-US"/>
           </a:p>
@@ -43478,7 +43478,7 @@
           <a:p>
             <a:fld id="{C139B7E4-65CE-45E0-B612-BB2CFA1ABD80}" type="datetimeFigureOut">
               <a:rPr lang="en-US" smtClean="0"/>
-              <a:t>11/22/2024</a:t>
+              <a:t>11/24/2024</a:t>
             </a:fld>
             <a:endParaRPr lang="en-US"/>
           </a:p>
@@ -44517,7 +44517,7 @@
           <a:p>
             <a:fld id="{C139B7E4-65CE-45E0-B612-BB2CFA1ABD80}" type="datetimeFigureOut">
               <a:rPr lang="en-US" smtClean="0"/>
-              <a:t>11/22/2024</a:t>
+              <a:t>11/24/2024</a:t>
             </a:fld>
             <a:endParaRPr lang="en-US"/>
           </a:p>
@@ -45389,7 +45389,7 @@
           <a:p>
             <a:fld id="{C139B7E4-65CE-45E0-B612-BB2CFA1ABD80}" type="datetimeFigureOut">
               <a:rPr lang="en-US" smtClean="0"/>
-              <a:t>11/22/2024</a:t>
+              <a:t>11/24/2024</a:t>
             </a:fld>
             <a:endParaRPr lang="en-US"/>
           </a:p>
@@ -46494,7 +46494,7 @@
           <a:p>
             <a:fld id="{C139B7E4-65CE-45E0-B612-BB2CFA1ABD80}" type="datetimeFigureOut">
               <a:rPr lang="en-US" smtClean="0"/>
-              <a:t>11/22/2024</a:t>
+              <a:t>11/24/2024</a:t>
             </a:fld>
             <a:endParaRPr lang="en-US"/>
           </a:p>
@@ -47832,7 +47832,7 @@
           <a:p>
             <a:fld id="{C139B7E4-65CE-45E0-B612-BB2CFA1ABD80}" type="datetimeFigureOut">
               <a:rPr lang="en-US" smtClean="0"/>
-              <a:t>11/22/2024</a:t>
+              <a:t>11/24/2024</a:t>
             </a:fld>
             <a:endParaRPr lang="en-US"/>
           </a:p>
@@ -49600,7 +49600,7 @@
           <a:p>
             <a:fld id="{C139B7E4-65CE-45E0-B612-BB2CFA1ABD80}" type="datetimeFigureOut">
               <a:rPr lang="en-US" smtClean="0"/>
-              <a:t>11/22/2024</a:t>
+              <a:t>11/24/2024</a:t>
             </a:fld>
             <a:endParaRPr lang="en-US"/>
           </a:p>
@@ -51480,8 +51480,8 @@
           </a:p>
         </p:txBody>
       </p:sp>
-      <mc:AlternateContent xmlns:mc="http://schemas.openxmlformats.org/markup-compatibility/2006">
-        <mc:Choice xmlns:a14="http://schemas.microsoft.com/office/drawing/2010/main" Requires="a14">
+      <mc:AlternateContent xmlns:mc="http://schemas.openxmlformats.org/markup-compatibility/2006" xmlns:a14="http://schemas.microsoft.com/office/drawing/2010/main">
+        <mc:Choice Requires="a14">
           <p:sp>
             <p:nvSpPr>
               <p:cNvPr id="3" name="Text Placeholder 2">
@@ -51815,7 +51815,7 @@
             </p:txBody>
           </p:sp>
         </mc:Choice>
-        <mc:Fallback>
+        <mc:Fallback xmlns="">
           <p:sp>
             <p:nvSpPr>
               <p:cNvPr id="3" name="Text Placeholder 2">
